--- a/slides/0030.pptx
+++ b/slides/0030.pptx
@@ -6,6 +6,9 @@
   </p:sldMasterIdLst>
   <p:sldIdLst>
     <p:sldId id="257" r:id="rId2"/>
+    <p:sldId id="258" r:id="rId3"/>
+    <p:sldId id="259" r:id="rId4"/>
+    <p:sldId id="262" r:id="rId5"/>
   </p:sldIdLst>
   <p:sldSz cx="12192000" cy="6858000"/>
   <p:notesSz cx="6858000" cy="9144000"/>
@@ -259,7 +262,7 @@
           <a:p>
             <a:fld id="{5AEC58D5-D0FD-5D43-AC21-2C9A8E377766}" type="datetimeFigureOut">
               <a:rPr lang="en-US" smtClean="0"/>
-              <a:t>4/27/18</a:t>
+              <a:t>5/15/18</a:t>
             </a:fld>
             <a:endParaRPr lang="en-US"/>
           </a:p>
@@ -457,7 +460,7 @@
           <a:p>
             <a:fld id="{5AEC58D5-D0FD-5D43-AC21-2C9A8E377766}" type="datetimeFigureOut">
               <a:rPr lang="en-US" smtClean="0"/>
-              <a:t>4/27/18</a:t>
+              <a:t>5/15/18</a:t>
             </a:fld>
             <a:endParaRPr lang="en-US"/>
           </a:p>
@@ -665,7 +668,7 @@
           <a:p>
             <a:fld id="{5AEC58D5-D0FD-5D43-AC21-2C9A8E377766}" type="datetimeFigureOut">
               <a:rPr lang="en-US" smtClean="0"/>
-              <a:t>4/27/18</a:t>
+              <a:t>5/15/18</a:t>
             </a:fld>
             <a:endParaRPr lang="en-US"/>
           </a:p>
@@ -863,7 +866,7 @@
           <a:p>
             <a:fld id="{5AEC58D5-D0FD-5D43-AC21-2C9A8E377766}" type="datetimeFigureOut">
               <a:rPr lang="en-US" smtClean="0"/>
-              <a:t>4/27/18</a:t>
+              <a:t>5/15/18</a:t>
             </a:fld>
             <a:endParaRPr lang="en-US"/>
           </a:p>
@@ -1138,7 +1141,7 @@
           <a:p>
             <a:fld id="{5AEC58D5-D0FD-5D43-AC21-2C9A8E377766}" type="datetimeFigureOut">
               <a:rPr lang="en-US" smtClean="0"/>
-              <a:t>4/27/18</a:t>
+              <a:t>5/15/18</a:t>
             </a:fld>
             <a:endParaRPr lang="en-US"/>
           </a:p>
@@ -1403,7 +1406,7 @@
           <a:p>
             <a:fld id="{5AEC58D5-D0FD-5D43-AC21-2C9A8E377766}" type="datetimeFigureOut">
               <a:rPr lang="en-US" smtClean="0"/>
-              <a:t>4/27/18</a:t>
+              <a:t>5/15/18</a:t>
             </a:fld>
             <a:endParaRPr lang="en-US"/>
           </a:p>
@@ -1815,7 +1818,7 @@
           <a:p>
             <a:fld id="{5AEC58D5-D0FD-5D43-AC21-2C9A8E377766}" type="datetimeFigureOut">
               <a:rPr lang="en-US" smtClean="0"/>
-              <a:t>4/27/18</a:t>
+              <a:t>5/15/18</a:t>
             </a:fld>
             <a:endParaRPr lang="en-US"/>
           </a:p>
@@ -1956,7 +1959,7 @@
           <a:p>
             <a:fld id="{5AEC58D5-D0FD-5D43-AC21-2C9A8E377766}" type="datetimeFigureOut">
               <a:rPr lang="en-US" smtClean="0"/>
-              <a:t>4/27/18</a:t>
+              <a:t>5/15/18</a:t>
             </a:fld>
             <a:endParaRPr lang="en-US"/>
           </a:p>
@@ -2069,7 +2072,7 @@
           <a:p>
             <a:fld id="{5AEC58D5-D0FD-5D43-AC21-2C9A8E377766}" type="datetimeFigureOut">
               <a:rPr lang="en-US" smtClean="0"/>
-              <a:t>4/27/18</a:t>
+              <a:t>5/15/18</a:t>
             </a:fld>
             <a:endParaRPr lang="en-US"/>
           </a:p>
@@ -2380,7 +2383,7 @@
           <a:p>
             <a:fld id="{5AEC58D5-D0FD-5D43-AC21-2C9A8E377766}" type="datetimeFigureOut">
               <a:rPr lang="en-US" smtClean="0"/>
-              <a:t>4/27/18</a:t>
+              <a:t>5/15/18</a:t>
             </a:fld>
             <a:endParaRPr lang="en-US"/>
           </a:p>
@@ -2668,7 +2671,7 @@
           <a:p>
             <a:fld id="{5AEC58D5-D0FD-5D43-AC21-2C9A8E377766}" type="datetimeFigureOut">
               <a:rPr lang="en-US" smtClean="0"/>
-              <a:t>4/27/18</a:t>
+              <a:t>5/15/18</a:t>
             </a:fld>
             <a:endParaRPr lang="en-US"/>
           </a:p>
@@ -2909,7 +2912,7 @@
           <a:p>
             <a:fld id="{5AEC58D5-D0FD-5D43-AC21-2C9A8E377766}" type="datetimeFigureOut">
               <a:rPr lang="en-US" smtClean="0"/>
-              <a:t>4/27/18</a:t>
+              <a:t>5/15/18</a:t>
             </a:fld>
             <a:endParaRPr lang="en-US"/>
           </a:p>
@@ -3326,6 +3329,49 @@
           <a:chExt cx="0" cy="0"/>
         </a:xfrm>
       </p:grpSpPr>
+      <p:cxnSp>
+        <p:nvCxnSpPr>
+          <p:cNvPr id="32" name="Straight Connector 31">
+            <a:extLst>
+              <a:ext uri="{FF2B5EF4-FFF2-40B4-BE49-F238E27FC236}">
+                <a16:creationId xmlns:a16="http://schemas.microsoft.com/office/drawing/2014/main" id="{8FCE3C15-A2CC-EA4D-8AC3-8816408BFAAF}"/>
+              </a:ext>
+            </a:extLst>
+          </p:cNvPr>
+          <p:cNvCxnSpPr>
+            <a:cxnSpLocks/>
+          </p:cNvCxnSpPr>
+          <p:nvPr/>
+        </p:nvCxnSpPr>
+        <p:spPr>
+          <a:xfrm flipH="1" flipV="1">
+            <a:off x="2135970" y="3463774"/>
+            <a:ext cx="8036997" cy="40970"/>
+          </a:xfrm>
+          <a:prstGeom prst="line">
+            <a:avLst/>
+          </a:prstGeom>
+          <a:ln w="38100">
+            <a:solidFill>
+              <a:schemeClr val="tx1"/>
+            </a:solidFill>
+          </a:ln>
+        </p:spPr>
+        <p:style>
+          <a:lnRef idx="1">
+            <a:schemeClr val="accent1"/>
+          </a:lnRef>
+          <a:fillRef idx="0">
+            <a:schemeClr val="accent1"/>
+          </a:fillRef>
+          <a:effectRef idx="0">
+            <a:schemeClr val="accent1"/>
+          </a:effectRef>
+          <a:fontRef idx="minor">
+            <a:schemeClr val="tx1"/>
+          </a:fontRef>
+        </p:style>
+      </p:cxnSp>
       <p:sp>
         <p:nvSpPr>
           <p:cNvPr id="17" name="Rounded Rectangle 16">
@@ -3340,14 +3386,14 @@
         </p:nvSpPr>
         <p:spPr>
           <a:xfrm>
-            <a:off x="817773" y="385012"/>
-            <a:ext cx="3071672" cy="5399773"/>
+            <a:off x="769646" y="943265"/>
+            <a:ext cx="3171118" cy="5399773"/>
           </a:xfrm>
           <a:prstGeom prst="roundRect">
             <a:avLst/>
           </a:prstGeom>
           <a:noFill/>
-          <a:ln w="76200">
+          <a:ln w="57150">
             <a:solidFill>
               <a:schemeClr val="accent5"/>
             </a:solidFill>
@@ -3379,6 +3425,216 @@
           </a:p>
         </p:txBody>
       </p:sp>
+      <p:sp>
+        <p:nvSpPr>
+          <p:cNvPr id="62" name="Rounded Rectangle 61">
+            <a:extLst>
+              <a:ext uri="{FF2B5EF4-FFF2-40B4-BE49-F238E27FC236}">
+                <a16:creationId xmlns:a16="http://schemas.microsoft.com/office/drawing/2014/main" id="{E12949FD-7B61-0447-99F0-A0770E982292}"/>
+              </a:ext>
+            </a:extLst>
+          </p:cNvPr>
+          <p:cNvSpPr/>
+          <p:nvPr/>
+        </p:nvSpPr>
+        <p:spPr>
+          <a:xfrm>
+            <a:off x="4232419" y="943265"/>
+            <a:ext cx="3877774" cy="5399774"/>
+          </a:xfrm>
+          <a:prstGeom prst="roundRect">
+            <a:avLst/>
+          </a:prstGeom>
+          <a:noFill/>
+          <a:ln w="57150">
+            <a:solidFill>
+              <a:schemeClr val="accent5"/>
+            </a:solidFill>
+            <a:prstDash val="dash"/>
+          </a:ln>
+        </p:spPr>
+        <p:style>
+          <a:lnRef idx="2">
+            <a:schemeClr val="accent1">
+              <a:shade val="50000"/>
+            </a:schemeClr>
+          </a:lnRef>
+          <a:fillRef idx="1">
+            <a:schemeClr val="accent1"/>
+          </a:fillRef>
+          <a:effectRef idx="0">
+            <a:schemeClr val="accent1"/>
+          </a:effectRef>
+          <a:fontRef idx="minor">
+            <a:schemeClr val="lt1"/>
+          </a:fontRef>
+        </p:style>
+        <p:txBody>
+          <a:bodyPr rtlCol="0" anchor="ctr"/>
+          <a:lstStyle/>
+          <a:p>
+            <a:pPr algn="ctr"/>
+            <a:endParaRPr lang="en-US"/>
+          </a:p>
+        </p:txBody>
+      </p:sp>
+      <p:sp>
+        <p:nvSpPr>
+          <p:cNvPr id="68" name="Rounded Rectangle 67">
+            <a:extLst>
+              <a:ext uri="{FF2B5EF4-FFF2-40B4-BE49-F238E27FC236}">
+                <a16:creationId xmlns:a16="http://schemas.microsoft.com/office/drawing/2014/main" id="{C7382D5B-9FF6-BA4D-8094-F53218AA6315}"/>
+              </a:ext>
+            </a:extLst>
+          </p:cNvPr>
+          <p:cNvSpPr/>
+          <p:nvPr/>
+        </p:nvSpPr>
+        <p:spPr>
+          <a:xfrm>
+            <a:off x="8397516" y="943265"/>
+            <a:ext cx="3071672" cy="5399773"/>
+          </a:xfrm>
+          <a:prstGeom prst="roundRect">
+            <a:avLst/>
+          </a:prstGeom>
+          <a:noFill/>
+          <a:ln w="57150">
+            <a:solidFill>
+              <a:schemeClr val="accent5"/>
+            </a:solidFill>
+            <a:prstDash val="dash"/>
+          </a:ln>
+        </p:spPr>
+        <p:style>
+          <a:lnRef idx="2">
+            <a:schemeClr val="accent1">
+              <a:shade val="50000"/>
+            </a:schemeClr>
+          </a:lnRef>
+          <a:fillRef idx="1">
+            <a:schemeClr val="accent1"/>
+          </a:fillRef>
+          <a:effectRef idx="0">
+            <a:schemeClr val="accent1"/>
+          </a:effectRef>
+          <a:fontRef idx="minor">
+            <a:schemeClr val="lt1"/>
+          </a:fontRef>
+        </p:style>
+        <p:txBody>
+          <a:bodyPr rtlCol="0" anchor="ctr"/>
+          <a:lstStyle/>
+          <a:p>
+            <a:pPr algn="ctr"/>
+            <a:endParaRPr lang="en-US"/>
+          </a:p>
+        </p:txBody>
+      </p:sp>
+      <p:sp>
+        <p:nvSpPr>
+          <p:cNvPr id="2" name="Rectangle 1">
+            <a:extLst>
+              <a:ext uri="{FF2B5EF4-FFF2-40B4-BE49-F238E27FC236}">
+                <a16:creationId xmlns:a16="http://schemas.microsoft.com/office/drawing/2014/main" id="{CFC7132C-9E8F-2C4A-9E3A-74A8F38B477F}"/>
+              </a:ext>
+            </a:extLst>
+          </p:cNvPr>
+          <p:cNvSpPr/>
+          <p:nvPr/>
+        </p:nvSpPr>
+        <p:spPr>
+          <a:xfrm>
+            <a:off x="3681492" y="3022333"/>
+            <a:ext cx="794122" cy="931743"/>
+          </a:xfrm>
+          <a:prstGeom prst="rect">
+            <a:avLst/>
+          </a:prstGeom>
+          <a:solidFill>
+            <a:schemeClr val="bg1"/>
+          </a:solidFill>
+          <a:ln>
+            <a:noFill/>
+          </a:ln>
+        </p:spPr>
+        <p:style>
+          <a:lnRef idx="2">
+            <a:schemeClr val="accent1">
+              <a:shade val="50000"/>
+            </a:schemeClr>
+          </a:lnRef>
+          <a:fillRef idx="1">
+            <a:schemeClr val="accent1"/>
+          </a:fillRef>
+          <a:effectRef idx="0">
+            <a:schemeClr val="accent1"/>
+          </a:effectRef>
+          <a:fontRef idx="minor">
+            <a:schemeClr val="lt1"/>
+          </a:fontRef>
+        </p:style>
+        <p:txBody>
+          <a:bodyPr rtlCol="0" anchor="ctr"/>
+          <a:lstStyle/>
+          <a:p>
+            <a:pPr algn="ctr"/>
+            <a:endParaRPr lang="en-US"/>
+          </a:p>
+        </p:txBody>
+      </p:sp>
+      <p:sp>
+        <p:nvSpPr>
+          <p:cNvPr id="40" name="Rectangle 39">
+            <a:extLst>
+              <a:ext uri="{FF2B5EF4-FFF2-40B4-BE49-F238E27FC236}">
+                <a16:creationId xmlns:a16="http://schemas.microsoft.com/office/drawing/2014/main" id="{CA9B4246-BA05-A54E-8806-D3422FCA359D}"/>
+              </a:ext>
+            </a:extLst>
+          </p:cNvPr>
+          <p:cNvSpPr/>
+          <p:nvPr/>
+        </p:nvSpPr>
+        <p:spPr>
+          <a:xfrm>
+            <a:off x="7903565" y="2994539"/>
+            <a:ext cx="680157" cy="1036971"/>
+          </a:xfrm>
+          <a:prstGeom prst="rect">
+            <a:avLst/>
+          </a:prstGeom>
+          <a:solidFill>
+            <a:schemeClr val="bg1"/>
+          </a:solidFill>
+          <a:ln>
+            <a:noFill/>
+          </a:ln>
+        </p:spPr>
+        <p:style>
+          <a:lnRef idx="2">
+            <a:schemeClr val="accent1">
+              <a:shade val="50000"/>
+            </a:schemeClr>
+          </a:lnRef>
+          <a:fillRef idx="1">
+            <a:schemeClr val="accent1"/>
+          </a:fillRef>
+          <a:effectRef idx="0">
+            <a:schemeClr val="accent1"/>
+          </a:effectRef>
+          <a:fontRef idx="minor">
+            <a:schemeClr val="lt1"/>
+          </a:fontRef>
+        </p:style>
+        <p:txBody>
+          <a:bodyPr rtlCol="0" anchor="ctr"/>
+          <a:lstStyle/>
+          <a:p>
+            <a:pPr algn="ctr"/>
+            <a:endParaRPr lang="en-US"/>
+          </a:p>
+        </p:txBody>
+      </p:sp>
       <p:cxnSp>
         <p:nvCxnSpPr>
           <p:cNvPr id="25" name="Straight Connector 24">
@@ -3395,51 +3651,8 @@
         </p:nvCxnSpPr>
         <p:spPr>
           <a:xfrm flipV="1">
-            <a:off x="1940467" y="3154745"/>
+            <a:off x="1892340" y="3712998"/>
             <a:ext cx="0" cy="1108359"/>
-          </a:xfrm>
-          <a:prstGeom prst="line">
-            <a:avLst/>
-          </a:prstGeom>
-          <a:ln w="38100">
-            <a:solidFill>
-              <a:schemeClr val="tx1"/>
-            </a:solidFill>
-          </a:ln>
-        </p:spPr>
-        <p:style>
-          <a:lnRef idx="1">
-            <a:schemeClr val="accent1"/>
-          </a:lnRef>
-          <a:fillRef idx="0">
-            <a:schemeClr val="accent1"/>
-          </a:fillRef>
-          <a:effectRef idx="0">
-            <a:schemeClr val="accent1"/>
-          </a:effectRef>
-          <a:fontRef idx="minor">
-            <a:schemeClr val="tx1"/>
-          </a:fontRef>
-        </p:style>
-      </p:cxnSp>
-      <p:cxnSp>
-        <p:nvCxnSpPr>
-          <p:cNvPr id="32" name="Straight Connector 31">
-            <a:extLst>
-              <a:ext uri="{FF2B5EF4-FFF2-40B4-BE49-F238E27FC236}">
-                <a16:creationId xmlns:a16="http://schemas.microsoft.com/office/drawing/2014/main" id="{8FCE3C15-A2CC-EA4D-8AC3-8816408BFAAF}"/>
-              </a:ext>
-            </a:extLst>
-          </p:cNvPr>
-          <p:cNvCxnSpPr>
-            <a:cxnSpLocks/>
-          </p:cNvCxnSpPr>
-          <p:nvPr/>
-        </p:nvCxnSpPr>
-        <p:spPr>
-          <a:xfrm flipH="1" flipV="1">
-            <a:off x="2184097" y="2905521"/>
-            <a:ext cx="8036997" cy="40970"/>
           </a:xfrm>
           <a:prstGeom prst="line">
             <a:avLst/>
@@ -3493,7 +3706,7 @@
         </p:blipFill>
         <p:spPr>
           <a:xfrm>
-            <a:off x="1281452" y="3797044"/>
+            <a:off x="1233325" y="4355297"/>
             <a:ext cx="1318030" cy="1318030"/>
           </a:xfrm>
           <a:prstGeom prst="rect">
@@ -3529,7 +3742,7 @@
         </p:blipFill>
         <p:spPr>
           <a:xfrm>
-            <a:off x="1335016" y="2338052"/>
+            <a:off x="1286889" y="2896305"/>
             <a:ext cx="1210903" cy="1210903"/>
           </a:xfrm>
           <a:prstGeom prst="rect">
@@ -3539,58 +3752,6 @@
       </p:pic>
       <p:sp>
         <p:nvSpPr>
-          <p:cNvPr id="47" name="Rectangle 46">
-            <a:extLst>
-              <a:ext uri="{FF2B5EF4-FFF2-40B4-BE49-F238E27FC236}">
-                <a16:creationId xmlns:a16="http://schemas.microsoft.com/office/drawing/2014/main" id="{44B3603F-F1C6-A044-A401-2DBC844AA9AC}"/>
-              </a:ext>
-            </a:extLst>
-          </p:cNvPr>
-          <p:cNvSpPr/>
-          <p:nvPr/>
-        </p:nvSpPr>
-        <p:spPr>
-          <a:xfrm>
-            <a:off x="3462611" y="1334336"/>
-            <a:ext cx="674273" cy="876733"/>
-          </a:xfrm>
-          <a:prstGeom prst="rect">
-            <a:avLst/>
-          </a:prstGeom>
-          <a:solidFill>
-            <a:schemeClr val="bg1"/>
-          </a:solidFill>
-          <a:ln>
-            <a:noFill/>
-          </a:ln>
-        </p:spPr>
-        <p:style>
-          <a:lnRef idx="2">
-            <a:schemeClr val="accent1">
-              <a:shade val="50000"/>
-            </a:schemeClr>
-          </a:lnRef>
-          <a:fillRef idx="1">
-            <a:schemeClr val="accent1"/>
-          </a:fillRef>
-          <a:effectRef idx="0">
-            <a:schemeClr val="accent1"/>
-          </a:effectRef>
-          <a:fontRef idx="minor">
-            <a:schemeClr val="lt1"/>
-          </a:fontRef>
-        </p:style>
-        <p:txBody>
-          <a:bodyPr rtlCol="0" anchor="ctr"/>
-          <a:lstStyle/>
-          <a:p>
-            <a:pPr algn="ctr"/>
-            <a:endParaRPr lang="en-US"/>
-          </a:p>
-        </p:txBody>
-      </p:sp>
-      <p:sp>
-        <p:nvSpPr>
           <p:cNvPr id="57" name="TextBox 56">
             <a:extLst>
               <a:ext uri="{FF2B5EF4-FFF2-40B4-BE49-F238E27FC236}">
@@ -3603,8 +3764,8 @@
         </p:nvSpPr>
         <p:spPr>
           <a:xfrm>
-            <a:off x="1363960" y="5976327"/>
-            <a:ext cx="2098651" cy="523220"/>
+            <a:off x="1469837" y="374743"/>
+            <a:ext cx="1832553" cy="461665"/>
           </a:xfrm>
           <a:prstGeom prst="rect">
             <a:avLst/>
@@ -3618,11 +3779,14 @@
           <a:lstStyle/>
           <a:p>
             <a:r>
-              <a:rPr lang="en-US" sz="2800" b="1" dirty="0">
+              <a:rPr lang="en-US" sz="2400" b="1" dirty="0">
+                <a:solidFill>
+                  <a:schemeClr val="accent5"/>
+                </a:solidFill>
                 <a:latin typeface="Yu Gothic" panose="020B0400000000000000" pitchFamily="34" charset="-128"/>
                 <a:ea typeface="Yu Gothic" panose="020B0400000000000000" pitchFamily="34" charset="-128"/>
               </a:rPr>
-              <a:t>10.0.0.0/24</a:t>
+              <a:t>10.0.1.0/24</a:t>
             </a:r>
           </a:p>
         </p:txBody>
@@ -3655,7 +3819,7 @@
         </p:blipFill>
         <p:spPr>
           <a:xfrm>
-            <a:off x="5507532" y="2319060"/>
+            <a:off x="5459405" y="2877313"/>
             <a:ext cx="1210903" cy="1210903"/>
           </a:xfrm>
           <a:prstGeom prst="rect">
@@ -3691,7 +3855,7 @@
         </p:blipFill>
         <p:spPr>
           <a:xfrm>
-            <a:off x="3587090" y="2413964"/>
+            <a:off x="3538963" y="2972217"/>
             <a:ext cx="1059293" cy="1059293"/>
           </a:xfrm>
           <a:prstGeom prst="rect">
@@ -3728,7 +3892,7 @@
         </p:blipFill>
         <p:spPr>
           <a:xfrm>
-            <a:off x="7738928" y="2414144"/>
+            <a:off x="7690801" y="2972397"/>
             <a:ext cx="1059293" cy="1059293"/>
           </a:xfrm>
           <a:prstGeom prst="rect">
@@ -3751,8 +3915,8 @@
         </p:nvSpPr>
         <p:spPr>
           <a:xfrm>
-            <a:off x="2952794" y="2504300"/>
-            <a:ext cx="756938" cy="400110"/>
+            <a:off x="3009974" y="3526625"/>
+            <a:ext cx="639919" cy="338554"/>
           </a:xfrm>
           <a:prstGeom prst="rect">
             <a:avLst/>
@@ -3766,7 +3930,7 @@
           <a:lstStyle/>
           <a:p>
             <a:r>
-              <a:rPr lang="en-US" sz="2000" b="1" dirty="0">
+              <a:rPr lang="en-US" sz="1600" b="1" dirty="0">
                 <a:latin typeface="Yu Gothic" panose="020B0400000000000000" pitchFamily="34" charset="-128"/>
                 <a:ea typeface="Yu Gothic" panose="020B0400000000000000" pitchFamily="34" charset="-128"/>
               </a:rPr>
@@ -3777,10 +3941,10 @@
       </p:sp>
       <p:sp>
         <p:nvSpPr>
-          <p:cNvPr id="35" name="TextBox 34">
-            <a:extLst>
-              <a:ext uri="{FF2B5EF4-FFF2-40B4-BE49-F238E27FC236}">
-                <a16:creationId xmlns:a16="http://schemas.microsoft.com/office/drawing/2014/main" id="{F3FE7240-4229-6B49-B0E0-DC0FAA92F2B5}"/>
+          <p:cNvPr id="36" name="TextBox 35">
+            <a:extLst>
+              <a:ext uri="{FF2B5EF4-FFF2-40B4-BE49-F238E27FC236}">
+                <a16:creationId xmlns:a16="http://schemas.microsoft.com/office/drawing/2014/main" id="{FC5C75A0-3469-094F-9D68-233EDDEC43AE}"/>
               </a:ext>
             </a:extLst>
           </p:cNvPr>
@@ -3789,8 +3953,8 @@
         </p:nvSpPr>
         <p:spPr>
           <a:xfrm>
-            <a:off x="2432772" y="2995713"/>
-            <a:ext cx="756938" cy="400110"/>
+            <a:off x="4429596" y="3538865"/>
+            <a:ext cx="639919" cy="338554"/>
           </a:xfrm>
           <a:prstGeom prst="rect">
             <a:avLst/>
@@ -3804,21 +3968,21 @@
           <a:lstStyle/>
           <a:p>
             <a:r>
-              <a:rPr lang="en-US" sz="2000" b="1" dirty="0">
+              <a:rPr lang="en-US" sz="1600" b="1" dirty="0">
                 <a:latin typeface="Yu Gothic" panose="020B0400000000000000" pitchFamily="34" charset="-128"/>
                 <a:ea typeface="Yu Gothic" panose="020B0400000000000000" pitchFamily="34" charset="-128"/>
               </a:rPr>
-              <a:t>g0/1</a:t>
-            </a:r>
-          </a:p>
-        </p:txBody>
-      </p:sp>
-      <p:sp>
-        <p:nvSpPr>
-          <p:cNvPr id="36" name="TextBox 35">
-            <a:extLst>
-              <a:ext uri="{FF2B5EF4-FFF2-40B4-BE49-F238E27FC236}">
-                <a16:creationId xmlns:a16="http://schemas.microsoft.com/office/drawing/2014/main" id="{FC5C75A0-3469-094F-9D68-233EDDEC43AE}"/>
+              <a:t>g0/2</a:t>
+            </a:r>
+          </a:p>
+        </p:txBody>
+      </p:sp>
+      <p:sp>
+        <p:nvSpPr>
+          <p:cNvPr id="44" name="TextBox 43">
+            <a:extLst>
+              <a:ext uri="{FF2B5EF4-FFF2-40B4-BE49-F238E27FC236}">
+                <a16:creationId xmlns:a16="http://schemas.microsoft.com/office/drawing/2014/main" id="{D6418F9D-F9D8-B148-A43D-88FFFD2001EE}"/>
               </a:ext>
             </a:extLst>
           </p:cNvPr>
@@ -3827,8 +3991,8 @@
         </p:nvSpPr>
         <p:spPr>
           <a:xfrm>
-            <a:off x="4477723" y="2980612"/>
-            <a:ext cx="756938" cy="400110"/>
+            <a:off x="7131109" y="3538865"/>
+            <a:ext cx="639919" cy="338554"/>
           </a:xfrm>
           <a:prstGeom prst="rect">
             <a:avLst/>
@@ -3842,121 +4006,7 @@
           <a:lstStyle/>
           <a:p>
             <a:r>
-              <a:rPr lang="en-US" sz="2000" b="1" dirty="0">
-                <a:latin typeface="Yu Gothic" panose="020B0400000000000000" pitchFamily="34" charset="-128"/>
-                <a:ea typeface="Yu Gothic" panose="020B0400000000000000" pitchFamily="34" charset="-128"/>
-              </a:rPr>
-              <a:t>g0/1</a:t>
-            </a:r>
-          </a:p>
-        </p:txBody>
-      </p:sp>
-      <p:sp>
-        <p:nvSpPr>
-          <p:cNvPr id="37" name="TextBox 36">
-            <a:extLst>
-              <a:ext uri="{FF2B5EF4-FFF2-40B4-BE49-F238E27FC236}">
-                <a16:creationId xmlns:a16="http://schemas.microsoft.com/office/drawing/2014/main" id="{E61B67AB-C2EC-5645-BFAD-DAFE8B65FFF5}"/>
-              </a:ext>
-            </a:extLst>
-          </p:cNvPr>
-          <p:cNvSpPr txBox="1"/>
-          <p:nvPr/>
-        </p:nvSpPr>
-        <p:spPr>
-          <a:xfrm>
-            <a:off x="4945405" y="2499985"/>
-            <a:ext cx="756938" cy="400110"/>
-          </a:xfrm>
-          <a:prstGeom prst="rect">
-            <a:avLst/>
-          </a:prstGeom>
-          <a:noFill/>
-        </p:spPr>
-        <p:txBody>
-          <a:bodyPr wrap="none" rtlCol="0">
-            <a:spAutoFit/>
-          </a:bodyPr>
-          <a:lstStyle/>
-          <a:p>
-            <a:r>
-              <a:rPr lang="en-US" sz="2000" b="1" dirty="0">
-                <a:latin typeface="Yu Gothic" panose="020B0400000000000000" pitchFamily="34" charset="-128"/>
-                <a:ea typeface="Yu Gothic" panose="020B0400000000000000" pitchFamily="34" charset="-128"/>
-              </a:rPr>
-              <a:t>g0/1</a:t>
-            </a:r>
-          </a:p>
-        </p:txBody>
-      </p:sp>
-      <p:sp>
-        <p:nvSpPr>
-          <p:cNvPr id="39" name="TextBox 38">
-            <a:extLst>
-              <a:ext uri="{FF2B5EF4-FFF2-40B4-BE49-F238E27FC236}">
-                <a16:creationId xmlns:a16="http://schemas.microsoft.com/office/drawing/2014/main" id="{103BED7A-A6DE-9D45-A79B-D23B50C4BC0D}"/>
-              </a:ext>
-            </a:extLst>
-          </p:cNvPr>
-          <p:cNvSpPr txBox="1"/>
-          <p:nvPr/>
-        </p:nvSpPr>
-        <p:spPr>
-          <a:xfrm>
-            <a:off x="6603507" y="2999078"/>
-            <a:ext cx="756938" cy="400110"/>
-          </a:xfrm>
-          <a:prstGeom prst="rect">
-            <a:avLst/>
-          </a:prstGeom>
-          <a:noFill/>
-        </p:spPr>
-        <p:txBody>
-          <a:bodyPr wrap="none" rtlCol="0">
-            <a:spAutoFit/>
-          </a:bodyPr>
-          <a:lstStyle/>
-          <a:p>
-            <a:r>
-              <a:rPr lang="en-US" sz="2000" b="1" dirty="0">
-                <a:latin typeface="Yu Gothic" panose="020B0400000000000000" pitchFamily="34" charset="-128"/>
-                <a:ea typeface="Yu Gothic" panose="020B0400000000000000" pitchFamily="34" charset="-128"/>
-              </a:rPr>
-              <a:t>g0/1</a:t>
-            </a:r>
-          </a:p>
-        </p:txBody>
-      </p:sp>
-      <p:sp>
-        <p:nvSpPr>
-          <p:cNvPr id="44" name="TextBox 43">
-            <a:extLst>
-              <a:ext uri="{FF2B5EF4-FFF2-40B4-BE49-F238E27FC236}">
-                <a16:creationId xmlns:a16="http://schemas.microsoft.com/office/drawing/2014/main" id="{D6418F9D-F9D8-B148-A43D-88FFFD2001EE}"/>
-              </a:ext>
-            </a:extLst>
-          </p:cNvPr>
-          <p:cNvSpPr txBox="1"/>
-          <p:nvPr/>
-        </p:nvSpPr>
-        <p:spPr>
-          <a:xfrm>
-            <a:off x="7121674" y="2503530"/>
-            <a:ext cx="756938" cy="400110"/>
-          </a:xfrm>
-          <a:prstGeom prst="rect">
-            <a:avLst/>
-          </a:prstGeom>
-          <a:noFill/>
-        </p:spPr>
-        <p:txBody>
-          <a:bodyPr wrap="none" rtlCol="0">
-            <a:spAutoFit/>
-          </a:bodyPr>
-          <a:lstStyle/>
-          <a:p>
-            <a:r>
-              <a:rPr lang="en-US" sz="2000" b="1" dirty="0">
+              <a:rPr lang="en-US" sz="1600" b="1" dirty="0">
                 <a:latin typeface="Yu Gothic" panose="020B0400000000000000" pitchFamily="34" charset="-128"/>
                 <a:ea typeface="Yu Gothic" panose="020B0400000000000000" pitchFamily="34" charset="-128"/>
               </a:rPr>
@@ -3993,7 +4043,7 @@
         </p:blipFill>
         <p:spPr>
           <a:xfrm>
-            <a:off x="9796900" y="2338052"/>
+            <a:off x="9748773" y="2896305"/>
             <a:ext cx="1210903" cy="1210903"/>
           </a:xfrm>
           <a:prstGeom prst="rect">
@@ -4017,7 +4067,7 @@
         </p:nvCxnSpPr>
         <p:spPr>
           <a:xfrm flipV="1">
-            <a:off x="6103705" y="3153624"/>
+            <a:off x="6055578" y="3711877"/>
             <a:ext cx="0" cy="1108359"/>
           </a:xfrm>
           <a:prstGeom prst="line">
@@ -4072,7 +4122,7 @@
         </p:blipFill>
         <p:spPr>
           <a:xfrm>
-            <a:off x="5444690" y="3795923"/>
+            <a:off x="5396563" y="4354176"/>
             <a:ext cx="1318030" cy="1318030"/>
           </a:xfrm>
           <a:prstGeom prst="rect">
@@ -4096,7 +4146,7 @@
         </p:nvCxnSpPr>
         <p:spPr>
           <a:xfrm flipV="1">
-            <a:off x="10387965" y="3148341"/>
+            <a:off x="10339838" y="3706594"/>
             <a:ext cx="0" cy="1108359"/>
           </a:xfrm>
           <a:prstGeom prst="line">
@@ -4151,7 +4201,7 @@
         </p:blipFill>
         <p:spPr>
           <a:xfrm>
-            <a:off x="9728950" y="3790640"/>
+            <a:off x="9680823" y="4348893"/>
             <a:ext cx="1318030" cy="1318030"/>
           </a:xfrm>
           <a:prstGeom prst="rect">
@@ -4161,10 +4211,975 @@
       </p:pic>
       <p:sp>
         <p:nvSpPr>
-          <p:cNvPr id="62" name="Rounded Rectangle 61">
-            <a:extLst>
-              <a:ext uri="{FF2B5EF4-FFF2-40B4-BE49-F238E27FC236}">
-                <a16:creationId xmlns:a16="http://schemas.microsoft.com/office/drawing/2014/main" id="{E12949FD-7B61-0447-99F0-A0770E982292}"/>
+          <p:cNvPr id="67" name="TextBox 66">
+            <a:extLst>
+              <a:ext uri="{FF2B5EF4-FFF2-40B4-BE49-F238E27FC236}">
+                <a16:creationId xmlns:a16="http://schemas.microsoft.com/office/drawing/2014/main" id="{D5364408-F56C-CE40-A3F5-D51EC07F2FBF}"/>
+              </a:ext>
+            </a:extLst>
+          </p:cNvPr>
+          <p:cNvSpPr txBox="1"/>
+          <p:nvPr/>
+        </p:nvSpPr>
+        <p:spPr>
+          <a:xfrm>
+            <a:off x="8633765" y="3603044"/>
+            <a:ext cx="639919" cy="338554"/>
+          </a:xfrm>
+          <a:prstGeom prst="rect">
+            <a:avLst/>
+          </a:prstGeom>
+          <a:noFill/>
+        </p:spPr>
+        <p:txBody>
+          <a:bodyPr wrap="none" rtlCol="0">
+            <a:spAutoFit/>
+          </a:bodyPr>
+          <a:lstStyle/>
+          <a:p>
+            <a:r>
+              <a:rPr lang="en-US" sz="1600" b="1" dirty="0">
+                <a:latin typeface="Yu Gothic" panose="020B0400000000000000" pitchFamily="34" charset="-128"/>
+                <a:ea typeface="Yu Gothic" panose="020B0400000000000000" pitchFamily="34" charset="-128"/>
+              </a:rPr>
+              <a:t>g0/2</a:t>
+            </a:r>
+          </a:p>
+        </p:txBody>
+      </p:sp>
+      <p:sp>
+        <p:nvSpPr>
+          <p:cNvPr id="72" name="TextBox 71">
+            <a:extLst>
+              <a:ext uri="{FF2B5EF4-FFF2-40B4-BE49-F238E27FC236}">
+                <a16:creationId xmlns:a16="http://schemas.microsoft.com/office/drawing/2014/main" id="{426F0AC4-A5A0-DD49-9266-DAA474D20084}"/>
+              </a:ext>
+            </a:extLst>
+          </p:cNvPr>
+          <p:cNvSpPr txBox="1"/>
+          <p:nvPr/>
+        </p:nvSpPr>
+        <p:spPr>
+          <a:xfrm>
+            <a:off x="1001596" y="5438598"/>
+            <a:ext cx="2589170" cy="646331"/>
+          </a:xfrm>
+          <a:prstGeom prst="rect">
+            <a:avLst/>
+          </a:prstGeom>
+          <a:noFill/>
+        </p:spPr>
+        <p:txBody>
+          <a:bodyPr wrap="none" rtlCol="0">
+            <a:spAutoFit/>
+          </a:bodyPr>
+          <a:lstStyle/>
+          <a:p>
+            <a:r>
+              <a:rPr lang="en-US" b="1" dirty="0">
+                <a:latin typeface="Yu Gothic" panose="020B0400000000000000" pitchFamily="34" charset="-128"/>
+                <a:ea typeface="Yu Gothic" panose="020B0400000000000000" pitchFamily="34" charset="-128"/>
+              </a:rPr>
+              <a:t>IP: 10.0.1.101</a:t>
+            </a:r>
+          </a:p>
+          <a:p>
+            <a:r>
+              <a:rPr lang="en-US" b="1" dirty="0">
+                <a:latin typeface="Yu Gothic" panose="020B0400000000000000" pitchFamily="34" charset="-128"/>
+                <a:ea typeface="Yu Gothic" panose="020B0400000000000000" pitchFamily="34" charset="-128"/>
+              </a:rPr>
+              <a:t>MAC: 0000.0001.0101</a:t>
+            </a:r>
+          </a:p>
+        </p:txBody>
+      </p:sp>
+      <p:sp>
+        <p:nvSpPr>
+          <p:cNvPr id="73" name="TextBox 72">
+            <a:extLst>
+              <a:ext uri="{FF2B5EF4-FFF2-40B4-BE49-F238E27FC236}">
+                <a16:creationId xmlns:a16="http://schemas.microsoft.com/office/drawing/2014/main" id="{640118AE-AE03-9546-8779-8291822D9C64}"/>
+              </a:ext>
+            </a:extLst>
+          </p:cNvPr>
+          <p:cNvSpPr txBox="1"/>
+          <p:nvPr/>
+        </p:nvSpPr>
+        <p:spPr>
+          <a:xfrm>
+            <a:off x="1001596" y="2018893"/>
+            <a:ext cx="2589170" cy="646331"/>
+          </a:xfrm>
+          <a:prstGeom prst="rect">
+            <a:avLst/>
+          </a:prstGeom>
+          <a:noFill/>
+        </p:spPr>
+        <p:txBody>
+          <a:bodyPr wrap="none" rtlCol="0">
+            <a:spAutoFit/>
+          </a:bodyPr>
+          <a:lstStyle/>
+          <a:p>
+            <a:r>
+              <a:rPr lang="en-US" b="1" dirty="0">
+                <a:latin typeface="Yu Gothic" panose="020B0400000000000000" pitchFamily="34" charset="-128"/>
+                <a:ea typeface="Yu Gothic" panose="020B0400000000000000" pitchFamily="34" charset="-128"/>
+              </a:rPr>
+              <a:t>IP: 10.0.1.1</a:t>
+            </a:r>
+          </a:p>
+          <a:p>
+            <a:r>
+              <a:rPr lang="en-US" b="1" dirty="0">
+                <a:latin typeface="Yu Gothic" panose="020B0400000000000000" pitchFamily="34" charset="-128"/>
+                <a:ea typeface="Yu Gothic" panose="020B0400000000000000" pitchFamily="34" charset="-128"/>
+              </a:rPr>
+              <a:t>MAC: 0000.0001.0001</a:t>
+            </a:r>
+          </a:p>
+        </p:txBody>
+      </p:sp>
+      <p:sp>
+        <p:nvSpPr>
+          <p:cNvPr id="74" name="TextBox 73">
+            <a:extLst>
+              <a:ext uri="{FF2B5EF4-FFF2-40B4-BE49-F238E27FC236}">
+                <a16:creationId xmlns:a16="http://schemas.microsoft.com/office/drawing/2014/main" id="{2CA16ED1-4B0B-6843-8404-64B3576F9A4F}"/>
+              </a:ext>
+            </a:extLst>
+          </p:cNvPr>
+          <p:cNvSpPr txBox="1"/>
+          <p:nvPr/>
+        </p:nvSpPr>
+        <p:spPr>
+          <a:xfrm>
+            <a:off x="4429596" y="2011913"/>
+            <a:ext cx="2589170" cy="646331"/>
+          </a:xfrm>
+          <a:prstGeom prst="rect">
+            <a:avLst/>
+          </a:prstGeom>
+          <a:noFill/>
+        </p:spPr>
+        <p:txBody>
+          <a:bodyPr wrap="none" rtlCol="0">
+            <a:spAutoFit/>
+          </a:bodyPr>
+          <a:lstStyle/>
+          <a:p>
+            <a:r>
+              <a:rPr lang="en-US" b="1" dirty="0">
+                <a:latin typeface="Yu Gothic" panose="020B0400000000000000" pitchFamily="34" charset="-128"/>
+                <a:ea typeface="Yu Gothic" panose="020B0400000000000000" pitchFamily="34" charset="-128"/>
+              </a:rPr>
+              <a:t>IP: 10.0.2.1</a:t>
+            </a:r>
+          </a:p>
+          <a:p>
+            <a:r>
+              <a:rPr lang="en-US" b="1" dirty="0">
+                <a:latin typeface="Yu Gothic" panose="020B0400000000000000" pitchFamily="34" charset="-128"/>
+                <a:ea typeface="Yu Gothic" panose="020B0400000000000000" pitchFamily="34" charset="-128"/>
+              </a:rPr>
+              <a:t>MAC: 0000.0002.0001</a:t>
+            </a:r>
+          </a:p>
+        </p:txBody>
+      </p:sp>
+      <p:sp>
+        <p:nvSpPr>
+          <p:cNvPr id="75" name="TextBox 74">
+            <a:extLst>
+              <a:ext uri="{FF2B5EF4-FFF2-40B4-BE49-F238E27FC236}">
+                <a16:creationId xmlns:a16="http://schemas.microsoft.com/office/drawing/2014/main" id="{F8676D79-6E3C-5E4E-AA6F-F7D03834FEA8}"/>
+              </a:ext>
+            </a:extLst>
+          </p:cNvPr>
+          <p:cNvSpPr txBox="1"/>
+          <p:nvPr/>
+        </p:nvSpPr>
+        <p:spPr>
+          <a:xfrm>
+            <a:off x="5314395" y="1208580"/>
+            <a:ext cx="2589170" cy="646331"/>
+          </a:xfrm>
+          <a:prstGeom prst="rect">
+            <a:avLst/>
+          </a:prstGeom>
+          <a:noFill/>
+        </p:spPr>
+        <p:txBody>
+          <a:bodyPr wrap="none" rtlCol="0">
+            <a:spAutoFit/>
+          </a:bodyPr>
+          <a:lstStyle/>
+          <a:p>
+            <a:r>
+              <a:rPr lang="en-US" b="1" dirty="0">
+                <a:latin typeface="Yu Gothic" panose="020B0400000000000000" pitchFamily="34" charset="-128"/>
+                <a:ea typeface="Yu Gothic" panose="020B0400000000000000" pitchFamily="34" charset="-128"/>
+              </a:rPr>
+              <a:t>IP: 10.0.2.2</a:t>
+            </a:r>
+          </a:p>
+          <a:p>
+            <a:r>
+              <a:rPr lang="en-US" b="1" dirty="0">
+                <a:latin typeface="Yu Gothic" panose="020B0400000000000000" pitchFamily="34" charset="-128"/>
+                <a:ea typeface="Yu Gothic" panose="020B0400000000000000" pitchFamily="34" charset="-128"/>
+              </a:rPr>
+              <a:t>MAC: 0000.0002.0002</a:t>
+            </a:r>
+          </a:p>
+        </p:txBody>
+      </p:sp>
+      <p:sp>
+        <p:nvSpPr>
+          <p:cNvPr id="76" name="TextBox 75">
+            <a:extLst>
+              <a:ext uri="{FF2B5EF4-FFF2-40B4-BE49-F238E27FC236}">
+                <a16:creationId xmlns:a16="http://schemas.microsoft.com/office/drawing/2014/main" id="{F43E0B7B-062A-7F4F-855F-1EF9D7982618}"/>
+              </a:ext>
+            </a:extLst>
+          </p:cNvPr>
+          <p:cNvSpPr txBox="1"/>
+          <p:nvPr/>
+        </p:nvSpPr>
+        <p:spPr>
+          <a:xfrm>
+            <a:off x="5068130" y="5387256"/>
+            <a:ext cx="2589170" cy="646331"/>
+          </a:xfrm>
+          <a:prstGeom prst="rect">
+            <a:avLst/>
+          </a:prstGeom>
+          <a:noFill/>
+        </p:spPr>
+        <p:txBody>
+          <a:bodyPr wrap="none" rtlCol="0">
+            <a:spAutoFit/>
+          </a:bodyPr>
+          <a:lstStyle/>
+          <a:p>
+            <a:r>
+              <a:rPr lang="en-US" b="1" dirty="0">
+                <a:latin typeface="Yu Gothic" panose="020B0400000000000000" pitchFamily="34" charset="-128"/>
+                <a:ea typeface="Yu Gothic" panose="020B0400000000000000" pitchFamily="34" charset="-128"/>
+              </a:rPr>
+              <a:t>IP: 10.0.2.102</a:t>
+            </a:r>
+          </a:p>
+          <a:p>
+            <a:r>
+              <a:rPr lang="en-US" b="1" dirty="0">
+                <a:latin typeface="Yu Gothic" panose="020B0400000000000000" pitchFamily="34" charset="-128"/>
+                <a:ea typeface="Yu Gothic" panose="020B0400000000000000" pitchFamily="34" charset="-128"/>
+              </a:rPr>
+              <a:t>MAC: 0000.0002.0102</a:t>
+            </a:r>
+          </a:p>
+        </p:txBody>
+      </p:sp>
+      <p:sp>
+        <p:nvSpPr>
+          <p:cNvPr id="77" name="TextBox 76">
+            <a:extLst>
+              <a:ext uri="{FF2B5EF4-FFF2-40B4-BE49-F238E27FC236}">
+                <a16:creationId xmlns:a16="http://schemas.microsoft.com/office/drawing/2014/main" id="{E4FF5267-313B-0648-80C6-652A4ACF7B2F}"/>
+              </a:ext>
+            </a:extLst>
+          </p:cNvPr>
+          <p:cNvSpPr txBox="1"/>
+          <p:nvPr/>
+        </p:nvSpPr>
+        <p:spPr>
+          <a:xfrm>
+            <a:off x="8681890" y="5387256"/>
+            <a:ext cx="2589170" cy="646331"/>
+          </a:xfrm>
+          <a:prstGeom prst="rect">
+            <a:avLst/>
+          </a:prstGeom>
+          <a:noFill/>
+        </p:spPr>
+        <p:txBody>
+          <a:bodyPr wrap="none" rtlCol="0">
+            <a:spAutoFit/>
+          </a:bodyPr>
+          <a:lstStyle/>
+          <a:p>
+            <a:r>
+              <a:rPr lang="en-US" b="1" dirty="0">
+                <a:latin typeface="Yu Gothic" panose="020B0400000000000000" pitchFamily="34" charset="-128"/>
+                <a:ea typeface="Yu Gothic" panose="020B0400000000000000" pitchFamily="34" charset="-128"/>
+              </a:rPr>
+              <a:t>IP: 10.0.3.103</a:t>
+            </a:r>
+          </a:p>
+          <a:p>
+            <a:r>
+              <a:rPr lang="en-US" b="1" dirty="0">
+                <a:latin typeface="Yu Gothic" panose="020B0400000000000000" pitchFamily="34" charset="-128"/>
+                <a:ea typeface="Yu Gothic" panose="020B0400000000000000" pitchFamily="34" charset="-128"/>
+              </a:rPr>
+              <a:t>MAC: 0000.0003.0103</a:t>
+            </a:r>
+          </a:p>
+        </p:txBody>
+      </p:sp>
+      <p:sp>
+        <p:nvSpPr>
+          <p:cNvPr id="78" name="TextBox 77">
+            <a:extLst>
+              <a:ext uri="{FF2B5EF4-FFF2-40B4-BE49-F238E27FC236}">
+                <a16:creationId xmlns:a16="http://schemas.microsoft.com/office/drawing/2014/main" id="{2AA7B446-E480-7343-8185-E33B953CE706}"/>
+              </a:ext>
+            </a:extLst>
+          </p:cNvPr>
+          <p:cNvSpPr txBox="1"/>
+          <p:nvPr/>
+        </p:nvSpPr>
+        <p:spPr>
+          <a:xfrm>
+            <a:off x="5275984" y="379309"/>
+            <a:ext cx="1832553" cy="461665"/>
+          </a:xfrm>
+          <a:prstGeom prst="rect">
+            <a:avLst/>
+          </a:prstGeom>
+          <a:noFill/>
+        </p:spPr>
+        <p:txBody>
+          <a:bodyPr wrap="none" rtlCol="0">
+            <a:spAutoFit/>
+          </a:bodyPr>
+          <a:lstStyle/>
+          <a:p>
+            <a:r>
+              <a:rPr lang="en-US" sz="2400" b="1" dirty="0">
+                <a:solidFill>
+                  <a:schemeClr val="accent5"/>
+                </a:solidFill>
+                <a:latin typeface="Yu Gothic" panose="020B0400000000000000" pitchFamily="34" charset="-128"/>
+                <a:ea typeface="Yu Gothic" panose="020B0400000000000000" pitchFamily="34" charset="-128"/>
+              </a:rPr>
+              <a:t>10.0.2.0/24</a:t>
+            </a:r>
+          </a:p>
+        </p:txBody>
+      </p:sp>
+      <p:sp>
+        <p:nvSpPr>
+          <p:cNvPr id="79" name="TextBox 78">
+            <a:extLst>
+              <a:ext uri="{FF2B5EF4-FFF2-40B4-BE49-F238E27FC236}">
+                <a16:creationId xmlns:a16="http://schemas.microsoft.com/office/drawing/2014/main" id="{C7644EC6-6A4E-BC4D-BA7A-5977314BF691}"/>
+              </a:ext>
+            </a:extLst>
+          </p:cNvPr>
+          <p:cNvSpPr txBox="1"/>
+          <p:nvPr/>
+        </p:nvSpPr>
+        <p:spPr>
+          <a:xfrm>
+            <a:off x="9015029" y="374743"/>
+            <a:ext cx="1832553" cy="461665"/>
+          </a:xfrm>
+          <a:prstGeom prst="rect">
+            <a:avLst/>
+          </a:prstGeom>
+          <a:noFill/>
+        </p:spPr>
+        <p:txBody>
+          <a:bodyPr wrap="none" rtlCol="0">
+            <a:spAutoFit/>
+          </a:bodyPr>
+          <a:lstStyle/>
+          <a:p>
+            <a:r>
+              <a:rPr lang="en-US" sz="2400" b="1" dirty="0">
+                <a:solidFill>
+                  <a:schemeClr val="accent5"/>
+                </a:solidFill>
+                <a:latin typeface="Yu Gothic" panose="020B0400000000000000" pitchFamily="34" charset="-128"/>
+                <a:ea typeface="Yu Gothic" panose="020B0400000000000000" pitchFamily="34" charset="-128"/>
+              </a:rPr>
+              <a:t>10.0.3.0/24</a:t>
+            </a:r>
+          </a:p>
+        </p:txBody>
+      </p:sp>
+      <p:sp>
+        <p:nvSpPr>
+          <p:cNvPr id="80" name="TextBox 79">
+            <a:extLst>
+              <a:ext uri="{FF2B5EF4-FFF2-40B4-BE49-F238E27FC236}">
+                <a16:creationId xmlns:a16="http://schemas.microsoft.com/office/drawing/2014/main" id="{C6C4A6DB-49F3-A346-BCD7-409CCFD5CBA0}"/>
+              </a:ext>
+            </a:extLst>
+          </p:cNvPr>
+          <p:cNvSpPr txBox="1"/>
+          <p:nvPr/>
+        </p:nvSpPr>
+        <p:spPr>
+          <a:xfrm>
+            <a:off x="8620691" y="2018892"/>
+            <a:ext cx="2589170" cy="646331"/>
+          </a:xfrm>
+          <a:prstGeom prst="rect">
+            <a:avLst/>
+          </a:prstGeom>
+          <a:noFill/>
+        </p:spPr>
+        <p:txBody>
+          <a:bodyPr wrap="none" rtlCol="0">
+            <a:spAutoFit/>
+          </a:bodyPr>
+          <a:lstStyle/>
+          <a:p>
+            <a:r>
+              <a:rPr lang="en-US" b="1" dirty="0">
+                <a:latin typeface="Yu Gothic" panose="020B0400000000000000" pitchFamily="34" charset="-128"/>
+                <a:ea typeface="Yu Gothic" panose="020B0400000000000000" pitchFamily="34" charset="-128"/>
+              </a:rPr>
+              <a:t>IP: 10.0.3.1</a:t>
+            </a:r>
+          </a:p>
+          <a:p>
+            <a:r>
+              <a:rPr lang="en-US" b="1" dirty="0">
+                <a:latin typeface="Yu Gothic" panose="020B0400000000000000" pitchFamily="34" charset="-128"/>
+                <a:ea typeface="Yu Gothic" panose="020B0400000000000000" pitchFamily="34" charset="-128"/>
+              </a:rPr>
+              <a:t>MAC: 0000.0003.0001</a:t>
+            </a:r>
+          </a:p>
+        </p:txBody>
+      </p:sp>
+      <p:sp>
+        <p:nvSpPr>
+          <p:cNvPr id="42" name="TextBox 41">
+            <a:extLst>
+              <a:ext uri="{FF2B5EF4-FFF2-40B4-BE49-F238E27FC236}">
+                <a16:creationId xmlns:a16="http://schemas.microsoft.com/office/drawing/2014/main" id="{A8E1446C-776B-B845-B6D0-F43FE33C031D}"/>
+              </a:ext>
+            </a:extLst>
+          </p:cNvPr>
+          <p:cNvSpPr txBox="1"/>
+          <p:nvPr/>
+        </p:nvSpPr>
+        <p:spPr>
+          <a:xfrm>
+            <a:off x="1898841" y="4390468"/>
+            <a:ext cx="639919" cy="338554"/>
+          </a:xfrm>
+          <a:prstGeom prst="rect">
+            <a:avLst/>
+          </a:prstGeom>
+          <a:noFill/>
+        </p:spPr>
+        <p:txBody>
+          <a:bodyPr wrap="none" rtlCol="0">
+            <a:spAutoFit/>
+          </a:bodyPr>
+          <a:lstStyle/>
+          <a:p>
+            <a:r>
+              <a:rPr lang="en-US" sz="1600" b="1" dirty="0">
+                <a:latin typeface="Yu Gothic" panose="020B0400000000000000" pitchFamily="34" charset="-128"/>
+                <a:ea typeface="Yu Gothic" panose="020B0400000000000000" pitchFamily="34" charset="-128"/>
+              </a:rPr>
+              <a:t>g0/1</a:t>
+            </a:r>
+          </a:p>
+        </p:txBody>
+      </p:sp>
+      <p:sp>
+        <p:nvSpPr>
+          <p:cNvPr id="43" name="TextBox 42">
+            <a:extLst>
+              <a:ext uri="{FF2B5EF4-FFF2-40B4-BE49-F238E27FC236}">
+                <a16:creationId xmlns:a16="http://schemas.microsoft.com/office/drawing/2014/main" id="{952EC7D7-8589-6240-B41C-108E48A73ABB}"/>
+              </a:ext>
+            </a:extLst>
+          </p:cNvPr>
+          <p:cNvSpPr txBox="1"/>
+          <p:nvPr/>
+        </p:nvSpPr>
+        <p:spPr>
+          <a:xfrm>
+            <a:off x="6042756" y="4365714"/>
+            <a:ext cx="639919" cy="338554"/>
+          </a:xfrm>
+          <a:prstGeom prst="rect">
+            <a:avLst/>
+          </a:prstGeom>
+          <a:noFill/>
+        </p:spPr>
+        <p:txBody>
+          <a:bodyPr wrap="none" rtlCol="0">
+            <a:spAutoFit/>
+          </a:bodyPr>
+          <a:lstStyle/>
+          <a:p>
+            <a:r>
+              <a:rPr lang="en-US" sz="1600" b="1" dirty="0">
+                <a:latin typeface="Yu Gothic" panose="020B0400000000000000" pitchFamily="34" charset="-128"/>
+                <a:ea typeface="Yu Gothic" panose="020B0400000000000000" pitchFamily="34" charset="-128"/>
+              </a:rPr>
+              <a:t>g0/1</a:t>
+            </a:r>
+          </a:p>
+        </p:txBody>
+      </p:sp>
+      <p:sp>
+        <p:nvSpPr>
+          <p:cNvPr id="46" name="TextBox 45">
+            <a:extLst>
+              <a:ext uri="{FF2B5EF4-FFF2-40B4-BE49-F238E27FC236}">
+                <a16:creationId xmlns:a16="http://schemas.microsoft.com/office/drawing/2014/main" id="{FC52123C-0378-904D-95C3-82C0BD28F813}"/>
+              </a:ext>
+            </a:extLst>
+          </p:cNvPr>
+          <p:cNvSpPr txBox="1"/>
+          <p:nvPr/>
+        </p:nvSpPr>
+        <p:spPr>
+          <a:xfrm>
+            <a:off x="10354224" y="4348893"/>
+            <a:ext cx="639919" cy="338554"/>
+          </a:xfrm>
+          <a:prstGeom prst="rect">
+            <a:avLst/>
+          </a:prstGeom>
+          <a:noFill/>
+        </p:spPr>
+        <p:txBody>
+          <a:bodyPr wrap="none" rtlCol="0">
+            <a:spAutoFit/>
+          </a:bodyPr>
+          <a:lstStyle/>
+          <a:p>
+            <a:r>
+              <a:rPr lang="en-US" sz="1600" b="1" dirty="0">
+                <a:latin typeface="Yu Gothic" panose="020B0400000000000000" pitchFamily="34" charset="-128"/>
+                <a:ea typeface="Yu Gothic" panose="020B0400000000000000" pitchFamily="34" charset="-128"/>
+              </a:rPr>
+              <a:t>g0/1</a:t>
+            </a:r>
+          </a:p>
+        </p:txBody>
+      </p:sp>
+      <p:cxnSp>
+        <p:nvCxnSpPr>
+          <p:cNvPr id="4" name="Straight Arrow Connector 3">
+            <a:extLst>
+              <a:ext uri="{FF2B5EF4-FFF2-40B4-BE49-F238E27FC236}">
+                <a16:creationId xmlns:a16="http://schemas.microsoft.com/office/drawing/2014/main" id="{70775175-F669-724D-933B-80DE9C18D279}"/>
+              </a:ext>
+            </a:extLst>
+          </p:cNvPr>
+          <p:cNvCxnSpPr>
+            <a:cxnSpLocks/>
+          </p:cNvCxnSpPr>
+          <p:nvPr/>
+        </p:nvCxnSpPr>
+        <p:spPr>
+          <a:xfrm>
+            <a:off x="3098744" y="2713310"/>
+            <a:ext cx="480486" cy="466431"/>
+          </a:xfrm>
+          <a:prstGeom prst="straightConnector1">
+            <a:avLst/>
+          </a:prstGeom>
+          <a:ln w="38100">
+            <a:solidFill>
+              <a:schemeClr val="tx1"/>
+            </a:solidFill>
+            <a:tailEnd type="triangle"/>
+          </a:ln>
+        </p:spPr>
+        <p:style>
+          <a:lnRef idx="1">
+            <a:schemeClr val="accent1"/>
+          </a:lnRef>
+          <a:fillRef idx="0">
+            <a:schemeClr val="accent1"/>
+          </a:fillRef>
+          <a:effectRef idx="0">
+            <a:schemeClr val="accent1"/>
+          </a:effectRef>
+          <a:fontRef idx="minor">
+            <a:schemeClr val="tx1"/>
+          </a:fontRef>
+        </p:style>
+      </p:cxnSp>
+      <p:cxnSp>
+        <p:nvCxnSpPr>
+          <p:cNvPr id="48" name="Straight Arrow Connector 47">
+            <a:extLst>
+              <a:ext uri="{FF2B5EF4-FFF2-40B4-BE49-F238E27FC236}">
+                <a16:creationId xmlns:a16="http://schemas.microsoft.com/office/drawing/2014/main" id="{37902040-3570-2F46-A619-AF372F424601}"/>
+              </a:ext>
+            </a:extLst>
+          </p:cNvPr>
+          <p:cNvCxnSpPr>
+            <a:cxnSpLocks/>
+          </p:cNvCxnSpPr>
+          <p:nvPr/>
+        </p:nvCxnSpPr>
+        <p:spPr>
+          <a:xfrm flipH="1">
+            <a:off x="4464354" y="2754715"/>
+            <a:ext cx="469689" cy="394906"/>
+          </a:xfrm>
+          <a:prstGeom prst="straightConnector1">
+            <a:avLst/>
+          </a:prstGeom>
+          <a:ln w="38100">
+            <a:solidFill>
+              <a:schemeClr val="tx1"/>
+            </a:solidFill>
+            <a:tailEnd type="triangle"/>
+          </a:ln>
+        </p:spPr>
+        <p:style>
+          <a:lnRef idx="1">
+            <a:schemeClr val="accent1"/>
+          </a:lnRef>
+          <a:fillRef idx="0">
+            <a:schemeClr val="accent1"/>
+          </a:fillRef>
+          <a:effectRef idx="0">
+            <a:schemeClr val="accent1"/>
+          </a:effectRef>
+          <a:fontRef idx="minor">
+            <a:schemeClr val="tx1"/>
+          </a:fontRef>
+        </p:style>
+      </p:cxnSp>
+      <p:cxnSp>
+        <p:nvCxnSpPr>
+          <p:cNvPr id="51" name="Straight Arrow Connector 50">
+            <a:extLst>
+              <a:ext uri="{FF2B5EF4-FFF2-40B4-BE49-F238E27FC236}">
+                <a16:creationId xmlns:a16="http://schemas.microsoft.com/office/drawing/2014/main" id="{F657042C-14B2-4644-AA7F-9C53996F076F}"/>
+              </a:ext>
+            </a:extLst>
+          </p:cNvPr>
+          <p:cNvCxnSpPr>
+            <a:cxnSpLocks/>
+          </p:cNvCxnSpPr>
+          <p:nvPr/>
+        </p:nvCxnSpPr>
+        <p:spPr>
+          <a:xfrm>
+            <a:off x="7263392" y="1920406"/>
+            <a:ext cx="560998" cy="1219814"/>
+          </a:xfrm>
+          <a:prstGeom prst="straightConnector1">
+            <a:avLst/>
+          </a:prstGeom>
+          <a:ln w="38100">
+            <a:solidFill>
+              <a:schemeClr val="tx1"/>
+            </a:solidFill>
+            <a:tailEnd type="triangle"/>
+          </a:ln>
+        </p:spPr>
+        <p:style>
+          <a:lnRef idx="1">
+            <a:schemeClr val="accent1"/>
+          </a:lnRef>
+          <a:fillRef idx="0">
+            <a:schemeClr val="accent1"/>
+          </a:fillRef>
+          <a:effectRef idx="0">
+            <a:schemeClr val="accent1"/>
+          </a:effectRef>
+          <a:fontRef idx="minor">
+            <a:schemeClr val="tx1"/>
+          </a:fontRef>
+        </p:style>
+      </p:cxnSp>
+      <p:cxnSp>
+        <p:nvCxnSpPr>
+          <p:cNvPr id="54" name="Straight Arrow Connector 53">
+            <a:extLst>
+              <a:ext uri="{FF2B5EF4-FFF2-40B4-BE49-F238E27FC236}">
+                <a16:creationId xmlns:a16="http://schemas.microsoft.com/office/drawing/2014/main" id="{084ACDF4-6405-804A-B2E4-356B1D6C9F4C}"/>
+              </a:ext>
+            </a:extLst>
+          </p:cNvPr>
+          <p:cNvCxnSpPr>
+            <a:cxnSpLocks/>
+          </p:cNvCxnSpPr>
+          <p:nvPr/>
+        </p:nvCxnSpPr>
+        <p:spPr>
+          <a:xfrm flipH="1">
+            <a:off x="8621449" y="2734702"/>
+            <a:ext cx="367992" cy="423540"/>
+          </a:xfrm>
+          <a:prstGeom prst="straightConnector1">
+            <a:avLst/>
+          </a:prstGeom>
+          <a:ln w="38100">
+            <a:solidFill>
+              <a:schemeClr val="tx1"/>
+            </a:solidFill>
+            <a:tailEnd type="triangle"/>
+          </a:ln>
+        </p:spPr>
+        <p:style>
+          <a:lnRef idx="1">
+            <a:schemeClr val="accent1"/>
+          </a:lnRef>
+          <a:fillRef idx="0">
+            <a:schemeClr val="accent1"/>
+          </a:fillRef>
+          <a:effectRef idx="0">
+            <a:schemeClr val="accent1"/>
+          </a:effectRef>
+          <a:fontRef idx="minor">
+            <a:schemeClr val="tx1"/>
+          </a:fontRef>
+        </p:style>
+      </p:cxnSp>
+      <p:sp>
+        <p:nvSpPr>
+          <p:cNvPr id="3" name="TextBox 2">
+            <a:extLst>
+              <a:ext uri="{FF2B5EF4-FFF2-40B4-BE49-F238E27FC236}">
+                <a16:creationId xmlns:a16="http://schemas.microsoft.com/office/drawing/2014/main" id="{AE3809F3-B751-594C-9FF6-986751F560F7}"/>
+              </a:ext>
+            </a:extLst>
+          </p:cNvPr>
+          <p:cNvSpPr txBox="1"/>
+          <p:nvPr/>
+        </p:nvSpPr>
+        <p:spPr>
+          <a:xfrm>
+            <a:off x="1611498" y="4817459"/>
+            <a:ext cx="643125" cy="369332"/>
+          </a:xfrm>
+          <a:prstGeom prst="rect">
+            <a:avLst/>
+          </a:prstGeom>
+          <a:noFill/>
+        </p:spPr>
+        <p:txBody>
+          <a:bodyPr wrap="none" rtlCol="0">
+            <a:spAutoFit/>
+          </a:bodyPr>
+          <a:lstStyle/>
+          <a:p>
+            <a:r>
+              <a:rPr lang="en-US" b="1" dirty="0">
+                <a:latin typeface="Yu Gothic" panose="020B0400000000000000" pitchFamily="34" charset="-128"/>
+                <a:ea typeface="Yu Gothic" panose="020B0400000000000000" pitchFamily="34" charset="-128"/>
+              </a:rPr>
+              <a:t>PC1</a:t>
+            </a:r>
+          </a:p>
+        </p:txBody>
+      </p:sp>
+      <p:sp>
+        <p:nvSpPr>
+          <p:cNvPr id="52" name="TextBox 51">
+            <a:extLst>
+              <a:ext uri="{FF2B5EF4-FFF2-40B4-BE49-F238E27FC236}">
+                <a16:creationId xmlns:a16="http://schemas.microsoft.com/office/drawing/2014/main" id="{34204F8E-53F3-1C4F-85A9-2F846FDA39F3}"/>
+              </a:ext>
+            </a:extLst>
+          </p:cNvPr>
+          <p:cNvSpPr txBox="1"/>
+          <p:nvPr/>
+        </p:nvSpPr>
+        <p:spPr>
+          <a:xfrm>
+            <a:off x="5781135" y="4817459"/>
+            <a:ext cx="643125" cy="369332"/>
+          </a:xfrm>
+          <a:prstGeom prst="rect">
+            <a:avLst/>
+          </a:prstGeom>
+          <a:noFill/>
+        </p:spPr>
+        <p:txBody>
+          <a:bodyPr wrap="none" rtlCol="0">
+            <a:spAutoFit/>
+          </a:bodyPr>
+          <a:lstStyle/>
+          <a:p>
+            <a:r>
+              <a:rPr lang="en-US" b="1" dirty="0">
+                <a:latin typeface="Yu Gothic" panose="020B0400000000000000" pitchFamily="34" charset="-128"/>
+                <a:ea typeface="Yu Gothic" panose="020B0400000000000000" pitchFamily="34" charset="-128"/>
+              </a:rPr>
+              <a:t>PC2</a:t>
+            </a:r>
+          </a:p>
+        </p:txBody>
+      </p:sp>
+      <p:sp>
+        <p:nvSpPr>
+          <p:cNvPr id="58" name="TextBox 57">
+            <a:extLst>
+              <a:ext uri="{FF2B5EF4-FFF2-40B4-BE49-F238E27FC236}">
+                <a16:creationId xmlns:a16="http://schemas.microsoft.com/office/drawing/2014/main" id="{4359CA2B-0540-EC41-AA0C-14162822111E}"/>
+              </a:ext>
+            </a:extLst>
+          </p:cNvPr>
+          <p:cNvSpPr txBox="1"/>
+          <p:nvPr/>
+        </p:nvSpPr>
+        <p:spPr>
+          <a:xfrm>
+            <a:off x="10032709" y="4809249"/>
+            <a:ext cx="643125" cy="369332"/>
+          </a:xfrm>
+          <a:prstGeom prst="rect">
+            <a:avLst/>
+          </a:prstGeom>
+          <a:noFill/>
+        </p:spPr>
+        <p:txBody>
+          <a:bodyPr wrap="none" rtlCol="0">
+            <a:spAutoFit/>
+          </a:bodyPr>
+          <a:lstStyle/>
+          <a:p>
+            <a:r>
+              <a:rPr lang="en-US" b="1" dirty="0">
+                <a:latin typeface="Yu Gothic" panose="020B0400000000000000" pitchFamily="34" charset="-128"/>
+                <a:ea typeface="Yu Gothic" panose="020B0400000000000000" pitchFamily="34" charset="-128"/>
+              </a:rPr>
+              <a:t>PC3</a:t>
+            </a:r>
+          </a:p>
+        </p:txBody>
+      </p:sp>
+      <p:sp>
+        <p:nvSpPr>
+          <p:cNvPr id="60" name="TextBox 59">
+            <a:extLst>
+              <a:ext uri="{FF2B5EF4-FFF2-40B4-BE49-F238E27FC236}">
+                <a16:creationId xmlns:a16="http://schemas.microsoft.com/office/drawing/2014/main" id="{14F5B31D-4A56-E149-BF96-6233030792C5}"/>
+              </a:ext>
+            </a:extLst>
+          </p:cNvPr>
+          <p:cNvSpPr txBox="1"/>
+          <p:nvPr/>
+        </p:nvSpPr>
+        <p:spPr>
+          <a:xfrm>
+            <a:off x="3832264" y="3507366"/>
+            <a:ext cx="479618" cy="369332"/>
+          </a:xfrm>
+          <a:prstGeom prst="rect">
+            <a:avLst/>
+          </a:prstGeom>
+          <a:noFill/>
+        </p:spPr>
+        <p:txBody>
+          <a:bodyPr wrap="none" rtlCol="0">
+            <a:spAutoFit/>
+          </a:bodyPr>
+          <a:lstStyle/>
+          <a:p>
+            <a:r>
+              <a:rPr lang="en-US" b="1" dirty="0">
+                <a:solidFill>
+                  <a:schemeClr val="bg1"/>
+                </a:solidFill>
+                <a:latin typeface="Yu Gothic" panose="020B0400000000000000" pitchFamily="34" charset="-128"/>
+                <a:ea typeface="Yu Gothic" panose="020B0400000000000000" pitchFamily="34" charset="-128"/>
+              </a:rPr>
+              <a:t>R1</a:t>
+            </a:r>
+          </a:p>
+        </p:txBody>
+      </p:sp>
+      <p:sp>
+        <p:nvSpPr>
+          <p:cNvPr id="61" name="TextBox 60">
+            <a:extLst>
+              <a:ext uri="{FF2B5EF4-FFF2-40B4-BE49-F238E27FC236}">
+                <a16:creationId xmlns:a16="http://schemas.microsoft.com/office/drawing/2014/main" id="{DF47E842-E93A-164A-B931-AAC0BD6D4C5C}"/>
+              </a:ext>
+            </a:extLst>
+          </p:cNvPr>
+          <p:cNvSpPr txBox="1"/>
+          <p:nvPr/>
+        </p:nvSpPr>
+        <p:spPr>
+          <a:xfrm>
+            <a:off x="7990257" y="3514042"/>
+            <a:ext cx="479618" cy="369332"/>
+          </a:xfrm>
+          <a:prstGeom prst="rect">
+            <a:avLst/>
+          </a:prstGeom>
+          <a:noFill/>
+        </p:spPr>
+        <p:txBody>
+          <a:bodyPr wrap="none" rtlCol="0">
+            <a:spAutoFit/>
+          </a:bodyPr>
+          <a:lstStyle/>
+          <a:p>
+            <a:r>
+              <a:rPr lang="en-US" b="1" dirty="0">
+                <a:solidFill>
+                  <a:schemeClr val="bg1"/>
+                </a:solidFill>
+                <a:latin typeface="Yu Gothic" panose="020B0400000000000000" pitchFamily="34" charset="-128"/>
+                <a:ea typeface="Yu Gothic" panose="020B0400000000000000" pitchFamily="34" charset="-128"/>
+              </a:rPr>
+              <a:t>R2</a:t>
+            </a:r>
+          </a:p>
+        </p:txBody>
+      </p:sp>
+    </p:spTree>
+    <p:extLst>
+      <p:ext uri="{BB962C8B-B14F-4D97-AF65-F5344CB8AC3E}">
+        <p14:creationId xmlns:p14="http://schemas.microsoft.com/office/powerpoint/2010/main" val="1416911025"/>
+      </p:ext>
+    </p:extLst>
+  </p:cSld>
+  <p:clrMapOvr>
+    <a:masterClrMapping/>
+  </p:clrMapOvr>
+</p:sld>
+</file>
+
+<file path=ppt/slides/slide2.xml><?xml version="1.0" encoding="utf-8"?>
+<p:sld xmlns:a="http://schemas.openxmlformats.org/drawingml/2006/main" xmlns:r="http://schemas.openxmlformats.org/officeDocument/2006/relationships" xmlns:p="http://schemas.openxmlformats.org/presentationml/2006/main">
+  <p:cSld>
+    <p:spTree>
+      <p:nvGrpSpPr>
+        <p:cNvPr id="1" name=""/>
+        <p:cNvGrpSpPr/>
+        <p:nvPr/>
+      </p:nvGrpSpPr>
+      <p:grpSpPr>
+        <a:xfrm>
+          <a:off x="0" y="0"/>
+          <a:ext cx="0" cy="0"/>
+          <a:chOff x="0" y="0"/>
+          <a:chExt cx="0" cy="0"/>
+        </a:xfrm>
+      </p:grpSpPr>
+      <p:sp>
+        <p:nvSpPr>
+          <p:cNvPr id="16" name="Rounded Rectangle 15">
+            <a:extLst>
+              <a:ext uri="{FF2B5EF4-FFF2-40B4-BE49-F238E27FC236}">
+                <a16:creationId xmlns:a16="http://schemas.microsoft.com/office/drawing/2014/main" id="{787EF255-3415-CA4A-A9E6-CCEA84DC5E0C}"/>
               </a:ext>
             </a:extLst>
           </p:cNvPr>
@@ -4173,16 +5188,19 @@
         </p:nvSpPr>
         <p:spPr>
           <a:xfrm>
-            <a:off x="4280546" y="385012"/>
-            <a:ext cx="3877774" cy="5399774"/>
+            <a:off x="1024902" y="471638"/>
+            <a:ext cx="10386415" cy="2618071"/>
           </a:xfrm>
           <a:prstGeom prst="roundRect">
             <a:avLst/>
           </a:prstGeom>
           <a:noFill/>
-          <a:ln w="76200">
+          <a:ln w="57150">
             <a:solidFill>
-              <a:schemeClr val="accent5"/>
+              <a:schemeClr val="tx2">
+                <a:lumMod val="50000"/>
+                <a:lumOff val="50000"/>
+              </a:schemeClr>
             </a:solidFill>
             <a:prstDash val="dash"/>
           </a:ln>
@@ -4214,10 +5232,10 @@
       </p:sp>
       <p:sp>
         <p:nvSpPr>
-          <p:cNvPr id="66" name="TextBox 65">
-            <a:extLst>
-              <a:ext uri="{FF2B5EF4-FFF2-40B4-BE49-F238E27FC236}">
-                <a16:creationId xmlns:a16="http://schemas.microsoft.com/office/drawing/2014/main" id="{2585B877-DFC2-1A4B-B3BD-5984C17325CB}"/>
+          <p:cNvPr id="72" name="TextBox 71">
+            <a:extLst>
+              <a:ext uri="{FF2B5EF4-FFF2-40B4-BE49-F238E27FC236}">
+                <a16:creationId xmlns:a16="http://schemas.microsoft.com/office/drawing/2014/main" id="{426F0AC4-A5A0-DD49-9266-DAA474D20084}"/>
               </a:ext>
             </a:extLst>
           </p:cNvPr>
@@ -4226,8 +5244,8 @@
         </p:nvSpPr>
         <p:spPr>
           <a:xfrm>
-            <a:off x="9201914" y="2553378"/>
-            <a:ext cx="756938" cy="400110"/>
+            <a:off x="1365061" y="1228158"/>
+            <a:ext cx="4458272" cy="1323439"/>
           </a:xfrm>
           <a:prstGeom prst="rect">
             <a:avLst/>
@@ -4241,21 +5259,142 @@
           <a:lstStyle/>
           <a:p>
             <a:r>
+              <a:rPr lang="ja-JP" altLang="en-US" sz="2000" b="1">
+                <a:latin typeface="Yu Gothic" panose="020B0400000000000000" pitchFamily="34" charset="-128"/>
+                <a:ea typeface="Yu Gothic" panose="020B0400000000000000" pitchFamily="34" charset="-128"/>
+              </a:rPr>
+              <a:t>ネットワークの設定</a:t>
+            </a:r>
+            <a:endParaRPr lang="en-US" sz="2000" b="1" dirty="0">
+              <a:latin typeface="Yu Gothic" panose="020B0400000000000000" pitchFamily="34" charset="-128"/>
+              <a:ea typeface="Yu Gothic" panose="020B0400000000000000" pitchFamily="34" charset="-128"/>
+            </a:endParaRPr>
+          </a:p>
+          <a:p>
+            <a:pPr marL="342900" indent="-342900">
+              <a:buFont typeface="Arial" panose="020B0604020202020204" pitchFamily="34" charset="0"/>
+              <a:buChar char="•"/>
+            </a:pPr>
+            <a:r>
+              <a:rPr lang="en-US" sz="2000" b="1" dirty="0">
+                <a:solidFill>
+                  <a:schemeClr val="accent1"/>
+                </a:solidFill>
+                <a:latin typeface="Yu Gothic" panose="020B0400000000000000" pitchFamily="34" charset="-128"/>
+                <a:ea typeface="Yu Gothic" panose="020B0400000000000000" pitchFamily="34" charset="-128"/>
+              </a:rPr>
+              <a:t>IP: 10.0.1.101</a:t>
+            </a:r>
+          </a:p>
+          <a:p>
+            <a:pPr marL="342900" indent="-342900">
+              <a:buFont typeface="Arial" panose="020B0604020202020204" pitchFamily="34" charset="0"/>
+              <a:buChar char="•"/>
+            </a:pPr>
+            <a:r>
+              <a:rPr lang="en-US" sz="2000" b="1" dirty="0">
+                <a:solidFill>
+                  <a:schemeClr val="accent1"/>
+                </a:solidFill>
+                <a:latin typeface="Yu Gothic" panose="020B0400000000000000" pitchFamily="34" charset="-128"/>
+                <a:ea typeface="Yu Gothic" panose="020B0400000000000000" pitchFamily="34" charset="-128"/>
+              </a:rPr>
+              <a:t>Mask: 255.255.255.0</a:t>
+            </a:r>
+          </a:p>
+          <a:p>
+            <a:pPr marL="342900" indent="-342900">
+              <a:buFont typeface="Arial" panose="020B0604020202020204" pitchFamily="34" charset="0"/>
+              <a:buChar char="•"/>
+            </a:pPr>
+            <a:r>
+              <a:rPr lang="ja-JP" altLang="en-US" sz="2000" b="1">
+                <a:solidFill>
+                  <a:schemeClr val="accent3"/>
+                </a:solidFill>
+                <a:latin typeface="Yu Gothic" panose="020B0400000000000000" pitchFamily="34" charset="-128"/>
+                <a:ea typeface="Yu Gothic" panose="020B0400000000000000" pitchFamily="34" charset="-128"/>
+              </a:rPr>
+              <a:t>デフォルトゲートウェイ</a:t>
+            </a:r>
+            <a:r>
+              <a:rPr lang="en-US" altLang="ja-JP" sz="2000" b="1" dirty="0">
+                <a:solidFill>
+                  <a:schemeClr val="accent3"/>
+                </a:solidFill>
+                <a:latin typeface="Yu Gothic" panose="020B0400000000000000" pitchFamily="34" charset="-128"/>
+                <a:ea typeface="Yu Gothic" panose="020B0400000000000000" pitchFamily="34" charset="-128"/>
+              </a:rPr>
+              <a:t>: 10.0.1.1</a:t>
+            </a:r>
+            <a:endParaRPr lang="en-US" sz="2000" b="1" dirty="0">
+              <a:solidFill>
+                <a:schemeClr val="accent3"/>
+              </a:solidFill>
+              <a:latin typeface="Yu Gothic" panose="020B0400000000000000" pitchFamily="34" charset="-128"/>
+              <a:ea typeface="Yu Gothic" panose="020B0400000000000000" pitchFamily="34" charset="-128"/>
+            </a:endParaRPr>
+          </a:p>
+        </p:txBody>
+      </p:sp>
+      <p:sp>
+        <p:nvSpPr>
+          <p:cNvPr id="65" name="TextBox 64">
+            <a:extLst>
+              <a:ext uri="{FF2B5EF4-FFF2-40B4-BE49-F238E27FC236}">
+                <a16:creationId xmlns:a16="http://schemas.microsoft.com/office/drawing/2014/main" id="{DF247382-616B-A840-B222-0EEEB3D7590F}"/>
+              </a:ext>
+            </a:extLst>
+          </p:cNvPr>
+          <p:cNvSpPr txBox="1"/>
+          <p:nvPr/>
+        </p:nvSpPr>
+        <p:spPr>
+          <a:xfrm>
+            <a:off x="6086877" y="681175"/>
+            <a:ext cx="2098651" cy="400110"/>
+          </a:xfrm>
+          <a:prstGeom prst="rect">
+            <a:avLst/>
+          </a:prstGeom>
+          <a:noFill/>
+        </p:spPr>
+        <p:txBody>
+          <a:bodyPr wrap="none" rtlCol="0">
+            <a:spAutoFit/>
+          </a:bodyPr>
+          <a:lstStyle/>
+          <a:p>
+            <a:r>
+              <a:rPr lang="ja-JP" altLang="en-US" sz="2000" b="1">
+                <a:latin typeface="Yu Gothic" panose="020B0400000000000000" pitchFamily="34" charset="-128"/>
+                <a:ea typeface="Yu Gothic" panose="020B0400000000000000" pitchFamily="34" charset="-128"/>
+              </a:rPr>
+              <a:t>宛先</a:t>
+            </a:r>
+            <a:r>
+              <a:rPr lang="en-US" altLang="ja-JP" sz="2000" b="1" dirty="0">
+                <a:latin typeface="Yu Gothic" panose="020B0400000000000000" pitchFamily="34" charset="-128"/>
+                <a:ea typeface="Yu Gothic" panose="020B0400000000000000" pitchFamily="34" charset="-128"/>
+              </a:rPr>
+              <a:t>: </a:t>
+            </a:r>
+            <a:r>
               <a:rPr lang="en-US" sz="2000" b="1" dirty="0">
                 <a:latin typeface="Yu Gothic" panose="020B0400000000000000" pitchFamily="34" charset="-128"/>
                 <a:ea typeface="Yu Gothic" panose="020B0400000000000000" pitchFamily="34" charset="-128"/>
               </a:rPr>
-              <a:t>g0/1</a:t>
-            </a:r>
-          </a:p>
-        </p:txBody>
-      </p:sp>
-      <p:sp>
-        <p:nvSpPr>
-          <p:cNvPr id="67" name="TextBox 66">
-            <a:extLst>
-              <a:ext uri="{FF2B5EF4-FFF2-40B4-BE49-F238E27FC236}">
-                <a16:creationId xmlns:a16="http://schemas.microsoft.com/office/drawing/2014/main" id="{D5364408-F56C-CE40-A3F5-D51EC07F2FBF}"/>
+              <a:t>10.0.1.100</a:t>
+            </a:r>
+          </a:p>
+        </p:txBody>
+      </p:sp>
+      <p:sp>
+        <p:nvSpPr>
+          <p:cNvPr id="81" name="TextBox 80">
+            <a:extLst>
+              <a:ext uri="{FF2B5EF4-FFF2-40B4-BE49-F238E27FC236}">
+                <a16:creationId xmlns:a16="http://schemas.microsoft.com/office/drawing/2014/main" id="{FC925676-1F17-8249-B943-7686011718A1}"/>
               </a:ext>
             </a:extLst>
           </p:cNvPr>
@@ -4264,8 +5403,8 @@
         </p:nvSpPr>
         <p:spPr>
           <a:xfrm>
-            <a:off x="8681892" y="3044791"/>
-            <a:ext cx="756938" cy="400110"/>
+            <a:off x="8537608" y="690009"/>
+            <a:ext cx="2098651" cy="400110"/>
           </a:xfrm>
           <a:prstGeom prst="rect">
             <a:avLst/>
@@ -4279,21 +5418,35 @@
           <a:lstStyle/>
           <a:p>
             <a:r>
+              <a:rPr lang="ja-JP" altLang="en-US" sz="2000" b="1">
+                <a:latin typeface="Yu Gothic" panose="020B0400000000000000" pitchFamily="34" charset="-128"/>
+                <a:ea typeface="Yu Gothic" panose="020B0400000000000000" pitchFamily="34" charset="-128"/>
+              </a:rPr>
+              <a:t>宛先</a:t>
+            </a:r>
+            <a:r>
+              <a:rPr lang="en-US" altLang="ja-JP" sz="2000" b="1" dirty="0">
+                <a:latin typeface="Yu Gothic" panose="020B0400000000000000" pitchFamily="34" charset="-128"/>
+                <a:ea typeface="Yu Gothic" panose="020B0400000000000000" pitchFamily="34" charset="-128"/>
+              </a:rPr>
+              <a:t>: </a:t>
+            </a:r>
+            <a:r>
               <a:rPr lang="en-US" sz="2000" b="1" dirty="0">
                 <a:latin typeface="Yu Gothic" panose="020B0400000000000000" pitchFamily="34" charset="-128"/>
                 <a:ea typeface="Yu Gothic" panose="020B0400000000000000" pitchFamily="34" charset="-128"/>
               </a:rPr>
-              <a:t>g0/1</a:t>
-            </a:r>
-          </a:p>
-        </p:txBody>
-      </p:sp>
-      <p:sp>
-        <p:nvSpPr>
-          <p:cNvPr id="68" name="Rounded Rectangle 67">
-            <a:extLst>
-              <a:ext uri="{FF2B5EF4-FFF2-40B4-BE49-F238E27FC236}">
-                <a16:creationId xmlns:a16="http://schemas.microsoft.com/office/drawing/2014/main" id="{C7382D5B-9FF6-BA4D-8094-F53218AA6315}"/>
+              <a:t>10.0.2.102</a:t>
+            </a:r>
+          </a:p>
+        </p:txBody>
+      </p:sp>
+      <p:sp>
+        <p:nvSpPr>
+          <p:cNvPr id="83" name="Down Arrow 82">
+            <a:extLst>
+              <a:ext uri="{FF2B5EF4-FFF2-40B4-BE49-F238E27FC236}">
+                <a16:creationId xmlns:a16="http://schemas.microsoft.com/office/drawing/2014/main" id="{21F52D69-62E9-8045-B2D2-D1B402D2CBE5}"/>
               </a:ext>
             </a:extLst>
           </p:cNvPr>
@@ -4302,18 +5455,17 @@
         </p:nvSpPr>
         <p:spPr>
           <a:xfrm>
-            <a:off x="8445643" y="385012"/>
-            <a:ext cx="3071672" cy="5399773"/>
-          </a:xfrm>
-          <a:prstGeom prst="roundRect">
-            <a:avLst/>
-          </a:prstGeom>
-          <a:noFill/>
-          <a:ln w="76200">
-            <a:solidFill>
-              <a:schemeClr val="accent5"/>
-            </a:solidFill>
-            <a:prstDash val="dash"/>
+            <a:off x="9395152" y="1135790"/>
+            <a:ext cx="699888" cy="2926072"/>
+          </a:xfrm>
+          <a:prstGeom prst="downArrow">
+            <a:avLst/>
+          </a:prstGeom>
+          <a:solidFill>
+            <a:schemeClr val="accent2"/>
+          </a:solidFill>
+          <a:ln>
+            <a:noFill/>
           </a:ln>
         </p:spPr>
         <p:style>
@@ -4341,12 +5493,49 @@
           </a:p>
         </p:txBody>
       </p:sp>
-      <p:sp>
-        <p:nvSpPr>
-          <p:cNvPr id="69" name="TextBox 68">
-            <a:extLst>
-              <a:ext uri="{FF2B5EF4-FFF2-40B4-BE49-F238E27FC236}">
-                <a16:creationId xmlns:a16="http://schemas.microsoft.com/office/drawing/2014/main" id="{BF58369D-714C-A540-A7C7-9ABB4AD34199}"/>
+      <p:pic>
+        <p:nvPicPr>
+          <p:cNvPr id="86" name="Picture 85">
+            <a:extLst>
+              <a:ext uri="{FF2B5EF4-FFF2-40B4-BE49-F238E27FC236}">
+                <a16:creationId xmlns:a16="http://schemas.microsoft.com/office/drawing/2014/main" id="{E80BC9C8-FDA1-3C48-A939-2E9EED07E545}"/>
+              </a:ext>
+            </a:extLst>
+          </p:cNvPr>
+          <p:cNvPicPr>
+            <a:picLocks noChangeAspect="1"/>
+          </p:cNvPicPr>
+          <p:nvPr/>
+        </p:nvPicPr>
+        <p:blipFill>
+          <a:blip r:embed="rId2">
+            <a:extLst>
+              <a:ext uri="{28A0092B-C50C-407E-A947-70E740481C1C}">
+                <a14:useLocalDpi xmlns:a14="http://schemas.microsoft.com/office/drawing/2010/main" val="0"/>
+              </a:ext>
+            </a:extLst>
+          </a:blip>
+          <a:stretch>
+            <a:fillRect/>
+          </a:stretch>
+        </p:blipFill>
+        <p:spPr>
+          <a:xfrm>
+            <a:off x="9334177" y="4005201"/>
+            <a:ext cx="879591" cy="879591"/>
+          </a:xfrm>
+          <a:prstGeom prst="rect">
+            <a:avLst/>
+          </a:prstGeom>
+          <a:noFill/>
+        </p:spPr>
+      </p:pic>
+      <p:sp>
+        <p:nvSpPr>
+          <p:cNvPr id="18" name="TextBox 17">
+            <a:extLst>
+              <a:ext uri="{FF2B5EF4-FFF2-40B4-BE49-F238E27FC236}">
+                <a16:creationId xmlns:a16="http://schemas.microsoft.com/office/drawing/2014/main" id="{E48BB43C-DEB0-C647-B8A0-704C21949651}"/>
               </a:ext>
             </a:extLst>
           </p:cNvPr>
@@ -4355,8 +5544,8 @@
         </p:nvSpPr>
         <p:spPr>
           <a:xfrm>
-            <a:off x="1176033" y="3244846"/>
-            <a:ext cx="756938" cy="400110"/>
+            <a:off x="7547278" y="2490490"/>
+            <a:ext cx="696024" cy="400110"/>
           </a:xfrm>
           <a:prstGeom prst="rect">
             <a:avLst/>
@@ -4374,17 +5563,17 @@
                 <a:latin typeface="Yu Gothic" panose="020B0400000000000000" pitchFamily="34" charset="-128"/>
                 <a:ea typeface="Yu Gothic" panose="020B0400000000000000" pitchFamily="34" charset="-128"/>
               </a:rPr>
-              <a:t>g0/1</a:t>
-            </a:r>
-          </a:p>
-        </p:txBody>
-      </p:sp>
-      <p:sp>
-        <p:nvSpPr>
-          <p:cNvPr id="70" name="TextBox 69">
-            <a:extLst>
-              <a:ext uri="{FF2B5EF4-FFF2-40B4-BE49-F238E27FC236}">
-                <a16:creationId xmlns:a16="http://schemas.microsoft.com/office/drawing/2014/main" id="{790C0EF6-4CE8-AA49-82ED-8F40AB13FCB1}"/>
+              <a:t>YES</a:t>
+            </a:r>
+          </a:p>
+        </p:txBody>
+      </p:sp>
+      <p:sp>
+        <p:nvSpPr>
+          <p:cNvPr id="87" name="TextBox 86">
+            <a:extLst>
+              <a:ext uri="{FF2B5EF4-FFF2-40B4-BE49-F238E27FC236}">
+                <a16:creationId xmlns:a16="http://schemas.microsoft.com/office/drawing/2014/main" id="{8F3952DE-5074-B64F-A5D8-7F4BDF9DE25A}"/>
               </a:ext>
             </a:extLst>
           </p:cNvPr>
@@ -4393,8 +5582,8 @@
         </p:nvSpPr>
         <p:spPr>
           <a:xfrm>
-            <a:off x="5331665" y="3242951"/>
-            <a:ext cx="756938" cy="400110"/>
+            <a:off x="10009483" y="2490724"/>
+            <a:ext cx="580608" cy="400110"/>
           </a:xfrm>
           <a:prstGeom prst="rect">
             <a:avLst/>
@@ -4412,17 +5601,17 @@
                 <a:latin typeface="Yu Gothic" panose="020B0400000000000000" pitchFamily="34" charset="-128"/>
                 <a:ea typeface="Yu Gothic" panose="020B0400000000000000" pitchFamily="34" charset="-128"/>
               </a:rPr>
-              <a:t>g0/1</a:t>
-            </a:r>
-          </a:p>
-        </p:txBody>
-      </p:sp>
-      <p:sp>
-        <p:nvSpPr>
-          <p:cNvPr id="71" name="TextBox 70">
-            <a:extLst>
-              <a:ext uri="{FF2B5EF4-FFF2-40B4-BE49-F238E27FC236}">
-                <a16:creationId xmlns:a16="http://schemas.microsoft.com/office/drawing/2014/main" id="{91DE31DF-8513-9B44-9302-BC8AB2BE72AA}"/>
+              <a:t>NO</a:t>
+            </a:r>
+          </a:p>
+        </p:txBody>
+      </p:sp>
+      <p:sp>
+        <p:nvSpPr>
+          <p:cNvPr id="19" name="TextBox 18">
+            <a:extLst>
+              <a:ext uri="{FF2B5EF4-FFF2-40B4-BE49-F238E27FC236}">
+                <a16:creationId xmlns:a16="http://schemas.microsoft.com/office/drawing/2014/main" id="{06DF61B1-E56A-9444-8FB2-FD6DFE6C07AE}"/>
               </a:ext>
             </a:extLst>
           </p:cNvPr>
@@ -4431,8 +5620,8 @@
         </p:nvSpPr>
         <p:spPr>
           <a:xfrm>
-            <a:off x="9603010" y="3212173"/>
-            <a:ext cx="756938" cy="400110"/>
+            <a:off x="5370174" y="4244941"/>
+            <a:ext cx="1433406" cy="400110"/>
           </a:xfrm>
           <a:prstGeom prst="rect">
             <a:avLst/>
@@ -4450,17 +5639,17 @@
                 <a:latin typeface="Yu Gothic" panose="020B0400000000000000" pitchFamily="34" charset="-128"/>
                 <a:ea typeface="Yu Gothic" panose="020B0400000000000000" pitchFamily="34" charset="-128"/>
               </a:rPr>
-              <a:t>g0/1</a:t>
-            </a:r>
-          </a:p>
-        </p:txBody>
-      </p:sp>
-      <p:sp>
-        <p:nvSpPr>
-          <p:cNvPr id="72" name="TextBox 71">
-            <a:extLst>
-              <a:ext uri="{FF2B5EF4-FFF2-40B4-BE49-F238E27FC236}">
-                <a16:creationId xmlns:a16="http://schemas.microsoft.com/office/drawing/2014/main" id="{426F0AC4-A5A0-DD49-9266-DAA474D20084}"/>
+              <a:t>10.0.1.100</a:t>
+            </a:r>
+          </a:p>
+        </p:txBody>
+      </p:sp>
+      <p:sp>
+        <p:nvSpPr>
+          <p:cNvPr id="88" name="TextBox 87">
+            <a:extLst>
+              <a:ext uri="{FF2B5EF4-FFF2-40B4-BE49-F238E27FC236}">
+                <a16:creationId xmlns:a16="http://schemas.microsoft.com/office/drawing/2014/main" id="{5209316C-5FE9-4F4E-94A5-EB78F9C11BC2}"/>
               </a:ext>
             </a:extLst>
           </p:cNvPr>
@@ -4469,8 +5658,8 @@
         </p:nvSpPr>
         <p:spPr>
           <a:xfrm>
-            <a:off x="944478" y="4864538"/>
-            <a:ext cx="2855269" cy="707886"/>
+            <a:off x="10272864" y="4244941"/>
+            <a:ext cx="1138453" cy="400110"/>
           </a:xfrm>
           <a:prstGeom prst="rect">
             <a:avLst/>
@@ -4485,29 +5674,750 @@
           <a:p>
             <a:r>
               <a:rPr lang="en-US" sz="2000" b="1" dirty="0">
+                <a:solidFill>
+                  <a:schemeClr val="accent3"/>
+                </a:solidFill>
                 <a:latin typeface="Yu Gothic" panose="020B0400000000000000" pitchFamily="34" charset="-128"/>
                 <a:ea typeface="Yu Gothic" panose="020B0400000000000000" pitchFamily="34" charset="-128"/>
               </a:rPr>
-              <a:t>IP: 10.0.0.101</a:t>
-            </a:r>
-          </a:p>
+              <a:t>10.0.1.1</a:t>
+            </a:r>
+          </a:p>
+        </p:txBody>
+      </p:sp>
+      <p:sp>
+        <p:nvSpPr>
+          <p:cNvPr id="89" name="Down Arrow 88">
+            <a:extLst>
+              <a:ext uri="{FF2B5EF4-FFF2-40B4-BE49-F238E27FC236}">
+                <a16:creationId xmlns:a16="http://schemas.microsoft.com/office/drawing/2014/main" id="{2C7FA0BC-D2B2-EA4B-9FB7-8CDF4DCA3FD8}"/>
+              </a:ext>
+            </a:extLst>
+          </p:cNvPr>
+          <p:cNvSpPr/>
+          <p:nvPr/>
+        </p:nvSpPr>
+        <p:spPr>
+          <a:xfrm>
+            <a:off x="7018783" y="1135790"/>
+            <a:ext cx="699888" cy="2926071"/>
+          </a:xfrm>
+          <a:prstGeom prst="downArrow">
+            <a:avLst/>
+          </a:prstGeom>
+          <a:solidFill>
+            <a:schemeClr val="accent2"/>
+          </a:solidFill>
+          <a:ln>
+            <a:noFill/>
+          </a:ln>
+        </p:spPr>
+        <p:style>
+          <a:lnRef idx="2">
+            <a:schemeClr val="accent1">
+              <a:shade val="50000"/>
+            </a:schemeClr>
+          </a:lnRef>
+          <a:fillRef idx="1">
+            <a:schemeClr val="accent1"/>
+          </a:fillRef>
+          <a:effectRef idx="0">
+            <a:schemeClr val="accent1"/>
+          </a:effectRef>
+          <a:fontRef idx="minor">
+            <a:schemeClr val="lt1"/>
+          </a:fontRef>
+        </p:style>
+        <p:txBody>
+          <a:bodyPr rtlCol="0" anchor="ctr"/>
+          <a:lstStyle/>
+          <a:p>
+            <a:pPr algn="ctr"/>
+            <a:endParaRPr lang="en-US"/>
+          </a:p>
+        </p:txBody>
+      </p:sp>
+      <p:sp>
+        <p:nvSpPr>
+          <p:cNvPr id="90" name="Rounded Rectangle 89">
+            <a:extLst>
+              <a:ext uri="{FF2B5EF4-FFF2-40B4-BE49-F238E27FC236}">
+                <a16:creationId xmlns:a16="http://schemas.microsoft.com/office/drawing/2014/main" id="{E6AEDFD7-4DD9-4D4F-842B-DCF4246F940F}"/>
+              </a:ext>
+            </a:extLst>
+          </p:cNvPr>
+          <p:cNvSpPr/>
+          <p:nvPr/>
+        </p:nvSpPr>
+        <p:spPr>
+          <a:xfrm>
+            <a:off x="6343047" y="1390754"/>
+            <a:ext cx="4812633" cy="995691"/>
+          </a:xfrm>
+          <a:prstGeom prst="roundRect">
+            <a:avLst/>
+          </a:prstGeom>
+          <a:ln>
+            <a:noFill/>
+          </a:ln>
+        </p:spPr>
+        <p:style>
+          <a:lnRef idx="2">
+            <a:schemeClr val="accent1">
+              <a:shade val="50000"/>
+            </a:schemeClr>
+          </a:lnRef>
+          <a:fillRef idx="1">
+            <a:schemeClr val="accent1"/>
+          </a:fillRef>
+          <a:effectRef idx="0">
+            <a:schemeClr val="accent1"/>
+          </a:effectRef>
+          <a:fontRef idx="minor">
+            <a:schemeClr val="lt1"/>
+          </a:fontRef>
+        </p:style>
+        <p:txBody>
+          <a:bodyPr rtlCol="0" anchor="ctr"/>
+          <a:lstStyle/>
+          <a:p>
+            <a:pPr algn="ctr"/>
+            <a:endParaRPr lang="en-US" altLang="ja-JP" sz="2000" b="1" dirty="0">
+              <a:latin typeface="+mn-ea"/>
+            </a:endParaRPr>
+          </a:p>
+        </p:txBody>
+      </p:sp>
+      <p:sp>
+        <p:nvSpPr>
+          <p:cNvPr id="20" name="TextBox 19">
+            <a:extLst>
+              <a:ext uri="{FF2B5EF4-FFF2-40B4-BE49-F238E27FC236}">
+                <a16:creationId xmlns:a16="http://schemas.microsoft.com/office/drawing/2014/main" id="{8D4A4D0F-DC04-914F-985D-2F35DDF5D063}"/>
+              </a:ext>
+            </a:extLst>
+          </p:cNvPr>
+          <p:cNvSpPr txBox="1"/>
+          <p:nvPr/>
+        </p:nvSpPr>
+        <p:spPr>
+          <a:xfrm rot="16200000">
+            <a:off x="6880407" y="3013450"/>
+            <a:ext cx="1005403" cy="400110"/>
+          </a:xfrm>
+          <a:prstGeom prst="rect">
+            <a:avLst/>
+          </a:prstGeom>
+          <a:noFill/>
+        </p:spPr>
+        <p:txBody>
+          <a:bodyPr wrap="none" rtlCol="0">
+            <a:spAutoFit/>
+          </a:bodyPr>
+          <a:lstStyle/>
+          <a:p>
+            <a:r>
+              <a:rPr lang="en-US" sz="2000" b="1" dirty="0">
+                <a:solidFill>
+                  <a:schemeClr val="bg1"/>
+                </a:solidFill>
+                <a:latin typeface="Yu Gothic" panose="020B0400000000000000" pitchFamily="34" charset="-128"/>
+                <a:ea typeface="Yu Gothic" panose="020B0400000000000000" pitchFamily="34" charset="-128"/>
+              </a:rPr>
+              <a:t>L2</a:t>
+            </a:r>
+            <a:r>
+              <a:rPr lang="ja-JP" altLang="en-US" sz="2000" b="1">
+                <a:solidFill>
+                  <a:schemeClr val="bg1"/>
+                </a:solidFill>
+                <a:latin typeface="Yu Gothic" panose="020B0400000000000000" pitchFamily="34" charset="-128"/>
+                <a:ea typeface="Yu Gothic" panose="020B0400000000000000" pitchFamily="34" charset="-128"/>
+              </a:rPr>
+              <a:t>転送</a:t>
+            </a:r>
+            <a:endParaRPr lang="en-US" sz="2000" b="1" dirty="0">
+              <a:solidFill>
+                <a:schemeClr val="bg1"/>
+              </a:solidFill>
+              <a:latin typeface="Yu Gothic" panose="020B0400000000000000" pitchFamily="34" charset="-128"/>
+              <a:ea typeface="Yu Gothic" panose="020B0400000000000000" pitchFamily="34" charset="-128"/>
+            </a:endParaRPr>
+          </a:p>
+        </p:txBody>
+      </p:sp>
+      <p:sp>
+        <p:nvSpPr>
+          <p:cNvPr id="91" name="TextBox 90">
+            <a:extLst>
+              <a:ext uri="{FF2B5EF4-FFF2-40B4-BE49-F238E27FC236}">
+                <a16:creationId xmlns:a16="http://schemas.microsoft.com/office/drawing/2014/main" id="{0C3BE2D2-C6BD-484B-BC7A-F4B38DC6A901}"/>
+              </a:ext>
+            </a:extLst>
+          </p:cNvPr>
+          <p:cNvSpPr txBox="1"/>
+          <p:nvPr/>
+        </p:nvSpPr>
+        <p:spPr>
+          <a:xfrm rot="16200000">
+            <a:off x="9271272" y="3072227"/>
+            <a:ext cx="1005403" cy="400110"/>
+          </a:xfrm>
+          <a:prstGeom prst="rect">
+            <a:avLst/>
+          </a:prstGeom>
+          <a:noFill/>
+        </p:spPr>
+        <p:txBody>
+          <a:bodyPr wrap="none" rtlCol="0">
+            <a:spAutoFit/>
+          </a:bodyPr>
+          <a:lstStyle/>
+          <a:p>
+            <a:r>
+              <a:rPr lang="en-US" sz="2000" b="1" dirty="0">
+                <a:solidFill>
+                  <a:schemeClr val="bg1"/>
+                </a:solidFill>
+                <a:latin typeface="Yu Gothic" panose="020B0400000000000000" pitchFamily="34" charset="-128"/>
+                <a:ea typeface="Yu Gothic" panose="020B0400000000000000" pitchFamily="34" charset="-128"/>
+              </a:rPr>
+              <a:t>L2</a:t>
+            </a:r>
+            <a:r>
+              <a:rPr lang="ja-JP" altLang="en-US" sz="2000" b="1">
+                <a:solidFill>
+                  <a:schemeClr val="bg1"/>
+                </a:solidFill>
+                <a:latin typeface="Yu Gothic" panose="020B0400000000000000" pitchFamily="34" charset="-128"/>
+                <a:ea typeface="Yu Gothic" panose="020B0400000000000000" pitchFamily="34" charset="-128"/>
+              </a:rPr>
+              <a:t>転送</a:t>
+            </a:r>
+            <a:endParaRPr lang="en-US" sz="2000" b="1" dirty="0">
+              <a:solidFill>
+                <a:schemeClr val="bg1"/>
+              </a:solidFill>
+              <a:latin typeface="Yu Gothic" panose="020B0400000000000000" pitchFamily="34" charset="-128"/>
+              <a:ea typeface="Yu Gothic" panose="020B0400000000000000" pitchFamily="34" charset="-128"/>
+            </a:endParaRPr>
+          </a:p>
+        </p:txBody>
+      </p:sp>
+      <p:sp>
+        <p:nvSpPr>
+          <p:cNvPr id="2" name="TextBox 1">
+            <a:extLst>
+              <a:ext uri="{FF2B5EF4-FFF2-40B4-BE49-F238E27FC236}">
+                <a16:creationId xmlns:a16="http://schemas.microsoft.com/office/drawing/2014/main" id="{B735264F-8D00-A24E-BF78-5EDF95A9EB43}"/>
+              </a:ext>
+            </a:extLst>
+          </p:cNvPr>
+          <p:cNvSpPr txBox="1"/>
+          <p:nvPr/>
+        </p:nvSpPr>
+        <p:spPr>
+          <a:xfrm>
+            <a:off x="8312260" y="1551713"/>
+            <a:ext cx="2752677" cy="707886"/>
+          </a:xfrm>
+          <a:prstGeom prst="rect">
+            <a:avLst/>
+          </a:prstGeom>
+          <a:noFill/>
+        </p:spPr>
+        <p:txBody>
+          <a:bodyPr wrap="none" rtlCol="0">
+            <a:spAutoFit/>
+          </a:bodyPr>
+          <a:lstStyle/>
+          <a:p>
+            <a:pPr algn="ctr"/>
+            <a:r>
+              <a:rPr lang="ja-JP" altLang="en-US" sz="2000" b="1">
+                <a:solidFill>
+                  <a:schemeClr val="bg1"/>
+                </a:solidFill>
+                <a:latin typeface="+mn-ea"/>
+              </a:rPr>
+              <a:t>宛先</a:t>
+            </a:r>
+            <a:r>
+              <a:rPr lang="en-US" altLang="ja-JP" sz="2000" b="1" dirty="0">
+                <a:solidFill>
+                  <a:schemeClr val="bg1"/>
+                </a:solidFill>
+                <a:latin typeface="+mn-ea"/>
+              </a:rPr>
+              <a:t>IP</a:t>
+            </a:r>
+            <a:r>
+              <a:rPr lang="ja-JP" altLang="en-US" sz="2000" b="1">
+                <a:solidFill>
+                  <a:schemeClr val="bg1"/>
+                </a:solidFill>
+                <a:latin typeface="+mn-ea"/>
+              </a:rPr>
+              <a:t>は自分が属する</a:t>
+            </a:r>
+            <a:endParaRPr lang="en-US" altLang="ja-JP" sz="2000" b="1" dirty="0">
+              <a:solidFill>
+                <a:schemeClr val="bg1"/>
+              </a:solidFill>
+              <a:latin typeface="+mn-ea"/>
+            </a:endParaRPr>
+          </a:p>
+          <a:p>
+            <a:pPr algn="ctr"/>
+            <a:r>
+              <a:rPr lang="ja-JP" altLang="en-US" sz="2000" b="1">
+                <a:solidFill>
+                  <a:schemeClr val="bg1"/>
+                </a:solidFill>
+                <a:latin typeface="+mn-ea"/>
+              </a:rPr>
+              <a:t>ネットワーク内か</a:t>
+            </a:r>
+            <a:r>
+              <a:rPr lang="en-US" altLang="ja-JP" sz="2000" b="1" dirty="0">
+                <a:solidFill>
+                  <a:schemeClr val="bg1"/>
+                </a:solidFill>
+                <a:latin typeface="+mn-ea"/>
+              </a:rPr>
+              <a:t>?</a:t>
+            </a:r>
+          </a:p>
+        </p:txBody>
+      </p:sp>
+      <p:pic>
+        <p:nvPicPr>
+          <p:cNvPr id="21" name="Picture 20">
+            <a:extLst>
+              <a:ext uri="{FF2B5EF4-FFF2-40B4-BE49-F238E27FC236}">
+                <a16:creationId xmlns:a16="http://schemas.microsoft.com/office/drawing/2014/main" id="{261B75CB-CA6D-2344-A528-82D5765D21CE}"/>
+              </a:ext>
+            </a:extLst>
+          </p:cNvPr>
+          <p:cNvPicPr>
+            <a:picLocks noChangeAspect="1"/>
+          </p:cNvPicPr>
+          <p:nvPr/>
+        </p:nvPicPr>
+        <p:blipFill>
+          <a:blip r:embed="rId3">
+            <a:extLst>
+              <a:ext uri="{28A0092B-C50C-407E-A947-70E740481C1C}">
+                <a14:useLocalDpi xmlns:a14="http://schemas.microsoft.com/office/drawing/2010/main" val="0"/>
+              </a:ext>
+            </a:extLst>
+          </a:blip>
+          <a:stretch>
+            <a:fillRect/>
+          </a:stretch>
+        </p:blipFill>
+        <p:spPr>
+          <a:xfrm>
+            <a:off x="1515628" y="2430694"/>
+            <a:ext cx="1318030" cy="1318030"/>
+          </a:xfrm>
+          <a:prstGeom prst="rect">
+            <a:avLst/>
+          </a:prstGeom>
+        </p:spPr>
+      </p:pic>
+      <p:pic>
+        <p:nvPicPr>
+          <p:cNvPr id="6" name="Picture 5">
+            <a:extLst>
+              <a:ext uri="{FF2B5EF4-FFF2-40B4-BE49-F238E27FC236}">
+                <a16:creationId xmlns:a16="http://schemas.microsoft.com/office/drawing/2014/main" id="{4DB910A7-441D-0443-9285-F05ED11B2E4E}"/>
+              </a:ext>
+            </a:extLst>
+          </p:cNvPr>
+          <p:cNvPicPr>
+            <a:picLocks noChangeAspect="1"/>
+          </p:cNvPicPr>
+          <p:nvPr/>
+        </p:nvPicPr>
+        <p:blipFill>
+          <a:blip r:embed="rId4">
+            <a:extLst>
+              <a:ext uri="{28A0092B-C50C-407E-A947-70E740481C1C}">
+                <a14:useLocalDpi xmlns:a14="http://schemas.microsoft.com/office/drawing/2010/main" val="0"/>
+              </a:ext>
+            </a:extLst>
+          </a:blip>
+          <a:stretch>
+            <a:fillRect/>
+          </a:stretch>
+        </p:blipFill>
+        <p:spPr>
+          <a:xfrm>
+            <a:off x="6910511" y="4057019"/>
+            <a:ext cx="915091" cy="915091"/>
+          </a:xfrm>
+          <a:prstGeom prst="rect">
+            <a:avLst/>
+          </a:prstGeom>
+        </p:spPr>
+      </p:pic>
+      <p:sp>
+        <p:nvSpPr>
+          <p:cNvPr id="7" name="Rounded Rectangle 6">
+            <a:extLst>
+              <a:ext uri="{FF2B5EF4-FFF2-40B4-BE49-F238E27FC236}">
+                <a16:creationId xmlns:a16="http://schemas.microsoft.com/office/drawing/2014/main" id="{B8B798D0-3B79-164B-BA8B-490D1226584B}"/>
+              </a:ext>
+            </a:extLst>
+          </p:cNvPr>
+          <p:cNvSpPr/>
+          <p:nvPr/>
+        </p:nvSpPr>
+        <p:spPr>
+          <a:xfrm>
+            <a:off x="6552635" y="1653419"/>
+            <a:ext cx="1651353" cy="455950"/>
+          </a:xfrm>
+          <a:prstGeom prst="roundRect">
+            <a:avLst/>
+          </a:prstGeom>
+          <a:solidFill>
+            <a:schemeClr val="bg1"/>
+          </a:solidFill>
+          <a:ln>
+            <a:noFill/>
+          </a:ln>
+        </p:spPr>
+        <p:style>
+          <a:lnRef idx="2">
+            <a:schemeClr val="accent1">
+              <a:shade val="50000"/>
+            </a:schemeClr>
+          </a:lnRef>
+          <a:fillRef idx="1">
+            <a:schemeClr val="accent1"/>
+          </a:fillRef>
+          <a:effectRef idx="0">
+            <a:schemeClr val="accent1"/>
+          </a:effectRef>
+          <a:fontRef idx="minor">
+            <a:schemeClr val="lt1"/>
+          </a:fontRef>
+        </p:style>
+        <p:txBody>
+          <a:bodyPr rtlCol="0" anchor="ctr"/>
+          <a:lstStyle/>
+          <a:p>
+            <a:pPr algn="ctr"/>
+            <a:endParaRPr lang="en-US"/>
+          </a:p>
+        </p:txBody>
+      </p:sp>
+      <p:sp>
+        <p:nvSpPr>
+          <p:cNvPr id="8" name="TextBox 7">
+            <a:extLst>
+              <a:ext uri="{FF2B5EF4-FFF2-40B4-BE49-F238E27FC236}">
+                <a16:creationId xmlns:a16="http://schemas.microsoft.com/office/drawing/2014/main" id="{072D73A3-7328-2347-B38C-436A6072CCAC}"/>
+              </a:ext>
+            </a:extLst>
+          </p:cNvPr>
+          <p:cNvSpPr txBox="1"/>
+          <p:nvPr/>
+        </p:nvSpPr>
+        <p:spPr>
+          <a:xfrm>
+            <a:off x="6605884" y="1705601"/>
+            <a:ext cx="1561646" cy="400110"/>
+          </a:xfrm>
+          <a:prstGeom prst="rect">
+            <a:avLst/>
+          </a:prstGeom>
+          <a:noFill/>
+        </p:spPr>
+        <p:txBody>
+          <a:bodyPr wrap="none" rtlCol="0">
+            <a:spAutoFit/>
+          </a:bodyPr>
+          <a:lstStyle/>
+          <a:p>
+            <a:r>
+              <a:rPr lang="en-US" sz="2000" b="1" dirty="0">
+                <a:solidFill>
+                  <a:schemeClr val="accent1"/>
+                </a:solidFill>
+                <a:latin typeface="Yu Gothic" panose="020B0400000000000000" pitchFamily="34" charset="-128"/>
+                <a:ea typeface="Yu Gothic" panose="020B0400000000000000" pitchFamily="34" charset="-128"/>
+              </a:rPr>
+              <a:t>10.0.1.0/24</a:t>
+            </a:r>
+          </a:p>
+        </p:txBody>
+      </p:sp>
+      <p:sp>
+        <p:nvSpPr>
+          <p:cNvPr id="9" name="Right Brace 8">
+            <a:extLst>
+              <a:ext uri="{FF2B5EF4-FFF2-40B4-BE49-F238E27FC236}">
+                <a16:creationId xmlns:a16="http://schemas.microsoft.com/office/drawing/2014/main" id="{0BBEA1C9-0D92-1B4A-89AF-EF97BCF8E2F2}"/>
+              </a:ext>
+            </a:extLst>
+          </p:cNvPr>
+          <p:cNvSpPr/>
+          <p:nvPr/>
+        </p:nvSpPr>
+        <p:spPr>
+          <a:xfrm>
+            <a:off x="4525400" y="1622638"/>
+            <a:ext cx="193294" cy="495560"/>
+          </a:xfrm>
+          <a:prstGeom prst="rightBrace">
+            <a:avLst/>
+          </a:prstGeom>
+          <a:ln w="38100"/>
+        </p:spPr>
+        <p:style>
+          <a:lnRef idx="1">
+            <a:schemeClr val="accent1"/>
+          </a:lnRef>
+          <a:fillRef idx="0">
+            <a:schemeClr val="accent1"/>
+          </a:fillRef>
+          <a:effectRef idx="0">
+            <a:schemeClr val="accent1"/>
+          </a:effectRef>
+          <a:fontRef idx="minor">
+            <a:schemeClr val="tx1"/>
+          </a:fontRef>
+        </p:style>
+        <p:txBody>
+          <a:bodyPr rtlCol="0" anchor="ctr"/>
+          <a:lstStyle/>
+          <a:p>
+            <a:pPr algn="ctr"/>
+            <a:endParaRPr lang="en-US"/>
+          </a:p>
+        </p:txBody>
+      </p:sp>
+      <p:cxnSp>
+        <p:nvCxnSpPr>
+          <p:cNvPr id="11" name="Straight Arrow Connector 10">
+            <a:extLst>
+              <a:ext uri="{FF2B5EF4-FFF2-40B4-BE49-F238E27FC236}">
+                <a16:creationId xmlns:a16="http://schemas.microsoft.com/office/drawing/2014/main" id="{112CA5A4-556A-6249-9D6F-15A65460BA83}"/>
+              </a:ext>
+            </a:extLst>
+          </p:cNvPr>
+          <p:cNvCxnSpPr/>
+          <p:nvPr/>
+        </p:nvCxnSpPr>
+        <p:spPr>
+          <a:xfrm>
+            <a:off x="4876154" y="1889877"/>
+            <a:ext cx="1295215" cy="0"/>
+          </a:xfrm>
+          <a:prstGeom prst="straightConnector1">
+            <a:avLst/>
+          </a:prstGeom>
+          <a:ln w="76200">
+            <a:tailEnd type="triangle"/>
+          </a:ln>
+        </p:spPr>
+        <p:style>
+          <a:lnRef idx="1">
+            <a:schemeClr val="accent1"/>
+          </a:lnRef>
+          <a:fillRef idx="0">
+            <a:schemeClr val="accent1"/>
+          </a:fillRef>
+          <a:effectRef idx="0">
+            <a:schemeClr val="accent1"/>
+          </a:effectRef>
+          <a:fontRef idx="minor">
+            <a:schemeClr val="tx1"/>
+          </a:fontRef>
+        </p:style>
+      </p:cxnSp>
+      <p:pic>
+        <p:nvPicPr>
+          <p:cNvPr id="31" name="Picture 30">
+            <a:extLst>
+              <a:ext uri="{FF2B5EF4-FFF2-40B4-BE49-F238E27FC236}">
+                <a16:creationId xmlns:a16="http://schemas.microsoft.com/office/drawing/2014/main" id="{CF32A1B4-D3B5-FA47-BD11-A3B96198CD3B}"/>
+              </a:ext>
+            </a:extLst>
+          </p:cNvPr>
+          <p:cNvPicPr>
+            <a:picLocks noChangeAspect="1"/>
+          </p:cNvPicPr>
+          <p:nvPr/>
+        </p:nvPicPr>
+        <p:blipFill>
+          <a:blip r:embed="rId4">
+            <a:extLst>
+              <a:ext uri="{28A0092B-C50C-407E-A947-70E740481C1C}">
+                <a14:useLocalDpi xmlns:a14="http://schemas.microsoft.com/office/drawing/2010/main" val="0"/>
+              </a:ext>
+            </a:extLst>
+          </a:blip>
+          <a:stretch>
+            <a:fillRect/>
+          </a:stretch>
+        </p:blipFill>
+        <p:spPr>
+          <a:xfrm>
+            <a:off x="9316426" y="5800284"/>
+            <a:ext cx="915091" cy="915091"/>
+          </a:xfrm>
+          <a:prstGeom prst="rect">
+            <a:avLst/>
+          </a:prstGeom>
+        </p:spPr>
+      </p:pic>
+      <p:sp>
+        <p:nvSpPr>
+          <p:cNvPr id="32" name="TextBox 31">
+            <a:extLst>
+              <a:ext uri="{FF2B5EF4-FFF2-40B4-BE49-F238E27FC236}">
+                <a16:creationId xmlns:a16="http://schemas.microsoft.com/office/drawing/2014/main" id="{77E90C6D-4784-F045-8B9E-7231A175C06D}"/>
+              </a:ext>
+            </a:extLst>
+          </p:cNvPr>
+          <p:cNvSpPr txBox="1"/>
+          <p:nvPr/>
+        </p:nvSpPr>
+        <p:spPr>
+          <a:xfrm>
+            <a:off x="10203696" y="6057774"/>
+            <a:ext cx="1433406" cy="400110"/>
+          </a:xfrm>
+          <a:prstGeom prst="rect">
+            <a:avLst/>
+          </a:prstGeom>
+          <a:noFill/>
+        </p:spPr>
+        <p:txBody>
+          <a:bodyPr wrap="none" rtlCol="0">
+            <a:spAutoFit/>
+          </a:bodyPr>
+          <a:lstStyle/>
           <a:p>
             <a:r>
               <a:rPr lang="en-US" sz="2000" b="1" dirty="0">
                 <a:latin typeface="Yu Gothic" panose="020B0400000000000000" pitchFamily="34" charset="-128"/>
                 <a:ea typeface="Yu Gothic" panose="020B0400000000000000" pitchFamily="34" charset="-128"/>
               </a:rPr>
-              <a:t>MAC: 0000.0000.0101</a:t>
-            </a:r>
-          </a:p>
-        </p:txBody>
-      </p:sp>
-      <p:sp>
-        <p:nvSpPr>
-          <p:cNvPr id="73" name="TextBox 72">
-            <a:extLst>
-              <a:ext uri="{FF2B5EF4-FFF2-40B4-BE49-F238E27FC236}">
-                <a16:creationId xmlns:a16="http://schemas.microsoft.com/office/drawing/2014/main" id="{640118AE-AE03-9546-8779-8291822D9C64}"/>
+              <a:t>10.0.2.102</a:t>
+            </a:r>
+          </a:p>
+        </p:txBody>
+      </p:sp>
+      <p:cxnSp>
+        <p:nvCxnSpPr>
+          <p:cNvPr id="33" name="Straight Arrow Connector 32">
+            <a:extLst>
+              <a:ext uri="{FF2B5EF4-FFF2-40B4-BE49-F238E27FC236}">
+                <a16:creationId xmlns:a16="http://schemas.microsoft.com/office/drawing/2014/main" id="{22EC7FDA-CF59-5B49-993F-22A316ACB408}"/>
+              </a:ext>
+            </a:extLst>
+          </p:cNvPr>
+          <p:cNvCxnSpPr>
+            <a:cxnSpLocks/>
+          </p:cNvCxnSpPr>
+          <p:nvPr/>
+        </p:nvCxnSpPr>
+        <p:spPr>
+          <a:xfrm>
+            <a:off x="9764183" y="4795102"/>
+            <a:ext cx="0" cy="1047432"/>
+          </a:xfrm>
+          <a:prstGeom prst="straightConnector1">
+            <a:avLst/>
+          </a:prstGeom>
+          <a:ln w="76200">
+            <a:solidFill>
+              <a:schemeClr val="tx1"/>
+            </a:solidFill>
+            <a:tailEnd type="triangle"/>
+          </a:ln>
+        </p:spPr>
+        <p:style>
+          <a:lnRef idx="1">
+            <a:schemeClr val="accent1"/>
+          </a:lnRef>
+          <a:fillRef idx="0">
+            <a:schemeClr val="accent1"/>
+          </a:fillRef>
+          <a:effectRef idx="0">
+            <a:schemeClr val="accent1"/>
+          </a:effectRef>
+          <a:fontRef idx="minor">
+            <a:schemeClr val="tx1"/>
+          </a:fontRef>
+        </p:style>
+      </p:cxnSp>
+      <p:sp>
+        <p:nvSpPr>
+          <p:cNvPr id="35" name="Cloud 34">
+            <a:extLst>
+              <a:ext uri="{FF2B5EF4-FFF2-40B4-BE49-F238E27FC236}">
+                <a16:creationId xmlns:a16="http://schemas.microsoft.com/office/drawing/2014/main" id="{9BE48278-95C1-9746-84DF-481D6B5F310A}"/>
+              </a:ext>
+            </a:extLst>
+          </p:cNvPr>
+          <p:cNvSpPr/>
+          <p:nvPr/>
+        </p:nvSpPr>
+        <p:spPr>
+          <a:xfrm>
+            <a:off x="9298677" y="4933609"/>
+            <a:ext cx="892440" cy="549585"/>
+          </a:xfrm>
+          <a:prstGeom prst="cloud">
+            <a:avLst/>
+          </a:prstGeom>
+          <a:solidFill>
+            <a:schemeClr val="tx2">
+              <a:lumMod val="50000"/>
+              <a:lumOff val="50000"/>
+            </a:schemeClr>
+          </a:solidFill>
+          <a:ln>
+            <a:noFill/>
+          </a:ln>
+        </p:spPr>
+        <p:style>
+          <a:lnRef idx="2">
+            <a:schemeClr val="accent1">
+              <a:shade val="50000"/>
+            </a:schemeClr>
+          </a:lnRef>
+          <a:fillRef idx="1">
+            <a:schemeClr val="accent1"/>
+          </a:fillRef>
+          <a:effectRef idx="0">
+            <a:schemeClr val="accent1"/>
+          </a:effectRef>
+          <a:fontRef idx="minor">
+            <a:schemeClr val="lt1"/>
+          </a:fontRef>
+        </p:style>
+        <p:txBody>
+          <a:bodyPr rtlCol="0" anchor="ctr"/>
+          <a:lstStyle/>
+          <a:p>
+            <a:pPr algn="ctr"/>
+            <a:endParaRPr lang="en-US"/>
+          </a:p>
+        </p:txBody>
+      </p:sp>
+      <p:sp>
+        <p:nvSpPr>
+          <p:cNvPr id="14" name="TextBox 13">
+            <a:extLst>
+              <a:ext uri="{FF2B5EF4-FFF2-40B4-BE49-F238E27FC236}">
+                <a16:creationId xmlns:a16="http://schemas.microsoft.com/office/drawing/2014/main" id="{D34F3378-8DC5-E04C-B87D-A8B5DB812F06}"/>
               </a:ext>
             </a:extLst>
           </p:cNvPr>
@@ -4516,13 +6426,15 @@
         </p:nvSpPr>
         <p:spPr>
           <a:xfrm>
-            <a:off x="944478" y="1454095"/>
-            <a:ext cx="2855269" cy="707886"/>
-          </a:xfrm>
-          <a:prstGeom prst="rect">
-            <a:avLst/>
-          </a:prstGeom>
-          <a:noFill/>
+            <a:off x="2830582" y="2905066"/>
+            <a:ext cx="1723549" cy="400110"/>
+          </a:xfrm>
+          <a:prstGeom prst="rect">
+            <a:avLst/>
+          </a:prstGeom>
+          <a:solidFill>
+            <a:schemeClr val="bg1"/>
+          </a:solidFill>
         </p:spPr>
         <p:txBody>
           <a:bodyPr wrap="none" rtlCol="0">
@@ -4531,30 +6443,33 @@
           <a:lstStyle/>
           <a:p>
             <a:r>
-              <a:rPr lang="en-US" sz="2000" b="1" dirty="0">
-                <a:latin typeface="Yu Gothic" panose="020B0400000000000000" pitchFamily="34" charset="-128"/>
-                <a:ea typeface="Yu Gothic" panose="020B0400000000000000" pitchFamily="34" charset="-128"/>
-              </a:rPr>
-              <a:t>IP: 10.0.0.1</a:t>
-            </a:r>
-          </a:p>
-          <a:p>
-            <a:r>
-              <a:rPr lang="en-US" sz="2000" b="1" dirty="0">
-                <a:latin typeface="Yu Gothic" panose="020B0400000000000000" pitchFamily="34" charset="-128"/>
-                <a:ea typeface="Yu Gothic" panose="020B0400000000000000" pitchFamily="34" charset="-128"/>
-              </a:rPr>
-              <a:t>MAC: 0000.0000.0001</a:t>
-            </a:r>
-          </a:p>
-        </p:txBody>
-      </p:sp>
-      <p:sp>
-        <p:nvSpPr>
-          <p:cNvPr id="74" name="TextBox 73">
-            <a:extLst>
-              <a:ext uri="{FF2B5EF4-FFF2-40B4-BE49-F238E27FC236}">
-                <a16:creationId xmlns:a16="http://schemas.microsoft.com/office/drawing/2014/main" id="{2CA16ED1-4B0B-6843-8404-64B3576F9A4F}"/>
+              <a:rPr lang="ja-JP" altLang="en-US" sz="2000" b="1">
+                <a:solidFill>
+                  <a:schemeClr val="tx2">
+                    <a:lumMod val="50000"/>
+                    <a:lumOff val="50000"/>
+                  </a:schemeClr>
+                </a:solidFill>
+              </a:rPr>
+              <a:t>送信元ホスト</a:t>
+            </a:r>
+            <a:endParaRPr lang="en-US" sz="2000" b="1" dirty="0">
+              <a:solidFill>
+                <a:schemeClr val="tx2">
+                  <a:lumMod val="50000"/>
+                  <a:lumOff val="50000"/>
+                </a:schemeClr>
+              </a:solidFill>
+            </a:endParaRPr>
+          </a:p>
+        </p:txBody>
+      </p:sp>
+      <p:sp>
+        <p:nvSpPr>
+          <p:cNvPr id="17" name="TextBox 16">
+            <a:extLst>
+              <a:ext uri="{FF2B5EF4-FFF2-40B4-BE49-F238E27FC236}">
+                <a16:creationId xmlns:a16="http://schemas.microsoft.com/office/drawing/2014/main" id="{3A7D0C8F-A512-2548-BFEB-A5D73C6C07C9}"/>
               </a:ext>
             </a:extLst>
           </p:cNvPr>
@@ -4563,8 +6478,8 @@
         </p:nvSpPr>
         <p:spPr>
           <a:xfrm>
-            <a:off x="4477723" y="1453660"/>
-            <a:ext cx="2855269" cy="707886"/>
+            <a:off x="1677750" y="5811553"/>
+            <a:ext cx="5958682" cy="646331"/>
           </a:xfrm>
           <a:prstGeom prst="rect">
             <a:avLst/>
@@ -4578,30 +6493,52 @@
           <a:lstStyle/>
           <a:p>
             <a:r>
-              <a:rPr lang="en-US" sz="2000" b="1" dirty="0">
+              <a:rPr lang="ja-JP" altLang="en-US" b="1">
                 <a:latin typeface="Yu Gothic" panose="020B0400000000000000" pitchFamily="34" charset="-128"/>
                 <a:ea typeface="Yu Gothic" panose="020B0400000000000000" pitchFamily="34" charset="-128"/>
               </a:rPr>
-              <a:t>IP: 10.0.1.1</a:t>
-            </a:r>
-          </a:p>
-          <a:p>
-            <a:r>
-              <a:rPr lang="en-US" sz="2000" b="1" dirty="0">
+              <a:t>デフォルトゲートウェイの設定がされていないと</a:t>
+            </a:r>
+            <a:endParaRPr lang="en-US" altLang="ja-JP" b="1" dirty="0">
+              <a:latin typeface="Yu Gothic" panose="020B0400000000000000" pitchFamily="34" charset="-128"/>
+              <a:ea typeface="Yu Gothic" panose="020B0400000000000000" pitchFamily="34" charset="-128"/>
+            </a:endParaRPr>
+          </a:p>
+          <a:p>
+            <a:r>
+              <a:rPr lang="ja-JP" altLang="en-US" b="1">
                 <a:latin typeface="Yu Gothic" panose="020B0400000000000000" pitchFamily="34" charset="-128"/>
                 <a:ea typeface="Yu Gothic" panose="020B0400000000000000" pitchFamily="34" charset="-128"/>
               </a:rPr>
-              <a:t>MAC: 0000.0001.0001</a:t>
-            </a:r>
-          </a:p>
-        </p:txBody>
-      </p:sp>
-      <p:sp>
-        <p:nvSpPr>
-          <p:cNvPr id="75" name="TextBox 74">
-            <a:extLst>
-              <a:ext uri="{FF2B5EF4-FFF2-40B4-BE49-F238E27FC236}">
-                <a16:creationId xmlns:a16="http://schemas.microsoft.com/office/drawing/2014/main" id="{F8676D79-6E3C-5E4E-AA6F-F7D03834FEA8}"/>
+              <a:t>自分が属するネットワークの宛先</a:t>
+            </a:r>
+            <a:r>
+              <a:rPr lang="en-US" altLang="ja-JP" b="1" dirty="0">
+                <a:latin typeface="Yu Gothic" panose="020B0400000000000000" pitchFamily="34" charset="-128"/>
+                <a:ea typeface="Yu Gothic" panose="020B0400000000000000" pitchFamily="34" charset="-128"/>
+              </a:rPr>
+              <a:t>IP</a:t>
+            </a:r>
+            <a:r>
+              <a:rPr lang="ja-JP" altLang="en-US" b="1">
+                <a:latin typeface="Yu Gothic" panose="020B0400000000000000" pitchFamily="34" charset="-128"/>
+                <a:ea typeface="Yu Gothic" panose="020B0400000000000000" pitchFamily="34" charset="-128"/>
+              </a:rPr>
+              <a:t>以外は送信できない</a:t>
+            </a:r>
+            <a:endParaRPr lang="en-US" b="1" dirty="0">
+              <a:latin typeface="Yu Gothic" panose="020B0400000000000000" pitchFamily="34" charset="-128"/>
+              <a:ea typeface="Yu Gothic" panose="020B0400000000000000" pitchFamily="34" charset="-128"/>
+            </a:endParaRPr>
+          </a:p>
+        </p:txBody>
+      </p:sp>
+      <p:sp>
+        <p:nvSpPr>
+          <p:cNvPr id="23" name="TextBox 22">
+            <a:extLst>
+              <a:ext uri="{FF2B5EF4-FFF2-40B4-BE49-F238E27FC236}">
+                <a16:creationId xmlns:a16="http://schemas.microsoft.com/office/drawing/2014/main" id="{481F3253-5866-6A4A-AB7E-0D2545557F29}"/>
               </a:ext>
             </a:extLst>
           </p:cNvPr>
@@ -4610,8 +6547,8 @@
         </p:nvSpPr>
         <p:spPr>
           <a:xfrm>
-            <a:off x="5354087" y="623035"/>
-            <a:ext cx="2855269" cy="707886"/>
+            <a:off x="1275688" y="5928544"/>
+            <a:ext cx="415498" cy="369332"/>
           </a:xfrm>
           <a:prstGeom prst="rect">
             <a:avLst/>
@@ -4625,30 +6562,266 @@
           <a:lstStyle/>
           <a:p>
             <a:r>
-              <a:rPr lang="en-US" sz="2000" b="1" dirty="0">
-                <a:latin typeface="Yu Gothic" panose="020B0400000000000000" pitchFamily="34" charset="-128"/>
-                <a:ea typeface="Yu Gothic" panose="020B0400000000000000" pitchFamily="34" charset="-128"/>
-              </a:rPr>
-              <a:t>IP: 10.0.1.2</a:t>
-            </a:r>
-          </a:p>
-          <a:p>
-            <a:r>
-              <a:rPr lang="en-US" sz="2000" b="1" dirty="0">
-                <a:latin typeface="Yu Gothic" panose="020B0400000000000000" pitchFamily="34" charset="-128"/>
-                <a:ea typeface="Yu Gothic" panose="020B0400000000000000" pitchFamily="34" charset="-128"/>
-              </a:rPr>
-              <a:t>MAC: 0000.0001.0002</a:t>
-            </a:r>
-          </a:p>
-        </p:txBody>
-      </p:sp>
-      <p:sp>
-        <p:nvSpPr>
-          <p:cNvPr id="76" name="TextBox 75">
-            <a:extLst>
-              <a:ext uri="{FF2B5EF4-FFF2-40B4-BE49-F238E27FC236}">
-                <a16:creationId xmlns:a16="http://schemas.microsoft.com/office/drawing/2014/main" id="{F43E0B7B-062A-7F4F-855F-1EF9D7982618}"/>
+              <a:rPr lang="en-US" altLang="ja-JP" dirty="0"/>
+              <a:t>※</a:t>
+            </a:r>
+            <a:endParaRPr lang="en-US" dirty="0"/>
+          </a:p>
+        </p:txBody>
+      </p:sp>
+    </p:spTree>
+    <p:extLst>
+      <p:ext uri="{BB962C8B-B14F-4D97-AF65-F5344CB8AC3E}">
+        <p14:creationId xmlns:p14="http://schemas.microsoft.com/office/powerpoint/2010/main" val="3595714156"/>
+      </p:ext>
+    </p:extLst>
+  </p:cSld>
+  <p:clrMapOvr>
+    <a:masterClrMapping/>
+  </p:clrMapOvr>
+</p:sld>
+</file>
+
+<file path=ppt/slides/slide3.xml><?xml version="1.0" encoding="utf-8"?>
+<p:sld xmlns:a="http://schemas.openxmlformats.org/drawingml/2006/main" xmlns:r="http://schemas.openxmlformats.org/officeDocument/2006/relationships" xmlns:p="http://schemas.openxmlformats.org/presentationml/2006/main">
+  <p:cSld>
+    <p:spTree>
+      <p:nvGrpSpPr>
+        <p:cNvPr id="1" name=""/>
+        <p:cNvGrpSpPr/>
+        <p:nvPr/>
+      </p:nvGrpSpPr>
+      <p:grpSpPr>
+        <a:xfrm>
+          <a:off x="0" y="0"/>
+          <a:ext cx="0" cy="0"/>
+          <a:chOff x="0" y="0"/>
+          <a:chExt cx="0" cy="0"/>
+        </a:xfrm>
+      </p:grpSpPr>
+      <p:sp>
+        <p:nvSpPr>
+          <p:cNvPr id="43" name="Down Arrow 42">
+            <a:extLst>
+              <a:ext uri="{FF2B5EF4-FFF2-40B4-BE49-F238E27FC236}">
+                <a16:creationId xmlns:a16="http://schemas.microsoft.com/office/drawing/2014/main" id="{0146FC5E-FB24-5142-88FE-85F580A629D1}"/>
+              </a:ext>
+            </a:extLst>
+          </p:cNvPr>
+          <p:cNvSpPr/>
+          <p:nvPr/>
+        </p:nvSpPr>
+        <p:spPr>
+          <a:xfrm rot="16200000">
+            <a:off x="5503069" y="1338384"/>
+            <a:ext cx="382741" cy="879817"/>
+          </a:xfrm>
+          <a:prstGeom prst="downArrow">
+            <a:avLst/>
+          </a:prstGeom>
+          <a:solidFill>
+            <a:schemeClr val="tx1"/>
+          </a:solidFill>
+          <a:ln>
+            <a:noFill/>
+          </a:ln>
+        </p:spPr>
+        <p:style>
+          <a:lnRef idx="2">
+            <a:schemeClr val="accent1">
+              <a:shade val="50000"/>
+            </a:schemeClr>
+          </a:lnRef>
+          <a:fillRef idx="1">
+            <a:schemeClr val="accent1"/>
+          </a:fillRef>
+          <a:effectRef idx="0">
+            <a:schemeClr val="accent1"/>
+          </a:effectRef>
+          <a:fontRef idx="minor">
+            <a:schemeClr val="lt1"/>
+          </a:fontRef>
+        </p:style>
+        <p:txBody>
+          <a:bodyPr rtlCol="0" anchor="ctr"/>
+          <a:lstStyle/>
+          <a:p>
+            <a:pPr algn="ctr"/>
+            <a:endParaRPr lang="en-US"/>
+          </a:p>
+        </p:txBody>
+      </p:sp>
+      <p:pic>
+        <p:nvPicPr>
+          <p:cNvPr id="6" name="Picture 5">
+            <a:extLst>
+              <a:ext uri="{FF2B5EF4-FFF2-40B4-BE49-F238E27FC236}">
+                <a16:creationId xmlns:a16="http://schemas.microsoft.com/office/drawing/2014/main" id="{D63D291B-01B1-7047-9D67-EEE6FA35D03C}"/>
+              </a:ext>
+            </a:extLst>
+          </p:cNvPr>
+          <p:cNvPicPr>
+            <a:picLocks noChangeAspect="1"/>
+          </p:cNvPicPr>
+          <p:nvPr/>
+        </p:nvPicPr>
+        <p:blipFill>
+          <a:blip r:embed="rId2">
+            <a:extLst>
+              <a:ext uri="{28A0092B-C50C-407E-A947-70E740481C1C}">
+                <a14:useLocalDpi xmlns:a14="http://schemas.microsoft.com/office/drawing/2010/main" val="0"/>
+              </a:ext>
+            </a:extLst>
+          </a:blip>
+          <a:stretch>
+            <a:fillRect/>
+          </a:stretch>
+        </p:blipFill>
+        <p:spPr>
+          <a:xfrm>
+            <a:off x="7508666" y="3870747"/>
+            <a:ext cx="1111746" cy="1111746"/>
+          </a:xfrm>
+          <a:prstGeom prst="rect">
+            <a:avLst/>
+          </a:prstGeom>
+        </p:spPr>
+      </p:pic>
+      <p:cxnSp>
+        <p:nvCxnSpPr>
+          <p:cNvPr id="7" name="Straight Connector 6">
+            <a:extLst>
+              <a:ext uri="{FF2B5EF4-FFF2-40B4-BE49-F238E27FC236}">
+                <a16:creationId xmlns:a16="http://schemas.microsoft.com/office/drawing/2014/main" id="{007A5752-F5CE-B94D-BF18-FBD95C1C27FA}"/>
+              </a:ext>
+            </a:extLst>
+          </p:cNvPr>
+          <p:cNvCxnSpPr>
+            <a:cxnSpLocks/>
+          </p:cNvCxnSpPr>
+          <p:nvPr/>
+        </p:nvCxnSpPr>
+        <p:spPr>
+          <a:xfrm flipH="1">
+            <a:off x="1753570" y="2474504"/>
+            <a:ext cx="9691508" cy="33127"/>
+          </a:xfrm>
+          <a:prstGeom prst="line">
+            <a:avLst/>
+          </a:prstGeom>
+          <a:ln w="38100">
+            <a:solidFill>
+              <a:schemeClr val="tx1"/>
+            </a:solidFill>
+          </a:ln>
+        </p:spPr>
+        <p:style>
+          <a:lnRef idx="1">
+            <a:schemeClr val="accent1"/>
+          </a:lnRef>
+          <a:fillRef idx="0">
+            <a:schemeClr val="accent1"/>
+          </a:fillRef>
+          <a:effectRef idx="0">
+            <a:schemeClr val="accent1"/>
+          </a:effectRef>
+          <a:fontRef idx="minor">
+            <a:schemeClr val="tx1"/>
+          </a:fontRef>
+        </p:style>
+      </p:cxnSp>
+      <p:cxnSp>
+        <p:nvCxnSpPr>
+          <p:cNvPr id="9" name="Straight Connector 8">
+            <a:extLst>
+              <a:ext uri="{FF2B5EF4-FFF2-40B4-BE49-F238E27FC236}">
+                <a16:creationId xmlns:a16="http://schemas.microsoft.com/office/drawing/2014/main" id="{119B540A-C080-5B45-B5D2-7AED7CFDEBAA}"/>
+              </a:ext>
+            </a:extLst>
+          </p:cNvPr>
+          <p:cNvCxnSpPr>
+            <a:cxnSpLocks/>
+          </p:cNvCxnSpPr>
+          <p:nvPr/>
+        </p:nvCxnSpPr>
+        <p:spPr>
+          <a:xfrm flipV="1">
+            <a:off x="4991692" y="2474504"/>
+            <a:ext cx="0" cy="1952116"/>
+          </a:xfrm>
+          <a:prstGeom prst="line">
+            <a:avLst/>
+          </a:prstGeom>
+          <a:ln w="38100">
+            <a:solidFill>
+              <a:schemeClr val="tx1"/>
+            </a:solidFill>
+          </a:ln>
+        </p:spPr>
+        <p:style>
+          <a:lnRef idx="1">
+            <a:schemeClr val="accent1"/>
+          </a:lnRef>
+          <a:fillRef idx="0">
+            <a:schemeClr val="accent1"/>
+          </a:fillRef>
+          <a:effectRef idx="0">
+            <a:schemeClr val="accent1"/>
+          </a:effectRef>
+          <a:fontRef idx="minor">
+            <a:schemeClr val="tx1"/>
+          </a:fontRef>
+        </p:style>
+      </p:cxnSp>
+      <p:cxnSp>
+        <p:nvCxnSpPr>
+          <p:cNvPr id="12" name="Straight Connector 11">
+            <a:extLst>
+              <a:ext uri="{FF2B5EF4-FFF2-40B4-BE49-F238E27FC236}">
+                <a16:creationId xmlns:a16="http://schemas.microsoft.com/office/drawing/2014/main" id="{17CF5716-AA24-074D-BFC8-44F76761B6DC}"/>
+              </a:ext>
+            </a:extLst>
+          </p:cNvPr>
+          <p:cNvCxnSpPr>
+            <a:cxnSpLocks/>
+          </p:cNvCxnSpPr>
+          <p:nvPr/>
+        </p:nvCxnSpPr>
+        <p:spPr>
+          <a:xfrm>
+            <a:off x="4991692" y="4430197"/>
+            <a:ext cx="3061742" cy="0"/>
+          </a:xfrm>
+          <a:prstGeom prst="line">
+            <a:avLst/>
+          </a:prstGeom>
+          <a:ln w="38100">
+            <a:solidFill>
+              <a:schemeClr val="tx1"/>
+            </a:solidFill>
+          </a:ln>
+        </p:spPr>
+        <p:style>
+          <a:lnRef idx="1">
+            <a:schemeClr val="accent1"/>
+          </a:lnRef>
+          <a:fillRef idx="0">
+            <a:schemeClr val="accent1"/>
+          </a:fillRef>
+          <a:effectRef idx="0">
+            <a:schemeClr val="accent1"/>
+          </a:effectRef>
+          <a:fontRef idx="minor">
+            <a:schemeClr val="tx1"/>
+          </a:fontRef>
+        </p:style>
+      </p:cxnSp>
+      <p:sp>
+        <p:nvSpPr>
+          <p:cNvPr id="15" name="TextBox 14">
+            <a:extLst>
+              <a:ext uri="{FF2B5EF4-FFF2-40B4-BE49-F238E27FC236}">
+                <a16:creationId xmlns:a16="http://schemas.microsoft.com/office/drawing/2014/main" id="{65683F17-3B76-9641-946D-D342973FEB84}"/>
               </a:ext>
             </a:extLst>
           </p:cNvPr>
@@ -4657,8 +6830,8 @@
         </p:nvSpPr>
         <p:spPr>
           <a:xfrm>
-            <a:off x="4856192" y="4819378"/>
-            <a:ext cx="2855269" cy="707886"/>
+            <a:off x="6599324" y="2674330"/>
+            <a:ext cx="2589170" cy="923330"/>
           </a:xfrm>
           <a:prstGeom prst="rect">
             <a:avLst/>
@@ -4672,30 +6845,39 @@
           <a:lstStyle/>
           <a:p>
             <a:r>
-              <a:rPr lang="en-US" sz="2000" b="1" dirty="0">
+              <a:rPr lang="en-US" b="1" dirty="0">
                 <a:latin typeface="Yu Gothic" panose="020B0400000000000000" pitchFamily="34" charset="-128"/>
                 <a:ea typeface="Yu Gothic" panose="020B0400000000000000" pitchFamily="34" charset="-128"/>
               </a:rPr>
-              <a:t>IP: 10.0.1.101</a:t>
-            </a:r>
-          </a:p>
-          <a:p>
-            <a:r>
-              <a:rPr lang="en-US" sz="2000" b="1" dirty="0">
+              <a:t>Router</a:t>
+            </a:r>
+          </a:p>
+          <a:p>
+            <a:r>
+              <a:rPr lang="en-US" b="1" dirty="0">
                 <a:latin typeface="Yu Gothic" panose="020B0400000000000000" pitchFamily="34" charset="-128"/>
                 <a:ea typeface="Yu Gothic" panose="020B0400000000000000" pitchFamily="34" charset="-128"/>
               </a:rPr>
-              <a:t>MAC: 0000.0001.0101</a:t>
-            </a:r>
-          </a:p>
-        </p:txBody>
-      </p:sp>
-      <p:sp>
-        <p:nvSpPr>
-          <p:cNvPr id="77" name="TextBox 76">
-            <a:extLst>
-              <a:ext uri="{FF2B5EF4-FFF2-40B4-BE49-F238E27FC236}">
-                <a16:creationId xmlns:a16="http://schemas.microsoft.com/office/drawing/2014/main" id="{E4FF5267-313B-0648-80C6-652A4ACF7B2F}"/>
+              <a:t>IP: 10.0.1.1</a:t>
+            </a:r>
+          </a:p>
+          <a:p>
+            <a:r>
+              <a:rPr lang="en-US" b="1" dirty="0">
+                <a:latin typeface="Yu Gothic" panose="020B0400000000000000" pitchFamily="34" charset="-128"/>
+                <a:ea typeface="Yu Gothic" panose="020B0400000000000000" pitchFamily="34" charset="-128"/>
+              </a:rPr>
+              <a:t>MAC: 0000.0001.0001</a:t>
+            </a:r>
+          </a:p>
+        </p:txBody>
+      </p:sp>
+      <p:sp>
+        <p:nvSpPr>
+          <p:cNvPr id="16" name="TextBox 15">
+            <a:extLst>
+              <a:ext uri="{FF2B5EF4-FFF2-40B4-BE49-F238E27FC236}">
+                <a16:creationId xmlns:a16="http://schemas.microsoft.com/office/drawing/2014/main" id="{C1F40278-0CF4-BD4C-823B-7D760636A692}"/>
               </a:ext>
             </a:extLst>
           </p:cNvPr>
@@ -4704,8 +6886,8 @@
         </p:nvSpPr>
         <p:spPr>
           <a:xfrm>
-            <a:off x="8681892" y="4819378"/>
-            <a:ext cx="2855269" cy="707886"/>
+            <a:off x="828061" y="2886408"/>
+            <a:ext cx="2589170" cy="923330"/>
           </a:xfrm>
           <a:prstGeom prst="rect">
             <a:avLst/>
@@ -4719,30 +6901,39 @@
           <a:lstStyle/>
           <a:p>
             <a:r>
-              <a:rPr lang="en-US" sz="2000" b="1" dirty="0">
+              <a:rPr lang="en-US" b="1" dirty="0">
                 <a:latin typeface="Yu Gothic" panose="020B0400000000000000" pitchFamily="34" charset="-128"/>
                 <a:ea typeface="Yu Gothic" panose="020B0400000000000000" pitchFamily="34" charset="-128"/>
               </a:rPr>
-              <a:t>IP: 10.0.2.101</a:t>
-            </a:r>
-          </a:p>
-          <a:p>
-            <a:r>
-              <a:rPr lang="en-US" sz="2000" b="1" dirty="0">
+              <a:t>PC</a:t>
+            </a:r>
+          </a:p>
+          <a:p>
+            <a:r>
+              <a:rPr lang="en-US" b="1" dirty="0">
                 <a:latin typeface="Yu Gothic" panose="020B0400000000000000" pitchFamily="34" charset="-128"/>
                 <a:ea typeface="Yu Gothic" panose="020B0400000000000000" pitchFamily="34" charset="-128"/>
               </a:rPr>
-              <a:t>MAC: 0000.0002.0101</a:t>
-            </a:r>
-          </a:p>
-        </p:txBody>
-      </p:sp>
-      <p:sp>
-        <p:nvSpPr>
-          <p:cNvPr id="78" name="TextBox 77">
-            <a:extLst>
-              <a:ext uri="{FF2B5EF4-FFF2-40B4-BE49-F238E27FC236}">
-                <a16:creationId xmlns:a16="http://schemas.microsoft.com/office/drawing/2014/main" id="{2AA7B446-E480-7343-8185-E33B953CE706}"/>
+              <a:t>IP: 10.0.1.101</a:t>
+            </a:r>
+          </a:p>
+          <a:p>
+            <a:r>
+              <a:rPr lang="en-US" b="1" dirty="0">
+                <a:latin typeface="Yu Gothic" panose="020B0400000000000000" pitchFamily="34" charset="-128"/>
+                <a:ea typeface="Yu Gothic" panose="020B0400000000000000" pitchFamily="34" charset="-128"/>
+              </a:rPr>
+              <a:t>MAC: 0000.0001.0101</a:t>
+            </a:r>
+          </a:p>
+        </p:txBody>
+      </p:sp>
+      <p:sp>
+        <p:nvSpPr>
+          <p:cNvPr id="17" name="TextBox 16">
+            <a:extLst>
+              <a:ext uri="{FF2B5EF4-FFF2-40B4-BE49-F238E27FC236}">
+                <a16:creationId xmlns:a16="http://schemas.microsoft.com/office/drawing/2014/main" id="{0AEFFD70-082D-0E4F-95D9-99EF39D007F0}"/>
               </a:ext>
             </a:extLst>
           </p:cNvPr>
@@ -4751,8 +6942,8 @@
         </p:nvSpPr>
         <p:spPr>
           <a:xfrm>
-            <a:off x="5170107" y="5980893"/>
-            <a:ext cx="2098651" cy="523220"/>
+            <a:off x="8646315" y="3984000"/>
+            <a:ext cx="2589170" cy="923330"/>
           </a:xfrm>
           <a:prstGeom prst="rect">
             <a:avLst/>
@@ -4766,21 +6957,93 @@
           <a:lstStyle/>
           <a:p>
             <a:r>
-              <a:rPr lang="en-US" sz="2800" b="1" dirty="0">
+              <a:rPr lang="en-US" b="1" dirty="0">
                 <a:latin typeface="Yu Gothic" panose="020B0400000000000000" pitchFamily="34" charset="-128"/>
                 <a:ea typeface="Yu Gothic" panose="020B0400000000000000" pitchFamily="34" charset="-128"/>
               </a:rPr>
-              <a:t>10.0.1.0/24</a:t>
-            </a:r>
-          </a:p>
-        </p:txBody>
-      </p:sp>
-      <p:sp>
-        <p:nvSpPr>
-          <p:cNvPr id="79" name="TextBox 78">
-            <a:extLst>
-              <a:ext uri="{FF2B5EF4-FFF2-40B4-BE49-F238E27FC236}">
-                <a16:creationId xmlns:a16="http://schemas.microsoft.com/office/drawing/2014/main" id="{C7644EC6-6A4E-BC4D-BA7A-5977314BF691}"/>
+              <a:t>Server2</a:t>
+            </a:r>
+          </a:p>
+          <a:p>
+            <a:r>
+              <a:rPr lang="en-US" b="1" dirty="0">
+                <a:latin typeface="Yu Gothic" panose="020B0400000000000000" pitchFamily="34" charset="-128"/>
+                <a:ea typeface="Yu Gothic" panose="020B0400000000000000" pitchFamily="34" charset="-128"/>
+              </a:rPr>
+              <a:t>IP: 10.0.1.100</a:t>
+            </a:r>
+          </a:p>
+          <a:p>
+            <a:r>
+              <a:rPr lang="en-US" b="1" dirty="0">
+                <a:latin typeface="Yu Gothic" panose="020B0400000000000000" pitchFamily="34" charset="-128"/>
+                <a:ea typeface="Yu Gothic" panose="020B0400000000000000" pitchFamily="34" charset="-128"/>
+              </a:rPr>
+              <a:t>MAC: 0000.0001.0100</a:t>
+            </a:r>
+          </a:p>
+        </p:txBody>
+      </p:sp>
+      <p:sp>
+        <p:nvSpPr>
+          <p:cNvPr id="19" name="Rectangle 18">
+            <a:extLst>
+              <a:ext uri="{FF2B5EF4-FFF2-40B4-BE49-F238E27FC236}">
+                <a16:creationId xmlns:a16="http://schemas.microsoft.com/office/drawing/2014/main" id="{AFBF1005-F4BB-E548-BA79-D1FE77268F10}"/>
+              </a:ext>
+            </a:extLst>
+          </p:cNvPr>
+          <p:cNvSpPr/>
+          <p:nvPr/>
+        </p:nvSpPr>
+        <p:spPr>
+          <a:xfrm>
+            <a:off x="6495045" y="512757"/>
+            <a:ext cx="1940288" cy="690684"/>
+          </a:xfrm>
+          <a:prstGeom prst="rect">
+            <a:avLst/>
+          </a:prstGeom>
+          <a:solidFill>
+            <a:schemeClr val="accent2"/>
+          </a:solidFill>
+          <a:ln w="38100">
+            <a:solidFill>
+              <a:schemeClr val="bg1"/>
+            </a:solidFill>
+          </a:ln>
+        </p:spPr>
+        <p:style>
+          <a:lnRef idx="2">
+            <a:schemeClr val="accent1">
+              <a:shade val="50000"/>
+            </a:schemeClr>
+          </a:lnRef>
+          <a:fillRef idx="1">
+            <a:schemeClr val="accent1"/>
+          </a:fillRef>
+          <a:effectRef idx="0">
+            <a:schemeClr val="accent1"/>
+          </a:effectRef>
+          <a:fontRef idx="minor">
+            <a:schemeClr val="lt1"/>
+          </a:fontRef>
+        </p:style>
+        <p:txBody>
+          <a:bodyPr rtlCol="0" anchor="ctr"/>
+          <a:lstStyle/>
+          <a:p>
+            <a:pPr algn="ctr"/>
+            <a:endParaRPr lang="en-US"/>
+          </a:p>
+        </p:txBody>
+      </p:sp>
+      <p:sp>
+        <p:nvSpPr>
+          <p:cNvPr id="21" name="TextBox 20">
+            <a:extLst>
+              <a:ext uri="{FF2B5EF4-FFF2-40B4-BE49-F238E27FC236}">
+                <a16:creationId xmlns:a16="http://schemas.microsoft.com/office/drawing/2014/main" id="{7C39E911-D771-E548-8718-BD2B3F312546}"/>
               </a:ext>
             </a:extLst>
           </p:cNvPr>
@@ -4789,8 +7052,8 @@
         </p:nvSpPr>
         <p:spPr>
           <a:xfrm>
-            <a:off x="8909152" y="5976327"/>
-            <a:ext cx="2098651" cy="523220"/>
+            <a:off x="6910193" y="535420"/>
+            <a:ext cx="1106906" cy="369332"/>
           </a:xfrm>
           <a:prstGeom prst="rect">
             <a:avLst/>
@@ -4804,21 +7067,35 @@
           <a:lstStyle/>
           <a:p>
             <a:r>
-              <a:rPr lang="en-US" sz="2800" b="1" dirty="0">
-                <a:latin typeface="Yu Gothic" panose="020B0400000000000000" pitchFamily="34" charset="-128"/>
-                <a:ea typeface="Yu Gothic" panose="020B0400000000000000" pitchFamily="34" charset="-128"/>
-              </a:rPr>
-              <a:t>10.0.2.0/24</a:t>
-            </a:r>
-          </a:p>
-        </p:txBody>
-      </p:sp>
-      <p:sp>
-        <p:nvSpPr>
-          <p:cNvPr id="80" name="TextBox 79">
-            <a:extLst>
-              <a:ext uri="{FF2B5EF4-FFF2-40B4-BE49-F238E27FC236}">
-                <a16:creationId xmlns:a16="http://schemas.microsoft.com/office/drawing/2014/main" id="{C6C4A6DB-49F3-A346-BCD7-409CCFD5CBA0}"/>
+              <a:rPr lang="ja-JP" altLang="en-US" b="1">
+                <a:solidFill>
+                  <a:schemeClr val="bg1"/>
+                </a:solidFill>
+              </a:rPr>
+              <a:t>宛先</a:t>
+            </a:r>
+            <a:r>
+              <a:rPr lang="en-US" altLang="ja-JP" b="1" dirty="0">
+                <a:solidFill>
+                  <a:schemeClr val="bg1"/>
+                </a:solidFill>
+              </a:rPr>
+              <a:t>MAC</a:t>
+            </a:r>
+            <a:endParaRPr lang="en-US" b="1" dirty="0">
+              <a:solidFill>
+                <a:schemeClr val="bg1"/>
+              </a:solidFill>
+            </a:endParaRPr>
+          </a:p>
+        </p:txBody>
+      </p:sp>
+      <p:sp>
+        <p:nvSpPr>
+          <p:cNvPr id="22" name="TextBox 21">
+            <a:extLst>
+              <a:ext uri="{FF2B5EF4-FFF2-40B4-BE49-F238E27FC236}">
+                <a16:creationId xmlns:a16="http://schemas.microsoft.com/office/drawing/2014/main" id="{A8CA3FC6-3996-EA4D-8349-31A7DC7FEBE6}"/>
               </a:ext>
             </a:extLst>
           </p:cNvPr>
@@ -4827,8 +7104,8 @@
         </p:nvSpPr>
         <p:spPr>
           <a:xfrm>
-            <a:off x="8553844" y="1452834"/>
-            <a:ext cx="2855269" cy="707886"/>
+            <a:off x="6535412" y="856923"/>
+            <a:ext cx="1909497" cy="369332"/>
           </a:xfrm>
           <a:prstGeom prst="rect">
             <a:avLst/>
@@ -4842,20 +7119,2444 @@
           <a:lstStyle/>
           <a:p>
             <a:r>
-              <a:rPr lang="en-US" sz="2000" b="1" dirty="0">
+              <a:rPr lang="en-US" b="1" dirty="0">
+                <a:solidFill>
+                  <a:schemeClr val="bg1"/>
+                </a:solidFill>
                 <a:latin typeface="Yu Gothic" panose="020B0400000000000000" pitchFamily="34" charset="-128"/>
                 <a:ea typeface="Yu Gothic" panose="020B0400000000000000" pitchFamily="34" charset="-128"/>
               </a:rPr>
-              <a:t>IP: 10.0.2.1</a:t>
-            </a:r>
-          </a:p>
-          <a:p>
-            <a:r>
-              <a:rPr lang="en-US" sz="2000" b="1" dirty="0">
+              <a:t>0000.0001.0001</a:t>
+            </a:r>
+          </a:p>
+        </p:txBody>
+      </p:sp>
+      <p:sp>
+        <p:nvSpPr>
+          <p:cNvPr id="23" name="Rectangle 22">
+            <a:extLst>
+              <a:ext uri="{FF2B5EF4-FFF2-40B4-BE49-F238E27FC236}">
+                <a16:creationId xmlns:a16="http://schemas.microsoft.com/office/drawing/2014/main" id="{CE856599-E2BD-314A-9288-B35A58B98870}"/>
+              </a:ext>
+            </a:extLst>
+          </p:cNvPr>
+          <p:cNvSpPr/>
+          <p:nvPr/>
+        </p:nvSpPr>
+        <p:spPr>
+          <a:xfrm>
+            <a:off x="4566610" y="512757"/>
+            <a:ext cx="1940288" cy="690684"/>
+          </a:xfrm>
+          <a:prstGeom prst="rect">
+            <a:avLst/>
+          </a:prstGeom>
+          <a:solidFill>
+            <a:schemeClr val="accent2"/>
+          </a:solidFill>
+          <a:ln w="38100">
+            <a:solidFill>
+              <a:schemeClr val="bg1"/>
+            </a:solidFill>
+          </a:ln>
+        </p:spPr>
+        <p:style>
+          <a:lnRef idx="2">
+            <a:schemeClr val="accent1">
+              <a:shade val="50000"/>
+            </a:schemeClr>
+          </a:lnRef>
+          <a:fillRef idx="1">
+            <a:schemeClr val="accent1"/>
+          </a:fillRef>
+          <a:effectRef idx="0">
+            <a:schemeClr val="accent1"/>
+          </a:effectRef>
+          <a:fontRef idx="minor">
+            <a:schemeClr val="lt1"/>
+          </a:fontRef>
+        </p:style>
+        <p:txBody>
+          <a:bodyPr rtlCol="0" anchor="ctr"/>
+          <a:lstStyle/>
+          <a:p>
+            <a:pPr algn="ctr"/>
+            <a:endParaRPr lang="en-US"/>
+          </a:p>
+        </p:txBody>
+      </p:sp>
+      <p:sp>
+        <p:nvSpPr>
+          <p:cNvPr id="24" name="TextBox 23">
+            <a:extLst>
+              <a:ext uri="{FF2B5EF4-FFF2-40B4-BE49-F238E27FC236}">
+                <a16:creationId xmlns:a16="http://schemas.microsoft.com/office/drawing/2014/main" id="{59F2E455-03E8-774C-B370-8DAC5FA668F1}"/>
+              </a:ext>
+            </a:extLst>
+          </p:cNvPr>
+          <p:cNvSpPr txBox="1"/>
+          <p:nvPr/>
+        </p:nvSpPr>
+        <p:spPr>
+          <a:xfrm>
+            <a:off x="4867884" y="539670"/>
+            <a:ext cx="1337739" cy="369332"/>
+          </a:xfrm>
+          <a:prstGeom prst="rect">
+            <a:avLst/>
+          </a:prstGeom>
+          <a:noFill/>
+        </p:spPr>
+        <p:txBody>
+          <a:bodyPr wrap="none" rtlCol="0">
+            <a:spAutoFit/>
+          </a:bodyPr>
+          <a:lstStyle/>
+          <a:p>
+            <a:r>
+              <a:rPr lang="ja-JP" altLang="en-US" b="1">
+                <a:solidFill>
+                  <a:schemeClr val="bg1"/>
+                </a:solidFill>
+              </a:rPr>
+              <a:t>送信元</a:t>
+            </a:r>
+            <a:r>
+              <a:rPr lang="en-US" altLang="ja-JP" b="1" dirty="0">
+                <a:solidFill>
+                  <a:schemeClr val="bg1"/>
+                </a:solidFill>
+              </a:rPr>
+              <a:t>MAC</a:t>
+            </a:r>
+            <a:endParaRPr lang="en-US" b="1" dirty="0">
+              <a:solidFill>
+                <a:schemeClr val="bg1"/>
+              </a:solidFill>
+            </a:endParaRPr>
+          </a:p>
+        </p:txBody>
+      </p:sp>
+      <p:sp>
+        <p:nvSpPr>
+          <p:cNvPr id="25" name="TextBox 24">
+            <a:extLst>
+              <a:ext uri="{FF2B5EF4-FFF2-40B4-BE49-F238E27FC236}">
+                <a16:creationId xmlns:a16="http://schemas.microsoft.com/office/drawing/2014/main" id="{5304D7BC-7C19-CD45-9391-9508683B5C8D}"/>
+              </a:ext>
+            </a:extLst>
+          </p:cNvPr>
+          <p:cNvSpPr txBox="1"/>
+          <p:nvPr/>
+        </p:nvSpPr>
+        <p:spPr>
+          <a:xfrm>
+            <a:off x="4616602" y="856923"/>
+            <a:ext cx="1909497" cy="369332"/>
+          </a:xfrm>
+          <a:prstGeom prst="rect">
+            <a:avLst/>
+          </a:prstGeom>
+          <a:noFill/>
+        </p:spPr>
+        <p:txBody>
+          <a:bodyPr wrap="none" rtlCol="0">
+            <a:spAutoFit/>
+          </a:bodyPr>
+          <a:lstStyle/>
+          <a:p>
+            <a:r>
+              <a:rPr lang="en-US" b="1" dirty="0">
+                <a:solidFill>
+                  <a:schemeClr val="bg1"/>
+                </a:solidFill>
                 <a:latin typeface="Yu Gothic" panose="020B0400000000000000" pitchFamily="34" charset="-128"/>
                 <a:ea typeface="Yu Gothic" panose="020B0400000000000000" pitchFamily="34" charset="-128"/>
               </a:rPr>
-              <a:t>MAC: 0000.0002.0001</a:t>
+              <a:t>0000.0001.0101</a:t>
+            </a:r>
+          </a:p>
+        </p:txBody>
+      </p:sp>
+      <p:sp>
+        <p:nvSpPr>
+          <p:cNvPr id="27" name="Cloud 26">
+            <a:extLst>
+              <a:ext uri="{FF2B5EF4-FFF2-40B4-BE49-F238E27FC236}">
+                <a16:creationId xmlns:a16="http://schemas.microsoft.com/office/drawing/2014/main" id="{B30991F7-70BA-9A4F-AAA5-379B75894084}"/>
+              </a:ext>
+            </a:extLst>
+          </p:cNvPr>
+          <p:cNvSpPr/>
+          <p:nvPr/>
+        </p:nvSpPr>
+        <p:spPr>
+          <a:xfrm>
+            <a:off x="9391905" y="2200829"/>
+            <a:ext cx="892440" cy="549585"/>
+          </a:xfrm>
+          <a:prstGeom prst="cloud">
+            <a:avLst/>
+          </a:prstGeom>
+          <a:solidFill>
+            <a:schemeClr val="tx2">
+              <a:lumMod val="50000"/>
+              <a:lumOff val="50000"/>
+            </a:schemeClr>
+          </a:solidFill>
+          <a:ln>
+            <a:noFill/>
+          </a:ln>
+        </p:spPr>
+        <p:style>
+          <a:lnRef idx="2">
+            <a:schemeClr val="accent1">
+              <a:shade val="50000"/>
+            </a:schemeClr>
+          </a:lnRef>
+          <a:fillRef idx="1">
+            <a:schemeClr val="accent1"/>
+          </a:fillRef>
+          <a:effectRef idx="0">
+            <a:schemeClr val="accent1"/>
+          </a:effectRef>
+          <a:fontRef idx="minor">
+            <a:schemeClr val="lt1"/>
+          </a:fontRef>
+        </p:style>
+        <p:txBody>
+          <a:bodyPr rtlCol="0" anchor="ctr"/>
+          <a:lstStyle/>
+          <a:p>
+            <a:pPr algn="ctr"/>
+            <a:endParaRPr lang="en-US"/>
+          </a:p>
+        </p:txBody>
+      </p:sp>
+      <p:sp>
+        <p:nvSpPr>
+          <p:cNvPr id="31" name="Rectangle 30">
+            <a:extLst>
+              <a:ext uri="{FF2B5EF4-FFF2-40B4-BE49-F238E27FC236}">
+                <a16:creationId xmlns:a16="http://schemas.microsoft.com/office/drawing/2014/main" id="{CC158D87-9240-494F-A36E-AC3C67D09EBF}"/>
+              </a:ext>
+            </a:extLst>
+          </p:cNvPr>
+          <p:cNvSpPr/>
+          <p:nvPr/>
+        </p:nvSpPr>
+        <p:spPr>
+          <a:xfrm>
+            <a:off x="3154698" y="512757"/>
+            <a:ext cx="1411912" cy="690684"/>
+          </a:xfrm>
+          <a:prstGeom prst="rect">
+            <a:avLst/>
+          </a:prstGeom>
+          <a:solidFill>
+            <a:schemeClr val="accent1"/>
+          </a:solidFill>
+          <a:ln w="38100">
+            <a:solidFill>
+              <a:schemeClr val="bg1"/>
+            </a:solidFill>
+          </a:ln>
+        </p:spPr>
+        <p:style>
+          <a:lnRef idx="2">
+            <a:schemeClr val="accent1">
+              <a:shade val="50000"/>
+            </a:schemeClr>
+          </a:lnRef>
+          <a:fillRef idx="1">
+            <a:schemeClr val="accent1"/>
+          </a:fillRef>
+          <a:effectRef idx="0">
+            <a:schemeClr val="accent1"/>
+          </a:effectRef>
+          <a:fontRef idx="minor">
+            <a:schemeClr val="lt1"/>
+          </a:fontRef>
+        </p:style>
+        <p:txBody>
+          <a:bodyPr rtlCol="0" anchor="ctr"/>
+          <a:lstStyle/>
+          <a:p>
+            <a:pPr algn="ctr"/>
+            <a:endParaRPr lang="en-US"/>
+          </a:p>
+        </p:txBody>
+      </p:sp>
+      <p:sp>
+        <p:nvSpPr>
+          <p:cNvPr id="32" name="TextBox 31">
+            <a:extLst>
+              <a:ext uri="{FF2B5EF4-FFF2-40B4-BE49-F238E27FC236}">
+                <a16:creationId xmlns:a16="http://schemas.microsoft.com/office/drawing/2014/main" id="{238341A1-0859-3E46-96AC-2C09DF9BB4E6}"/>
+              </a:ext>
+            </a:extLst>
+          </p:cNvPr>
+          <p:cNvSpPr txBox="1"/>
+          <p:nvPr/>
+        </p:nvSpPr>
+        <p:spPr>
+          <a:xfrm>
+            <a:off x="3446511" y="558042"/>
+            <a:ext cx="830677" cy="369332"/>
+          </a:xfrm>
+          <a:prstGeom prst="rect">
+            <a:avLst/>
+          </a:prstGeom>
+          <a:noFill/>
+        </p:spPr>
+        <p:txBody>
+          <a:bodyPr wrap="none" rtlCol="0">
+            <a:spAutoFit/>
+          </a:bodyPr>
+          <a:lstStyle/>
+          <a:p>
+            <a:r>
+              <a:rPr lang="ja-JP" altLang="en-US" b="1">
+                <a:solidFill>
+                  <a:schemeClr val="bg1"/>
+                </a:solidFill>
+              </a:rPr>
+              <a:t>宛先</a:t>
+            </a:r>
+            <a:r>
+              <a:rPr lang="en-US" altLang="ja-JP" b="1" dirty="0">
+                <a:solidFill>
+                  <a:schemeClr val="bg1"/>
+                </a:solidFill>
+              </a:rPr>
+              <a:t>IP</a:t>
+            </a:r>
+            <a:endParaRPr lang="en-US" b="1" dirty="0">
+              <a:solidFill>
+                <a:schemeClr val="bg1"/>
+              </a:solidFill>
+            </a:endParaRPr>
+          </a:p>
+        </p:txBody>
+      </p:sp>
+      <p:sp>
+        <p:nvSpPr>
+          <p:cNvPr id="33" name="TextBox 32">
+            <a:extLst>
+              <a:ext uri="{FF2B5EF4-FFF2-40B4-BE49-F238E27FC236}">
+                <a16:creationId xmlns:a16="http://schemas.microsoft.com/office/drawing/2014/main" id="{5016780B-6177-644B-B26F-09F498C985E6}"/>
+              </a:ext>
+            </a:extLst>
+          </p:cNvPr>
+          <p:cNvSpPr txBox="1"/>
+          <p:nvPr/>
+        </p:nvSpPr>
+        <p:spPr>
+          <a:xfrm>
+            <a:off x="3229725" y="856923"/>
+            <a:ext cx="1308371" cy="369332"/>
+          </a:xfrm>
+          <a:prstGeom prst="rect">
+            <a:avLst/>
+          </a:prstGeom>
+          <a:noFill/>
+        </p:spPr>
+        <p:txBody>
+          <a:bodyPr wrap="none" rtlCol="0">
+            <a:spAutoFit/>
+          </a:bodyPr>
+          <a:lstStyle/>
+          <a:p>
+            <a:r>
+              <a:rPr lang="en-US" b="1" dirty="0">
+                <a:solidFill>
+                  <a:schemeClr val="bg1"/>
+                </a:solidFill>
+                <a:latin typeface="Yu Gothic" panose="020B0400000000000000" pitchFamily="34" charset="-128"/>
+                <a:ea typeface="Yu Gothic" panose="020B0400000000000000" pitchFamily="34" charset="-128"/>
+              </a:rPr>
+              <a:t>10.0.2.102</a:t>
+            </a:r>
+          </a:p>
+        </p:txBody>
+      </p:sp>
+      <p:sp>
+        <p:nvSpPr>
+          <p:cNvPr id="34" name="Rectangle 33">
+            <a:extLst>
+              <a:ext uri="{FF2B5EF4-FFF2-40B4-BE49-F238E27FC236}">
+                <a16:creationId xmlns:a16="http://schemas.microsoft.com/office/drawing/2014/main" id="{A3D2B96A-BFE0-C34C-85C8-E818D024A956}"/>
+              </a:ext>
+            </a:extLst>
+          </p:cNvPr>
+          <p:cNvSpPr/>
+          <p:nvPr/>
+        </p:nvSpPr>
+        <p:spPr>
+          <a:xfrm>
+            <a:off x="1745557" y="512650"/>
+            <a:ext cx="1411912" cy="690684"/>
+          </a:xfrm>
+          <a:prstGeom prst="rect">
+            <a:avLst/>
+          </a:prstGeom>
+          <a:solidFill>
+            <a:schemeClr val="accent1"/>
+          </a:solidFill>
+          <a:ln w="38100">
+            <a:solidFill>
+              <a:schemeClr val="bg1"/>
+            </a:solidFill>
+          </a:ln>
+        </p:spPr>
+        <p:style>
+          <a:lnRef idx="2">
+            <a:schemeClr val="accent1">
+              <a:shade val="50000"/>
+            </a:schemeClr>
+          </a:lnRef>
+          <a:fillRef idx="1">
+            <a:schemeClr val="accent1"/>
+          </a:fillRef>
+          <a:effectRef idx="0">
+            <a:schemeClr val="accent1"/>
+          </a:effectRef>
+          <a:fontRef idx="minor">
+            <a:schemeClr val="lt1"/>
+          </a:fontRef>
+        </p:style>
+        <p:txBody>
+          <a:bodyPr rtlCol="0" anchor="ctr"/>
+          <a:lstStyle/>
+          <a:p>
+            <a:pPr algn="ctr"/>
+            <a:endParaRPr lang="en-US"/>
+          </a:p>
+        </p:txBody>
+      </p:sp>
+      <p:sp>
+        <p:nvSpPr>
+          <p:cNvPr id="35" name="TextBox 34">
+            <a:extLst>
+              <a:ext uri="{FF2B5EF4-FFF2-40B4-BE49-F238E27FC236}">
+                <a16:creationId xmlns:a16="http://schemas.microsoft.com/office/drawing/2014/main" id="{9F48B7C7-76E3-3849-AAC0-B9BBFA425F83}"/>
+              </a:ext>
+            </a:extLst>
+          </p:cNvPr>
+          <p:cNvSpPr txBox="1"/>
+          <p:nvPr/>
+        </p:nvSpPr>
+        <p:spPr>
+          <a:xfrm>
+            <a:off x="1960370" y="557935"/>
+            <a:ext cx="1061509" cy="369332"/>
+          </a:xfrm>
+          <a:prstGeom prst="rect">
+            <a:avLst/>
+          </a:prstGeom>
+          <a:noFill/>
+        </p:spPr>
+        <p:txBody>
+          <a:bodyPr wrap="none" rtlCol="0">
+            <a:spAutoFit/>
+          </a:bodyPr>
+          <a:lstStyle/>
+          <a:p>
+            <a:r>
+              <a:rPr lang="ja-JP" altLang="en-US" b="1">
+                <a:solidFill>
+                  <a:schemeClr val="bg1"/>
+                </a:solidFill>
+              </a:rPr>
+              <a:t>送信元</a:t>
+            </a:r>
+            <a:r>
+              <a:rPr lang="en-US" altLang="ja-JP" b="1" dirty="0">
+                <a:solidFill>
+                  <a:schemeClr val="bg1"/>
+                </a:solidFill>
+              </a:rPr>
+              <a:t>IP</a:t>
+            </a:r>
+            <a:endParaRPr lang="en-US" b="1" dirty="0">
+              <a:solidFill>
+                <a:schemeClr val="bg1"/>
+              </a:solidFill>
+            </a:endParaRPr>
+          </a:p>
+        </p:txBody>
+      </p:sp>
+      <p:sp>
+        <p:nvSpPr>
+          <p:cNvPr id="36" name="TextBox 35">
+            <a:extLst>
+              <a:ext uri="{FF2B5EF4-FFF2-40B4-BE49-F238E27FC236}">
+                <a16:creationId xmlns:a16="http://schemas.microsoft.com/office/drawing/2014/main" id="{75B3F528-C527-2343-8196-8D029826AF46}"/>
+              </a:ext>
+            </a:extLst>
+          </p:cNvPr>
+          <p:cNvSpPr txBox="1"/>
+          <p:nvPr/>
+        </p:nvSpPr>
+        <p:spPr>
+          <a:xfrm>
+            <a:off x="1801334" y="856816"/>
+            <a:ext cx="1308371" cy="369332"/>
+          </a:xfrm>
+          <a:prstGeom prst="rect">
+            <a:avLst/>
+          </a:prstGeom>
+          <a:noFill/>
+        </p:spPr>
+        <p:txBody>
+          <a:bodyPr wrap="none" rtlCol="0">
+            <a:spAutoFit/>
+          </a:bodyPr>
+          <a:lstStyle/>
+          <a:p>
+            <a:r>
+              <a:rPr lang="en-US" b="1" dirty="0">
+                <a:solidFill>
+                  <a:schemeClr val="bg1"/>
+                </a:solidFill>
+                <a:latin typeface="Yu Gothic" panose="020B0400000000000000" pitchFamily="34" charset="-128"/>
+                <a:ea typeface="Yu Gothic" panose="020B0400000000000000" pitchFamily="34" charset="-128"/>
+              </a:rPr>
+              <a:t>10.0.1.101</a:t>
+            </a:r>
+          </a:p>
+        </p:txBody>
+      </p:sp>
+      <p:sp>
+        <p:nvSpPr>
+          <p:cNvPr id="37" name="Rectangle 36">
+            <a:extLst>
+              <a:ext uri="{FF2B5EF4-FFF2-40B4-BE49-F238E27FC236}">
+                <a16:creationId xmlns:a16="http://schemas.microsoft.com/office/drawing/2014/main" id="{3427C768-B977-EA4B-98B2-6276000860BC}"/>
+              </a:ext>
+            </a:extLst>
+          </p:cNvPr>
+          <p:cNvSpPr/>
+          <p:nvPr/>
+        </p:nvSpPr>
+        <p:spPr>
+          <a:xfrm>
+            <a:off x="654095" y="511474"/>
+            <a:ext cx="1099475" cy="690684"/>
+          </a:xfrm>
+          <a:prstGeom prst="rect">
+            <a:avLst/>
+          </a:prstGeom>
+          <a:solidFill>
+            <a:schemeClr val="tx2">
+              <a:lumMod val="50000"/>
+              <a:lumOff val="50000"/>
+            </a:schemeClr>
+          </a:solidFill>
+          <a:ln w="38100">
+            <a:solidFill>
+              <a:schemeClr val="bg1"/>
+            </a:solidFill>
+          </a:ln>
+        </p:spPr>
+        <p:style>
+          <a:lnRef idx="2">
+            <a:schemeClr val="accent1">
+              <a:shade val="50000"/>
+            </a:schemeClr>
+          </a:lnRef>
+          <a:fillRef idx="1">
+            <a:schemeClr val="accent1"/>
+          </a:fillRef>
+          <a:effectRef idx="0">
+            <a:schemeClr val="accent1"/>
+          </a:effectRef>
+          <a:fontRef idx="minor">
+            <a:schemeClr val="lt1"/>
+          </a:fontRef>
+        </p:style>
+        <p:txBody>
+          <a:bodyPr rtlCol="0" anchor="ctr"/>
+          <a:lstStyle/>
+          <a:p>
+            <a:pPr algn="ctr"/>
+            <a:endParaRPr lang="en-US"/>
+          </a:p>
+        </p:txBody>
+      </p:sp>
+      <p:sp>
+        <p:nvSpPr>
+          <p:cNvPr id="38" name="TextBox 37">
+            <a:extLst>
+              <a:ext uri="{FF2B5EF4-FFF2-40B4-BE49-F238E27FC236}">
+                <a16:creationId xmlns:a16="http://schemas.microsoft.com/office/drawing/2014/main" id="{D170840B-CF56-8844-9966-5D96DF5AD0A9}"/>
+              </a:ext>
+            </a:extLst>
+          </p:cNvPr>
+          <p:cNvSpPr txBox="1"/>
+          <p:nvPr/>
+        </p:nvSpPr>
+        <p:spPr>
+          <a:xfrm>
+            <a:off x="813347" y="672150"/>
+            <a:ext cx="832279" cy="369332"/>
+          </a:xfrm>
+          <a:prstGeom prst="rect">
+            <a:avLst/>
+          </a:prstGeom>
+          <a:noFill/>
+        </p:spPr>
+        <p:txBody>
+          <a:bodyPr wrap="none" rtlCol="0">
+            <a:spAutoFit/>
+          </a:bodyPr>
+          <a:lstStyle/>
+          <a:p>
+            <a:r>
+              <a:rPr lang="en-US" b="1" dirty="0">
+                <a:solidFill>
+                  <a:schemeClr val="bg1"/>
+                </a:solidFill>
+                <a:latin typeface="Yu Gothic" panose="020B0400000000000000" pitchFamily="34" charset="-128"/>
+                <a:ea typeface="Yu Gothic" panose="020B0400000000000000" pitchFamily="34" charset="-128"/>
+              </a:rPr>
+              <a:t>DATA</a:t>
+            </a:r>
+          </a:p>
+        </p:txBody>
+      </p:sp>
+      <p:sp>
+        <p:nvSpPr>
+          <p:cNvPr id="41" name="Rectangle 40">
+            <a:extLst>
+              <a:ext uri="{FF2B5EF4-FFF2-40B4-BE49-F238E27FC236}">
+                <a16:creationId xmlns:a16="http://schemas.microsoft.com/office/drawing/2014/main" id="{484C7EB2-5DF7-BA48-AD25-A8308BCA442E}"/>
+              </a:ext>
+            </a:extLst>
+          </p:cNvPr>
+          <p:cNvSpPr/>
+          <p:nvPr/>
+        </p:nvSpPr>
+        <p:spPr>
+          <a:xfrm>
+            <a:off x="4157862" y="1483619"/>
+            <a:ext cx="1631483" cy="596285"/>
+          </a:xfrm>
+          <a:prstGeom prst="rect">
+            <a:avLst/>
+          </a:prstGeom>
+          <a:solidFill>
+            <a:schemeClr val="tx1"/>
+          </a:solidFill>
+          <a:ln w="38100">
+            <a:solidFill>
+              <a:schemeClr val="bg1"/>
+            </a:solidFill>
+          </a:ln>
+        </p:spPr>
+        <p:style>
+          <a:lnRef idx="2">
+            <a:schemeClr val="accent1">
+              <a:shade val="50000"/>
+            </a:schemeClr>
+          </a:lnRef>
+          <a:fillRef idx="1">
+            <a:schemeClr val="accent1"/>
+          </a:fillRef>
+          <a:effectRef idx="0">
+            <a:schemeClr val="accent1"/>
+          </a:effectRef>
+          <a:fontRef idx="minor">
+            <a:schemeClr val="lt1"/>
+          </a:fontRef>
+        </p:style>
+        <p:txBody>
+          <a:bodyPr rtlCol="0" anchor="ctr"/>
+          <a:lstStyle/>
+          <a:p>
+            <a:pPr algn="ctr"/>
+            <a:endParaRPr lang="en-US"/>
+          </a:p>
+        </p:txBody>
+      </p:sp>
+      <p:sp>
+        <p:nvSpPr>
+          <p:cNvPr id="42" name="TextBox 41">
+            <a:extLst>
+              <a:ext uri="{FF2B5EF4-FFF2-40B4-BE49-F238E27FC236}">
+                <a16:creationId xmlns:a16="http://schemas.microsoft.com/office/drawing/2014/main" id="{6C9F497D-1FFE-6349-82E0-4FDE9A1D9D79}"/>
+              </a:ext>
+            </a:extLst>
+          </p:cNvPr>
+          <p:cNvSpPr txBox="1"/>
+          <p:nvPr/>
+        </p:nvSpPr>
+        <p:spPr>
+          <a:xfrm>
+            <a:off x="4518441" y="1517595"/>
+            <a:ext cx="877163" cy="338554"/>
+          </a:xfrm>
+          <a:prstGeom prst="rect">
+            <a:avLst/>
+          </a:prstGeom>
+          <a:noFill/>
+        </p:spPr>
+        <p:txBody>
+          <a:bodyPr wrap="none" rtlCol="0">
+            <a:spAutoFit/>
+          </a:bodyPr>
+          <a:lstStyle/>
+          <a:p>
+            <a:r>
+              <a:rPr lang="en-US" sz="1600" b="1" dirty="0">
+                <a:solidFill>
+                  <a:schemeClr val="bg1"/>
+                </a:solidFill>
+                <a:latin typeface="Yu Gothic" panose="020B0400000000000000" pitchFamily="34" charset="-128"/>
+                <a:ea typeface="Yu Gothic" panose="020B0400000000000000" pitchFamily="34" charset="-128"/>
+              </a:rPr>
+              <a:t>Packet</a:t>
+            </a:r>
+          </a:p>
+        </p:txBody>
+      </p:sp>
+      <p:sp>
+        <p:nvSpPr>
+          <p:cNvPr id="47" name="Rectangle 46">
+            <a:extLst>
+              <a:ext uri="{FF2B5EF4-FFF2-40B4-BE49-F238E27FC236}">
+                <a16:creationId xmlns:a16="http://schemas.microsoft.com/office/drawing/2014/main" id="{B43A23EB-AE1C-324D-8285-EC8450C19138}"/>
+              </a:ext>
+            </a:extLst>
+          </p:cNvPr>
+          <p:cNvSpPr/>
+          <p:nvPr/>
+        </p:nvSpPr>
+        <p:spPr>
+          <a:xfrm>
+            <a:off x="6495045" y="5579279"/>
+            <a:ext cx="1940288" cy="690684"/>
+          </a:xfrm>
+          <a:prstGeom prst="rect">
+            <a:avLst/>
+          </a:prstGeom>
+          <a:solidFill>
+            <a:schemeClr val="accent2"/>
+          </a:solidFill>
+          <a:ln w="38100">
+            <a:solidFill>
+              <a:schemeClr val="bg1"/>
+            </a:solidFill>
+          </a:ln>
+        </p:spPr>
+        <p:style>
+          <a:lnRef idx="2">
+            <a:schemeClr val="accent1">
+              <a:shade val="50000"/>
+            </a:schemeClr>
+          </a:lnRef>
+          <a:fillRef idx="1">
+            <a:schemeClr val="accent1"/>
+          </a:fillRef>
+          <a:effectRef idx="0">
+            <a:schemeClr val="accent1"/>
+          </a:effectRef>
+          <a:fontRef idx="minor">
+            <a:schemeClr val="lt1"/>
+          </a:fontRef>
+        </p:style>
+        <p:txBody>
+          <a:bodyPr rtlCol="0" anchor="ctr"/>
+          <a:lstStyle/>
+          <a:p>
+            <a:pPr algn="ctr"/>
+            <a:endParaRPr lang="en-US"/>
+          </a:p>
+        </p:txBody>
+      </p:sp>
+      <p:sp>
+        <p:nvSpPr>
+          <p:cNvPr id="48" name="TextBox 47">
+            <a:extLst>
+              <a:ext uri="{FF2B5EF4-FFF2-40B4-BE49-F238E27FC236}">
+                <a16:creationId xmlns:a16="http://schemas.microsoft.com/office/drawing/2014/main" id="{2853ECFE-2B39-464D-8279-A633BBD87F85}"/>
+              </a:ext>
+            </a:extLst>
+          </p:cNvPr>
+          <p:cNvSpPr txBox="1"/>
+          <p:nvPr/>
+        </p:nvSpPr>
+        <p:spPr>
+          <a:xfrm>
+            <a:off x="6910193" y="5606398"/>
+            <a:ext cx="1106906" cy="369332"/>
+          </a:xfrm>
+          <a:prstGeom prst="rect">
+            <a:avLst/>
+          </a:prstGeom>
+          <a:noFill/>
+        </p:spPr>
+        <p:txBody>
+          <a:bodyPr wrap="none" rtlCol="0">
+            <a:spAutoFit/>
+          </a:bodyPr>
+          <a:lstStyle/>
+          <a:p>
+            <a:r>
+              <a:rPr lang="ja-JP" altLang="en-US" b="1">
+                <a:solidFill>
+                  <a:schemeClr val="bg1"/>
+                </a:solidFill>
+              </a:rPr>
+              <a:t>宛先</a:t>
+            </a:r>
+            <a:r>
+              <a:rPr lang="en-US" altLang="ja-JP" b="1" dirty="0">
+                <a:solidFill>
+                  <a:schemeClr val="bg1"/>
+                </a:solidFill>
+              </a:rPr>
+              <a:t>MAC</a:t>
+            </a:r>
+            <a:endParaRPr lang="en-US" b="1" dirty="0">
+              <a:solidFill>
+                <a:schemeClr val="bg1"/>
+              </a:solidFill>
+            </a:endParaRPr>
+          </a:p>
+        </p:txBody>
+      </p:sp>
+      <p:sp>
+        <p:nvSpPr>
+          <p:cNvPr id="49" name="TextBox 48">
+            <a:extLst>
+              <a:ext uri="{FF2B5EF4-FFF2-40B4-BE49-F238E27FC236}">
+                <a16:creationId xmlns:a16="http://schemas.microsoft.com/office/drawing/2014/main" id="{3F4EF74D-00CE-4E43-8A90-1DF184C734DD}"/>
+              </a:ext>
+            </a:extLst>
+          </p:cNvPr>
+          <p:cNvSpPr txBox="1"/>
+          <p:nvPr/>
+        </p:nvSpPr>
+        <p:spPr>
+          <a:xfrm>
+            <a:off x="6535412" y="5923445"/>
+            <a:ext cx="1909497" cy="369332"/>
+          </a:xfrm>
+          <a:prstGeom prst="rect">
+            <a:avLst/>
+          </a:prstGeom>
+          <a:noFill/>
+        </p:spPr>
+        <p:txBody>
+          <a:bodyPr wrap="none" rtlCol="0">
+            <a:spAutoFit/>
+          </a:bodyPr>
+          <a:lstStyle/>
+          <a:p>
+            <a:r>
+              <a:rPr lang="en-US" b="1" dirty="0">
+                <a:solidFill>
+                  <a:schemeClr val="bg1"/>
+                </a:solidFill>
+                <a:latin typeface="Yu Gothic" panose="020B0400000000000000" pitchFamily="34" charset="-128"/>
+                <a:ea typeface="Yu Gothic" panose="020B0400000000000000" pitchFamily="34" charset="-128"/>
+              </a:rPr>
+              <a:t>0000.0001.0100</a:t>
+            </a:r>
+          </a:p>
+        </p:txBody>
+      </p:sp>
+      <p:sp>
+        <p:nvSpPr>
+          <p:cNvPr id="50" name="Rectangle 49">
+            <a:extLst>
+              <a:ext uri="{FF2B5EF4-FFF2-40B4-BE49-F238E27FC236}">
+                <a16:creationId xmlns:a16="http://schemas.microsoft.com/office/drawing/2014/main" id="{47A24CE0-FF9E-984D-9F3B-06ABF68016AA}"/>
+              </a:ext>
+            </a:extLst>
+          </p:cNvPr>
+          <p:cNvSpPr/>
+          <p:nvPr/>
+        </p:nvSpPr>
+        <p:spPr>
+          <a:xfrm>
+            <a:off x="4566610" y="5579279"/>
+            <a:ext cx="1940288" cy="690684"/>
+          </a:xfrm>
+          <a:prstGeom prst="rect">
+            <a:avLst/>
+          </a:prstGeom>
+          <a:solidFill>
+            <a:schemeClr val="accent2"/>
+          </a:solidFill>
+          <a:ln w="38100">
+            <a:solidFill>
+              <a:schemeClr val="bg1"/>
+            </a:solidFill>
+          </a:ln>
+        </p:spPr>
+        <p:style>
+          <a:lnRef idx="2">
+            <a:schemeClr val="accent1">
+              <a:shade val="50000"/>
+            </a:schemeClr>
+          </a:lnRef>
+          <a:fillRef idx="1">
+            <a:schemeClr val="accent1"/>
+          </a:fillRef>
+          <a:effectRef idx="0">
+            <a:schemeClr val="accent1"/>
+          </a:effectRef>
+          <a:fontRef idx="minor">
+            <a:schemeClr val="lt1"/>
+          </a:fontRef>
+        </p:style>
+        <p:txBody>
+          <a:bodyPr rtlCol="0" anchor="ctr"/>
+          <a:lstStyle/>
+          <a:p>
+            <a:pPr algn="ctr"/>
+            <a:endParaRPr lang="en-US"/>
+          </a:p>
+        </p:txBody>
+      </p:sp>
+      <p:sp>
+        <p:nvSpPr>
+          <p:cNvPr id="51" name="TextBox 50">
+            <a:extLst>
+              <a:ext uri="{FF2B5EF4-FFF2-40B4-BE49-F238E27FC236}">
+                <a16:creationId xmlns:a16="http://schemas.microsoft.com/office/drawing/2014/main" id="{D8BCD74B-7C92-2E48-8C49-480F4119BE63}"/>
+              </a:ext>
+            </a:extLst>
+          </p:cNvPr>
+          <p:cNvSpPr txBox="1"/>
+          <p:nvPr/>
+        </p:nvSpPr>
+        <p:spPr>
+          <a:xfrm>
+            <a:off x="4867884" y="5606192"/>
+            <a:ext cx="1337739" cy="369332"/>
+          </a:xfrm>
+          <a:prstGeom prst="rect">
+            <a:avLst/>
+          </a:prstGeom>
+          <a:noFill/>
+        </p:spPr>
+        <p:txBody>
+          <a:bodyPr wrap="none" rtlCol="0">
+            <a:spAutoFit/>
+          </a:bodyPr>
+          <a:lstStyle/>
+          <a:p>
+            <a:r>
+              <a:rPr lang="ja-JP" altLang="en-US" b="1">
+                <a:solidFill>
+                  <a:schemeClr val="bg1"/>
+                </a:solidFill>
+              </a:rPr>
+              <a:t>送信元</a:t>
+            </a:r>
+            <a:r>
+              <a:rPr lang="en-US" altLang="ja-JP" b="1" dirty="0">
+                <a:solidFill>
+                  <a:schemeClr val="bg1"/>
+                </a:solidFill>
+              </a:rPr>
+              <a:t>MAC</a:t>
+            </a:r>
+            <a:endParaRPr lang="en-US" b="1" dirty="0">
+              <a:solidFill>
+                <a:schemeClr val="bg1"/>
+              </a:solidFill>
+            </a:endParaRPr>
+          </a:p>
+        </p:txBody>
+      </p:sp>
+      <p:sp>
+        <p:nvSpPr>
+          <p:cNvPr id="52" name="TextBox 51">
+            <a:extLst>
+              <a:ext uri="{FF2B5EF4-FFF2-40B4-BE49-F238E27FC236}">
+                <a16:creationId xmlns:a16="http://schemas.microsoft.com/office/drawing/2014/main" id="{41762C8B-7DA5-7B45-AF46-B02F6546FDC4}"/>
+              </a:ext>
+            </a:extLst>
+          </p:cNvPr>
+          <p:cNvSpPr txBox="1"/>
+          <p:nvPr/>
+        </p:nvSpPr>
+        <p:spPr>
+          <a:xfrm>
+            <a:off x="4616602" y="5923445"/>
+            <a:ext cx="1909497" cy="369332"/>
+          </a:xfrm>
+          <a:prstGeom prst="rect">
+            <a:avLst/>
+          </a:prstGeom>
+          <a:noFill/>
+        </p:spPr>
+        <p:txBody>
+          <a:bodyPr wrap="none" rtlCol="0">
+            <a:spAutoFit/>
+          </a:bodyPr>
+          <a:lstStyle/>
+          <a:p>
+            <a:r>
+              <a:rPr lang="en-US" b="1" dirty="0">
+                <a:solidFill>
+                  <a:schemeClr val="bg1"/>
+                </a:solidFill>
+                <a:latin typeface="Yu Gothic" panose="020B0400000000000000" pitchFamily="34" charset="-128"/>
+                <a:ea typeface="Yu Gothic" panose="020B0400000000000000" pitchFamily="34" charset="-128"/>
+              </a:rPr>
+              <a:t>0000.0001.0101</a:t>
+            </a:r>
+          </a:p>
+        </p:txBody>
+      </p:sp>
+      <p:sp>
+        <p:nvSpPr>
+          <p:cNvPr id="53" name="Rectangle 52">
+            <a:extLst>
+              <a:ext uri="{FF2B5EF4-FFF2-40B4-BE49-F238E27FC236}">
+                <a16:creationId xmlns:a16="http://schemas.microsoft.com/office/drawing/2014/main" id="{C5E917FF-BC2D-624A-B4D0-F53C1C26DC60}"/>
+              </a:ext>
+            </a:extLst>
+          </p:cNvPr>
+          <p:cNvSpPr/>
+          <p:nvPr/>
+        </p:nvSpPr>
+        <p:spPr>
+          <a:xfrm>
+            <a:off x="3154698" y="5579279"/>
+            <a:ext cx="1411912" cy="690684"/>
+          </a:xfrm>
+          <a:prstGeom prst="rect">
+            <a:avLst/>
+          </a:prstGeom>
+          <a:solidFill>
+            <a:schemeClr val="accent1"/>
+          </a:solidFill>
+          <a:ln w="38100">
+            <a:solidFill>
+              <a:schemeClr val="bg1"/>
+            </a:solidFill>
+          </a:ln>
+        </p:spPr>
+        <p:style>
+          <a:lnRef idx="2">
+            <a:schemeClr val="accent1">
+              <a:shade val="50000"/>
+            </a:schemeClr>
+          </a:lnRef>
+          <a:fillRef idx="1">
+            <a:schemeClr val="accent1"/>
+          </a:fillRef>
+          <a:effectRef idx="0">
+            <a:schemeClr val="accent1"/>
+          </a:effectRef>
+          <a:fontRef idx="minor">
+            <a:schemeClr val="lt1"/>
+          </a:fontRef>
+        </p:style>
+        <p:txBody>
+          <a:bodyPr rtlCol="0" anchor="ctr"/>
+          <a:lstStyle/>
+          <a:p>
+            <a:pPr algn="ctr"/>
+            <a:endParaRPr lang="en-US"/>
+          </a:p>
+        </p:txBody>
+      </p:sp>
+      <p:sp>
+        <p:nvSpPr>
+          <p:cNvPr id="54" name="TextBox 53">
+            <a:extLst>
+              <a:ext uri="{FF2B5EF4-FFF2-40B4-BE49-F238E27FC236}">
+                <a16:creationId xmlns:a16="http://schemas.microsoft.com/office/drawing/2014/main" id="{0A850468-748D-EC44-A937-F457AD055F56}"/>
+              </a:ext>
+            </a:extLst>
+          </p:cNvPr>
+          <p:cNvSpPr txBox="1"/>
+          <p:nvPr/>
+        </p:nvSpPr>
+        <p:spPr>
+          <a:xfrm>
+            <a:off x="3446511" y="5624564"/>
+            <a:ext cx="830677" cy="369332"/>
+          </a:xfrm>
+          <a:prstGeom prst="rect">
+            <a:avLst/>
+          </a:prstGeom>
+          <a:noFill/>
+        </p:spPr>
+        <p:txBody>
+          <a:bodyPr wrap="none" rtlCol="0">
+            <a:spAutoFit/>
+          </a:bodyPr>
+          <a:lstStyle/>
+          <a:p>
+            <a:r>
+              <a:rPr lang="ja-JP" altLang="en-US" b="1">
+                <a:solidFill>
+                  <a:schemeClr val="bg1"/>
+                </a:solidFill>
+              </a:rPr>
+              <a:t>宛先</a:t>
+            </a:r>
+            <a:r>
+              <a:rPr lang="en-US" altLang="ja-JP" b="1" dirty="0">
+                <a:solidFill>
+                  <a:schemeClr val="bg1"/>
+                </a:solidFill>
+              </a:rPr>
+              <a:t>IP</a:t>
+            </a:r>
+            <a:endParaRPr lang="en-US" b="1" dirty="0">
+              <a:solidFill>
+                <a:schemeClr val="bg1"/>
+              </a:solidFill>
+            </a:endParaRPr>
+          </a:p>
+        </p:txBody>
+      </p:sp>
+      <p:sp>
+        <p:nvSpPr>
+          <p:cNvPr id="55" name="TextBox 54">
+            <a:extLst>
+              <a:ext uri="{FF2B5EF4-FFF2-40B4-BE49-F238E27FC236}">
+                <a16:creationId xmlns:a16="http://schemas.microsoft.com/office/drawing/2014/main" id="{7B7ACC2B-4B30-5840-AB5B-7160252FC71E}"/>
+              </a:ext>
+            </a:extLst>
+          </p:cNvPr>
+          <p:cNvSpPr txBox="1"/>
+          <p:nvPr/>
+        </p:nvSpPr>
+        <p:spPr>
+          <a:xfrm>
+            <a:off x="3229725" y="5923445"/>
+            <a:ext cx="1308371" cy="369332"/>
+          </a:xfrm>
+          <a:prstGeom prst="rect">
+            <a:avLst/>
+          </a:prstGeom>
+          <a:noFill/>
+        </p:spPr>
+        <p:txBody>
+          <a:bodyPr wrap="none" rtlCol="0">
+            <a:spAutoFit/>
+          </a:bodyPr>
+          <a:lstStyle/>
+          <a:p>
+            <a:r>
+              <a:rPr lang="en-US" b="1" dirty="0">
+                <a:solidFill>
+                  <a:schemeClr val="bg1"/>
+                </a:solidFill>
+                <a:latin typeface="Yu Gothic" panose="020B0400000000000000" pitchFamily="34" charset="-128"/>
+                <a:ea typeface="Yu Gothic" panose="020B0400000000000000" pitchFamily="34" charset="-128"/>
+              </a:rPr>
+              <a:t>10.0.1.100</a:t>
+            </a:r>
+          </a:p>
+        </p:txBody>
+      </p:sp>
+      <p:sp>
+        <p:nvSpPr>
+          <p:cNvPr id="56" name="Rectangle 55">
+            <a:extLst>
+              <a:ext uri="{FF2B5EF4-FFF2-40B4-BE49-F238E27FC236}">
+                <a16:creationId xmlns:a16="http://schemas.microsoft.com/office/drawing/2014/main" id="{E3319272-FD22-3E45-BA17-3C1850EF7BE8}"/>
+              </a:ext>
+            </a:extLst>
+          </p:cNvPr>
+          <p:cNvSpPr/>
+          <p:nvPr/>
+        </p:nvSpPr>
+        <p:spPr>
+          <a:xfrm>
+            <a:off x="1745557" y="5579172"/>
+            <a:ext cx="1411912" cy="690684"/>
+          </a:xfrm>
+          <a:prstGeom prst="rect">
+            <a:avLst/>
+          </a:prstGeom>
+          <a:solidFill>
+            <a:schemeClr val="accent1"/>
+          </a:solidFill>
+          <a:ln w="38100">
+            <a:solidFill>
+              <a:schemeClr val="bg1"/>
+            </a:solidFill>
+          </a:ln>
+        </p:spPr>
+        <p:style>
+          <a:lnRef idx="2">
+            <a:schemeClr val="accent1">
+              <a:shade val="50000"/>
+            </a:schemeClr>
+          </a:lnRef>
+          <a:fillRef idx="1">
+            <a:schemeClr val="accent1"/>
+          </a:fillRef>
+          <a:effectRef idx="0">
+            <a:schemeClr val="accent1"/>
+          </a:effectRef>
+          <a:fontRef idx="minor">
+            <a:schemeClr val="lt1"/>
+          </a:fontRef>
+        </p:style>
+        <p:txBody>
+          <a:bodyPr rtlCol="0" anchor="ctr"/>
+          <a:lstStyle/>
+          <a:p>
+            <a:pPr algn="ctr"/>
+            <a:endParaRPr lang="en-US"/>
+          </a:p>
+        </p:txBody>
+      </p:sp>
+      <p:sp>
+        <p:nvSpPr>
+          <p:cNvPr id="57" name="TextBox 56">
+            <a:extLst>
+              <a:ext uri="{FF2B5EF4-FFF2-40B4-BE49-F238E27FC236}">
+                <a16:creationId xmlns:a16="http://schemas.microsoft.com/office/drawing/2014/main" id="{A538497F-3814-4B43-962C-95188A96312D}"/>
+              </a:ext>
+            </a:extLst>
+          </p:cNvPr>
+          <p:cNvSpPr txBox="1"/>
+          <p:nvPr/>
+        </p:nvSpPr>
+        <p:spPr>
+          <a:xfrm>
+            <a:off x="1960370" y="5624457"/>
+            <a:ext cx="1061509" cy="369332"/>
+          </a:xfrm>
+          <a:prstGeom prst="rect">
+            <a:avLst/>
+          </a:prstGeom>
+          <a:noFill/>
+        </p:spPr>
+        <p:txBody>
+          <a:bodyPr wrap="none" rtlCol="0">
+            <a:spAutoFit/>
+          </a:bodyPr>
+          <a:lstStyle/>
+          <a:p>
+            <a:r>
+              <a:rPr lang="ja-JP" altLang="en-US" b="1">
+                <a:solidFill>
+                  <a:schemeClr val="bg1"/>
+                </a:solidFill>
+              </a:rPr>
+              <a:t>送信元</a:t>
+            </a:r>
+            <a:r>
+              <a:rPr lang="en-US" altLang="ja-JP" b="1" dirty="0">
+                <a:solidFill>
+                  <a:schemeClr val="bg1"/>
+                </a:solidFill>
+              </a:rPr>
+              <a:t>IP</a:t>
+            </a:r>
+            <a:endParaRPr lang="en-US" b="1" dirty="0">
+              <a:solidFill>
+                <a:schemeClr val="bg1"/>
+              </a:solidFill>
+            </a:endParaRPr>
+          </a:p>
+        </p:txBody>
+      </p:sp>
+      <p:sp>
+        <p:nvSpPr>
+          <p:cNvPr id="58" name="TextBox 57">
+            <a:extLst>
+              <a:ext uri="{FF2B5EF4-FFF2-40B4-BE49-F238E27FC236}">
+                <a16:creationId xmlns:a16="http://schemas.microsoft.com/office/drawing/2014/main" id="{ED4CF47B-1143-1742-8030-B636E7B73FDB}"/>
+              </a:ext>
+            </a:extLst>
+          </p:cNvPr>
+          <p:cNvSpPr txBox="1"/>
+          <p:nvPr/>
+        </p:nvSpPr>
+        <p:spPr>
+          <a:xfrm>
+            <a:off x="1801334" y="5923338"/>
+            <a:ext cx="1308371" cy="369332"/>
+          </a:xfrm>
+          <a:prstGeom prst="rect">
+            <a:avLst/>
+          </a:prstGeom>
+          <a:noFill/>
+        </p:spPr>
+        <p:txBody>
+          <a:bodyPr wrap="none" rtlCol="0">
+            <a:spAutoFit/>
+          </a:bodyPr>
+          <a:lstStyle/>
+          <a:p>
+            <a:r>
+              <a:rPr lang="en-US" b="1" dirty="0">
+                <a:solidFill>
+                  <a:schemeClr val="bg1"/>
+                </a:solidFill>
+                <a:latin typeface="Yu Gothic" panose="020B0400000000000000" pitchFamily="34" charset="-128"/>
+                <a:ea typeface="Yu Gothic" panose="020B0400000000000000" pitchFamily="34" charset="-128"/>
+              </a:rPr>
+              <a:t>10.0.1.101</a:t>
+            </a:r>
+          </a:p>
+        </p:txBody>
+      </p:sp>
+      <p:sp>
+        <p:nvSpPr>
+          <p:cNvPr id="59" name="Rectangle 58">
+            <a:extLst>
+              <a:ext uri="{FF2B5EF4-FFF2-40B4-BE49-F238E27FC236}">
+                <a16:creationId xmlns:a16="http://schemas.microsoft.com/office/drawing/2014/main" id="{53F95ECD-C311-1447-8846-BCF654469422}"/>
+              </a:ext>
+            </a:extLst>
+          </p:cNvPr>
+          <p:cNvSpPr/>
+          <p:nvPr/>
+        </p:nvSpPr>
+        <p:spPr>
+          <a:xfrm>
+            <a:off x="654095" y="5577996"/>
+            <a:ext cx="1099475" cy="690684"/>
+          </a:xfrm>
+          <a:prstGeom prst="rect">
+            <a:avLst/>
+          </a:prstGeom>
+          <a:solidFill>
+            <a:schemeClr val="tx2">
+              <a:lumMod val="50000"/>
+              <a:lumOff val="50000"/>
+            </a:schemeClr>
+          </a:solidFill>
+          <a:ln w="38100">
+            <a:solidFill>
+              <a:schemeClr val="bg1"/>
+            </a:solidFill>
+          </a:ln>
+        </p:spPr>
+        <p:style>
+          <a:lnRef idx="2">
+            <a:schemeClr val="accent1">
+              <a:shade val="50000"/>
+            </a:schemeClr>
+          </a:lnRef>
+          <a:fillRef idx="1">
+            <a:schemeClr val="accent1"/>
+          </a:fillRef>
+          <a:effectRef idx="0">
+            <a:schemeClr val="accent1"/>
+          </a:effectRef>
+          <a:fontRef idx="minor">
+            <a:schemeClr val="lt1"/>
+          </a:fontRef>
+        </p:style>
+        <p:txBody>
+          <a:bodyPr rtlCol="0" anchor="ctr"/>
+          <a:lstStyle/>
+          <a:p>
+            <a:pPr algn="ctr"/>
+            <a:endParaRPr lang="en-US"/>
+          </a:p>
+        </p:txBody>
+      </p:sp>
+      <p:sp>
+        <p:nvSpPr>
+          <p:cNvPr id="60" name="TextBox 59">
+            <a:extLst>
+              <a:ext uri="{FF2B5EF4-FFF2-40B4-BE49-F238E27FC236}">
+                <a16:creationId xmlns:a16="http://schemas.microsoft.com/office/drawing/2014/main" id="{D10E79E0-E269-CB4D-A79D-8931A17B1286}"/>
+              </a:ext>
+            </a:extLst>
+          </p:cNvPr>
+          <p:cNvSpPr txBox="1"/>
+          <p:nvPr/>
+        </p:nvSpPr>
+        <p:spPr>
+          <a:xfrm>
+            <a:off x="813347" y="5738672"/>
+            <a:ext cx="832279" cy="369332"/>
+          </a:xfrm>
+          <a:prstGeom prst="rect">
+            <a:avLst/>
+          </a:prstGeom>
+          <a:noFill/>
+        </p:spPr>
+        <p:txBody>
+          <a:bodyPr wrap="none" rtlCol="0">
+            <a:spAutoFit/>
+          </a:bodyPr>
+          <a:lstStyle/>
+          <a:p>
+            <a:r>
+              <a:rPr lang="en-US" b="1" dirty="0">
+                <a:solidFill>
+                  <a:schemeClr val="bg1"/>
+                </a:solidFill>
+                <a:latin typeface="Yu Gothic" panose="020B0400000000000000" pitchFamily="34" charset="-128"/>
+                <a:ea typeface="Yu Gothic" panose="020B0400000000000000" pitchFamily="34" charset="-128"/>
+              </a:rPr>
+              <a:t>DATA</a:t>
+            </a:r>
+          </a:p>
+        </p:txBody>
+      </p:sp>
+      <p:sp>
+        <p:nvSpPr>
+          <p:cNvPr id="66" name="Rectangle 65">
+            <a:extLst>
+              <a:ext uri="{FF2B5EF4-FFF2-40B4-BE49-F238E27FC236}">
+                <a16:creationId xmlns:a16="http://schemas.microsoft.com/office/drawing/2014/main" id="{EA7F068B-0465-4649-B264-24FDDA137EDA}"/>
+              </a:ext>
+            </a:extLst>
+          </p:cNvPr>
+          <p:cNvSpPr/>
+          <p:nvPr/>
+        </p:nvSpPr>
+        <p:spPr>
+          <a:xfrm>
+            <a:off x="4616602" y="2158672"/>
+            <a:ext cx="794122" cy="530290"/>
+          </a:xfrm>
+          <a:prstGeom prst="rect">
+            <a:avLst/>
+          </a:prstGeom>
+          <a:solidFill>
+            <a:schemeClr val="bg1"/>
+          </a:solidFill>
+          <a:ln>
+            <a:noFill/>
+          </a:ln>
+        </p:spPr>
+        <p:style>
+          <a:lnRef idx="2">
+            <a:schemeClr val="accent1">
+              <a:shade val="50000"/>
+            </a:schemeClr>
+          </a:lnRef>
+          <a:fillRef idx="1">
+            <a:schemeClr val="accent1"/>
+          </a:fillRef>
+          <a:effectRef idx="0">
+            <a:schemeClr val="accent1"/>
+          </a:effectRef>
+          <a:fontRef idx="minor">
+            <a:schemeClr val="lt1"/>
+          </a:fontRef>
+        </p:style>
+        <p:txBody>
+          <a:bodyPr rtlCol="0" anchor="ctr"/>
+          <a:lstStyle/>
+          <a:p>
+            <a:pPr algn="ctr"/>
+            <a:endParaRPr lang="en-US"/>
+          </a:p>
+        </p:txBody>
+      </p:sp>
+      <p:sp>
+        <p:nvSpPr>
+          <p:cNvPr id="67" name="Rectangle 66">
+            <a:extLst>
+              <a:ext uri="{FF2B5EF4-FFF2-40B4-BE49-F238E27FC236}">
+                <a16:creationId xmlns:a16="http://schemas.microsoft.com/office/drawing/2014/main" id="{DD8D0F91-FEBB-164E-98EB-BE29D279E10F}"/>
+              </a:ext>
+            </a:extLst>
+          </p:cNvPr>
+          <p:cNvSpPr/>
+          <p:nvPr/>
+        </p:nvSpPr>
+        <p:spPr>
+          <a:xfrm>
+            <a:off x="7626420" y="1843487"/>
+            <a:ext cx="843811" cy="876557"/>
+          </a:xfrm>
+          <a:prstGeom prst="rect">
+            <a:avLst/>
+          </a:prstGeom>
+          <a:solidFill>
+            <a:schemeClr val="bg1"/>
+          </a:solidFill>
+          <a:ln>
+            <a:noFill/>
+          </a:ln>
+        </p:spPr>
+        <p:style>
+          <a:lnRef idx="2">
+            <a:schemeClr val="accent1">
+              <a:shade val="50000"/>
+            </a:schemeClr>
+          </a:lnRef>
+          <a:fillRef idx="1">
+            <a:schemeClr val="accent1"/>
+          </a:fillRef>
+          <a:effectRef idx="0">
+            <a:schemeClr val="accent1"/>
+          </a:effectRef>
+          <a:fontRef idx="minor">
+            <a:schemeClr val="lt1"/>
+          </a:fontRef>
+        </p:style>
+        <p:txBody>
+          <a:bodyPr rtlCol="0" anchor="ctr"/>
+          <a:lstStyle/>
+          <a:p>
+            <a:pPr algn="ctr"/>
+            <a:endParaRPr lang="en-US"/>
+          </a:p>
+        </p:txBody>
+      </p:sp>
+      <p:pic>
+        <p:nvPicPr>
+          <p:cNvPr id="68" name="Picture 67">
+            <a:extLst>
+              <a:ext uri="{FF2B5EF4-FFF2-40B4-BE49-F238E27FC236}">
+                <a16:creationId xmlns:a16="http://schemas.microsoft.com/office/drawing/2014/main" id="{027C201F-9B26-2245-8D0C-766C98FAB1F2}"/>
+              </a:ext>
+            </a:extLst>
+          </p:cNvPr>
+          <p:cNvPicPr>
+            <a:picLocks noChangeAspect="1"/>
+          </p:cNvPicPr>
+          <p:nvPr/>
+        </p:nvPicPr>
+        <p:blipFill>
+          <a:blip r:embed="rId3">
+            <a:extLst>
+              <a:ext uri="{28A0092B-C50C-407E-A947-70E740481C1C}">
+                <a14:useLocalDpi xmlns:a14="http://schemas.microsoft.com/office/drawing/2010/main" val="0"/>
+              </a:ext>
+            </a:extLst>
+          </a:blip>
+          <a:stretch>
+            <a:fillRect/>
+          </a:stretch>
+        </p:blipFill>
+        <p:spPr>
+          <a:xfrm>
+            <a:off x="7497180" y="1993387"/>
+            <a:ext cx="1097708" cy="1097708"/>
+          </a:xfrm>
+          <a:prstGeom prst="rect">
+            <a:avLst/>
+          </a:prstGeom>
+          <a:noFill/>
+        </p:spPr>
+      </p:pic>
+      <p:sp>
+        <p:nvSpPr>
+          <p:cNvPr id="69" name="TextBox 68">
+            <a:extLst>
+              <a:ext uri="{FF2B5EF4-FFF2-40B4-BE49-F238E27FC236}">
+                <a16:creationId xmlns:a16="http://schemas.microsoft.com/office/drawing/2014/main" id="{4574C93E-7DDA-3C44-B35E-88911429ED43}"/>
+              </a:ext>
+            </a:extLst>
+          </p:cNvPr>
+          <p:cNvSpPr txBox="1"/>
+          <p:nvPr/>
+        </p:nvSpPr>
+        <p:spPr>
+          <a:xfrm>
+            <a:off x="7764648" y="2555709"/>
+            <a:ext cx="572593" cy="369332"/>
+          </a:xfrm>
+          <a:prstGeom prst="rect">
+            <a:avLst/>
+          </a:prstGeom>
+          <a:noFill/>
+        </p:spPr>
+        <p:txBody>
+          <a:bodyPr wrap="none" rtlCol="0">
+            <a:spAutoFit/>
+          </a:bodyPr>
+          <a:lstStyle/>
+          <a:p>
+            <a:r>
+              <a:rPr lang="en-US" b="1" dirty="0">
+                <a:solidFill>
+                  <a:schemeClr val="bg1"/>
+                </a:solidFill>
+                <a:latin typeface="Yu Gothic" panose="020B0400000000000000" pitchFamily="34" charset="-128"/>
+                <a:ea typeface="Yu Gothic" panose="020B0400000000000000" pitchFamily="34" charset="-128"/>
+              </a:rPr>
+              <a:t>GW</a:t>
+            </a:r>
+          </a:p>
+        </p:txBody>
+      </p:sp>
+      <p:pic>
+        <p:nvPicPr>
+          <p:cNvPr id="70" name="Picture 69">
+            <a:extLst>
+              <a:ext uri="{FF2B5EF4-FFF2-40B4-BE49-F238E27FC236}">
+                <a16:creationId xmlns:a16="http://schemas.microsoft.com/office/drawing/2014/main" id="{58484EFE-2A79-874A-8843-EE159ABEFADF}"/>
+              </a:ext>
+            </a:extLst>
+          </p:cNvPr>
+          <p:cNvPicPr>
+            <a:picLocks noChangeAspect="1"/>
+          </p:cNvPicPr>
+          <p:nvPr/>
+        </p:nvPicPr>
+        <p:blipFill>
+          <a:blip r:embed="rId4">
+            <a:extLst>
+              <a:ext uri="{28A0092B-C50C-407E-A947-70E740481C1C}">
+                <a14:useLocalDpi xmlns:a14="http://schemas.microsoft.com/office/drawing/2010/main" val="0"/>
+              </a:ext>
+            </a:extLst>
+          </a:blip>
+          <a:stretch>
+            <a:fillRect/>
+          </a:stretch>
+        </p:blipFill>
+        <p:spPr>
+          <a:xfrm>
+            <a:off x="4386241" y="1889495"/>
+            <a:ext cx="1210903" cy="1210903"/>
+          </a:xfrm>
+          <a:prstGeom prst="rect">
+            <a:avLst/>
+          </a:prstGeom>
+        </p:spPr>
+      </p:pic>
+      <p:pic>
+        <p:nvPicPr>
+          <p:cNvPr id="71" name="Picture 70">
+            <a:extLst>
+              <a:ext uri="{FF2B5EF4-FFF2-40B4-BE49-F238E27FC236}">
+                <a16:creationId xmlns:a16="http://schemas.microsoft.com/office/drawing/2014/main" id="{4FEA8F17-DCE3-504F-A418-88D0C25DF000}"/>
+              </a:ext>
+            </a:extLst>
+          </p:cNvPr>
+          <p:cNvPicPr>
+            <a:picLocks noChangeAspect="1"/>
+          </p:cNvPicPr>
+          <p:nvPr/>
+        </p:nvPicPr>
+        <p:blipFill>
+          <a:blip r:embed="rId5">
+            <a:extLst>
+              <a:ext uri="{28A0092B-C50C-407E-A947-70E740481C1C}">
+                <a14:useLocalDpi xmlns:a14="http://schemas.microsoft.com/office/drawing/2010/main" val="0"/>
+              </a:ext>
+            </a:extLst>
+          </a:blip>
+          <a:stretch>
+            <a:fillRect/>
+          </a:stretch>
+        </p:blipFill>
+        <p:spPr>
+          <a:xfrm>
+            <a:off x="943710" y="1835932"/>
+            <a:ext cx="1318030" cy="1318030"/>
+          </a:xfrm>
+          <a:prstGeom prst="rect">
+            <a:avLst/>
+          </a:prstGeom>
+        </p:spPr>
+      </p:pic>
+      <p:pic>
+        <p:nvPicPr>
+          <p:cNvPr id="72" name="Picture 71">
+            <a:extLst>
+              <a:ext uri="{FF2B5EF4-FFF2-40B4-BE49-F238E27FC236}">
+                <a16:creationId xmlns:a16="http://schemas.microsoft.com/office/drawing/2014/main" id="{CB291998-8CA5-744A-9CC9-A93DAF3906DC}"/>
+              </a:ext>
+            </a:extLst>
+          </p:cNvPr>
+          <p:cNvPicPr>
+            <a:picLocks noChangeAspect="1"/>
+          </p:cNvPicPr>
+          <p:nvPr/>
+        </p:nvPicPr>
+        <p:blipFill>
+          <a:blip r:embed="rId2">
+            <a:extLst>
+              <a:ext uri="{28A0092B-C50C-407E-A947-70E740481C1C}">
+                <a14:useLocalDpi xmlns:a14="http://schemas.microsoft.com/office/drawing/2010/main" val="0"/>
+              </a:ext>
+            </a:extLst>
+          </a:blip>
+          <a:stretch>
+            <a:fillRect/>
+          </a:stretch>
+        </p:blipFill>
+        <p:spPr>
+          <a:xfrm>
+            <a:off x="10889205" y="1970961"/>
+            <a:ext cx="1111746" cy="1111746"/>
+          </a:xfrm>
+          <a:prstGeom prst="rect">
+            <a:avLst/>
+          </a:prstGeom>
+        </p:spPr>
+      </p:pic>
+      <p:cxnSp>
+        <p:nvCxnSpPr>
+          <p:cNvPr id="74" name="Straight Connector 73">
+            <a:extLst>
+              <a:ext uri="{FF2B5EF4-FFF2-40B4-BE49-F238E27FC236}">
+                <a16:creationId xmlns:a16="http://schemas.microsoft.com/office/drawing/2014/main" id="{7EF80A57-03F1-B94D-A844-2CB5B012F605}"/>
+              </a:ext>
+            </a:extLst>
+          </p:cNvPr>
+          <p:cNvCxnSpPr>
+            <a:cxnSpLocks/>
+          </p:cNvCxnSpPr>
+          <p:nvPr/>
+        </p:nvCxnSpPr>
+        <p:spPr>
+          <a:xfrm flipH="1" flipV="1">
+            <a:off x="766636" y="1247443"/>
+            <a:ext cx="3285601" cy="260867"/>
+          </a:xfrm>
+          <a:prstGeom prst="line">
+            <a:avLst/>
+          </a:prstGeom>
+          <a:ln w="38100">
+            <a:solidFill>
+              <a:schemeClr val="tx1"/>
+            </a:solidFill>
+            <a:prstDash val="dash"/>
+          </a:ln>
+        </p:spPr>
+        <p:style>
+          <a:lnRef idx="1">
+            <a:schemeClr val="accent1"/>
+          </a:lnRef>
+          <a:fillRef idx="0">
+            <a:schemeClr val="accent1"/>
+          </a:fillRef>
+          <a:effectRef idx="0">
+            <a:schemeClr val="accent1"/>
+          </a:effectRef>
+          <a:fontRef idx="minor">
+            <a:schemeClr val="tx1"/>
+          </a:fontRef>
+        </p:style>
+      </p:cxnSp>
+      <p:cxnSp>
+        <p:nvCxnSpPr>
+          <p:cNvPr id="77" name="Straight Connector 76">
+            <a:extLst>
+              <a:ext uri="{FF2B5EF4-FFF2-40B4-BE49-F238E27FC236}">
+                <a16:creationId xmlns:a16="http://schemas.microsoft.com/office/drawing/2014/main" id="{C631F1D9-9174-C44E-BDC1-F36DDEC86B7A}"/>
+              </a:ext>
+            </a:extLst>
+          </p:cNvPr>
+          <p:cNvCxnSpPr>
+            <a:cxnSpLocks/>
+          </p:cNvCxnSpPr>
+          <p:nvPr/>
+        </p:nvCxnSpPr>
+        <p:spPr>
+          <a:xfrm flipV="1">
+            <a:off x="5789345" y="1238549"/>
+            <a:ext cx="2547896" cy="269762"/>
+          </a:xfrm>
+          <a:prstGeom prst="line">
+            <a:avLst/>
+          </a:prstGeom>
+          <a:ln w="38100">
+            <a:solidFill>
+              <a:schemeClr val="tx1"/>
+            </a:solidFill>
+            <a:prstDash val="dash"/>
+          </a:ln>
+        </p:spPr>
+        <p:style>
+          <a:lnRef idx="1">
+            <a:schemeClr val="accent1"/>
+          </a:lnRef>
+          <a:fillRef idx="0">
+            <a:schemeClr val="accent1"/>
+          </a:fillRef>
+          <a:effectRef idx="0">
+            <a:schemeClr val="accent1"/>
+          </a:effectRef>
+          <a:fontRef idx="minor">
+            <a:schemeClr val="tx1"/>
+          </a:fontRef>
+        </p:style>
+      </p:cxnSp>
+      <p:cxnSp>
+        <p:nvCxnSpPr>
+          <p:cNvPr id="80" name="Straight Connector 79">
+            <a:extLst>
+              <a:ext uri="{FF2B5EF4-FFF2-40B4-BE49-F238E27FC236}">
+                <a16:creationId xmlns:a16="http://schemas.microsoft.com/office/drawing/2014/main" id="{275E8C52-2D60-104C-9D71-12C1C5166706}"/>
+              </a:ext>
+            </a:extLst>
+          </p:cNvPr>
+          <p:cNvCxnSpPr>
+            <a:cxnSpLocks/>
+          </p:cNvCxnSpPr>
+          <p:nvPr/>
+        </p:nvCxnSpPr>
+        <p:spPr>
+          <a:xfrm flipV="1">
+            <a:off x="712882" y="5178054"/>
+            <a:ext cx="3423718" cy="377128"/>
+          </a:xfrm>
+          <a:prstGeom prst="line">
+            <a:avLst/>
+          </a:prstGeom>
+          <a:ln w="38100">
+            <a:solidFill>
+              <a:schemeClr val="tx1"/>
+            </a:solidFill>
+            <a:prstDash val="dash"/>
+          </a:ln>
+        </p:spPr>
+        <p:style>
+          <a:lnRef idx="1">
+            <a:schemeClr val="accent1"/>
+          </a:lnRef>
+          <a:fillRef idx="0">
+            <a:schemeClr val="accent1"/>
+          </a:fillRef>
+          <a:effectRef idx="0">
+            <a:schemeClr val="accent1"/>
+          </a:effectRef>
+          <a:fontRef idx="minor">
+            <a:schemeClr val="tx1"/>
+          </a:fontRef>
+        </p:style>
+      </p:cxnSp>
+      <p:cxnSp>
+        <p:nvCxnSpPr>
+          <p:cNvPr id="83" name="Straight Connector 82">
+            <a:extLst>
+              <a:ext uri="{FF2B5EF4-FFF2-40B4-BE49-F238E27FC236}">
+                <a16:creationId xmlns:a16="http://schemas.microsoft.com/office/drawing/2014/main" id="{068E9158-C7DA-C94C-926A-D5A049F07121}"/>
+              </a:ext>
+            </a:extLst>
+          </p:cNvPr>
+          <p:cNvCxnSpPr>
+            <a:cxnSpLocks/>
+          </p:cNvCxnSpPr>
+          <p:nvPr/>
+        </p:nvCxnSpPr>
+        <p:spPr>
+          <a:xfrm flipH="1" flipV="1">
+            <a:off x="5793375" y="5171943"/>
+            <a:ext cx="2543866" cy="389696"/>
+          </a:xfrm>
+          <a:prstGeom prst="line">
+            <a:avLst/>
+          </a:prstGeom>
+          <a:ln w="38100">
+            <a:solidFill>
+              <a:schemeClr val="tx1"/>
+            </a:solidFill>
+            <a:prstDash val="dash"/>
+          </a:ln>
+        </p:spPr>
+        <p:style>
+          <a:lnRef idx="1">
+            <a:schemeClr val="accent1"/>
+          </a:lnRef>
+          <a:fillRef idx="0">
+            <a:schemeClr val="accent1"/>
+          </a:fillRef>
+          <a:effectRef idx="0">
+            <a:schemeClr val="accent1"/>
+          </a:effectRef>
+          <a:fontRef idx="minor">
+            <a:schemeClr val="tx1"/>
+          </a:fontRef>
+        </p:style>
+      </p:cxnSp>
+      <p:sp>
+        <p:nvSpPr>
+          <p:cNvPr id="87" name="TextBox 86">
+            <a:extLst>
+              <a:ext uri="{FF2B5EF4-FFF2-40B4-BE49-F238E27FC236}">
+                <a16:creationId xmlns:a16="http://schemas.microsoft.com/office/drawing/2014/main" id="{03AD5DF9-3B76-604A-B2FA-FE56E9E8A1B9}"/>
+              </a:ext>
+            </a:extLst>
+          </p:cNvPr>
+          <p:cNvSpPr txBox="1"/>
+          <p:nvPr/>
+        </p:nvSpPr>
+        <p:spPr>
+          <a:xfrm>
+            <a:off x="4194037" y="1758990"/>
+            <a:ext cx="1595309" cy="338554"/>
+          </a:xfrm>
+          <a:prstGeom prst="rect">
+            <a:avLst/>
+          </a:prstGeom>
+          <a:noFill/>
+        </p:spPr>
+        <p:txBody>
+          <a:bodyPr wrap="none" rtlCol="0">
+            <a:spAutoFit/>
+          </a:bodyPr>
+          <a:lstStyle/>
+          <a:p>
+            <a:r>
+              <a:rPr lang="en-US" sz="1600" b="1" dirty="0">
+                <a:solidFill>
+                  <a:schemeClr val="bg1"/>
+                </a:solidFill>
+                <a:latin typeface="Yu Gothic" panose="020B0400000000000000" pitchFamily="34" charset="-128"/>
+                <a:ea typeface="Yu Gothic" panose="020B0400000000000000" pitchFamily="34" charset="-128"/>
+              </a:rPr>
+              <a:t>PC -&gt; Server1</a:t>
+            </a:r>
+          </a:p>
+        </p:txBody>
+      </p:sp>
+      <p:sp>
+        <p:nvSpPr>
+          <p:cNvPr id="97" name="Down Arrow 96">
+            <a:extLst>
+              <a:ext uri="{FF2B5EF4-FFF2-40B4-BE49-F238E27FC236}">
+                <a16:creationId xmlns:a16="http://schemas.microsoft.com/office/drawing/2014/main" id="{64464137-F975-F644-9622-8CF9FDDD066F}"/>
+              </a:ext>
+            </a:extLst>
+          </p:cNvPr>
+          <p:cNvSpPr/>
+          <p:nvPr/>
+        </p:nvSpPr>
+        <p:spPr>
+          <a:xfrm rot="16200000">
+            <a:off x="5503068" y="4450147"/>
+            <a:ext cx="382741" cy="879817"/>
+          </a:xfrm>
+          <a:prstGeom prst="downArrow">
+            <a:avLst/>
+          </a:prstGeom>
+          <a:solidFill>
+            <a:schemeClr val="tx1"/>
+          </a:solidFill>
+          <a:ln>
+            <a:noFill/>
+          </a:ln>
+        </p:spPr>
+        <p:style>
+          <a:lnRef idx="2">
+            <a:schemeClr val="accent1">
+              <a:shade val="50000"/>
+            </a:schemeClr>
+          </a:lnRef>
+          <a:fillRef idx="1">
+            <a:schemeClr val="accent1"/>
+          </a:fillRef>
+          <a:effectRef idx="0">
+            <a:schemeClr val="accent1"/>
+          </a:effectRef>
+          <a:fontRef idx="minor">
+            <a:schemeClr val="lt1"/>
+          </a:fontRef>
+        </p:style>
+        <p:txBody>
+          <a:bodyPr rtlCol="0" anchor="ctr"/>
+          <a:lstStyle/>
+          <a:p>
+            <a:pPr algn="ctr"/>
+            <a:endParaRPr lang="en-US"/>
+          </a:p>
+        </p:txBody>
+      </p:sp>
+      <p:sp>
+        <p:nvSpPr>
+          <p:cNvPr id="98" name="Rectangle 97">
+            <a:extLst>
+              <a:ext uri="{FF2B5EF4-FFF2-40B4-BE49-F238E27FC236}">
+                <a16:creationId xmlns:a16="http://schemas.microsoft.com/office/drawing/2014/main" id="{D8F9EFA5-4693-5747-83E6-33B761DF323B}"/>
+              </a:ext>
+            </a:extLst>
+          </p:cNvPr>
+          <p:cNvSpPr/>
+          <p:nvPr/>
+        </p:nvSpPr>
+        <p:spPr>
+          <a:xfrm>
+            <a:off x="4157861" y="4595382"/>
+            <a:ext cx="1631483" cy="596285"/>
+          </a:xfrm>
+          <a:prstGeom prst="rect">
+            <a:avLst/>
+          </a:prstGeom>
+          <a:solidFill>
+            <a:schemeClr val="tx1"/>
+          </a:solidFill>
+          <a:ln w="38100">
+            <a:solidFill>
+              <a:schemeClr val="bg1"/>
+            </a:solidFill>
+          </a:ln>
+        </p:spPr>
+        <p:style>
+          <a:lnRef idx="2">
+            <a:schemeClr val="accent1">
+              <a:shade val="50000"/>
+            </a:schemeClr>
+          </a:lnRef>
+          <a:fillRef idx="1">
+            <a:schemeClr val="accent1"/>
+          </a:fillRef>
+          <a:effectRef idx="0">
+            <a:schemeClr val="accent1"/>
+          </a:effectRef>
+          <a:fontRef idx="minor">
+            <a:schemeClr val="lt1"/>
+          </a:fontRef>
+        </p:style>
+        <p:txBody>
+          <a:bodyPr rtlCol="0" anchor="ctr"/>
+          <a:lstStyle/>
+          <a:p>
+            <a:pPr algn="ctr"/>
+            <a:endParaRPr lang="en-US"/>
+          </a:p>
+        </p:txBody>
+      </p:sp>
+      <p:sp>
+        <p:nvSpPr>
+          <p:cNvPr id="99" name="TextBox 98">
+            <a:extLst>
+              <a:ext uri="{FF2B5EF4-FFF2-40B4-BE49-F238E27FC236}">
+                <a16:creationId xmlns:a16="http://schemas.microsoft.com/office/drawing/2014/main" id="{B56C69B8-012B-7C46-843B-C9668E7C4030}"/>
+              </a:ext>
+            </a:extLst>
+          </p:cNvPr>
+          <p:cNvSpPr txBox="1"/>
+          <p:nvPr/>
+        </p:nvSpPr>
+        <p:spPr>
+          <a:xfrm>
+            <a:off x="4518440" y="4629358"/>
+            <a:ext cx="877163" cy="338554"/>
+          </a:xfrm>
+          <a:prstGeom prst="rect">
+            <a:avLst/>
+          </a:prstGeom>
+          <a:noFill/>
+        </p:spPr>
+        <p:txBody>
+          <a:bodyPr wrap="none" rtlCol="0">
+            <a:spAutoFit/>
+          </a:bodyPr>
+          <a:lstStyle/>
+          <a:p>
+            <a:r>
+              <a:rPr lang="en-US" sz="1600" b="1" dirty="0">
+                <a:solidFill>
+                  <a:schemeClr val="bg1"/>
+                </a:solidFill>
+                <a:latin typeface="Yu Gothic" panose="020B0400000000000000" pitchFamily="34" charset="-128"/>
+                <a:ea typeface="Yu Gothic" panose="020B0400000000000000" pitchFamily="34" charset="-128"/>
+              </a:rPr>
+              <a:t>Packet</a:t>
+            </a:r>
+          </a:p>
+        </p:txBody>
+      </p:sp>
+      <p:sp>
+        <p:nvSpPr>
+          <p:cNvPr id="100" name="TextBox 99">
+            <a:extLst>
+              <a:ext uri="{FF2B5EF4-FFF2-40B4-BE49-F238E27FC236}">
+                <a16:creationId xmlns:a16="http://schemas.microsoft.com/office/drawing/2014/main" id="{CEEB0597-2990-7642-9EAE-9B57CBD3A5DF}"/>
+              </a:ext>
+            </a:extLst>
+          </p:cNvPr>
+          <p:cNvSpPr txBox="1"/>
+          <p:nvPr/>
+        </p:nvSpPr>
+        <p:spPr>
+          <a:xfrm>
+            <a:off x="4194036" y="4870753"/>
+            <a:ext cx="1595309" cy="338554"/>
+          </a:xfrm>
+          <a:prstGeom prst="rect">
+            <a:avLst/>
+          </a:prstGeom>
+          <a:noFill/>
+        </p:spPr>
+        <p:txBody>
+          <a:bodyPr wrap="none" rtlCol="0">
+            <a:spAutoFit/>
+          </a:bodyPr>
+          <a:lstStyle/>
+          <a:p>
+            <a:r>
+              <a:rPr lang="en-US" sz="1600" b="1" dirty="0">
+                <a:solidFill>
+                  <a:schemeClr val="bg1"/>
+                </a:solidFill>
+                <a:latin typeface="Yu Gothic" panose="020B0400000000000000" pitchFamily="34" charset="-128"/>
+                <a:ea typeface="Yu Gothic" panose="020B0400000000000000" pitchFamily="34" charset="-128"/>
+              </a:rPr>
+              <a:t>PC -&gt; Server2</a:t>
+            </a:r>
+          </a:p>
+        </p:txBody>
+      </p:sp>
+      <p:sp>
+        <p:nvSpPr>
+          <p:cNvPr id="104" name="TextBox 103">
+            <a:extLst>
+              <a:ext uri="{FF2B5EF4-FFF2-40B4-BE49-F238E27FC236}">
+                <a16:creationId xmlns:a16="http://schemas.microsoft.com/office/drawing/2014/main" id="{004D43E2-A7C0-E742-BE94-8CA566F8DD08}"/>
+              </a:ext>
+            </a:extLst>
+          </p:cNvPr>
+          <p:cNvSpPr txBox="1"/>
+          <p:nvPr/>
+        </p:nvSpPr>
+        <p:spPr>
+          <a:xfrm>
+            <a:off x="9391905" y="1105146"/>
+            <a:ext cx="2589170" cy="923330"/>
+          </a:xfrm>
+          <a:prstGeom prst="rect">
+            <a:avLst/>
+          </a:prstGeom>
+          <a:noFill/>
+        </p:spPr>
+        <p:txBody>
+          <a:bodyPr wrap="none" rtlCol="0">
+            <a:spAutoFit/>
+          </a:bodyPr>
+          <a:lstStyle/>
+          <a:p>
+            <a:r>
+              <a:rPr lang="en-US" b="1" dirty="0">
+                <a:latin typeface="Yu Gothic" panose="020B0400000000000000" pitchFamily="34" charset="-128"/>
+                <a:ea typeface="Yu Gothic" panose="020B0400000000000000" pitchFamily="34" charset="-128"/>
+              </a:rPr>
+              <a:t>Server1</a:t>
+            </a:r>
+          </a:p>
+          <a:p>
+            <a:r>
+              <a:rPr lang="en-US" b="1" dirty="0">
+                <a:latin typeface="Yu Gothic" panose="020B0400000000000000" pitchFamily="34" charset="-128"/>
+                <a:ea typeface="Yu Gothic" panose="020B0400000000000000" pitchFamily="34" charset="-128"/>
+              </a:rPr>
+              <a:t>IP: 10.0.2.102</a:t>
+            </a:r>
+          </a:p>
+          <a:p>
+            <a:r>
+              <a:rPr lang="en-US" b="1" dirty="0">
+                <a:latin typeface="Yu Gothic" panose="020B0400000000000000" pitchFamily="34" charset="-128"/>
+                <a:ea typeface="Yu Gothic" panose="020B0400000000000000" pitchFamily="34" charset="-128"/>
+              </a:rPr>
+              <a:t>MAC: 0000.0002.0102</a:t>
+            </a:r>
+          </a:p>
+        </p:txBody>
+      </p:sp>
+      <p:sp>
+        <p:nvSpPr>
+          <p:cNvPr id="109" name="TextBox 108">
+            <a:extLst>
+              <a:ext uri="{FF2B5EF4-FFF2-40B4-BE49-F238E27FC236}">
+                <a16:creationId xmlns:a16="http://schemas.microsoft.com/office/drawing/2014/main" id="{56E8A70A-FC68-D143-8D5A-294A62C282C5}"/>
+              </a:ext>
+            </a:extLst>
+          </p:cNvPr>
+          <p:cNvSpPr txBox="1"/>
+          <p:nvPr/>
+        </p:nvSpPr>
+        <p:spPr>
+          <a:xfrm>
+            <a:off x="7005233" y="173928"/>
+            <a:ext cx="939681" cy="369332"/>
+          </a:xfrm>
+          <a:prstGeom prst="rect">
+            <a:avLst/>
+          </a:prstGeom>
+          <a:noFill/>
+        </p:spPr>
+        <p:txBody>
+          <a:bodyPr wrap="none" rtlCol="0">
+            <a:spAutoFit/>
+          </a:bodyPr>
+          <a:lstStyle/>
+          <a:p>
+            <a:r>
+              <a:rPr lang="en-US" b="1" dirty="0">
+                <a:latin typeface="Yu Gothic" panose="020B0400000000000000" pitchFamily="34" charset="-128"/>
+                <a:ea typeface="Yu Gothic" panose="020B0400000000000000" pitchFamily="34" charset="-128"/>
+              </a:rPr>
+              <a:t>Router</a:t>
+            </a:r>
+          </a:p>
+        </p:txBody>
+      </p:sp>
+      <p:sp>
+        <p:nvSpPr>
+          <p:cNvPr id="110" name="TextBox 109">
+            <a:extLst>
+              <a:ext uri="{FF2B5EF4-FFF2-40B4-BE49-F238E27FC236}">
+                <a16:creationId xmlns:a16="http://schemas.microsoft.com/office/drawing/2014/main" id="{D08DE04B-32AC-CE4E-971F-1A39034BB451}"/>
+              </a:ext>
+            </a:extLst>
+          </p:cNvPr>
+          <p:cNvSpPr txBox="1"/>
+          <p:nvPr/>
+        </p:nvSpPr>
+        <p:spPr>
+          <a:xfrm>
+            <a:off x="5254530" y="169506"/>
+            <a:ext cx="510076" cy="369332"/>
+          </a:xfrm>
+          <a:prstGeom prst="rect">
+            <a:avLst/>
+          </a:prstGeom>
+          <a:noFill/>
+        </p:spPr>
+        <p:txBody>
+          <a:bodyPr wrap="none" rtlCol="0">
+            <a:spAutoFit/>
+          </a:bodyPr>
+          <a:lstStyle/>
+          <a:p>
+            <a:r>
+              <a:rPr lang="en-US" b="1" dirty="0">
+                <a:latin typeface="Yu Gothic" panose="020B0400000000000000" pitchFamily="34" charset="-128"/>
+                <a:ea typeface="Yu Gothic" panose="020B0400000000000000" pitchFamily="34" charset="-128"/>
+              </a:rPr>
+              <a:t>PC</a:t>
+            </a:r>
+          </a:p>
+        </p:txBody>
+      </p:sp>
+      <p:sp>
+        <p:nvSpPr>
+          <p:cNvPr id="111" name="TextBox 110">
+            <a:extLst>
+              <a:ext uri="{FF2B5EF4-FFF2-40B4-BE49-F238E27FC236}">
+                <a16:creationId xmlns:a16="http://schemas.microsoft.com/office/drawing/2014/main" id="{EFC894F0-72D1-7B48-99E9-9FF9761A8D29}"/>
+              </a:ext>
+            </a:extLst>
+          </p:cNvPr>
+          <p:cNvSpPr txBox="1"/>
+          <p:nvPr/>
+        </p:nvSpPr>
+        <p:spPr>
+          <a:xfrm>
+            <a:off x="3339300" y="149840"/>
+            <a:ext cx="1045479" cy="369332"/>
+          </a:xfrm>
+          <a:prstGeom prst="rect">
+            <a:avLst/>
+          </a:prstGeom>
+          <a:noFill/>
+        </p:spPr>
+        <p:txBody>
+          <a:bodyPr wrap="none" rtlCol="0">
+            <a:spAutoFit/>
+          </a:bodyPr>
+          <a:lstStyle/>
+          <a:p>
+            <a:r>
+              <a:rPr lang="en-US" b="1" dirty="0">
+                <a:latin typeface="Yu Gothic" panose="020B0400000000000000" pitchFamily="34" charset="-128"/>
+                <a:ea typeface="Yu Gothic" panose="020B0400000000000000" pitchFamily="34" charset="-128"/>
+              </a:rPr>
+              <a:t>Server1</a:t>
+            </a:r>
+          </a:p>
+        </p:txBody>
+      </p:sp>
+      <p:sp>
+        <p:nvSpPr>
+          <p:cNvPr id="112" name="TextBox 111">
+            <a:extLst>
+              <a:ext uri="{FF2B5EF4-FFF2-40B4-BE49-F238E27FC236}">
+                <a16:creationId xmlns:a16="http://schemas.microsoft.com/office/drawing/2014/main" id="{2ECB8433-0F89-BB40-A336-4481E5A8A88B}"/>
+              </a:ext>
+            </a:extLst>
+          </p:cNvPr>
+          <p:cNvSpPr txBox="1"/>
+          <p:nvPr/>
+        </p:nvSpPr>
+        <p:spPr>
+          <a:xfrm>
+            <a:off x="2211758" y="168198"/>
+            <a:ext cx="510076" cy="369332"/>
+          </a:xfrm>
+          <a:prstGeom prst="rect">
+            <a:avLst/>
+          </a:prstGeom>
+          <a:noFill/>
+        </p:spPr>
+        <p:txBody>
+          <a:bodyPr wrap="none" rtlCol="0">
+            <a:spAutoFit/>
+          </a:bodyPr>
+          <a:lstStyle/>
+          <a:p>
+            <a:r>
+              <a:rPr lang="en-US" b="1" dirty="0">
+                <a:latin typeface="Yu Gothic" panose="020B0400000000000000" pitchFamily="34" charset="-128"/>
+                <a:ea typeface="Yu Gothic" panose="020B0400000000000000" pitchFamily="34" charset="-128"/>
+              </a:rPr>
+              <a:t>PC</a:t>
+            </a:r>
+          </a:p>
+        </p:txBody>
+      </p:sp>
+      <p:sp>
+        <p:nvSpPr>
+          <p:cNvPr id="113" name="TextBox 112">
+            <a:extLst>
+              <a:ext uri="{FF2B5EF4-FFF2-40B4-BE49-F238E27FC236}">
+                <a16:creationId xmlns:a16="http://schemas.microsoft.com/office/drawing/2014/main" id="{F240EC63-8004-774A-9BD7-D51F2348D3CA}"/>
+              </a:ext>
+            </a:extLst>
+          </p:cNvPr>
+          <p:cNvSpPr txBox="1"/>
+          <p:nvPr/>
+        </p:nvSpPr>
+        <p:spPr>
+          <a:xfrm>
+            <a:off x="7044927" y="6265076"/>
+            <a:ext cx="1045479" cy="369332"/>
+          </a:xfrm>
+          <a:prstGeom prst="rect">
+            <a:avLst/>
+          </a:prstGeom>
+          <a:noFill/>
+        </p:spPr>
+        <p:txBody>
+          <a:bodyPr wrap="none" rtlCol="0">
+            <a:spAutoFit/>
+          </a:bodyPr>
+          <a:lstStyle/>
+          <a:p>
+            <a:r>
+              <a:rPr lang="en-US" b="1" dirty="0">
+                <a:latin typeface="Yu Gothic" panose="020B0400000000000000" pitchFamily="34" charset="-128"/>
+                <a:ea typeface="Yu Gothic" panose="020B0400000000000000" pitchFamily="34" charset="-128"/>
+              </a:rPr>
+              <a:t>Server2</a:t>
+            </a:r>
+          </a:p>
+        </p:txBody>
+      </p:sp>
+      <p:sp>
+        <p:nvSpPr>
+          <p:cNvPr id="114" name="TextBox 113">
+            <a:extLst>
+              <a:ext uri="{FF2B5EF4-FFF2-40B4-BE49-F238E27FC236}">
+                <a16:creationId xmlns:a16="http://schemas.microsoft.com/office/drawing/2014/main" id="{651A90BB-61A0-C54F-87FE-4549CD37630B}"/>
+              </a:ext>
+            </a:extLst>
+          </p:cNvPr>
+          <p:cNvSpPr txBox="1"/>
+          <p:nvPr/>
+        </p:nvSpPr>
+        <p:spPr>
+          <a:xfrm>
+            <a:off x="5294224" y="6260654"/>
+            <a:ext cx="510076" cy="369332"/>
+          </a:xfrm>
+          <a:prstGeom prst="rect">
+            <a:avLst/>
+          </a:prstGeom>
+          <a:noFill/>
+        </p:spPr>
+        <p:txBody>
+          <a:bodyPr wrap="none" rtlCol="0">
+            <a:spAutoFit/>
+          </a:bodyPr>
+          <a:lstStyle/>
+          <a:p>
+            <a:r>
+              <a:rPr lang="en-US" b="1" dirty="0">
+                <a:latin typeface="Yu Gothic" panose="020B0400000000000000" pitchFamily="34" charset="-128"/>
+                <a:ea typeface="Yu Gothic" panose="020B0400000000000000" pitchFamily="34" charset="-128"/>
+              </a:rPr>
+              <a:t>PC</a:t>
+            </a:r>
+          </a:p>
+        </p:txBody>
+      </p:sp>
+      <p:sp>
+        <p:nvSpPr>
+          <p:cNvPr id="115" name="TextBox 114">
+            <a:extLst>
+              <a:ext uri="{FF2B5EF4-FFF2-40B4-BE49-F238E27FC236}">
+                <a16:creationId xmlns:a16="http://schemas.microsoft.com/office/drawing/2014/main" id="{8AFEE55C-2021-CA4C-A0FE-C05606A2B2C8}"/>
+              </a:ext>
+            </a:extLst>
+          </p:cNvPr>
+          <p:cNvSpPr txBox="1"/>
+          <p:nvPr/>
+        </p:nvSpPr>
+        <p:spPr>
+          <a:xfrm>
+            <a:off x="3378994" y="6240988"/>
+            <a:ext cx="1045479" cy="369332"/>
+          </a:xfrm>
+          <a:prstGeom prst="rect">
+            <a:avLst/>
+          </a:prstGeom>
+          <a:noFill/>
+        </p:spPr>
+        <p:txBody>
+          <a:bodyPr wrap="none" rtlCol="0">
+            <a:spAutoFit/>
+          </a:bodyPr>
+          <a:lstStyle/>
+          <a:p>
+            <a:r>
+              <a:rPr lang="en-US" b="1" dirty="0">
+                <a:latin typeface="Yu Gothic" panose="020B0400000000000000" pitchFamily="34" charset="-128"/>
+                <a:ea typeface="Yu Gothic" panose="020B0400000000000000" pitchFamily="34" charset="-128"/>
+              </a:rPr>
+              <a:t>Server2</a:t>
+            </a:r>
+          </a:p>
+        </p:txBody>
+      </p:sp>
+      <p:sp>
+        <p:nvSpPr>
+          <p:cNvPr id="116" name="TextBox 115">
+            <a:extLst>
+              <a:ext uri="{FF2B5EF4-FFF2-40B4-BE49-F238E27FC236}">
+                <a16:creationId xmlns:a16="http://schemas.microsoft.com/office/drawing/2014/main" id="{B204B38C-4120-4E40-BCEE-C81563D62F5F}"/>
+              </a:ext>
+            </a:extLst>
+          </p:cNvPr>
+          <p:cNvSpPr txBox="1"/>
+          <p:nvPr/>
+        </p:nvSpPr>
+        <p:spPr>
+          <a:xfrm>
+            <a:off x="2251452" y="6259346"/>
+            <a:ext cx="510076" cy="369332"/>
+          </a:xfrm>
+          <a:prstGeom prst="rect">
+            <a:avLst/>
+          </a:prstGeom>
+          <a:noFill/>
+        </p:spPr>
+        <p:txBody>
+          <a:bodyPr wrap="none" rtlCol="0">
+            <a:spAutoFit/>
+          </a:bodyPr>
+          <a:lstStyle/>
+          <a:p>
+            <a:r>
+              <a:rPr lang="en-US" b="1" dirty="0">
+                <a:latin typeface="Yu Gothic" panose="020B0400000000000000" pitchFamily="34" charset="-128"/>
+                <a:ea typeface="Yu Gothic" panose="020B0400000000000000" pitchFamily="34" charset="-128"/>
+              </a:rPr>
+              <a:t>PC</a:t>
             </a:r>
           </a:p>
         </p:txBody>
@@ -4863,7 +9564,2698 @@
     </p:spTree>
     <p:extLst>
       <p:ext uri="{BB962C8B-B14F-4D97-AF65-F5344CB8AC3E}">
-        <p14:creationId xmlns:p14="http://schemas.microsoft.com/office/powerpoint/2010/main" val="1416911025"/>
+        <p14:creationId xmlns:p14="http://schemas.microsoft.com/office/powerpoint/2010/main" val="1303467071"/>
+      </p:ext>
+    </p:extLst>
+  </p:cSld>
+  <p:clrMapOvr>
+    <a:masterClrMapping/>
+  </p:clrMapOvr>
+</p:sld>
+</file>
+
+<file path=ppt/slides/slide4.xml><?xml version="1.0" encoding="utf-8"?>
+<p:sld xmlns:a="http://schemas.openxmlformats.org/drawingml/2006/main" xmlns:r="http://schemas.openxmlformats.org/officeDocument/2006/relationships" xmlns:p="http://schemas.openxmlformats.org/presentationml/2006/main">
+  <p:cSld>
+    <p:spTree>
+      <p:nvGrpSpPr>
+        <p:cNvPr id="1" name=""/>
+        <p:cNvGrpSpPr/>
+        <p:nvPr/>
+      </p:nvGrpSpPr>
+      <p:grpSpPr>
+        <a:xfrm>
+          <a:off x="0" y="0"/>
+          <a:ext cx="0" cy="0"/>
+          <a:chOff x="0" y="0"/>
+          <a:chExt cx="0" cy="0"/>
+        </a:xfrm>
+      </p:grpSpPr>
+      <p:sp>
+        <p:nvSpPr>
+          <p:cNvPr id="43" name="Down Arrow 42">
+            <a:extLst>
+              <a:ext uri="{FF2B5EF4-FFF2-40B4-BE49-F238E27FC236}">
+                <a16:creationId xmlns:a16="http://schemas.microsoft.com/office/drawing/2014/main" id="{0146FC5E-FB24-5142-88FE-85F580A629D1}"/>
+              </a:ext>
+            </a:extLst>
+          </p:cNvPr>
+          <p:cNvSpPr/>
+          <p:nvPr/>
+        </p:nvSpPr>
+        <p:spPr>
+          <a:xfrm rot="16200000">
+            <a:off x="4048901" y="2555890"/>
+            <a:ext cx="382741" cy="879817"/>
+          </a:xfrm>
+          <a:prstGeom prst="downArrow">
+            <a:avLst/>
+          </a:prstGeom>
+          <a:solidFill>
+            <a:schemeClr val="tx1"/>
+          </a:solidFill>
+          <a:ln>
+            <a:noFill/>
+          </a:ln>
+        </p:spPr>
+        <p:style>
+          <a:lnRef idx="2">
+            <a:schemeClr val="accent1">
+              <a:shade val="50000"/>
+            </a:schemeClr>
+          </a:lnRef>
+          <a:fillRef idx="1">
+            <a:schemeClr val="accent1"/>
+          </a:fillRef>
+          <a:effectRef idx="0">
+            <a:schemeClr val="accent1"/>
+          </a:effectRef>
+          <a:fontRef idx="minor">
+            <a:schemeClr val="lt1"/>
+          </a:fontRef>
+        </p:style>
+        <p:txBody>
+          <a:bodyPr rtlCol="0" anchor="ctr"/>
+          <a:lstStyle/>
+          <a:p>
+            <a:pPr algn="ctr"/>
+            <a:endParaRPr lang="en-US"/>
+          </a:p>
+        </p:txBody>
+      </p:sp>
+      <p:cxnSp>
+        <p:nvCxnSpPr>
+          <p:cNvPr id="7" name="Straight Connector 6">
+            <a:extLst>
+              <a:ext uri="{FF2B5EF4-FFF2-40B4-BE49-F238E27FC236}">
+                <a16:creationId xmlns:a16="http://schemas.microsoft.com/office/drawing/2014/main" id="{007A5752-F5CE-B94D-BF18-FBD95C1C27FA}"/>
+              </a:ext>
+            </a:extLst>
+          </p:cNvPr>
+          <p:cNvCxnSpPr>
+            <a:cxnSpLocks/>
+          </p:cNvCxnSpPr>
+          <p:nvPr/>
+        </p:nvCxnSpPr>
+        <p:spPr>
+          <a:xfrm flipH="1">
+            <a:off x="1753570" y="2474504"/>
+            <a:ext cx="9691508" cy="33127"/>
+          </a:xfrm>
+          <a:prstGeom prst="line">
+            <a:avLst/>
+          </a:prstGeom>
+          <a:ln w="38100">
+            <a:solidFill>
+              <a:schemeClr val="tx1"/>
+            </a:solidFill>
+          </a:ln>
+        </p:spPr>
+        <p:style>
+          <a:lnRef idx="1">
+            <a:schemeClr val="accent1"/>
+          </a:lnRef>
+          <a:fillRef idx="0">
+            <a:schemeClr val="accent1"/>
+          </a:fillRef>
+          <a:effectRef idx="0">
+            <a:schemeClr val="accent1"/>
+          </a:effectRef>
+          <a:fontRef idx="minor">
+            <a:schemeClr val="tx1"/>
+          </a:fontRef>
+        </p:style>
+      </p:cxnSp>
+      <p:sp>
+        <p:nvSpPr>
+          <p:cNvPr id="15" name="TextBox 14">
+            <a:extLst>
+              <a:ext uri="{FF2B5EF4-FFF2-40B4-BE49-F238E27FC236}">
+                <a16:creationId xmlns:a16="http://schemas.microsoft.com/office/drawing/2014/main" id="{65683F17-3B76-9641-946D-D342973FEB84}"/>
+              </a:ext>
+            </a:extLst>
+          </p:cNvPr>
+          <p:cNvSpPr txBox="1"/>
+          <p:nvPr/>
+        </p:nvSpPr>
+        <p:spPr>
+          <a:xfrm>
+            <a:off x="3171844" y="1492093"/>
+            <a:ext cx="2589170" cy="646331"/>
+          </a:xfrm>
+          <a:prstGeom prst="rect">
+            <a:avLst/>
+          </a:prstGeom>
+          <a:noFill/>
+        </p:spPr>
+        <p:txBody>
+          <a:bodyPr wrap="none" rtlCol="0">
+            <a:spAutoFit/>
+          </a:bodyPr>
+          <a:lstStyle/>
+          <a:p>
+            <a:r>
+              <a:rPr lang="en-US" b="1" dirty="0">
+                <a:latin typeface="Yu Gothic" panose="020B0400000000000000" pitchFamily="34" charset="-128"/>
+                <a:ea typeface="Yu Gothic" panose="020B0400000000000000" pitchFamily="34" charset="-128"/>
+              </a:rPr>
+              <a:t>IP: 10.0.1.1</a:t>
+            </a:r>
+          </a:p>
+          <a:p>
+            <a:r>
+              <a:rPr lang="en-US" b="1" dirty="0">
+                <a:latin typeface="Yu Gothic" panose="020B0400000000000000" pitchFamily="34" charset="-128"/>
+                <a:ea typeface="Yu Gothic" panose="020B0400000000000000" pitchFamily="34" charset="-128"/>
+              </a:rPr>
+              <a:t>MAC: 0000.0001.0001</a:t>
+            </a:r>
+          </a:p>
+        </p:txBody>
+      </p:sp>
+      <p:sp>
+        <p:nvSpPr>
+          <p:cNvPr id="16" name="TextBox 15">
+            <a:extLst>
+              <a:ext uri="{FF2B5EF4-FFF2-40B4-BE49-F238E27FC236}">
+                <a16:creationId xmlns:a16="http://schemas.microsoft.com/office/drawing/2014/main" id="{C1F40278-0CF4-BD4C-823B-7D760636A692}"/>
+              </a:ext>
+            </a:extLst>
+          </p:cNvPr>
+          <p:cNvSpPr txBox="1"/>
+          <p:nvPr/>
+        </p:nvSpPr>
+        <p:spPr>
+          <a:xfrm>
+            <a:off x="216101" y="1489283"/>
+            <a:ext cx="2589170" cy="646331"/>
+          </a:xfrm>
+          <a:prstGeom prst="rect">
+            <a:avLst/>
+          </a:prstGeom>
+          <a:noFill/>
+        </p:spPr>
+        <p:txBody>
+          <a:bodyPr wrap="none" rtlCol="0">
+            <a:spAutoFit/>
+          </a:bodyPr>
+          <a:lstStyle/>
+          <a:p>
+            <a:r>
+              <a:rPr lang="en-US" b="1" dirty="0">
+                <a:latin typeface="Yu Gothic" panose="020B0400000000000000" pitchFamily="34" charset="-128"/>
+                <a:ea typeface="Yu Gothic" panose="020B0400000000000000" pitchFamily="34" charset="-128"/>
+              </a:rPr>
+              <a:t>IP: 10.0.1.101</a:t>
+            </a:r>
+          </a:p>
+          <a:p>
+            <a:r>
+              <a:rPr lang="en-US" b="1" dirty="0">
+                <a:latin typeface="Yu Gothic" panose="020B0400000000000000" pitchFamily="34" charset="-128"/>
+                <a:ea typeface="Yu Gothic" panose="020B0400000000000000" pitchFamily="34" charset="-128"/>
+              </a:rPr>
+              <a:t>MAC: 0000.0001.0101</a:t>
+            </a:r>
+          </a:p>
+        </p:txBody>
+      </p:sp>
+      <p:sp>
+        <p:nvSpPr>
+          <p:cNvPr id="19" name="Rectangle 18">
+            <a:extLst>
+              <a:ext uri="{FF2B5EF4-FFF2-40B4-BE49-F238E27FC236}">
+                <a16:creationId xmlns:a16="http://schemas.microsoft.com/office/drawing/2014/main" id="{AFBF1005-F4BB-E548-BA79-D1FE77268F10}"/>
+              </a:ext>
+            </a:extLst>
+          </p:cNvPr>
+          <p:cNvSpPr/>
+          <p:nvPr/>
+        </p:nvSpPr>
+        <p:spPr>
+          <a:xfrm>
+            <a:off x="5042872" y="3810186"/>
+            <a:ext cx="1744680" cy="588985"/>
+          </a:xfrm>
+          <a:prstGeom prst="rect">
+            <a:avLst/>
+          </a:prstGeom>
+          <a:solidFill>
+            <a:schemeClr val="accent2"/>
+          </a:solidFill>
+          <a:ln w="38100">
+            <a:solidFill>
+              <a:schemeClr val="bg1"/>
+            </a:solidFill>
+          </a:ln>
+        </p:spPr>
+        <p:style>
+          <a:lnRef idx="2">
+            <a:schemeClr val="accent1">
+              <a:shade val="50000"/>
+            </a:schemeClr>
+          </a:lnRef>
+          <a:fillRef idx="1">
+            <a:schemeClr val="accent1"/>
+          </a:fillRef>
+          <a:effectRef idx="0">
+            <a:schemeClr val="accent1"/>
+          </a:effectRef>
+          <a:fontRef idx="minor">
+            <a:schemeClr val="lt1"/>
+          </a:fontRef>
+        </p:style>
+        <p:txBody>
+          <a:bodyPr rtlCol="0" anchor="ctr"/>
+          <a:lstStyle/>
+          <a:p>
+            <a:pPr algn="ctr"/>
+            <a:endParaRPr lang="en-US" sz="1600"/>
+          </a:p>
+        </p:txBody>
+      </p:sp>
+      <p:sp>
+        <p:nvSpPr>
+          <p:cNvPr id="21" name="TextBox 20">
+            <a:extLst>
+              <a:ext uri="{FF2B5EF4-FFF2-40B4-BE49-F238E27FC236}">
+                <a16:creationId xmlns:a16="http://schemas.microsoft.com/office/drawing/2014/main" id="{7C39E911-D771-E548-8718-BD2B3F312546}"/>
+              </a:ext>
+            </a:extLst>
+          </p:cNvPr>
+          <p:cNvSpPr txBox="1"/>
+          <p:nvPr/>
+        </p:nvSpPr>
+        <p:spPr>
+          <a:xfrm>
+            <a:off x="5409894" y="3813598"/>
+            <a:ext cx="1006173" cy="338554"/>
+          </a:xfrm>
+          <a:prstGeom prst="rect">
+            <a:avLst/>
+          </a:prstGeom>
+          <a:noFill/>
+        </p:spPr>
+        <p:txBody>
+          <a:bodyPr wrap="none" rtlCol="0">
+            <a:spAutoFit/>
+          </a:bodyPr>
+          <a:lstStyle/>
+          <a:p>
+            <a:r>
+              <a:rPr lang="ja-JP" altLang="en-US" sz="1600" b="1">
+                <a:solidFill>
+                  <a:schemeClr val="bg1"/>
+                </a:solidFill>
+              </a:rPr>
+              <a:t>宛先</a:t>
+            </a:r>
+            <a:r>
+              <a:rPr lang="en-US" altLang="ja-JP" sz="1600" b="1" dirty="0">
+                <a:solidFill>
+                  <a:schemeClr val="bg1"/>
+                </a:solidFill>
+              </a:rPr>
+              <a:t>MAC</a:t>
+            </a:r>
+            <a:endParaRPr lang="en-US" sz="1600" b="1" dirty="0">
+              <a:solidFill>
+                <a:schemeClr val="bg1"/>
+              </a:solidFill>
+            </a:endParaRPr>
+          </a:p>
+        </p:txBody>
+      </p:sp>
+      <p:sp>
+        <p:nvSpPr>
+          <p:cNvPr id="22" name="TextBox 21">
+            <a:extLst>
+              <a:ext uri="{FF2B5EF4-FFF2-40B4-BE49-F238E27FC236}">
+                <a16:creationId xmlns:a16="http://schemas.microsoft.com/office/drawing/2014/main" id="{A8CA3FC6-3996-EA4D-8349-31A7DC7FEBE6}"/>
+              </a:ext>
+            </a:extLst>
+          </p:cNvPr>
+          <p:cNvSpPr txBox="1"/>
+          <p:nvPr/>
+        </p:nvSpPr>
+        <p:spPr>
+          <a:xfrm>
+            <a:off x="5083239" y="4079840"/>
+            <a:ext cx="1704313" cy="338554"/>
+          </a:xfrm>
+          <a:prstGeom prst="rect">
+            <a:avLst/>
+          </a:prstGeom>
+          <a:noFill/>
+        </p:spPr>
+        <p:txBody>
+          <a:bodyPr wrap="none" rtlCol="0">
+            <a:spAutoFit/>
+          </a:bodyPr>
+          <a:lstStyle/>
+          <a:p>
+            <a:r>
+              <a:rPr lang="en-US" sz="1600" b="1" dirty="0">
+                <a:solidFill>
+                  <a:schemeClr val="bg1"/>
+                </a:solidFill>
+                <a:latin typeface="Yu Gothic" panose="020B0400000000000000" pitchFamily="34" charset="-128"/>
+                <a:ea typeface="Yu Gothic" panose="020B0400000000000000" pitchFamily="34" charset="-128"/>
+              </a:rPr>
+              <a:t>0000.0001.0001</a:t>
+            </a:r>
+          </a:p>
+        </p:txBody>
+      </p:sp>
+      <p:sp>
+        <p:nvSpPr>
+          <p:cNvPr id="23" name="Rectangle 22">
+            <a:extLst>
+              <a:ext uri="{FF2B5EF4-FFF2-40B4-BE49-F238E27FC236}">
+                <a16:creationId xmlns:a16="http://schemas.microsoft.com/office/drawing/2014/main" id="{CE856599-E2BD-314A-9288-B35A58B98870}"/>
+              </a:ext>
+            </a:extLst>
+          </p:cNvPr>
+          <p:cNvSpPr/>
+          <p:nvPr/>
+        </p:nvSpPr>
+        <p:spPr>
+          <a:xfrm>
+            <a:off x="3347563" y="3810186"/>
+            <a:ext cx="1707161" cy="592085"/>
+          </a:xfrm>
+          <a:prstGeom prst="rect">
+            <a:avLst/>
+          </a:prstGeom>
+          <a:solidFill>
+            <a:schemeClr val="accent2"/>
+          </a:solidFill>
+          <a:ln w="38100">
+            <a:solidFill>
+              <a:schemeClr val="bg1"/>
+            </a:solidFill>
+          </a:ln>
+        </p:spPr>
+        <p:style>
+          <a:lnRef idx="2">
+            <a:schemeClr val="accent1">
+              <a:shade val="50000"/>
+            </a:schemeClr>
+          </a:lnRef>
+          <a:fillRef idx="1">
+            <a:schemeClr val="accent1"/>
+          </a:fillRef>
+          <a:effectRef idx="0">
+            <a:schemeClr val="accent1"/>
+          </a:effectRef>
+          <a:fontRef idx="minor">
+            <a:schemeClr val="lt1"/>
+          </a:fontRef>
+        </p:style>
+        <p:txBody>
+          <a:bodyPr rtlCol="0" anchor="ctr"/>
+          <a:lstStyle/>
+          <a:p>
+            <a:pPr algn="ctr"/>
+            <a:endParaRPr lang="en-US" sz="1600"/>
+          </a:p>
+        </p:txBody>
+      </p:sp>
+      <p:sp>
+        <p:nvSpPr>
+          <p:cNvPr id="24" name="TextBox 23">
+            <a:extLst>
+              <a:ext uri="{FF2B5EF4-FFF2-40B4-BE49-F238E27FC236}">
+                <a16:creationId xmlns:a16="http://schemas.microsoft.com/office/drawing/2014/main" id="{59F2E455-03E8-774C-B370-8DAC5FA668F1}"/>
+              </a:ext>
+            </a:extLst>
+          </p:cNvPr>
+          <p:cNvSpPr txBox="1"/>
+          <p:nvPr/>
+        </p:nvSpPr>
+        <p:spPr>
+          <a:xfrm>
+            <a:off x="3590501" y="3818647"/>
+            <a:ext cx="1211357" cy="338554"/>
+          </a:xfrm>
+          <a:prstGeom prst="rect">
+            <a:avLst/>
+          </a:prstGeom>
+          <a:noFill/>
+        </p:spPr>
+        <p:txBody>
+          <a:bodyPr wrap="none" rtlCol="0">
+            <a:spAutoFit/>
+          </a:bodyPr>
+          <a:lstStyle/>
+          <a:p>
+            <a:r>
+              <a:rPr lang="ja-JP" altLang="en-US" sz="1600" b="1">
+                <a:solidFill>
+                  <a:schemeClr val="bg1"/>
+                </a:solidFill>
+              </a:rPr>
+              <a:t>送信元</a:t>
+            </a:r>
+            <a:r>
+              <a:rPr lang="en-US" altLang="ja-JP" sz="1600" b="1" dirty="0">
+                <a:solidFill>
+                  <a:schemeClr val="bg1"/>
+                </a:solidFill>
+              </a:rPr>
+              <a:t>MAC</a:t>
+            </a:r>
+            <a:endParaRPr lang="en-US" sz="1600" b="1" dirty="0">
+              <a:solidFill>
+                <a:schemeClr val="bg1"/>
+              </a:solidFill>
+            </a:endParaRPr>
+          </a:p>
+        </p:txBody>
+      </p:sp>
+      <p:sp>
+        <p:nvSpPr>
+          <p:cNvPr id="25" name="TextBox 24">
+            <a:extLst>
+              <a:ext uri="{FF2B5EF4-FFF2-40B4-BE49-F238E27FC236}">
+                <a16:creationId xmlns:a16="http://schemas.microsoft.com/office/drawing/2014/main" id="{5304D7BC-7C19-CD45-9391-9508683B5C8D}"/>
+              </a:ext>
+            </a:extLst>
+          </p:cNvPr>
+          <p:cNvSpPr txBox="1"/>
+          <p:nvPr/>
+        </p:nvSpPr>
+        <p:spPr>
+          <a:xfrm>
+            <a:off x="3367440" y="4098215"/>
+            <a:ext cx="1704313" cy="338554"/>
+          </a:xfrm>
+          <a:prstGeom prst="rect">
+            <a:avLst/>
+          </a:prstGeom>
+          <a:noFill/>
+        </p:spPr>
+        <p:txBody>
+          <a:bodyPr wrap="none" rtlCol="0">
+            <a:spAutoFit/>
+          </a:bodyPr>
+          <a:lstStyle/>
+          <a:p>
+            <a:r>
+              <a:rPr lang="en-US" sz="1600" b="1" dirty="0">
+                <a:solidFill>
+                  <a:schemeClr val="bg1"/>
+                </a:solidFill>
+                <a:latin typeface="Yu Gothic" panose="020B0400000000000000" pitchFamily="34" charset="-128"/>
+                <a:ea typeface="Yu Gothic" panose="020B0400000000000000" pitchFamily="34" charset="-128"/>
+              </a:rPr>
+              <a:t>0000.0001.0101</a:t>
+            </a:r>
+          </a:p>
+        </p:txBody>
+      </p:sp>
+      <p:sp>
+        <p:nvSpPr>
+          <p:cNvPr id="31" name="Rectangle 30">
+            <a:extLst>
+              <a:ext uri="{FF2B5EF4-FFF2-40B4-BE49-F238E27FC236}">
+                <a16:creationId xmlns:a16="http://schemas.microsoft.com/office/drawing/2014/main" id="{CC158D87-9240-494F-A36E-AC3C67D09EBF}"/>
+              </a:ext>
+            </a:extLst>
+          </p:cNvPr>
+          <p:cNvSpPr/>
+          <p:nvPr/>
+        </p:nvSpPr>
+        <p:spPr>
+          <a:xfrm>
+            <a:off x="2172735" y="3810186"/>
+            <a:ext cx="1201584" cy="588985"/>
+          </a:xfrm>
+          <a:prstGeom prst="rect">
+            <a:avLst/>
+          </a:prstGeom>
+          <a:solidFill>
+            <a:schemeClr val="accent1"/>
+          </a:solidFill>
+          <a:ln w="38100">
+            <a:solidFill>
+              <a:schemeClr val="bg1"/>
+            </a:solidFill>
+          </a:ln>
+        </p:spPr>
+        <p:style>
+          <a:lnRef idx="2">
+            <a:schemeClr val="accent1">
+              <a:shade val="50000"/>
+            </a:schemeClr>
+          </a:lnRef>
+          <a:fillRef idx="1">
+            <a:schemeClr val="accent1"/>
+          </a:fillRef>
+          <a:effectRef idx="0">
+            <a:schemeClr val="accent1"/>
+          </a:effectRef>
+          <a:fontRef idx="minor">
+            <a:schemeClr val="lt1"/>
+          </a:fontRef>
+        </p:style>
+        <p:txBody>
+          <a:bodyPr rtlCol="0" anchor="ctr"/>
+          <a:lstStyle/>
+          <a:p>
+            <a:pPr algn="ctr"/>
+            <a:endParaRPr lang="en-US" sz="1600"/>
+          </a:p>
+        </p:txBody>
+      </p:sp>
+      <p:sp>
+        <p:nvSpPr>
+          <p:cNvPr id="32" name="TextBox 31">
+            <a:extLst>
+              <a:ext uri="{FF2B5EF4-FFF2-40B4-BE49-F238E27FC236}">
+                <a16:creationId xmlns:a16="http://schemas.microsoft.com/office/drawing/2014/main" id="{238341A1-0859-3E46-96AC-2C09DF9BB4E6}"/>
+              </a:ext>
+            </a:extLst>
+          </p:cNvPr>
+          <p:cNvSpPr txBox="1"/>
+          <p:nvPr/>
+        </p:nvSpPr>
+        <p:spPr>
+          <a:xfrm>
+            <a:off x="2429030" y="3818647"/>
+            <a:ext cx="758541" cy="338554"/>
+          </a:xfrm>
+          <a:prstGeom prst="rect">
+            <a:avLst/>
+          </a:prstGeom>
+          <a:noFill/>
+        </p:spPr>
+        <p:txBody>
+          <a:bodyPr wrap="none" rtlCol="0">
+            <a:spAutoFit/>
+          </a:bodyPr>
+          <a:lstStyle/>
+          <a:p>
+            <a:r>
+              <a:rPr lang="ja-JP" altLang="en-US" sz="1600" b="1">
+                <a:solidFill>
+                  <a:schemeClr val="bg1"/>
+                </a:solidFill>
+              </a:rPr>
+              <a:t>宛先</a:t>
+            </a:r>
+            <a:r>
+              <a:rPr lang="en-US" altLang="ja-JP" sz="1600" b="1" dirty="0">
+                <a:solidFill>
+                  <a:schemeClr val="bg1"/>
+                </a:solidFill>
+              </a:rPr>
+              <a:t>IP</a:t>
+            </a:r>
+            <a:endParaRPr lang="en-US" sz="1600" b="1" dirty="0">
+              <a:solidFill>
+                <a:schemeClr val="bg1"/>
+              </a:solidFill>
+            </a:endParaRPr>
+          </a:p>
+        </p:txBody>
+      </p:sp>
+      <p:sp>
+        <p:nvSpPr>
+          <p:cNvPr id="33" name="TextBox 32">
+            <a:extLst>
+              <a:ext uri="{FF2B5EF4-FFF2-40B4-BE49-F238E27FC236}">
+                <a16:creationId xmlns:a16="http://schemas.microsoft.com/office/drawing/2014/main" id="{5016780B-6177-644B-B26F-09F498C985E6}"/>
+              </a:ext>
+            </a:extLst>
+          </p:cNvPr>
+          <p:cNvSpPr txBox="1"/>
+          <p:nvPr/>
+        </p:nvSpPr>
+        <p:spPr>
+          <a:xfrm>
+            <a:off x="2180576" y="4096388"/>
+            <a:ext cx="1176925" cy="338554"/>
+          </a:xfrm>
+          <a:prstGeom prst="rect">
+            <a:avLst/>
+          </a:prstGeom>
+          <a:noFill/>
+        </p:spPr>
+        <p:txBody>
+          <a:bodyPr wrap="none" rtlCol="0">
+            <a:spAutoFit/>
+          </a:bodyPr>
+          <a:lstStyle/>
+          <a:p>
+            <a:r>
+              <a:rPr lang="en-US" sz="1600" b="1" dirty="0">
+                <a:solidFill>
+                  <a:schemeClr val="bg1"/>
+                </a:solidFill>
+                <a:latin typeface="Yu Gothic" panose="020B0400000000000000" pitchFamily="34" charset="-128"/>
+                <a:ea typeface="Yu Gothic" panose="020B0400000000000000" pitchFamily="34" charset="-128"/>
+              </a:rPr>
+              <a:t>10.0.2.102</a:t>
+            </a:r>
+          </a:p>
+        </p:txBody>
+      </p:sp>
+      <p:sp>
+        <p:nvSpPr>
+          <p:cNvPr id="34" name="Rectangle 33">
+            <a:extLst>
+              <a:ext uri="{FF2B5EF4-FFF2-40B4-BE49-F238E27FC236}">
+                <a16:creationId xmlns:a16="http://schemas.microsoft.com/office/drawing/2014/main" id="{A3D2B96A-BFE0-C34C-85C8-E818D024A956}"/>
+              </a:ext>
+            </a:extLst>
+          </p:cNvPr>
+          <p:cNvSpPr/>
+          <p:nvPr/>
+        </p:nvSpPr>
+        <p:spPr>
+          <a:xfrm>
+            <a:off x="1007407" y="3819554"/>
+            <a:ext cx="1199697" cy="574486"/>
+          </a:xfrm>
+          <a:prstGeom prst="rect">
+            <a:avLst/>
+          </a:prstGeom>
+          <a:solidFill>
+            <a:schemeClr val="accent1"/>
+          </a:solidFill>
+          <a:ln w="38100">
+            <a:solidFill>
+              <a:schemeClr val="bg1"/>
+            </a:solidFill>
+          </a:ln>
+        </p:spPr>
+        <p:style>
+          <a:lnRef idx="2">
+            <a:schemeClr val="accent1">
+              <a:shade val="50000"/>
+            </a:schemeClr>
+          </a:lnRef>
+          <a:fillRef idx="1">
+            <a:schemeClr val="accent1"/>
+          </a:fillRef>
+          <a:effectRef idx="0">
+            <a:schemeClr val="accent1"/>
+          </a:effectRef>
+          <a:fontRef idx="minor">
+            <a:schemeClr val="lt1"/>
+          </a:fontRef>
+        </p:style>
+        <p:txBody>
+          <a:bodyPr rtlCol="0" anchor="ctr"/>
+          <a:lstStyle/>
+          <a:p>
+            <a:pPr algn="ctr"/>
+            <a:endParaRPr lang="en-US" sz="1600"/>
+          </a:p>
+        </p:txBody>
+      </p:sp>
+      <p:sp>
+        <p:nvSpPr>
+          <p:cNvPr id="35" name="TextBox 34">
+            <a:extLst>
+              <a:ext uri="{FF2B5EF4-FFF2-40B4-BE49-F238E27FC236}">
+                <a16:creationId xmlns:a16="http://schemas.microsoft.com/office/drawing/2014/main" id="{9F48B7C7-76E3-3849-AAC0-B9BBFA425F83}"/>
+              </a:ext>
+            </a:extLst>
+          </p:cNvPr>
+          <p:cNvSpPr txBox="1"/>
+          <p:nvPr/>
+        </p:nvSpPr>
+        <p:spPr>
+          <a:xfrm>
+            <a:off x="1145985" y="3826342"/>
+            <a:ext cx="963725" cy="338554"/>
+          </a:xfrm>
+          <a:prstGeom prst="rect">
+            <a:avLst/>
+          </a:prstGeom>
+          <a:noFill/>
+        </p:spPr>
+        <p:txBody>
+          <a:bodyPr wrap="none" rtlCol="0">
+            <a:spAutoFit/>
+          </a:bodyPr>
+          <a:lstStyle/>
+          <a:p>
+            <a:r>
+              <a:rPr lang="ja-JP" altLang="en-US" sz="1600" b="1">
+                <a:solidFill>
+                  <a:schemeClr val="bg1"/>
+                </a:solidFill>
+              </a:rPr>
+              <a:t>送信元</a:t>
+            </a:r>
+            <a:r>
+              <a:rPr lang="en-US" altLang="ja-JP" sz="1600" b="1" dirty="0">
+                <a:solidFill>
+                  <a:schemeClr val="bg1"/>
+                </a:solidFill>
+              </a:rPr>
+              <a:t>IP</a:t>
+            </a:r>
+            <a:endParaRPr lang="en-US" sz="1600" b="1" dirty="0">
+              <a:solidFill>
+                <a:schemeClr val="bg1"/>
+              </a:solidFill>
+            </a:endParaRPr>
+          </a:p>
+        </p:txBody>
+      </p:sp>
+      <p:sp>
+        <p:nvSpPr>
+          <p:cNvPr id="36" name="TextBox 35">
+            <a:extLst>
+              <a:ext uri="{FF2B5EF4-FFF2-40B4-BE49-F238E27FC236}">
+                <a16:creationId xmlns:a16="http://schemas.microsoft.com/office/drawing/2014/main" id="{75B3F528-C527-2343-8196-8D029826AF46}"/>
+              </a:ext>
+            </a:extLst>
+          </p:cNvPr>
+          <p:cNvSpPr txBox="1"/>
+          <p:nvPr/>
+        </p:nvSpPr>
+        <p:spPr>
+          <a:xfrm>
+            <a:off x="1040334" y="4078969"/>
+            <a:ext cx="1176925" cy="338554"/>
+          </a:xfrm>
+          <a:prstGeom prst="rect">
+            <a:avLst/>
+          </a:prstGeom>
+          <a:noFill/>
+        </p:spPr>
+        <p:txBody>
+          <a:bodyPr wrap="none" rtlCol="0">
+            <a:spAutoFit/>
+          </a:bodyPr>
+          <a:lstStyle/>
+          <a:p>
+            <a:r>
+              <a:rPr lang="en-US" sz="1600" b="1" dirty="0">
+                <a:solidFill>
+                  <a:schemeClr val="bg1"/>
+                </a:solidFill>
+                <a:latin typeface="Yu Gothic" panose="020B0400000000000000" pitchFamily="34" charset="-128"/>
+                <a:ea typeface="Yu Gothic" panose="020B0400000000000000" pitchFamily="34" charset="-128"/>
+              </a:rPr>
+              <a:t>10.0.1.101</a:t>
+            </a:r>
+          </a:p>
+        </p:txBody>
+      </p:sp>
+      <p:sp>
+        <p:nvSpPr>
+          <p:cNvPr id="37" name="Rectangle 36">
+            <a:extLst>
+              <a:ext uri="{FF2B5EF4-FFF2-40B4-BE49-F238E27FC236}">
+                <a16:creationId xmlns:a16="http://schemas.microsoft.com/office/drawing/2014/main" id="{3427C768-B977-EA4B-98B2-6276000860BC}"/>
+              </a:ext>
+            </a:extLst>
+          </p:cNvPr>
+          <p:cNvSpPr/>
+          <p:nvPr/>
+        </p:nvSpPr>
+        <p:spPr>
+          <a:xfrm>
+            <a:off x="178499" y="3817239"/>
+            <a:ext cx="844806" cy="576801"/>
+          </a:xfrm>
+          <a:prstGeom prst="rect">
+            <a:avLst/>
+          </a:prstGeom>
+          <a:solidFill>
+            <a:schemeClr val="tx2">
+              <a:lumMod val="50000"/>
+              <a:lumOff val="50000"/>
+            </a:schemeClr>
+          </a:solidFill>
+          <a:ln w="38100">
+            <a:solidFill>
+              <a:schemeClr val="bg1"/>
+            </a:solidFill>
+          </a:ln>
+        </p:spPr>
+        <p:style>
+          <a:lnRef idx="2">
+            <a:schemeClr val="accent1">
+              <a:shade val="50000"/>
+            </a:schemeClr>
+          </a:lnRef>
+          <a:fillRef idx="1">
+            <a:schemeClr val="accent1"/>
+          </a:fillRef>
+          <a:effectRef idx="0">
+            <a:schemeClr val="accent1"/>
+          </a:effectRef>
+          <a:fontRef idx="minor">
+            <a:schemeClr val="lt1"/>
+          </a:fontRef>
+        </p:style>
+        <p:txBody>
+          <a:bodyPr rtlCol="0" anchor="ctr"/>
+          <a:lstStyle/>
+          <a:p>
+            <a:pPr algn="ctr"/>
+            <a:endParaRPr lang="en-US" sz="1600"/>
+          </a:p>
+        </p:txBody>
+      </p:sp>
+      <p:sp>
+        <p:nvSpPr>
+          <p:cNvPr id="38" name="TextBox 37">
+            <a:extLst>
+              <a:ext uri="{FF2B5EF4-FFF2-40B4-BE49-F238E27FC236}">
+                <a16:creationId xmlns:a16="http://schemas.microsoft.com/office/drawing/2014/main" id="{D170840B-CF56-8844-9966-5D96DF5AD0A9}"/>
+              </a:ext>
+            </a:extLst>
+          </p:cNvPr>
+          <p:cNvSpPr txBox="1"/>
+          <p:nvPr/>
+        </p:nvSpPr>
+        <p:spPr>
+          <a:xfrm>
+            <a:off x="225849" y="3982875"/>
+            <a:ext cx="760144" cy="338554"/>
+          </a:xfrm>
+          <a:prstGeom prst="rect">
+            <a:avLst/>
+          </a:prstGeom>
+          <a:noFill/>
+        </p:spPr>
+        <p:txBody>
+          <a:bodyPr wrap="none" rtlCol="0">
+            <a:spAutoFit/>
+          </a:bodyPr>
+          <a:lstStyle/>
+          <a:p>
+            <a:r>
+              <a:rPr lang="en-US" sz="1600" b="1" dirty="0">
+                <a:solidFill>
+                  <a:schemeClr val="bg1"/>
+                </a:solidFill>
+                <a:latin typeface="Yu Gothic" panose="020B0400000000000000" pitchFamily="34" charset="-128"/>
+                <a:ea typeface="Yu Gothic" panose="020B0400000000000000" pitchFamily="34" charset="-128"/>
+              </a:rPr>
+              <a:t>DATA</a:t>
+            </a:r>
+          </a:p>
+        </p:txBody>
+      </p:sp>
+      <p:sp>
+        <p:nvSpPr>
+          <p:cNvPr id="41" name="Rectangle 40">
+            <a:extLst>
+              <a:ext uri="{FF2B5EF4-FFF2-40B4-BE49-F238E27FC236}">
+                <a16:creationId xmlns:a16="http://schemas.microsoft.com/office/drawing/2014/main" id="{484C7EB2-5DF7-BA48-AD25-A8308BCA442E}"/>
+              </a:ext>
+            </a:extLst>
+          </p:cNvPr>
+          <p:cNvSpPr/>
+          <p:nvPr/>
+        </p:nvSpPr>
+        <p:spPr>
+          <a:xfrm>
+            <a:off x="2842610" y="2701125"/>
+            <a:ext cx="1492567" cy="596285"/>
+          </a:xfrm>
+          <a:prstGeom prst="rect">
+            <a:avLst/>
+          </a:prstGeom>
+          <a:solidFill>
+            <a:schemeClr val="tx1"/>
+          </a:solidFill>
+          <a:ln w="38100">
+            <a:solidFill>
+              <a:schemeClr val="bg1"/>
+            </a:solidFill>
+          </a:ln>
+        </p:spPr>
+        <p:style>
+          <a:lnRef idx="2">
+            <a:schemeClr val="accent1">
+              <a:shade val="50000"/>
+            </a:schemeClr>
+          </a:lnRef>
+          <a:fillRef idx="1">
+            <a:schemeClr val="accent1"/>
+          </a:fillRef>
+          <a:effectRef idx="0">
+            <a:schemeClr val="accent1"/>
+          </a:effectRef>
+          <a:fontRef idx="minor">
+            <a:schemeClr val="lt1"/>
+          </a:fontRef>
+        </p:style>
+        <p:txBody>
+          <a:bodyPr rtlCol="0" anchor="ctr"/>
+          <a:lstStyle/>
+          <a:p>
+            <a:pPr algn="ctr"/>
+            <a:endParaRPr lang="en-US"/>
+          </a:p>
+        </p:txBody>
+      </p:sp>
+      <p:sp>
+        <p:nvSpPr>
+          <p:cNvPr id="42" name="TextBox 41">
+            <a:extLst>
+              <a:ext uri="{FF2B5EF4-FFF2-40B4-BE49-F238E27FC236}">
+                <a16:creationId xmlns:a16="http://schemas.microsoft.com/office/drawing/2014/main" id="{6C9F497D-1FFE-6349-82E0-4FDE9A1D9D79}"/>
+              </a:ext>
+            </a:extLst>
+          </p:cNvPr>
+          <p:cNvSpPr txBox="1"/>
+          <p:nvPr/>
+        </p:nvSpPr>
+        <p:spPr>
+          <a:xfrm>
+            <a:off x="3167995" y="2744039"/>
+            <a:ext cx="877163" cy="338554"/>
+          </a:xfrm>
+          <a:prstGeom prst="rect">
+            <a:avLst/>
+          </a:prstGeom>
+          <a:noFill/>
+        </p:spPr>
+        <p:txBody>
+          <a:bodyPr wrap="none" rtlCol="0">
+            <a:spAutoFit/>
+          </a:bodyPr>
+          <a:lstStyle/>
+          <a:p>
+            <a:r>
+              <a:rPr lang="en-US" sz="1600" b="1" dirty="0">
+                <a:solidFill>
+                  <a:schemeClr val="bg1"/>
+                </a:solidFill>
+                <a:latin typeface="Yu Gothic" panose="020B0400000000000000" pitchFamily="34" charset="-128"/>
+                <a:ea typeface="Yu Gothic" panose="020B0400000000000000" pitchFamily="34" charset="-128"/>
+              </a:rPr>
+              <a:t>Packet</a:t>
+            </a:r>
+          </a:p>
+        </p:txBody>
+      </p:sp>
+      <p:sp>
+        <p:nvSpPr>
+          <p:cNvPr id="67" name="Rectangle 66">
+            <a:extLst>
+              <a:ext uri="{FF2B5EF4-FFF2-40B4-BE49-F238E27FC236}">
+                <a16:creationId xmlns:a16="http://schemas.microsoft.com/office/drawing/2014/main" id="{DD8D0F91-FEBB-164E-98EB-BE29D279E10F}"/>
+              </a:ext>
+            </a:extLst>
+          </p:cNvPr>
+          <p:cNvSpPr/>
+          <p:nvPr/>
+        </p:nvSpPr>
+        <p:spPr>
+          <a:xfrm>
+            <a:off x="5691876" y="1805945"/>
+            <a:ext cx="843811" cy="876557"/>
+          </a:xfrm>
+          <a:prstGeom prst="rect">
+            <a:avLst/>
+          </a:prstGeom>
+          <a:solidFill>
+            <a:schemeClr val="bg1"/>
+          </a:solidFill>
+          <a:ln>
+            <a:noFill/>
+          </a:ln>
+        </p:spPr>
+        <p:style>
+          <a:lnRef idx="2">
+            <a:schemeClr val="accent1">
+              <a:shade val="50000"/>
+            </a:schemeClr>
+          </a:lnRef>
+          <a:fillRef idx="1">
+            <a:schemeClr val="accent1"/>
+          </a:fillRef>
+          <a:effectRef idx="0">
+            <a:schemeClr val="accent1"/>
+          </a:effectRef>
+          <a:fontRef idx="minor">
+            <a:schemeClr val="lt1"/>
+          </a:fontRef>
+        </p:style>
+        <p:txBody>
+          <a:bodyPr rtlCol="0" anchor="ctr"/>
+          <a:lstStyle/>
+          <a:p>
+            <a:pPr algn="ctr"/>
+            <a:endParaRPr lang="en-US"/>
+          </a:p>
+        </p:txBody>
+      </p:sp>
+      <p:pic>
+        <p:nvPicPr>
+          <p:cNvPr id="68" name="Picture 67">
+            <a:extLst>
+              <a:ext uri="{FF2B5EF4-FFF2-40B4-BE49-F238E27FC236}">
+                <a16:creationId xmlns:a16="http://schemas.microsoft.com/office/drawing/2014/main" id="{027C201F-9B26-2245-8D0C-766C98FAB1F2}"/>
+              </a:ext>
+            </a:extLst>
+          </p:cNvPr>
+          <p:cNvPicPr>
+            <a:picLocks noChangeAspect="1"/>
+          </p:cNvPicPr>
+          <p:nvPr/>
+        </p:nvPicPr>
+        <p:blipFill>
+          <a:blip r:embed="rId2">
+            <a:extLst>
+              <a:ext uri="{28A0092B-C50C-407E-A947-70E740481C1C}">
+                <a14:useLocalDpi xmlns:a14="http://schemas.microsoft.com/office/drawing/2010/main" val="0"/>
+              </a:ext>
+            </a:extLst>
+          </a:blip>
+          <a:stretch>
+            <a:fillRect/>
+          </a:stretch>
+        </p:blipFill>
+        <p:spPr>
+          <a:xfrm>
+            <a:off x="5562636" y="1955845"/>
+            <a:ext cx="1097708" cy="1097708"/>
+          </a:xfrm>
+          <a:prstGeom prst="rect">
+            <a:avLst/>
+          </a:prstGeom>
+          <a:noFill/>
+        </p:spPr>
+      </p:pic>
+      <p:sp>
+        <p:nvSpPr>
+          <p:cNvPr id="69" name="TextBox 68">
+            <a:extLst>
+              <a:ext uri="{FF2B5EF4-FFF2-40B4-BE49-F238E27FC236}">
+                <a16:creationId xmlns:a16="http://schemas.microsoft.com/office/drawing/2014/main" id="{4574C93E-7DDA-3C44-B35E-88911429ED43}"/>
+              </a:ext>
+            </a:extLst>
+          </p:cNvPr>
+          <p:cNvSpPr txBox="1"/>
+          <p:nvPr/>
+        </p:nvSpPr>
+        <p:spPr>
+          <a:xfrm>
+            <a:off x="5876522" y="2538705"/>
+            <a:ext cx="479618" cy="369332"/>
+          </a:xfrm>
+          <a:prstGeom prst="rect">
+            <a:avLst/>
+          </a:prstGeom>
+          <a:noFill/>
+        </p:spPr>
+        <p:txBody>
+          <a:bodyPr wrap="none" rtlCol="0">
+            <a:spAutoFit/>
+          </a:bodyPr>
+          <a:lstStyle/>
+          <a:p>
+            <a:r>
+              <a:rPr lang="en-US" b="1" dirty="0">
+                <a:solidFill>
+                  <a:schemeClr val="bg1"/>
+                </a:solidFill>
+                <a:latin typeface="Yu Gothic" panose="020B0400000000000000" pitchFamily="34" charset="-128"/>
+                <a:ea typeface="Yu Gothic" panose="020B0400000000000000" pitchFamily="34" charset="-128"/>
+              </a:rPr>
+              <a:t>R1</a:t>
+            </a:r>
+          </a:p>
+        </p:txBody>
+      </p:sp>
+      <p:pic>
+        <p:nvPicPr>
+          <p:cNvPr id="71" name="Picture 70">
+            <a:extLst>
+              <a:ext uri="{FF2B5EF4-FFF2-40B4-BE49-F238E27FC236}">
+                <a16:creationId xmlns:a16="http://schemas.microsoft.com/office/drawing/2014/main" id="{4FEA8F17-DCE3-504F-A418-88D0C25DF000}"/>
+              </a:ext>
+            </a:extLst>
+          </p:cNvPr>
+          <p:cNvPicPr>
+            <a:picLocks noChangeAspect="1"/>
+          </p:cNvPicPr>
+          <p:nvPr/>
+        </p:nvPicPr>
+        <p:blipFill>
+          <a:blip r:embed="rId3">
+            <a:extLst>
+              <a:ext uri="{28A0092B-C50C-407E-A947-70E740481C1C}">
+                <a14:useLocalDpi xmlns:a14="http://schemas.microsoft.com/office/drawing/2010/main" val="0"/>
+              </a:ext>
+            </a:extLst>
+          </a:blip>
+          <a:stretch>
+            <a:fillRect/>
+          </a:stretch>
+        </p:blipFill>
+        <p:spPr>
+          <a:xfrm>
+            <a:off x="943710" y="1835932"/>
+            <a:ext cx="1318030" cy="1318030"/>
+          </a:xfrm>
+          <a:prstGeom prst="rect">
+            <a:avLst/>
+          </a:prstGeom>
+        </p:spPr>
+      </p:pic>
+      <p:cxnSp>
+        <p:nvCxnSpPr>
+          <p:cNvPr id="74" name="Straight Connector 73">
+            <a:extLst>
+              <a:ext uri="{FF2B5EF4-FFF2-40B4-BE49-F238E27FC236}">
+                <a16:creationId xmlns:a16="http://schemas.microsoft.com/office/drawing/2014/main" id="{7EF80A57-03F1-B94D-A844-2CB5B012F605}"/>
+              </a:ext>
+            </a:extLst>
+          </p:cNvPr>
+          <p:cNvCxnSpPr>
+            <a:cxnSpLocks/>
+          </p:cNvCxnSpPr>
+          <p:nvPr/>
+        </p:nvCxnSpPr>
+        <p:spPr>
+          <a:xfrm flipH="1">
+            <a:off x="225850" y="3297410"/>
+            <a:ext cx="2616760" cy="437192"/>
+          </a:xfrm>
+          <a:prstGeom prst="line">
+            <a:avLst/>
+          </a:prstGeom>
+          <a:ln w="38100">
+            <a:solidFill>
+              <a:schemeClr val="tx1"/>
+            </a:solidFill>
+            <a:prstDash val="dash"/>
+          </a:ln>
+        </p:spPr>
+        <p:style>
+          <a:lnRef idx="1">
+            <a:schemeClr val="accent1"/>
+          </a:lnRef>
+          <a:fillRef idx="0">
+            <a:schemeClr val="accent1"/>
+          </a:fillRef>
+          <a:effectRef idx="0">
+            <a:schemeClr val="accent1"/>
+          </a:effectRef>
+          <a:fontRef idx="minor">
+            <a:schemeClr val="tx1"/>
+          </a:fontRef>
+        </p:style>
+      </p:cxnSp>
+      <p:cxnSp>
+        <p:nvCxnSpPr>
+          <p:cNvPr id="77" name="Straight Connector 76">
+            <a:extLst>
+              <a:ext uri="{FF2B5EF4-FFF2-40B4-BE49-F238E27FC236}">
+                <a16:creationId xmlns:a16="http://schemas.microsoft.com/office/drawing/2014/main" id="{C631F1D9-9174-C44E-BDC1-F36DDEC86B7A}"/>
+              </a:ext>
+            </a:extLst>
+          </p:cNvPr>
+          <p:cNvCxnSpPr>
+            <a:cxnSpLocks/>
+          </p:cNvCxnSpPr>
+          <p:nvPr/>
+        </p:nvCxnSpPr>
+        <p:spPr>
+          <a:xfrm>
+            <a:off x="4342715" y="3277678"/>
+            <a:ext cx="2364984" cy="512437"/>
+          </a:xfrm>
+          <a:prstGeom prst="line">
+            <a:avLst/>
+          </a:prstGeom>
+          <a:ln w="38100">
+            <a:solidFill>
+              <a:schemeClr val="tx1"/>
+            </a:solidFill>
+            <a:prstDash val="dash"/>
+          </a:ln>
+        </p:spPr>
+        <p:style>
+          <a:lnRef idx="1">
+            <a:schemeClr val="accent1"/>
+          </a:lnRef>
+          <a:fillRef idx="0">
+            <a:schemeClr val="accent1"/>
+          </a:fillRef>
+          <a:effectRef idx="0">
+            <a:schemeClr val="accent1"/>
+          </a:effectRef>
+          <a:fontRef idx="minor">
+            <a:schemeClr val="tx1"/>
+          </a:fontRef>
+        </p:style>
+      </p:cxnSp>
+      <p:sp>
+        <p:nvSpPr>
+          <p:cNvPr id="87" name="TextBox 86">
+            <a:extLst>
+              <a:ext uri="{FF2B5EF4-FFF2-40B4-BE49-F238E27FC236}">
+                <a16:creationId xmlns:a16="http://schemas.microsoft.com/office/drawing/2014/main" id="{03AD5DF9-3B76-604A-B2FA-FE56E9E8A1B9}"/>
+              </a:ext>
+            </a:extLst>
+          </p:cNvPr>
+          <p:cNvSpPr txBox="1"/>
+          <p:nvPr/>
+        </p:nvSpPr>
+        <p:spPr>
+          <a:xfrm>
+            <a:off x="2927545" y="2984685"/>
+            <a:ext cx="1358064" cy="338554"/>
+          </a:xfrm>
+          <a:prstGeom prst="rect">
+            <a:avLst/>
+          </a:prstGeom>
+          <a:noFill/>
+        </p:spPr>
+        <p:txBody>
+          <a:bodyPr wrap="none" rtlCol="0">
+            <a:spAutoFit/>
+          </a:bodyPr>
+          <a:lstStyle/>
+          <a:p>
+            <a:r>
+              <a:rPr lang="en-US" sz="1600" b="1" dirty="0">
+                <a:solidFill>
+                  <a:schemeClr val="bg1"/>
+                </a:solidFill>
+                <a:latin typeface="Yu Gothic" panose="020B0400000000000000" pitchFamily="34" charset="-128"/>
+                <a:ea typeface="Yu Gothic" panose="020B0400000000000000" pitchFamily="34" charset="-128"/>
+              </a:rPr>
+              <a:t>PC1 -&gt; PC2</a:t>
+            </a:r>
+          </a:p>
+        </p:txBody>
+      </p:sp>
+      <p:sp>
+        <p:nvSpPr>
+          <p:cNvPr id="104" name="TextBox 103">
+            <a:extLst>
+              <a:ext uri="{FF2B5EF4-FFF2-40B4-BE49-F238E27FC236}">
+                <a16:creationId xmlns:a16="http://schemas.microsoft.com/office/drawing/2014/main" id="{004D43E2-A7C0-E742-BE94-8CA566F8DD08}"/>
+              </a:ext>
+            </a:extLst>
+          </p:cNvPr>
+          <p:cNvSpPr txBox="1"/>
+          <p:nvPr/>
+        </p:nvSpPr>
+        <p:spPr>
+          <a:xfrm>
+            <a:off x="9443531" y="1489804"/>
+            <a:ext cx="2589170" cy="646331"/>
+          </a:xfrm>
+          <a:prstGeom prst="rect">
+            <a:avLst/>
+          </a:prstGeom>
+          <a:noFill/>
+        </p:spPr>
+        <p:txBody>
+          <a:bodyPr wrap="none" rtlCol="0">
+            <a:spAutoFit/>
+          </a:bodyPr>
+          <a:lstStyle/>
+          <a:p>
+            <a:r>
+              <a:rPr lang="en-US" b="1" dirty="0">
+                <a:latin typeface="Yu Gothic" panose="020B0400000000000000" pitchFamily="34" charset="-128"/>
+                <a:ea typeface="Yu Gothic" panose="020B0400000000000000" pitchFamily="34" charset="-128"/>
+              </a:rPr>
+              <a:t>IP: 10.0.2.102</a:t>
+            </a:r>
+          </a:p>
+          <a:p>
+            <a:r>
+              <a:rPr lang="en-US" b="1" dirty="0">
+                <a:latin typeface="Yu Gothic" panose="020B0400000000000000" pitchFamily="34" charset="-128"/>
+                <a:ea typeface="Yu Gothic" panose="020B0400000000000000" pitchFamily="34" charset="-128"/>
+              </a:rPr>
+              <a:t>MAC: 0000.0002.0102</a:t>
+            </a:r>
+          </a:p>
+        </p:txBody>
+      </p:sp>
+      <p:sp>
+        <p:nvSpPr>
+          <p:cNvPr id="109" name="TextBox 108">
+            <a:extLst>
+              <a:ext uri="{FF2B5EF4-FFF2-40B4-BE49-F238E27FC236}">
+                <a16:creationId xmlns:a16="http://schemas.microsoft.com/office/drawing/2014/main" id="{56E8A70A-FC68-D143-8D5A-294A62C282C5}"/>
+              </a:ext>
+            </a:extLst>
+          </p:cNvPr>
+          <p:cNvSpPr txBox="1"/>
+          <p:nvPr/>
+        </p:nvSpPr>
+        <p:spPr>
+          <a:xfrm>
+            <a:off x="5349749" y="4451098"/>
+            <a:ext cx="1066318" cy="369332"/>
+          </a:xfrm>
+          <a:prstGeom prst="rect">
+            <a:avLst/>
+          </a:prstGeom>
+          <a:noFill/>
+        </p:spPr>
+        <p:txBody>
+          <a:bodyPr wrap="none" rtlCol="0">
+            <a:spAutoFit/>
+          </a:bodyPr>
+          <a:lstStyle/>
+          <a:p>
+            <a:r>
+              <a:rPr lang="en-US" b="1" dirty="0">
+                <a:latin typeface="Yu Gothic" panose="020B0400000000000000" pitchFamily="34" charset="-128"/>
+                <a:ea typeface="Yu Gothic" panose="020B0400000000000000" pitchFamily="34" charset="-128"/>
+              </a:rPr>
+              <a:t>R1:g0/1</a:t>
+            </a:r>
+          </a:p>
+        </p:txBody>
+      </p:sp>
+      <p:sp>
+        <p:nvSpPr>
+          <p:cNvPr id="110" name="TextBox 109">
+            <a:extLst>
+              <a:ext uri="{FF2B5EF4-FFF2-40B4-BE49-F238E27FC236}">
+                <a16:creationId xmlns:a16="http://schemas.microsoft.com/office/drawing/2014/main" id="{D08DE04B-32AC-CE4E-971F-1A39034BB451}"/>
+              </a:ext>
+            </a:extLst>
+          </p:cNvPr>
+          <p:cNvSpPr txBox="1"/>
+          <p:nvPr/>
+        </p:nvSpPr>
+        <p:spPr>
+          <a:xfrm>
+            <a:off x="3811959" y="4446764"/>
+            <a:ext cx="643125" cy="369332"/>
+          </a:xfrm>
+          <a:prstGeom prst="rect">
+            <a:avLst/>
+          </a:prstGeom>
+          <a:noFill/>
+        </p:spPr>
+        <p:txBody>
+          <a:bodyPr wrap="none" rtlCol="0">
+            <a:spAutoFit/>
+          </a:bodyPr>
+          <a:lstStyle/>
+          <a:p>
+            <a:r>
+              <a:rPr lang="en-US" b="1" dirty="0">
+                <a:latin typeface="Yu Gothic" panose="020B0400000000000000" pitchFamily="34" charset="-128"/>
+                <a:ea typeface="Yu Gothic" panose="020B0400000000000000" pitchFamily="34" charset="-128"/>
+              </a:rPr>
+              <a:t>PC1</a:t>
+            </a:r>
+          </a:p>
+        </p:txBody>
+      </p:sp>
+      <p:sp>
+        <p:nvSpPr>
+          <p:cNvPr id="111" name="TextBox 110">
+            <a:extLst>
+              <a:ext uri="{FF2B5EF4-FFF2-40B4-BE49-F238E27FC236}">
+                <a16:creationId xmlns:a16="http://schemas.microsoft.com/office/drawing/2014/main" id="{EFC894F0-72D1-7B48-99E9-9FF9761A8D29}"/>
+              </a:ext>
+            </a:extLst>
+          </p:cNvPr>
+          <p:cNvSpPr txBox="1"/>
+          <p:nvPr/>
+        </p:nvSpPr>
+        <p:spPr>
+          <a:xfrm>
+            <a:off x="2432634" y="4456424"/>
+            <a:ext cx="643125" cy="369332"/>
+          </a:xfrm>
+          <a:prstGeom prst="rect">
+            <a:avLst/>
+          </a:prstGeom>
+          <a:noFill/>
+        </p:spPr>
+        <p:txBody>
+          <a:bodyPr wrap="none" rtlCol="0">
+            <a:spAutoFit/>
+          </a:bodyPr>
+          <a:lstStyle/>
+          <a:p>
+            <a:r>
+              <a:rPr lang="en-US" b="1" dirty="0">
+                <a:latin typeface="Yu Gothic" panose="020B0400000000000000" pitchFamily="34" charset="-128"/>
+                <a:ea typeface="Yu Gothic" panose="020B0400000000000000" pitchFamily="34" charset="-128"/>
+              </a:rPr>
+              <a:t>PC2</a:t>
+            </a:r>
+          </a:p>
+        </p:txBody>
+      </p:sp>
+      <p:sp>
+        <p:nvSpPr>
+          <p:cNvPr id="112" name="TextBox 111">
+            <a:extLst>
+              <a:ext uri="{FF2B5EF4-FFF2-40B4-BE49-F238E27FC236}">
+                <a16:creationId xmlns:a16="http://schemas.microsoft.com/office/drawing/2014/main" id="{2ECB8433-0F89-BB40-A336-4481E5A8A88B}"/>
+              </a:ext>
+            </a:extLst>
+          </p:cNvPr>
+          <p:cNvSpPr txBox="1"/>
+          <p:nvPr/>
+        </p:nvSpPr>
+        <p:spPr>
+          <a:xfrm>
+            <a:off x="1323848" y="4455390"/>
+            <a:ext cx="643125" cy="369332"/>
+          </a:xfrm>
+          <a:prstGeom prst="rect">
+            <a:avLst/>
+          </a:prstGeom>
+          <a:noFill/>
+        </p:spPr>
+        <p:txBody>
+          <a:bodyPr wrap="none" rtlCol="0">
+            <a:spAutoFit/>
+          </a:bodyPr>
+          <a:lstStyle/>
+          <a:p>
+            <a:r>
+              <a:rPr lang="en-US" b="1" dirty="0">
+                <a:latin typeface="Yu Gothic" panose="020B0400000000000000" pitchFamily="34" charset="-128"/>
+                <a:ea typeface="Yu Gothic" panose="020B0400000000000000" pitchFamily="34" charset="-128"/>
+              </a:rPr>
+              <a:t>PC1</a:t>
+            </a:r>
+          </a:p>
+        </p:txBody>
+      </p:sp>
+      <p:sp>
+        <p:nvSpPr>
+          <p:cNvPr id="73" name="Down Arrow 72">
+            <a:extLst>
+              <a:ext uri="{FF2B5EF4-FFF2-40B4-BE49-F238E27FC236}">
+                <a16:creationId xmlns:a16="http://schemas.microsoft.com/office/drawing/2014/main" id="{54575EA2-6845-C246-AC6F-96A51FFFA5E4}"/>
+              </a:ext>
+            </a:extLst>
+          </p:cNvPr>
+          <p:cNvSpPr/>
+          <p:nvPr/>
+        </p:nvSpPr>
+        <p:spPr>
+          <a:xfrm rot="16200000">
+            <a:off x="9332742" y="2602337"/>
+            <a:ext cx="382741" cy="879817"/>
+          </a:xfrm>
+          <a:prstGeom prst="downArrow">
+            <a:avLst/>
+          </a:prstGeom>
+          <a:solidFill>
+            <a:schemeClr val="tx1"/>
+          </a:solidFill>
+          <a:ln>
+            <a:noFill/>
+          </a:ln>
+        </p:spPr>
+        <p:style>
+          <a:lnRef idx="2">
+            <a:schemeClr val="accent1">
+              <a:shade val="50000"/>
+            </a:schemeClr>
+          </a:lnRef>
+          <a:fillRef idx="1">
+            <a:schemeClr val="accent1"/>
+          </a:fillRef>
+          <a:effectRef idx="0">
+            <a:schemeClr val="accent1"/>
+          </a:effectRef>
+          <a:fontRef idx="minor">
+            <a:schemeClr val="lt1"/>
+          </a:fontRef>
+        </p:style>
+        <p:txBody>
+          <a:bodyPr rtlCol="0" anchor="ctr"/>
+          <a:lstStyle/>
+          <a:p>
+            <a:pPr algn="ctr"/>
+            <a:endParaRPr lang="en-US"/>
+          </a:p>
+        </p:txBody>
+      </p:sp>
+      <p:sp>
+        <p:nvSpPr>
+          <p:cNvPr id="75" name="Rectangle 74">
+            <a:extLst>
+              <a:ext uri="{FF2B5EF4-FFF2-40B4-BE49-F238E27FC236}">
+                <a16:creationId xmlns:a16="http://schemas.microsoft.com/office/drawing/2014/main" id="{783B6FA2-7873-A649-BC66-65CDAC02CED1}"/>
+              </a:ext>
+            </a:extLst>
+          </p:cNvPr>
+          <p:cNvSpPr/>
+          <p:nvPr/>
+        </p:nvSpPr>
+        <p:spPr>
+          <a:xfrm>
+            <a:off x="8171848" y="2747572"/>
+            <a:ext cx="1447170" cy="596285"/>
+          </a:xfrm>
+          <a:prstGeom prst="rect">
+            <a:avLst/>
+          </a:prstGeom>
+          <a:solidFill>
+            <a:schemeClr val="tx1"/>
+          </a:solidFill>
+          <a:ln w="38100">
+            <a:solidFill>
+              <a:schemeClr val="bg1"/>
+            </a:solidFill>
+          </a:ln>
+        </p:spPr>
+        <p:style>
+          <a:lnRef idx="2">
+            <a:schemeClr val="accent1">
+              <a:shade val="50000"/>
+            </a:schemeClr>
+          </a:lnRef>
+          <a:fillRef idx="1">
+            <a:schemeClr val="accent1"/>
+          </a:fillRef>
+          <a:effectRef idx="0">
+            <a:schemeClr val="accent1"/>
+          </a:effectRef>
+          <a:fontRef idx="minor">
+            <a:schemeClr val="lt1"/>
+          </a:fontRef>
+        </p:style>
+        <p:txBody>
+          <a:bodyPr rtlCol="0" anchor="ctr"/>
+          <a:lstStyle/>
+          <a:p>
+            <a:pPr algn="ctr"/>
+            <a:endParaRPr lang="en-US"/>
+          </a:p>
+        </p:txBody>
+      </p:sp>
+      <p:sp>
+        <p:nvSpPr>
+          <p:cNvPr id="76" name="TextBox 75">
+            <a:extLst>
+              <a:ext uri="{FF2B5EF4-FFF2-40B4-BE49-F238E27FC236}">
+                <a16:creationId xmlns:a16="http://schemas.microsoft.com/office/drawing/2014/main" id="{94967793-B978-7149-AB83-19BFE2503AF7}"/>
+              </a:ext>
+            </a:extLst>
+          </p:cNvPr>
+          <p:cNvSpPr txBox="1"/>
+          <p:nvPr/>
+        </p:nvSpPr>
+        <p:spPr>
+          <a:xfrm>
+            <a:off x="8451836" y="2790486"/>
+            <a:ext cx="877163" cy="338554"/>
+          </a:xfrm>
+          <a:prstGeom prst="rect">
+            <a:avLst/>
+          </a:prstGeom>
+          <a:noFill/>
+        </p:spPr>
+        <p:txBody>
+          <a:bodyPr wrap="none" rtlCol="0">
+            <a:spAutoFit/>
+          </a:bodyPr>
+          <a:lstStyle/>
+          <a:p>
+            <a:r>
+              <a:rPr lang="en-US" sz="1600" b="1" dirty="0">
+                <a:solidFill>
+                  <a:schemeClr val="bg1"/>
+                </a:solidFill>
+                <a:latin typeface="Yu Gothic" panose="020B0400000000000000" pitchFamily="34" charset="-128"/>
+                <a:ea typeface="Yu Gothic" panose="020B0400000000000000" pitchFamily="34" charset="-128"/>
+              </a:rPr>
+              <a:t>Packet</a:t>
+            </a:r>
+          </a:p>
+        </p:txBody>
+      </p:sp>
+      <p:sp>
+        <p:nvSpPr>
+          <p:cNvPr id="78" name="TextBox 77">
+            <a:extLst>
+              <a:ext uri="{FF2B5EF4-FFF2-40B4-BE49-F238E27FC236}">
+                <a16:creationId xmlns:a16="http://schemas.microsoft.com/office/drawing/2014/main" id="{FE6FC43E-C2F1-E243-9C61-325A442DB086}"/>
+              </a:ext>
+            </a:extLst>
+          </p:cNvPr>
+          <p:cNvSpPr txBox="1"/>
+          <p:nvPr/>
+        </p:nvSpPr>
+        <p:spPr>
+          <a:xfrm>
+            <a:off x="8211386" y="3031132"/>
+            <a:ext cx="1358064" cy="338554"/>
+          </a:xfrm>
+          <a:prstGeom prst="rect">
+            <a:avLst/>
+          </a:prstGeom>
+          <a:noFill/>
+        </p:spPr>
+        <p:txBody>
+          <a:bodyPr wrap="none" rtlCol="0">
+            <a:spAutoFit/>
+          </a:bodyPr>
+          <a:lstStyle/>
+          <a:p>
+            <a:r>
+              <a:rPr lang="en-US" sz="1600" b="1" dirty="0">
+                <a:solidFill>
+                  <a:schemeClr val="bg1"/>
+                </a:solidFill>
+                <a:latin typeface="Yu Gothic" panose="020B0400000000000000" pitchFamily="34" charset="-128"/>
+                <a:ea typeface="Yu Gothic" panose="020B0400000000000000" pitchFamily="34" charset="-128"/>
+              </a:rPr>
+              <a:t>PC1 -&gt; PC2</a:t>
+            </a:r>
+          </a:p>
+        </p:txBody>
+      </p:sp>
+      <p:pic>
+        <p:nvPicPr>
+          <p:cNvPr id="79" name="Picture 78">
+            <a:extLst>
+              <a:ext uri="{FF2B5EF4-FFF2-40B4-BE49-F238E27FC236}">
+                <a16:creationId xmlns:a16="http://schemas.microsoft.com/office/drawing/2014/main" id="{E665D495-96EE-9649-A63E-65B19BCDFBDF}"/>
+              </a:ext>
+            </a:extLst>
+          </p:cNvPr>
+          <p:cNvPicPr>
+            <a:picLocks noChangeAspect="1"/>
+          </p:cNvPicPr>
+          <p:nvPr/>
+        </p:nvPicPr>
+        <p:blipFill>
+          <a:blip r:embed="rId3">
+            <a:extLst>
+              <a:ext uri="{28A0092B-C50C-407E-A947-70E740481C1C}">
+                <a14:useLocalDpi xmlns:a14="http://schemas.microsoft.com/office/drawing/2010/main" val="0"/>
+              </a:ext>
+            </a:extLst>
+          </a:blip>
+          <a:stretch>
+            <a:fillRect/>
+          </a:stretch>
+        </p:blipFill>
+        <p:spPr>
+          <a:xfrm>
+            <a:off x="10328388" y="1835932"/>
+            <a:ext cx="1318030" cy="1318030"/>
+          </a:xfrm>
+          <a:prstGeom prst="rect">
+            <a:avLst/>
+          </a:prstGeom>
+        </p:spPr>
+      </p:pic>
+      <p:sp>
+        <p:nvSpPr>
+          <p:cNvPr id="81" name="Rectangle 80">
+            <a:extLst>
+              <a:ext uri="{FF2B5EF4-FFF2-40B4-BE49-F238E27FC236}">
+                <a16:creationId xmlns:a16="http://schemas.microsoft.com/office/drawing/2014/main" id="{3B46B305-9313-AB41-8E12-DC0492E582C4}"/>
+              </a:ext>
+            </a:extLst>
+          </p:cNvPr>
+          <p:cNvSpPr/>
+          <p:nvPr/>
+        </p:nvSpPr>
+        <p:spPr>
+          <a:xfrm>
+            <a:off x="10288021" y="5701726"/>
+            <a:ext cx="1744680" cy="588985"/>
+          </a:xfrm>
+          <a:prstGeom prst="rect">
+            <a:avLst/>
+          </a:prstGeom>
+          <a:solidFill>
+            <a:schemeClr val="accent2"/>
+          </a:solidFill>
+          <a:ln w="38100">
+            <a:solidFill>
+              <a:schemeClr val="bg1"/>
+            </a:solidFill>
+          </a:ln>
+        </p:spPr>
+        <p:style>
+          <a:lnRef idx="2">
+            <a:schemeClr val="accent1">
+              <a:shade val="50000"/>
+            </a:schemeClr>
+          </a:lnRef>
+          <a:fillRef idx="1">
+            <a:schemeClr val="accent1"/>
+          </a:fillRef>
+          <a:effectRef idx="0">
+            <a:schemeClr val="accent1"/>
+          </a:effectRef>
+          <a:fontRef idx="minor">
+            <a:schemeClr val="lt1"/>
+          </a:fontRef>
+        </p:style>
+        <p:txBody>
+          <a:bodyPr rtlCol="0" anchor="ctr"/>
+          <a:lstStyle/>
+          <a:p>
+            <a:pPr algn="ctr"/>
+            <a:endParaRPr lang="en-US" sz="1600"/>
+          </a:p>
+        </p:txBody>
+      </p:sp>
+      <p:sp>
+        <p:nvSpPr>
+          <p:cNvPr id="82" name="TextBox 81">
+            <a:extLst>
+              <a:ext uri="{FF2B5EF4-FFF2-40B4-BE49-F238E27FC236}">
+                <a16:creationId xmlns:a16="http://schemas.microsoft.com/office/drawing/2014/main" id="{8190B087-AD05-FC40-8D04-6C4A9F401C5C}"/>
+              </a:ext>
+            </a:extLst>
+          </p:cNvPr>
+          <p:cNvSpPr txBox="1"/>
+          <p:nvPr/>
+        </p:nvSpPr>
+        <p:spPr>
+          <a:xfrm>
+            <a:off x="10655043" y="5705138"/>
+            <a:ext cx="1006173" cy="338554"/>
+          </a:xfrm>
+          <a:prstGeom prst="rect">
+            <a:avLst/>
+          </a:prstGeom>
+          <a:noFill/>
+        </p:spPr>
+        <p:txBody>
+          <a:bodyPr wrap="none" rtlCol="0">
+            <a:spAutoFit/>
+          </a:bodyPr>
+          <a:lstStyle/>
+          <a:p>
+            <a:r>
+              <a:rPr lang="ja-JP" altLang="en-US" sz="1600" b="1">
+                <a:solidFill>
+                  <a:schemeClr val="bg1"/>
+                </a:solidFill>
+              </a:rPr>
+              <a:t>宛先</a:t>
+            </a:r>
+            <a:r>
+              <a:rPr lang="en-US" altLang="ja-JP" sz="1600" b="1" dirty="0">
+                <a:solidFill>
+                  <a:schemeClr val="bg1"/>
+                </a:solidFill>
+              </a:rPr>
+              <a:t>MAC</a:t>
+            </a:r>
+            <a:endParaRPr lang="en-US" sz="1600" b="1" dirty="0">
+              <a:solidFill>
+                <a:schemeClr val="bg1"/>
+              </a:solidFill>
+            </a:endParaRPr>
+          </a:p>
+        </p:txBody>
+      </p:sp>
+      <p:sp>
+        <p:nvSpPr>
+          <p:cNvPr id="84" name="TextBox 83">
+            <a:extLst>
+              <a:ext uri="{FF2B5EF4-FFF2-40B4-BE49-F238E27FC236}">
+                <a16:creationId xmlns:a16="http://schemas.microsoft.com/office/drawing/2014/main" id="{496F0DE3-4ACD-EF48-A099-65C89654CA4B}"/>
+              </a:ext>
+            </a:extLst>
+          </p:cNvPr>
+          <p:cNvSpPr txBox="1"/>
+          <p:nvPr/>
+        </p:nvSpPr>
+        <p:spPr>
+          <a:xfrm>
+            <a:off x="10328388" y="5971380"/>
+            <a:ext cx="1704313" cy="338554"/>
+          </a:xfrm>
+          <a:prstGeom prst="rect">
+            <a:avLst/>
+          </a:prstGeom>
+          <a:noFill/>
+        </p:spPr>
+        <p:txBody>
+          <a:bodyPr wrap="none" rtlCol="0">
+            <a:spAutoFit/>
+          </a:bodyPr>
+          <a:lstStyle/>
+          <a:p>
+            <a:r>
+              <a:rPr lang="en-US" sz="1600" b="1" dirty="0">
+                <a:solidFill>
+                  <a:schemeClr val="bg1"/>
+                </a:solidFill>
+                <a:latin typeface="Yu Gothic" panose="020B0400000000000000" pitchFamily="34" charset="-128"/>
+                <a:ea typeface="Yu Gothic" panose="020B0400000000000000" pitchFamily="34" charset="-128"/>
+              </a:rPr>
+              <a:t>0000.0002.0102</a:t>
+            </a:r>
+          </a:p>
+        </p:txBody>
+      </p:sp>
+      <p:sp>
+        <p:nvSpPr>
+          <p:cNvPr id="85" name="Rectangle 84">
+            <a:extLst>
+              <a:ext uri="{FF2B5EF4-FFF2-40B4-BE49-F238E27FC236}">
+                <a16:creationId xmlns:a16="http://schemas.microsoft.com/office/drawing/2014/main" id="{49097FB0-DF18-1B42-87AB-CA14FCED98BE}"/>
+              </a:ext>
+            </a:extLst>
+          </p:cNvPr>
+          <p:cNvSpPr/>
+          <p:nvPr/>
+        </p:nvSpPr>
+        <p:spPr>
+          <a:xfrm>
+            <a:off x="8592712" y="5701726"/>
+            <a:ext cx="1707161" cy="592085"/>
+          </a:xfrm>
+          <a:prstGeom prst="rect">
+            <a:avLst/>
+          </a:prstGeom>
+          <a:solidFill>
+            <a:schemeClr val="accent2"/>
+          </a:solidFill>
+          <a:ln w="38100">
+            <a:solidFill>
+              <a:schemeClr val="bg1"/>
+            </a:solidFill>
+          </a:ln>
+        </p:spPr>
+        <p:style>
+          <a:lnRef idx="2">
+            <a:schemeClr val="accent1">
+              <a:shade val="50000"/>
+            </a:schemeClr>
+          </a:lnRef>
+          <a:fillRef idx="1">
+            <a:schemeClr val="accent1"/>
+          </a:fillRef>
+          <a:effectRef idx="0">
+            <a:schemeClr val="accent1"/>
+          </a:effectRef>
+          <a:fontRef idx="minor">
+            <a:schemeClr val="lt1"/>
+          </a:fontRef>
+        </p:style>
+        <p:txBody>
+          <a:bodyPr rtlCol="0" anchor="ctr"/>
+          <a:lstStyle/>
+          <a:p>
+            <a:pPr algn="ctr"/>
+            <a:endParaRPr lang="en-US" sz="1600"/>
+          </a:p>
+        </p:txBody>
+      </p:sp>
+      <p:sp>
+        <p:nvSpPr>
+          <p:cNvPr id="86" name="TextBox 85">
+            <a:extLst>
+              <a:ext uri="{FF2B5EF4-FFF2-40B4-BE49-F238E27FC236}">
+                <a16:creationId xmlns:a16="http://schemas.microsoft.com/office/drawing/2014/main" id="{D6D644FB-2CB5-C645-934C-8485442CAA22}"/>
+              </a:ext>
+            </a:extLst>
+          </p:cNvPr>
+          <p:cNvSpPr txBox="1"/>
+          <p:nvPr/>
+        </p:nvSpPr>
+        <p:spPr>
+          <a:xfrm>
+            <a:off x="8835650" y="5710187"/>
+            <a:ext cx="1211357" cy="338554"/>
+          </a:xfrm>
+          <a:prstGeom prst="rect">
+            <a:avLst/>
+          </a:prstGeom>
+          <a:noFill/>
+        </p:spPr>
+        <p:txBody>
+          <a:bodyPr wrap="none" rtlCol="0">
+            <a:spAutoFit/>
+          </a:bodyPr>
+          <a:lstStyle/>
+          <a:p>
+            <a:r>
+              <a:rPr lang="ja-JP" altLang="en-US" sz="1600" b="1">
+                <a:solidFill>
+                  <a:schemeClr val="bg1"/>
+                </a:solidFill>
+              </a:rPr>
+              <a:t>送信元</a:t>
+            </a:r>
+            <a:r>
+              <a:rPr lang="en-US" altLang="ja-JP" sz="1600" b="1" dirty="0">
+                <a:solidFill>
+                  <a:schemeClr val="bg1"/>
+                </a:solidFill>
+              </a:rPr>
+              <a:t>MAC</a:t>
+            </a:r>
+            <a:endParaRPr lang="en-US" sz="1600" b="1" dirty="0">
+              <a:solidFill>
+                <a:schemeClr val="bg1"/>
+              </a:solidFill>
+            </a:endParaRPr>
+          </a:p>
+        </p:txBody>
+      </p:sp>
+      <p:sp>
+        <p:nvSpPr>
+          <p:cNvPr id="88" name="TextBox 87">
+            <a:extLst>
+              <a:ext uri="{FF2B5EF4-FFF2-40B4-BE49-F238E27FC236}">
+                <a16:creationId xmlns:a16="http://schemas.microsoft.com/office/drawing/2014/main" id="{2AA437F8-4361-6642-ACFD-4273F0114774}"/>
+              </a:ext>
+            </a:extLst>
+          </p:cNvPr>
+          <p:cNvSpPr txBox="1"/>
+          <p:nvPr/>
+        </p:nvSpPr>
+        <p:spPr>
+          <a:xfrm>
+            <a:off x="8612589" y="5989755"/>
+            <a:ext cx="1704313" cy="338554"/>
+          </a:xfrm>
+          <a:prstGeom prst="rect">
+            <a:avLst/>
+          </a:prstGeom>
+          <a:noFill/>
+        </p:spPr>
+        <p:txBody>
+          <a:bodyPr wrap="none" rtlCol="0">
+            <a:spAutoFit/>
+          </a:bodyPr>
+          <a:lstStyle/>
+          <a:p>
+            <a:r>
+              <a:rPr lang="en-US" sz="1600" b="1" dirty="0">
+                <a:solidFill>
+                  <a:schemeClr val="bg1"/>
+                </a:solidFill>
+                <a:latin typeface="Yu Gothic" panose="020B0400000000000000" pitchFamily="34" charset="-128"/>
+                <a:ea typeface="Yu Gothic" panose="020B0400000000000000" pitchFamily="34" charset="-128"/>
+              </a:rPr>
+              <a:t>0000.0002.0001</a:t>
+            </a:r>
+          </a:p>
+        </p:txBody>
+      </p:sp>
+      <p:sp>
+        <p:nvSpPr>
+          <p:cNvPr id="89" name="Rectangle 88">
+            <a:extLst>
+              <a:ext uri="{FF2B5EF4-FFF2-40B4-BE49-F238E27FC236}">
+                <a16:creationId xmlns:a16="http://schemas.microsoft.com/office/drawing/2014/main" id="{899C86C8-CD4A-0C48-AE89-0C7C4193B8D5}"/>
+              </a:ext>
+            </a:extLst>
+          </p:cNvPr>
+          <p:cNvSpPr/>
+          <p:nvPr/>
+        </p:nvSpPr>
+        <p:spPr>
+          <a:xfrm>
+            <a:off x="7417884" y="5701726"/>
+            <a:ext cx="1201584" cy="588985"/>
+          </a:xfrm>
+          <a:prstGeom prst="rect">
+            <a:avLst/>
+          </a:prstGeom>
+          <a:solidFill>
+            <a:schemeClr val="accent1"/>
+          </a:solidFill>
+          <a:ln w="38100">
+            <a:solidFill>
+              <a:schemeClr val="bg1"/>
+            </a:solidFill>
+          </a:ln>
+        </p:spPr>
+        <p:style>
+          <a:lnRef idx="2">
+            <a:schemeClr val="accent1">
+              <a:shade val="50000"/>
+            </a:schemeClr>
+          </a:lnRef>
+          <a:fillRef idx="1">
+            <a:schemeClr val="accent1"/>
+          </a:fillRef>
+          <a:effectRef idx="0">
+            <a:schemeClr val="accent1"/>
+          </a:effectRef>
+          <a:fontRef idx="minor">
+            <a:schemeClr val="lt1"/>
+          </a:fontRef>
+        </p:style>
+        <p:txBody>
+          <a:bodyPr rtlCol="0" anchor="ctr"/>
+          <a:lstStyle/>
+          <a:p>
+            <a:pPr algn="ctr"/>
+            <a:endParaRPr lang="en-US" sz="1600"/>
+          </a:p>
+        </p:txBody>
+      </p:sp>
+      <p:sp>
+        <p:nvSpPr>
+          <p:cNvPr id="90" name="TextBox 89">
+            <a:extLst>
+              <a:ext uri="{FF2B5EF4-FFF2-40B4-BE49-F238E27FC236}">
+                <a16:creationId xmlns:a16="http://schemas.microsoft.com/office/drawing/2014/main" id="{38B7077E-0197-8544-B68D-6C50F3AA9ED4}"/>
+              </a:ext>
+            </a:extLst>
+          </p:cNvPr>
+          <p:cNvSpPr txBox="1"/>
+          <p:nvPr/>
+        </p:nvSpPr>
+        <p:spPr>
+          <a:xfrm>
+            <a:off x="7674179" y="5710187"/>
+            <a:ext cx="758541" cy="338554"/>
+          </a:xfrm>
+          <a:prstGeom prst="rect">
+            <a:avLst/>
+          </a:prstGeom>
+          <a:noFill/>
+        </p:spPr>
+        <p:txBody>
+          <a:bodyPr wrap="none" rtlCol="0">
+            <a:spAutoFit/>
+          </a:bodyPr>
+          <a:lstStyle/>
+          <a:p>
+            <a:r>
+              <a:rPr lang="ja-JP" altLang="en-US" sz="1600" b="1">
+                <a:solidFill>
+                  <a:schemeClr val="bg1"/>
+                </a:solidFill>
+              </a:rPr>
+              <a:t>宛先</a:t>
+            </a:r>
+            <a:r>
+              <a:rPr lang="en-US" altLang="ja-JP" sz="1600" b="1" dirty="0">
+                <a:solidFill>
+                  <a:schemeClr val="bg1"/>
+                </a:solidFill>
+              </a:rPr>
+              <a:t>IP</a:t>
+            </a:r>
+            <a:endParaRPr lang="en-US" sz="1600" b="1" dirty="0">
+              <a:solidFill>
+                <a:schemeClr val="bg1"/>
+              </a:solidFill>
+            </a:endParaRPr>
+          </a:p>
+        </p:txBody>
+      </p:sp>
+      <p:sp>
+        <p:nvSpPr>
+          <p:cNvPr id="91" name="TextBox 90">
+            <a:extLst>
+              <a:ext uri="{FF2B5EF4-FFF2-40B4-BE49-F238E27FC236}">
+                <a16:creationId xmlns:a16="http://schemas.microsoft.com/office/drawing/2014/main" id="{253CDC1F-3045-B349-91D6-335A446143FE}"/>
+              </a:ext>
+            </a:extLst>
+          </p:cNvPr>
+          <p:cNvSpPr txBox="1"/>
+          <p:nvPr/>
+        </p:nvSpPr>
+        <p:spPr>
+          <a:xfrm>
+            <a:off x="7425725" y="5987928"/>
+            <a:ext cx="1176925" cy="338554"/>
+          </a:xfrm>
+          <a:prstGeom prst="rect">
+            <a:avLst/>
+          </a:prstGeom>
+          <a:noFill/>
+        </p:spPr>
+        <p:txBody>
+          <a:bodyPr wrap="none" rtlCol="0">
+            <a:spAutoFit/>
+          </a:bodyPr>
+          <a:lstStyle/>
+          <a:p>
+            <a:r>
+              <a:rPr lang="en-US" sz="1600" b="1" dirty="0">
+                <a:solidFill>
+                  <a:schemeClr val="bg1"/>
+                </a:solidFill>
+                <a:latin typeface="Yu Gothic" panose="020B0400000000000000" pitchFamily="34" charset="-128"/>
+                <a:ea typeface="Yu Gothic" panose="020B0400000000000000" pitchFamily="34" charset="-128"/>
+              </a:rPr>
+              <a:t>10.0.2.102</a:t>
+            </a:r>
+          </a:p>
+        </p:txBody>
+      </p:sp>
+      <p:sp>
+        <p:nvSpPr>
+          <p:cNvPr id="92" name="Rectangle 91">
+            <a:extLst>
+              <a:ext uri="{FF2B5EF4-FFF2-40B4-BE49-F238E27FC236}">
+                <a16:creationId xmlns:a16="http://schemas.microsoft.com/office/drawing/2014/main" id="{5BDA7B6C-AD62-DC47-8353-6AFF8415A608}"/>
+              </a:ext>
+            </a:extLst>
+          </p:cNvPr>
+          <p:cNvSpPr/>
+          <p:nvPr/>
+        </p:nvSpPr>
+        <p:spPr>
+          <a:xfrm>
+            <a:off x="6252556" y="5711094"/>
+            <a:ext cx="1199697" cy="574486"/>
+          </a:xfrm>
+          <a:prstGeom prst="rect">
+            <a:avLst/>
+          </a:prstGeom>
+          <a:solidFill>
+            <a:schemeClr val="accent1"/>
+          </a:solidFill>
+          <a:ln w="38100">
+            <a:solidFill>
+              <a:schemeClr val="bg1"/>
+            </a:solidFill>
+          </a:ln>
+        </p:spPr>
+        <p:style>
+          <a:lnRef idx="2">
+            <a:schemeClr val="accent1">
+              <a:shade val="50000"/>
+            </a:schemeClr>
+          </a:lnRef>
+          <a:fillRef idx="1">
+            <a:schemeClr val="accent1"/>
+          </a:fillRef>
+          <a:effectRef idx="0">
+            <a:schemeClr val="accent1"/>
+          </a:effectRef>
+          <a:fontRef idx="minor">
+            <a:schemeClr val="lt1"/>
+          </a:fontRef>
+        </p:style>
+        <p:txBody>
+          <a:bodyPr rtlCol="0" anchor="ctr"/>
+          <a:lstStyle/>
+          <a:p>
+            <a:pPr algn="ctr"/>
+            <a:endParaRPr lang="en-US" sz="1600"/>
+          </a:p>
+        </p:txBody>
+      </p:sp>
+      <p:sp>
+        <p:nvSpPr>
+          <p:cNvPr id="93" name="TextBox 92">
+            <a:extLst>
+              <a:ext uri="{FF2B5EF4-FFF2-40B4-BE49-F238E27FC236}">
+                <a16:creationId xmlns:a16="http://schemas.microsoft.com/office/drawing/2014/main" id="{FBE01583-8F50-4D47-B6A9-52F74C71B5D9}"/>
+              </a:ext>
+            </a:extLst>
+          </p:cNvPr>
+          <p:cNvSpPr txBox="1"/>
+          <p:nvPr/>
+        </p:nvSpPr>
+        <p:spPr>
+          <a:xfrm>
+            <a:off x="6391134" y="5717882"/>
+            <a:ext cx="963725" cy="338554"/>
+          </a:xfrm>
+          <a:prstGeom prst="rect">
+            <a:avLst/>
+          </a:prstGeom>
+          <a:noFill/>
+        </p:spPr>
+        <p:txBody>
+          <a:bodyPr wrap="none" rtlCol="0">
+            <a:spAutoFit/>
+          </a:bodyPr>
+          <a:lstStyle/>
+          <a:p>
+            <a:r>
+              <a:rPr lang="ja-JP" altLang="en-US" sz="1600" b="1">
+                <a:solidFill>
+                  <a:schemeClr val="bg1"/>
+                </a:solidFill>
+              </a:rPr>
+              <a:t>送信元</a:t>
+            </a:r>
+            <a:r>
+              <a:rPr lang="en-US" altLang="ja-JP" sz="1600" b="1" dirty="0">
+                <a:solidFill>
+                  <a:schemeClr val="bg1"/>
+                </a:solidFill>
+              </a:rPr>
+              <a:t>IP</a:t>
+            </a:r>
+            <a:endParaRPr lang="en-US" sz="1600" b="1" dirty="0">
+              <a:solidFill>
+                <a:schemeClr val="bg1"/>
+              </a:solidFill>
+            </a:endParaRPr>
+          </a:p>
+        </p:txBody>
+      </p:sp>
+      <p:sp>
+        <p:nvSpPr>
+          <p:cNvPr id="94" name="TextBox 93">
+            <a:extLst>
+              <a:ext uri="{FF2B5EF4-FFF2-40B4-BE49-F238E27FC236}">
+                <a16:creationId xmlns:a16="http://schemas.microsoft.com/office/drawing/2014/main" id="{789C25AE-3A1F-BE40-8306-6FE089726BC7}"/>
+              </a:ext>
+            </a:extLst>
+          </p:cNvPr>
+          <p:cNvSpPr txBox="1"/>
+          <p:nvPr/>
+        </p:nvSpPr>
+        <p:spPr>
+          <a:xfrm>
+            <a:off x="6285483" y="5970509"/>
+            <a:ext cx="1176925" cy="338554"/>
+          </a:xfrm>
+          <a:prstGeom prst="rect">
+            <a:avLst/>
+          </a:prstGeom>
+          <a:noFill/>
+        </p:spPr>
+        <p:txBody>
+          <a:bodyPr wrap="none" rtlCol="0">
+            <a:spAutoFit/>
+          </a:bodyPr>
+          <a:lstStyle/>
+          <a:p>
+            <a:r>
+              <a:rPr lang="en-US" sz="1600" b="1" dirty="0">
+                <a:solidFill>
+                  <a:schemeClr val="bg1"/>
+                </a:solidFill>
+                <a:latin typeface="Yu Gothic" panose="020B0400000000000000" pitchFamily="34" charset="-128"/>
+                <a:ea typeface="Yu Gothic" panose="020B0400000000000000" pitchFamily="34" charset="-128"/>
+              </a:rPr>
+              <a:t>10.0.1.101</a:t>
+            </a:r>
+          </a:p>
+        </p:txBody>
+      </p:sp>
+      <p:sp>
+        <p:nvSpPr>
+          <p:cNvPr id="95" name="Rectangle 94">
+            <a:extLst>
+              <a:ext uri="{FF2B5EF4-FFF2-40B4-BE49-F238E27FC236}">
+                <a16:creationId xmlns:a16="http://schemas.microsoft.com/office/drawing/2014/main" id="{F72A1884-7949-4344-8D63-BD40FE13E5CF}"/>
+              </a:ext>
+            </a:extLst>
+          </p:cNvPr>
+          <p:cNvSpPr/>
+          <p:nvPr/>
+        </p:nvSpPr>
+        <p:spPr>
+          <a:xfrm>
+            <a:off x="5423648" y="5708779"/>
+            <a:ext cx="844806" cy="576801"/>
+          </a:xfrm>
+          <a:prstGeom prst="rect">
+            <a:avLst/>
+          </a:prstGeom>
+          <a:solidFill>
+            <a:schemeClr val="tx2">
+              <a:lumMod val="50000"/>
+              <a:lumOff val="50000"/>
+            </a:schemeClr>
+          </a:solidFill>
+          <a:ln w="38100">
+            <a:solidFill>
+              <a:schemeClr val="bg1"/>
+            </a:solidFill>
+          </a:ln>
+        </p:spPr>
+        <p:style>
+          <a:lnRef idx="2">
+            <a:schemeClr val="accent1">
+              <a:shade val="50000"/>
+            </a:schemeClr>
+          </a:lnRef>
+          <a:fillRef idx="1">
+            <a:schemeClr val="accent1"/>
+          </a:fillRef>
+          <a:effectRef idx="0">
+            <a:schemeClr val="accent1"/>
+          </a:effectRef>
+          <a:fontRef idx="minor">
+            <a:schemeClr val="lt1"/>
+          </a:fontRef>
+        </p:style>
+        <p:txBody>
+          <a:bodyPr rtlCol="0" anchor="ctr"/>
+          <a:lstStyle/>
+          <a:p>
+            <a:pPr algn="ctr"/>
+            <a:endParaRPr lang="en-US" sz="1600"/>
+          </a:p>
+        </p:txBody>
+      </p:sp>
+      <p:sp>
+        <p:nvSpPr>
+          <p:cNvPr id="96" name="TextBox 95">
+            <a:extLst>
+              <a:ext uri="{FF2B5EF4-FFF2-40B4-BE49-F238E27FC236}">
+                <a16:creationId xmlns:a16="http://schemas.microsoft.com/office/drawing/2014/main" id="{F4D38358-2435-0A44-8D82-E69692E4C69C}"/>
+              </a:ext>
+            </a:extLst>
+          </p:cNvPr>
+          <p:cNvSpPr txBox="1"/>
+          <p:nvPr/>
+        </p:nvSpPr>
+        <p:spPr>
+          <a:xfrm>
+            <a:off x="5470998" y="5874415"/>
+            <a:ext cx="760144" cy="338554"/>
+          </a:xfrm>
+          <a:prstGeom prst="rect">
+            <a:avLst/>
+          </a:prstGeom>
+          <a:noFill/>
+        </p:spPr>
+        <p:txBody>
+          <a:bodyPr wrap="none" rtlCol="0">
+            <a:spAutoFit/>
+          </a:bodyPr>
+          <a:lstStyle/>
+          <a:p>
+            <a:r>
+              <a:rPr lang="en-US" sz="1600" b="1" dirty="0">
+                <a:solidFill>
+                  <a:schemeClr val="bg1"/>
+                </a:solidFill>
+                <a:latin typeface="Yu Gothic" panose="020B0400000000000000" pitchFamily="34" charset="-128"/>
+                <a:ea typeface="Yu Gothic" panose="020B0400000000000000" pitchFamily="34" charset="-128"/>
+              </a:rPr>
+              <a:t>DATA</a:t>
+            </a:r>
+          </a:p>
+        </p:txBody>
+      </p:sp>
+      <p:sp>
+        <p:nvSpPr>
+          <p:cNvPr id="101" name="TextBox 100">
+            <a:extLst>
+              <a:ext uri="{FF2B5EF4-FFF2-40B4-BE49-F238E27FC236}">
+                <a16:creationId xmlns:a16="http://schemas.microsoft.com/office/drawing/2014/main" id="{9A829ACE-D009-F942-A771-D280D30F9DA7}"/>
+              </a:ext>
+            </a:extLst>
+          </p:cNvPr>
+          <p:cNvSpPr txBox="1"/>
+          <p:nvPr/>
+        </p:nvSpPr>
+        <p:spPr>
+          <a:xfrm>
+            <a:off x="10836566" y="6354185"/>
+            <a:ext cx="643125" cy="369332"/>
+          </a:xfrm>
+          <a:prstGeom prst="rect">
+            <a:avLst/>
+          </a:prstGeom>
+          <a:noFill/>
+        </p:spPr>
+        <p:txBody>
+          <a:bodyPr wrap="none" rtlCol="0">
+            <a:spAutoFit/>
+          </a:bodyPr>
+          <a:lstStyle/>
+          <a:p>
+            <a:r>
+              <a:rPr lang="en-US" b="1" dirty="0">
+                <a:latin typeface="Yu Gothic" panose="020B0400000000000000" pitchFamily="34" charset="-128"/>
+                <a:ea typeface="Yu Gothic" panose="020B0400000000000000" pitchFamily="34" charset="-128"/>
+              </a:rPr>
+              <a:t>PC2</a:t>
+            </a:r>
+          </a:p>
+        </p:txBody>
+      </p:sp>
+      <p:sp>
+        <p:nvSpPr>
+          <p:cNvPr id="102" name="TextBox 101">
+            <a:extLst>
+              <a:ext uri="{FF2B5EF4-FFF2-40B4-BE49-F238E27FC236}">
+                <a16:creationId xmlns:a16="http://schemas.microsoft.com/office/drawing/2014/main" id="{8723745A-F3C4-DA4A-9546-E5F4B12787F4}"/>
+              </a:ext>
+            </a:extLst>
+          </p:cNvPr>
+          <p:cNvSpPr txBox="1"/>
+          <p:nvPr/>
+        </p:nvSpPr>
+        <p:spPr>
+          <a:xfrm>
+            <a:off x="9057108" y="6338304"/>
+            <a:ext cx="1066318" cy="369332"/>
+          </a:xfrm>
+          <a:prstGeom prst="rect">
+            <a:avLst/>
+          </a:prstGeom>
+          <a:noFill/>
+        </p:spPr>
+        <p:txBody>
+          <a:bodyPr wrap="none" rtlCol="0">
+            <a:spAutoFit/>
+          </a:bodyPr>
+          <a:lstStyle/>
+          <a:p>
+            <a:r>
+              <a:rPr lang="en-US" b="1" dirty="0">
+                <a:latin typeface="Yu Gothic" panose="020B0400000000000000" pitchFamily="34" charset="-128"/>
+                <a:ea typeface="Yu Gothic" panose="020B0400000000000000" pitchFamily="34" charset="-128"/>
+              </a:rPr>
+              <a:t>R1:g0/2</a:t>
+            </a:r>
+          </a:p>
+        </p:txBody>
+      </p:sp>
+      <p:sp>
+        <p:nvSpPr>
+          <p:cNvPr id="103" name="TextBox 102">
+            <a:extLst>
+              <a:ext uri="{FF2B5EF4-FFF2-40B4-BE49-F238E27FC236}">
+                <a16:creationId xmlns:a16="http://schemas.microsoft.com/office/drawing/2014/main" id="{D932E32B-CDBB-9E4A-8F2B-D3F96072B9A7}"/>
+              </a:ext>
+            </a:extLst>
+          </p:cNvPr>
+          <p:cNvSpPr txBox="1"/>
+          <p:nvPr/>
+        </p:nvSpPr>
+        <p:spPr>
+          <a:xfrm>
+            <a:off x="7677783" y="6347964"/>
+            <a:ext cx="643125" cy="369332"/>
+          </a:xfrm>
+          <a:prstGeom prst="rect">
+            <a:avLst/>
+          </a:prstGeom>
+          <a:noFill/>
+        </p:spPr>
+        <p:txBody>
+          <a:bodyPr wrap="none" rtlCol="0">
+            <a:spAutoFit/>
+          </a:bodyPr>
+          <a:lstStyle/>
+          <a:p>
+            <a:r>
+              <a:rPr lang="en-US" b="1" dirty="0">
+                <a:latin typeface="Yu Gothic" panose="020B0400000000000000" pitchFamily="34" charset="-128"/>
+                <a:ea typeface="Yu Gothic" panose="020B0400000000000000" pitchFamily="34" charset="-128"/>
+              </a:rPr>
+              <a:t>PC2</a:t>
+            </a:r>
+          </a:p>
+        </p:txBody>
+      </p:sp>
+      <p:sp>
+        <p:nvSpPr>
+          <p:cNvPr id="105" name="TextBox 104">
+            <a:extLst>
+              <a:ext uri="{FF2B5EF4-FFF2-40B4-BE49-F238E27FC236}">
+                <a16:creationId xmlns:a16="http://schemas.microsoft.com/office/drawing/2014/main" id="{1634E596-E3B7-DF48-9DFF-CD04A7BF7E1B}"/>
+              </a:ext>
+            </a:extLst>
+          </p:cNvPr>
+          <p:cNvSpPr txBox="1"/>
+          <p:nvPr/>
+        </p:nvSpPr>
+        <p:spPr>
+          <a:xfrm>
+            <a:off x="6568997" y="6346930"/>
+            <a:ext cx="643125" cy="369332"/>
+          </a:xfrm>
+          <a:prstGeom prst="rect">
+            <a:avLst/>
+          </a:prstGeom>
+          <a:noFill/>
+        </p:spPr>
+        <p:txBody>
+          <a:bodyPr wrap="none" rtlCol="0">
+            <a:spAutoFit/>
+          </a:bodyPr>
+          <a:lstStyle/>
+          <a:p>
+            <a:r>
+              <a:rPr lang="en-US" b="1" dirty="0">
+                <a:latin typeface="Yu Gothic" panose="020B0400000000000000" pitchFamily="34" charset="-128"/>
+                <a:ea typeface="Yu Gothic" panose="020B0400000000000000" pitchFamily="34" charset="-128"/>
+              </a:rPr>
+              <a:t>PC1</a:t>
+            </a:r>
+          </a:p>
+        </p:txBody>
+      </p:sp>
+      <p:cxnSp>
+        <p:nvCxnSpPr>
+          <p:cNvPr id="106" name="Straight Connector 105">
+            <a:extLst>
+              <a:ext uri="{FF2B5EF4-FFF2-40B4-BE49-F238E27FC236}">
+                <a16:creationId xmlns:a16="http://schemas.microsoft.com/office/drawing/2014/main" id="{8FFE966F-BA90-B249-B38A-86BCC0D04BDD}"/>
+              </a:ext>
+            </a:extLst>
+          </p:cNvPr>
+          <p:cNvCxnSpPr>
+            <a:cxnSpLocks/>
+          </p:cNvCxnSpPr>
+          <p:nvPr/>
+        </p:nvCxnSpPr>
+        <p:spPr>
+          <a:xfrm flipV="1">
+            <a:off x="5512026" y="3376474"/>
+            <a:ext cx="2735013" cy="2281002"/>
+          </a:xfrm>
+          <a:prstGeom prst="line">
+            <a:avLst/>
+          </a:prstGeom>
+          <a:ln w="38100">
+            <a:solidFill>
+              <a:schemeClr val="tx1"/>
+            </a:solidFill>
+            <a:prstDash val="dash"/>
+          </a:ln>
+        </p:spPr>
+        <p:style>
+          <a:lnRef idx="1">
+            <a:schemeClr val="accent1"/>
+          </a:lnRef>
+          <a:fillRef idx="0">
+            <a:schemeClr val="accent1"/>
+          </a:fillRef>
+          <a:effectRef idx="0">
+            <a:schemeClr val="accent1"/>
+          </a:effectRef>
+          <a:fontRef idx="minor">
+            <a:schemeClr val="tx1"/>
+          </a:fontRef>
+        </p:style>
+      </p:cxnSp>
+      <p:cxnSp>
+        <p:nvCxnSpPr>
+          <p:cNvPr id="107" name="Straight Connector 106">
+            <a:extLst>
+              <a:ext uri="{FF2B5EF4-FFF2-40B4-BE49-F238E27FC236}">
+                <a16:creationId xmlns:a16="http://schemas.microsoft.com/office/drawing/2014/main" id="{EA260B18-A027-0C42-A61E-48A877309707}"/>
+              </a:ext>
+            </a:extLst>
+          </p:cNvPr>
+          <p:cNvCxnSpPr>
+            <a:cxnSpLocks/>
+          </p:cNvCxnSpPr>
+          <p:nvPr/>
+        </p:nvCxnSpPr>
+        <p:spPr>
+          <a:xfrm>
+            <a:off x="9654385" y="3353482"/>
+            <a:ext cx="2326690" cy="2303993"/>
+          </a:xfrm>
+          <a:prstGeom prst="line">
+            <a:avLst/>
+          </a:prstGeom>
+          <a:ln w="38100">
+            <a:solidFill>
+              <a:schemeClr val="tx1"/>
+            </a:solidFill>
+            <a:prstDash val="dash"/>
+          </a:ln>
+        </p:spPr>
+        <p:style>
+          <a:lnRef idx="1">
+            <a:schemeClr val="accent1"/>
+          </a:lnRef>
+          <a:fillRef idx="0">
+            <a:schemeClr val="accent1"/>
+          </a:fillRef>
+          <a:effectRef idx="0">
+            <a:schemeClr val="accent1"/>
+          </a:effectRef>
+          <a:fontRef idx="minor">
+            <a:schemeClr val="tx1"/>
+          </a:fontRef>
+        </p:style>
+      </p:cxnSp>
+      <p:sp>
+        <p:nvSpPr>
+          <p:cNvPr id="108" name="TextBox 107">
+            <a:extLst>
+              <a:ext uri="{FF2B5EF4-FFF2-40B4-BE49-F238E27FC236}">
+                <a16:creationId xmlns:a16="http://schemas.microsoft.com/office/drawing/2014/main" id="{DC1DB411-1874-CA41-9FAB-00DE03D57435}"/>
+              </a:ext>
+            </a:extLst>
+          </p:cNvPr>
+          <p:cNvSpPr txBox="1"/>
+          <p:nvPr/>
+        </p:nvSpPr>
+        <p:spPr>
+          <a:xfrm>
+            <a:off x="6535687" y="1489283"/>
+            <a:ext cx="2589170" cy="646331"/>
+          </a:xfrm>
+          <a:prstGeom prst="rect">
+            <a:avLst/>
+          </a:prstGeom>
+          <a:noFill/>
+        </p:spPr>
+        <p:txBody>
+          <a:bodyPr wrap="none" rtlCol="0">
+            <a:spAutoFit/>
+          </a:bodyPr>
+          <a:lstStyle/>
+          <a:p>
+            <a:r>
+              <a:rPr lang="en-US" b="1" dirty="0">
+                <a:latin typeface="Yu Gothic" panose="020B0400000000000000" pitchFamily="34" charset="-128"/>
+                <a:ea typeface="Yu Gothic" panose="020B0400000000000000" pitchFamily="34" charset="-128"/>
+              </a:rPr>
+              <a:t>IP: 10.0.2.1</a:t>
+            </a:r>
+          </a:p>
+          <a:p>
+            <a:r>
+              <a:rPr lang="en-US" b="1" dirty="0">
+                <a:latin typeface="Yu Gothic" panose="020B0400000000000000" pitchFamily="34" charset="-128"/>
+                <a:ea typeface="Yu Gothic" panose="020B0400000000000000" pitchFamily="34" charset="-128"/>
+              </a:rPr>
+              <a:t>MAC: 0000.0002.0001</a:t>
+            </a:r>
+          </a:p>
+        </p:txBody>
+      </p:sp>
+    </p:spTree>
+    <p:extLst>
+      <p:ext uri="{BB962C8B-B14F-4D97-AF65-F5344CB8AC3E}">
+        <p14:creationId xmlns:p14="http://schemas.microsoft.com/office/powerpoint/2010/main" val="727143774"/>
       </p:ext>
     </p:extLst>
   </p:cSld>

--- a/slides/0030.pptx
+++ b/slides/0030.pptx
@@ -9,6 +9,8 @@
     <p:sldId id="258" r:id="rId3"/>
     <p:sldId id="259" r:id="rId4"/>
     <p:sldId id="262" r:id="rId5"/>
+    <p:sldId id="264" r:id="rId6"/>
+    <p:sldId id="265" r:id="rId7"/>
   </p:sldIdLst>
   <p:sldSz cx="12192000" cy="6858000"/>
   <p:notesSz cx="6858000" cy="9144000"/>
@@ -262,7 +264,7 @@
           <a:p>
             <a:fld id="{5AEC58D5-D0FD-5D43-AC21-2C9A8E377766}" type="datetimeFigureOut">
               <a:rPr lang="en-US" smtClean="0"/>
-              <a:t>5/15/18</a:t>
+              <a:t>5/16/18</a:t>
             </a:fld>
             <a:endParaRPr lang="en-US"/>
           </a:p>
@@ -460,7 +462,7 @@
           <a:p>
             <a:fld id="{5AEC58D5-D0FD-5D43-AC21-2C9A8E377766}" type="datetimeFigureOut">
               <a:rPr lang="en-US" smtClean="0"/>
-              <a:t>5/15/18</a:t>
+              <a:t>5/16/18</a:t>
             </a:fld>
             <a:endParaRPr lang="en-US"/>
           </a:p>
@@ -668,7 +670,7 @@
           <a:p>
             <a:fld id="{5AEC58D5-D0FD-5D43-AC21-2C9A8E377766}" type="datetimeFigureOut">
               <a:rPr lang="en-US" smtClean="0"/>
-              <a:t>5/15/18</a:t>
+              <a:t>5/16/18</a:t>
             </a:fld>
             <a:endParaRPr lang="en-US"/>
           </a:p>
@@ -866,7 +868,7 @@
           <a:p>
             <a:fld id="{5AEC58D5-D0FD-5D43-AC21-2C9A8E377766}" type="datetimeFigureOut">
               <a:rPr lang="en-US" smtClean="0"/>
-              <a:t>5/15/18</a:t>
+              <a:t>5/16/18</a:t>
             </a:fld>
             <a:endParaRPr lang="en-US"/>
           </a:p>
@@ -1141,7 +1143,7 @@
           <a:p>
             <a:fld id="{5AEC58D5-D0FD-5D43-AC21-2C9A8E377766}" type="datetimeFigureOut">
               <a:rPr lang="en-US" smtClean="0"/>
-              <a:t>5/15/18</a:t>
+              <a:t>5/16/18</a:t>
             </a:fld>
             <a:endParaRPr lang="en-US"/>
           </a:p>
@@ -1406,7 +1408,7 @@
           <a:p>
             <a:fld id="{5AEC58D5-D0FD-5D43-AC21-2C9A8E377766}" type="datetimeFigureOut">
               <a:rPr lang="en-US" smtClean="0"/>
-              <a:t>5/15/18</a:t>
+              <a:t>5/16/18</a:t>
             </a:fld>
             <a:endParaRPr lang="en-US"/>
           </a:p>
@@ -1818,7 +1820,7 @@
           <a:p>
             <a:fld id="{5AEC58D5-D0FD-5D43-AC21-2C9A8E377766}" type="datetimeFigureOut">
               <a:rPr lang="en-US" smtClean="0"/>
-              <a:t>5/15/18</a:t>
+              <a:t>5/16/18</a:t>
             </a:fld>
             <a:endParaRPr lang="en-US"/>
           </a:p>
@@ -1959,7 +1961,7 @@
           <a:p>
             <a:fld id="{5AEC58D5-D0FD-5D43-AC21-2C9A8E377766}" type="datetimeFigureOut">
               <a:rPr lang="en-US" smtClean="0"/>
-              <a:t>5/15/18</a:t>
+              <a:t>5/16/18</a:t>
             </a:fld>
             <a:endParaRPr lang="en-US"/>
           </a:p>
@@ -2072,7 +2074,7 @@
           <a:p>
             <a:fld id="{5AEC58D5-D0FD-5D43-AC21-2C9A8E377766}" type="datetimeFigureOut">
               <a:rPr lang="en-US" smtClean="0"/>
-              <a:t>5/15/18</a:t>
+              <a:t>5/16/18</a:t>
             </a:fld>
             <a:endParaRPr lang="en-US"/>
           </a:p>
@@ -2383,7 +2385,7 @@
           <a:p>
             <a:fld id="{5AEC58D5-D0FD-5D43-AC21-2C9A8E377766}" type="datetimeFigureOut">
               <a:rPr lang="en-US" smtClean="0"/>
-              <a:t>5/15/18</a:t>
+              <a:t>5/16/18</a:t>
             </a:fld>
             <a:endParaRPr lang="en-US"/>
           </a:p>
@@ -2671,7 +2673,7 @@
           <a:p>
             <a:fld id="{5AEC58D5-D0FD-5D43-AC21-2C9A8E377766}" type="datetimeFigureOut">
               <a:rPr lang="en-US" smtClean="0"/>
-              <a:t>5/15/18</a:t>
+              <a:t>5/16/18</a:t>
             </a:fld>
             <a:endParaRPr lang="en-US"/>
           </a:p>
@@ -2912,7 +2914,7 @@
           <a:p>
             <a:fld id="{5AEC58D5-D0FD-5D43-AC21-2C9A8E377766}" type="datetimeFigureOut">
               <a:rPr lang="en-US" smtClean="0"/>
-              <a:t>5/15/18</a:t>
+              <a:t>5/16/18</a:t>
             </a:fld>
             <a:endParaRPr lang="en-US"/>
           </a:p>
@@ -5188,8 +5190,8 @@
         </p:nvSpPr>
         <p:spPr>
           <a:xfrm>
-            <a:off x="1024902" y="471638"/>
-            <a:ext cx="10386415" cy="2618071"/>
+            <a:off x="336884" y="423511"/>
+            <a:ext cx="10265920" cy="2618071"/>
           </a:xfrm>
           <a:prstGeom prst="roundRect">
             <a:avLst/>
@@ -5244,7 +5246,7 @@
         </p:nvSpPr>
         <p:spPr>
           <a:xfrm>
-            <a:off x="1365061" y="1228158"/>
+            <a:off x="556548" y="1180031"/>
             <a:ext cx="4458272" cy="1323439"/>
           </a:xfrm>
           <a:prstGeom prst="rect">
@@ -5351,7 +5353,7 @@
         </p:nvSpPr>
         <p:spPr>
           <a:xfrm>
-            <a:off x="6086877" y="681175"/>
+            <a:off x="5520472" y="593846"/>
             <a:ext cx="2098651" cy="400110"/>
           </a:xfrm>
           <a:prstGeom prst="rect">
@@ -5403,7 +5405,7 @@
         </p:nvSpPr>
         <p:spPr>
           <a:xfrm>
-            <a:off x="8537608" y="690009"/>
+            <a:off x="7887058" y="613322"/>
             <a:ext cx="2098651" cy="400110"/>
           </a:xfrm>
           <a:prstGeom prst="rect">
@@ -5455,7 +5457,7 @@
         </p:nvSpPr>
         <p:spPr>
           <a:xfrm>
-            <a:off x="9395152" y="1135790"/>
+            <a:off x="8586639" y="1087663"/>
             <a:ext cx="699888" cy="2926072"/>
           </a:xfrm>
           <a:prstGeom prst="downArrow">
@@ -5521,7 +5523,7 @@
         </p:blipFill>
         <p:spPr>
           <a:xfrm>
-            <a:off x="9334177" y="4005201"/>
+            <a:off x="8525664" y="3957074"/>
             <a:ext cx="879591" cy="879591"/>
           </a:xfrm>
           <a:prstGeom prst="rect">
@@ -5544,7 +5546,7 @@
         </p:nvSpPr>
         <p:spPr>
           <a:xfrm>
-            <a:off x="7547278" y="2490490"/>
+            <a:off x="6738765" y="2442363"/>
             <a:ext cx="696024" cy="400110"/>
           </a:xfrm>
           <a:prstGeom prst="rect">
@@ -5582,7 +5584,7 @@
         </p:nvSpPr>
         <p:spPr>
           <a:xfrm>
-            <a:off x="10009483" y="2490724"/>
+            <a:off x="9200970" y="2442597"/>
             <a:ext cx="580608" cy="400110"/>
           </a:xfrm>
           <a:prstGeom prst="rect">
@@ -5620,7 +5622,7 @@
         </p:nvSpPr>
         <p:spPr>
           <a:xfrm>
-            <a:off x="5370174" y="4244941"/>
+            <a:off x="4715248" y="4196814"/>
             <a:ext cx="1433406" cy="400110"/>
           </a:xfrm>
           <a:prstGeom prst="rect">
@@ -5658,7 +5660,7 @@
         </p:nvSpPr>
         <p:spPr>
           <a:xfrm>
-            <a:off x="10272864" y="4244941"/>
+            <a:off x="9464351" y="4196814"/>
             <a:ext cx="1138453" cy="400110"/>
           </a:xfrm>
           <a:prstGeom prst="rect">
@@ -5699,7 +5701,7 @@
         </p:nvSpPr>
         <p:spPr>
           <a:xfrm>
-            <a:off x="7018783" y="1135790"/>
+            <a:off x="6210270" y="1087663"/>
             <a:ext cx="699888" cy="2926071"/>
           </a:xfrm>
           <a:prstGeom prst="downArrow">
@@ -5751,7 +5753,7 @@
         </p:nvSpPr>
         <p:spPr>
           <a:xfrm>
-            <a:off x="6343047" y="1390754"/>
+            <a:off x="5534534" y="1342627"/>
             <a:ext cx="4812633" cy="995691"/>
           </a:xfrm>
           <a:prstGeom prst="roundRect">
@@ -5802,7 +5804,7 @@
         </p:nvSpPr>
         <p:spPr>
           <a:xfrm rot="16200000">
-            <a:off x="6880407" y="3013450"/>
+            <a:off x="6071894" y="2965323"/>
             <a:ext cx="1005403" cy="400110"/>
           </a:xfrm>
           <a:prstGeom prst="rect">
@@ -5860,7 +5862,7 @@
         </p:nvSpPr>
         <p:spPr>
           <a:xfrm rot="16200000">
-            <a:off x="9271272" y="3072227"/>
+            <a:off x="8462759" y="3024100"/>
             <a:ext cx="1005403" cy="400110"/>
           </a:xfrm>
           <a:prstGeom prst="rect">
@@ -5918,7 +5920,7 @@
         </p:nvSpPr>
         <p:spPr>
           <a:xfrm>
-            <a:off x="8312260" y="1551713"/>
+            <a:off x="7503747" y="1503586"/>
             <a:ext cx="2752677" cy="707886"/>
           </a:xfrm>
           <a:prstGeom prst="rect">
@@ -6018,7 +6020,7 @@
         </p:blipFill>
         <p:spPr>
           <a:xfrm>
-            <a:off x="1515628" y="2430694"/>
+            <a:off x="707115" y="2382567"/>
             <a:ext cx="1318030" cy="1318030"/>
           </a:xfrm>
           <a:prstGeom prst="rect">
@@ -6054,7 +6056,7 @@
         </p:blipFill>
         <p:spPr>
           <a:xfrm>
-            <a:off x="6910511" y="4057019"/>
+            <a:off x="6101998" y="4008892"/>
             <a:ext cx="915091" cy="915091"/>
           </a:xfrm>
           <a:prstGeom prst="rect">
@@ -6076,7 +6078,7 @@
         </p:nvSpPr>
         <p:spPr>
           <a:xfrm>
-            <a:off x="6552635" y="1653419"/>
+            <a:off x="5744122" y="1605292"/>
             <a:ext cx="1651353" cy="455950"/>
           </a:xfrm>
           <a:prstGeom prst="roundRect">
@@ -6128,7 +6130,7 @@
         </p:nvSpPr>
         <p:spPr>
           <a:xfrm>
-            <a:off x="6605884" y="1705601"/>
+            <a:off x="5797371" y="1657474"/>
             <a:ext cx="1561646" cy="400110"/>
           </a:xfrm>
           <a:prstGeom prst="rect">
@@ -6169,7 +6171,7 @@
         </p:nvSpPr>
         <p:spPr>
           <a:xfrm>
-            <a:off x="4525400" y="1622638"/>
+            <a:off x="3716887" y="1574511"/>
             <a:ext cx="193294" cy="495560"/>
           </a:xfrm>
           <a:prstGeom prst="rightBrace">
@@ -6214,7 +6216,7 @@
         </p:nvCxnSpPr>
         <p:spPr>
           <a:xfrm>
-            <a:off x="4876154" y="1889877"/>
+            <a:off x="4067641" y="1841750"/>
             <a:ext cx="1295215" cy="0"/>
           </a:xfrm>
           <a:prstGeom prst="straightConnector1">
@@ -6267,7 +6269,7 @@
         </p:blipFill>
         <p:spPr>
           <a:xfrm>
-            <a:off x="9316426" y="5800284"/>
+            <a:off x="8507913" y="5752157"/>
             <a:ext cx="915091" cy="915091"/>
           </a:xfrm>
           <a:prstGeom prst="rect">
@@ -6289,7 +6291,7 @@
         </p:nvSpPr>
         <p:spPr>
           <a:xfrm>
-            <a:off x="10203696" y="6057774"/>
+            <a:off x="9395183" y="6009647"/>
             <a:ext cx="1433406" cy="400110"/>
           </a:xfrm>
           <a:prstGeom prst="rect">
@@ -6329,7 +6331,7 @@
         </p:nvCxnSpPr>
         <p:spPr>
           <a:xfrm>
-            <a:off x="9764183" y="4795102"/>
+            <a:off x="8955670" y="4746975"/>
             <a:ext cx="0" cy="1047432"/>
           </a:xfrm>
           <a:prstGeom prst="straightConnector1">
@@ -6371,7 +6373,7 @@
         </p:nvSpPr>
         <p:spPr>
           <a:xfrm>
-            <a:off x="9298677" y="4933609"/>
+            <a:off x="8490164" y="4885482"/>
             <a:ext cx="892440" cy="549585"/>
           </a:xfrm>
           <a:prstGeom prst="cloud">
@@ -6426,7 +6428,7 @@
         </p:nvSpPr>
         <p:spPr>
           <a:xfrm>
-            <a:off x="2830582" y="2905066"/>
+            <a:off x="2086529" y="2844432"/>
             <a:ext cx="1723549" cy="400110"/>
           </a:xfrm>
           <a:prstGeom prst="rect">
@@ -6478,8 +6480,8 @@
         </p:nvSpPr>
         <p:spPr>
           <a:xfrm>
-            <a:off x="1677750" y="5811553"/>
-            <a:ext cx="5958682" cy="646331"/>
+            <a:off x="983683" y="5431973"/>
+            <a:ext cx="5493812" cy="923330"/>
           </a:xfrm>
           <a:prstGeom prst="rect">
             <a:avLst/>
@@ -6497,7 +6499,7 @@
                 <a:latin typeface="Yu Gothic" panose="020B0400000000000000" pitchFamily="34" charset="-128"/>
                 <a:ea typeface="Yu Gothic" panose="020B0400000000000000" pitchFamily="34" charset="-128"/>
               </a:rPr>
-              <a:t>デフォルトゲートウェイの設定がされていないと</a:t>
+              <a:t>デフォルトゲートウェイの設定がされていないと、</a:t>
             </a:r>
             <a:endParaRPr lang="en-US" altLang="ja-JP" b="1" dirty="0">
               <a:latin typeface="Yu Gothic" panose="020B0400000000000000" pitchFamily="34" charset="-128"/>
@@ -6510,7 +6512,20 @@
                 <a:latin typeface="Yu Gothic" panose="020B0400000000000000" pitchFamily="34" charset="-128"/>
                 <a:ea typeface="Yu Gothic" panose="020B0400000000000000" pitchFamily="34" charset="-128"/>
               </a:rPr>
-              <a:t>自分が属するネットワークの宛先</a:t>
+              <a:t>ゲートウェイへ中継させられないため、自分が</a:t>
+            </a:r>
+            <a:endParaRPr lang="en-US" altLang="ja-JP" b="1" dirty="0">
+              <a:latin typeface="Yu Gothic" panose="020B0400000000000000" pitchFamily="34" charset="-128"/>
+              <a:ea typeface="Yu Gothic" panose="020B0400000000000000" pitchFamily="34" charset="-128"/>
+            </a:endParaRPr>
+          </a:p>
+          <a:p>
+            <a:r>
+              <a:rPr lang="ja-JP" altLang="en-US" b="1">
+                <a:latin typeface="Yu Gothic" panose="020B0400000000000000" pitchFamily="34" charset="-128"/>
+                <a:ea typeface="Yu Gothic" panose="020B0400000000000000" pitchFamily="34" charset="-128"/>
+              </a:rPr>
+              <a:t>属するネットワークの宛先</a:t>
             </a:r>
             <a:r>
               <a:rPr lang="en-US" altLang="ja-JP" b="1" dirty="0">
@@ -6547,7 +6562,7 @@
         </p:nvSpPr>
         <p:spPr>
           <a:xfrm>
-            <a:off x="1275688" y="5928544"/>
+            <a:off x="480877" y="5694840"/>
             <a:ext cx="415498" cy="369332"/>
           </a:xfrm>
           <a:prstGeom prst="rect">
@@ -6566,6 +6581,184 @@
               <a:t>※</a:t>
             </a:r>
             <a:endParaRPr lang="en-US" dirty="0"/>
+          </a:p>
+        </p:txBody>
+      </p:sp>
+      <p:sp>
+        <p:nvSpPr>
+          <p:cNvPr id="3" name="TextBox 2">
+            <a:extLst>
+              <a:ext uri="{FF2B5EF4-FFF2-40B4-BE49-F238E27FC236}">
+                <a16:creationId xmlns:a16="http://schemas.microsoft.com/office/drawing/2014/main" id="{FE82B125-E4F0-EF4A-BC94-0132F28EA2E8}"/>
+              </a:ext>
+            </a:extLst>
+          </p:cNvPr>
+          <p:cNvSpPr txBox="1"/>
+          <p:nvPr/>
+        </p:nvSpPr>
+        <p:spPr>
+          <a:xfrm>
+            <a:off x="6895662" y="3246793"/>
+            <a:ext cx="1385316" cy="646331"/>
+          </a:xfrm>
+          <a:prstGeom prst="rect">
+            <a:avLst/>
+          </a:prstGeom>
+          <a:noFill/>
+        </p:spPr>
+        <p:txBody>
+          <a:bodyPr wrap="none" rtlCol="0">
+            <a:spAutoFit/>
+          </a:bodyPr>
+          <a:lstStyle/>
+          <a:p>
+            <a:r>
+              <a:rPr lang="en-US" altLang="ja-JP" b="1" dirty="0">
+                <a:latin typeface="+mn-ea"/>
+              </a:rPr>
+              <a:t>IP</a:t>
+            </a:r>
+            <a:r>
+              <a:rPr lang="ja-JP" altLang="en-US" b="1">
+                <a:latin typeface="+mn-ea"/>
+              </a:rPr>
+              <a:t>の宛先へ</a:t>
+            </a:r>
+            <a:endParaRPr lang="en-US" altLang="ja-JP" b="1" dirty="0">
+              <a:latin typeface="+mn-ea"/>
+            </a:endParaRPr>
+          </a:p>
+          <a:p>
+            <a:r>
+              <a:rPr lang="ja-JP" altLang="en-US" b="1">
+                <a:latin typeface="+mn-ea"/>
+              </a:rPr>
+              <a:t>直接</a:t>
+            </a:r>
+            <a:r>
+              <a:rPr lang="en-US" altLang="ja-JP" b="1" dirty="0">
+                <a:latin typeface="+mn-ea"/>
+              </a:rPr>
+              <a:t>L2</a:t>
+            </a:r>
+            <a:r>
+              <a:rPr lang="ja-JP" altLang="en-US" b="1">
+                <a:latin typeface="+mn-ea"/>
+              </a:rPr>
+              <a:t>転送</a:t>
+            </a:r>
+            <a:endParaRPr lang="en-US" b="1" dirty="0">
+              <a:latin typeface="+mn-ea"/>
+            </a:endParaRPr>
+          </a:p>
+        </p:txBody>
+      </p:sp>
+      <p:sp>
+        <p:nvSpPr>
+          <p:cNvPr id="34" name="TextBox 33">
+            <a:extLst>
+              <a:ext uri="{FF2B5EF4-FFF2-40B4-BE49-F238E27FC236}">
+                <a16:creationId xmlns:a16="http://schemas.microsoft.com/office/drawing/2014/main" id="{379A9545-07C1-EF4C-B94D-4E49E606B61A}"/>
+              </a:ext>
+            </a:extLst>
+          </p:cNvPr>
+          <p:cNvSpPr txBox="1"/>
+          <p:nvPr/>
+        </p:nvSpPr>
+        <p:spPr>
+          <a:xfrm>
+            <a:off x="9363870" y="3292992"/>
+            <a:ext cx="1800493" cy="646331"/>
+          </a:xfrm>
+          <a:prstGeom prst="rect">
+            <a:avLst/>
+          </a:prstGeom>
+          <a:noFill/>
+        </p:spPr>
+        <p:txBody>
+          <a:bodyPr wrap="none" rtlCol="0">
+            <a:spAutoFit/>
+          </a:bodyPr>
+          <a:lstStyle/>
+          <a:p>
+            <a:r>
+              <a:rPr lang="ja-JP" altLang="en-US" b="1"/>
+              <a:t>ゲートウェイへ</a:t>
+            </a:r>
+            <a:endParaRPr lang="en-US" altLang="ja-JP" b="1" dirty="0"/>
+          </a:p>
+          <a:p>
+            <a:r>
+              <a:rPr lang="en-US" altLang="ja-JP" b="1" dirty="0"/>
+              <a:t>L2</a:t>
+            </a:r>
+            <a:r>
+              <a:rPr lang="ja-JP" altLang="en-US" b="1"/>
+              <a:t>転送</a:t>
+            </a:r>
+            <a:endParaRPr lang="en-US" b="1" dirty="0"/>
+          </a:p>
+        </p:txBody>
+      </p:sp>
+      <p:sp>
+        <p:nvSpPr>
+          <p:cNvPr id="4" name="TextBox 3">
+            <a:extLst>
+              <a:ext uri="{FF2B5EF4-FFF2-40B4-BE49-F238E27FC236}">
+                <a16:creationId xmlns:a16="http://schemas.microsoft.com/office/drawing/2014/main" id="{B0D2D5BE-6088-F843-A07F-D07D5C074674}"/>
+              </a:ext>
+            </a:extLst>
+          </p:cNvPr>
+          <p:cNvSpPr txBox="1"/>
+          <p:nvPr/>
+        </p:nvSpPr>
+        <p:spPr>
+          <a:xfrm>
+            <a:off x="9582094" y="4746975"/>
+            <a:ext cx="2492990" cy="923330"/>
+          </a:xfrm>
+          <a:prstGeom prst="rect">
+            <a:avLst/>
+          </a:prstGeom>
+          <a:noFill/>
+        </p:spPr>
+        <p:txBody>
+          <a:bodyPr wrap="none" rtlCol="0">
+            <a:spAutoFit/>
+          </a:bodyPr>
+          <a:lstStyle/>
+          <a:p>
+            <a:r>
+              <a:rPr lang="ja-JP" altLang="en-US" b="1">
+                <a:latin typeface="+mn-ea"/>
+              </a:rPr>
+              <a:t>ゲートウェイより先の</a:t>
+            </a:r>
+            <a:endParaRPr lang="en-US" altLang="ja-JP" b="1" dirty="0">
+              <a:latin typeface="+mn-ea"/>
+            </a:endParaRPr>
+          </a:p>
+          <a:p>
+            <a:r>
+              <a:rPr lang="ja-JP" altLang="en-US" b="1">
+                <a:latin typeface="+mn-ea"/>
+              </a:rPr>
+              <a:t>通信は送信元ホストは</a:t>
+            </a:r>
+            <a:endParaRPr lang="en-US" altLang="ja-JP" b="1" dirty="0">
+              <a:latin typeface="+mn-ea"/>
+            </a:endParaRPr>
+          </a:p>
+          <a:p>
+            <a:r>
+              <a:rPr lang="ja-JP" altLang="en-US" b="1">
+                <a:latin typeface="+mn-ea"/>
+              </a:rPr>
+              <a:t>関与しない</a:t>
+            </a:r>
+            <a:endParaRPr lang="en-US" b="1" dirty="0">
+              <a:latin typeface="+mn-ea"/>
+            </a:endParaRPr>
           </a:p>
         </p:txBody>
       </p:sp>
@@ -9271,8 +9464,8 @@
         </p:nvSpPr>
         <p:spPr>
           <a:xfrm>
-            <a:off x="7005233" y="173928"/>
-            <a:ext cx="939681" cy="369332"/>
+            <a:off x="6688729" y="171549"/>
+            <a:ext cx="1513556" cy="369332"/>
           </a:xfrm>
           <a:prstGeom prst="rect">
             <a:avLst/>
@@ -9290,7 +9483,7 @@
                 <a:latin typeface="Yu Gothic" panose="020B0400000000000000" pitchFamily="34" charset="-128"/>
                 <a:ea typeface="Yu Gothic" panose="020B0400000000000000" pitchFamily="34" charset="-128"/>
               </a:rPr>
-              <a:t>Router</a:t>
+              <a:t>Router(GW)</a:t>
             </a:r>
           </a:p>
         </p:txBody>
@@ -9593,10 +9786,10 @@
       </p:grpSpPr>
       <p:sp>
         <p:nvSpPr>
-          <p:cNvPr id="43" name="Down Arrow 42">
-            <a:extLst>
-              <a:ext uri="{FF2B5EF4-FFF2-40B4-BE49-F238E27FC236}">
-                <a16:creationId xmlns:a16="http://schemas.microsoft.com/office/drawing/2014/main" id="{0146FC5E-FB24-5142-88FE-85F580A629D1}"/>
+          <p:cNvPr id="3" name="Rounded Rectangular Callout 2">
+            <a:extLst>
+              <a:ext uri="{FF2B5EF4-FFF2-40B4-BE49-F238E27FC236}">
+                <a16:creationId xmlns:a16="http://schemas.microsoft.com/office/drawing/2014/main" id="{E461BF36-7C64-3143-8767-B89AA65C7875}"/>
               </a:ext>
             </a:extLst>
           </p:cNvPr>
@@ -9604,16 +9797,17 @@
           <p:nvPr/>
         </p:nvSpPr>
         <p:spPr>
-          <a:xfrm rot="16200000">
-            <a:off x="4048901" y="2555890"/>
-            <a:ext cx="382741" cy="879817"/>
-          </a:xfrm>
-          <a:prstGeom prst="downArrow">
-            <a:avLst/>
-          </a:prstGeom>
-          <a:solidFill>
-            <a:schemeClr val="tx1"/>
-          </a:solidFill>
+          <a:xfrm>
+            <a:off x="4643497" y="125128"/>
+            <a:ext cx="2782228" cy="1632919"/>
+          </a:xfrm>
+          <a:prstGeom prst="wedgeRoundRectCallout">
+            <a:avLst>
+              <a:gd name="adj1" fmla="val 7792"/>
+              <a:gd name="adj2" fmla="val 67574"/>
+              <a:gd name="adj3" fmla="val 16667"/>
+            </a:avLst>
+          </a:prstGeom>
           <a:ln>
             <a:noFill/>
           </a:ln>
@@ -9643,6 +9837,110 @@
           </a:p>
         </p:txBody>
       </p:sp>
+      <p:sp>
+        <p:nvSpPr>
+          <p:cNvPr id="10" name="Rectangle 9">
+            <a:extLst>
+              <a:ext uri="{FF2B5EF4-FFF2-40B4-BE49-F238E27FC236}">
+                <a16:creationId xmlns:a16="http://schemas.microsoft.com/office/drawing/2014/main" id="{A5033C39-9BB8-5A40-B45B-1E60CEAE2220}"/>
+              </a:ext>
+            </a:extLst>
+          </p:cNvPr>
+          <p:cNvSpPr/>
+          <p:nvPr/>
+        </p:nvSpPr>
+        <p:spPr>
+          <a:xfrm>
+            <a:off x="4797571" y="1319721"/>
+            <a:ext cx="2450252" cy="364700"/>
+          </a:xfrm>
+          <a:prstGeom prst="rect">
+            <a:avLst/>
+          </a:prstGeom>
+          <a:solidFill>
+            <a:schemeClr val="accent3"/>
+          </a:solidFill>
+          <a:ln>
+            <a:noFill/>
+          </a:ln>
+        </p:spPr>
+        <p:style>
+          <a:lnRef idx="2">
+            <a:schemeClr val="accent1">
+              <a:shade val="50000"/>
+            </a:schemeClr>
+          </a:lnRef>
+          <a:fillRef idx="1">
+            <a:schemeClr val="accent1"/>
+          </a:fillRef>
+          <a:effectRef idx="0">
+            <a:schemeClr val="accent1"/>
+          </a:effectRef>
+          <a:fontRef idx="minor">
+            <a:schemeClr val="lt1"/>
+          </a:fontRef>
+        </p:style>
+        <p:txBody>
+          <a:bodyPr rtlCol="0" anchor="ctr"/>
+          <a:lstStyle/>
+          <a:p>
+            <a:pPr algn="ctr"/>
+            <a:endParaRPr lang="en-US"/>
+          </a:p>
+        </p:txBody>
+      </p:sp>
+      <p:sp>
+        <p:nvSpPr>
+          <p:cNvPr id="43" name="Down Arrow 42">
+            <a:extLst>
+              <a:ext uri="{FF2B5EF4-FFF2-40B4-BE49-F238E27FC236}">
+                <a16:creationId xmlns:a16="http://schemas.microsoft.com/office/drawing/2014/main" id="{0146FC5E-FB24-5142-88FE-85F580A629D1}"/>
+              </a:ext>
+            </a:extLst>
+          </p:cNvPr>
+          <p:cNvSpPr/>
+          <p:nvPr/>
+        </p:nvSpPr>
+        <p:spPr>
+          <a:xfrm rot="16200000">
+            <a:off x="3635396" y="2602234"/>
+            <a:ext cx="382741" cy="879817"/>
+          </a:xfrm>
+          <a:prstGeom prst="downArrow">
+            <a:avLst/>
+          </a:prstGeom>
+          <a:solidFill>
+            <a:schemeClr val="tx1"/>
+          </a:solidFill>
+          <a:ln>
+            <a:noFill/>
+          </a:ln>
+        </p:spPr>
+        <p:style>
+          <a:lnRef idx="2">
+            <a:schemeClr val="accent1">
+              <a:shade val="50000"/>
+            </a:schemeClr>
+          </a:lnRef>
+          <a:fillRef idx="1">
+            <a:schemeClr val="accent1"/>
+          </a:fillRef>
+          <a:effectRef idx="0">
+            <a:schemeClr val="accent1"/>
+          </a:effectRef>
+          <a:fontRef idx="minor">
+            <a:schemeClr val="lt1"/>
+          </a:fontRef>
+        </p:style>
+        <p:txBody>
+          <a:bodyPr rtlCol="0" anchor="ctr"/>
+          <a:lstStyle/>
+          <a:p>
+            <a:pPr algn="ctr"/>
+            <a:endParaRPr lang="en-US"/>
+          </a:p>
+        </p:txBody>
+      </p:sp>
       <p:cxnSp>
         <p:nvCxnSpPr>
           <p:cNvPr id="7" name="Straight Connector 6">
@@ -9700,7 +9998,7 @@
         </p:nvSpPr>
         <p:spPr>
           <a:xfrm>
-            <a:off x="3171844" y="1492093"/>
+            <a:off x="1548634" y="588154"/>
             <a:ext cx="2589170" cy="646331"/>
           </a:xfrm>
           <a:prstGeom prst="rect">
@@ -10480,7 +10778,7 @@
         </p:nvSpPr>
         <p:spPr>
           <a:xfrm>
-            <a:off x="2842610" y="2701125"/>
+            <a:off x="2429105" y="2747469"/>
             <a:ext cx="1492567" cy="596285"/>
           </a:xfrm>
           <a:prstGeom prst="rect">
@@ -10534,7 +10832,7 @@
         </p:nvSpPr>
         <p:spPr>
           <a:xfrm>
-            <a:off x="3167995" y="2744039"/>
+            <a:off x="2754490" y="2790383"/>
             <a:ext cx="877163" cy="338554"/>
           </a:xfrm>
           <a:prstGeom prst="rect">
@@ -10575,8 +10873,8 @@
         </p:nvSpPr>
         <p:spPr>
           <a:xfrm>
-            <a:off x="5691876" y="1805945"/>
-            <a:ext cx="843811" cy="876557"/>
+            <a:off x="5691876" y="2092479"/>
+            <a:ext cx="843811" cy="590023"/>
           </a:xfrm>
           <a:prstGeom prst="rect">
             <a:avLst/>
@@ -10743,8 +11041,8 @@
         </p:nvCxnSpPr>
         <p:spPr>
           <a:xfrm flipH="1">
-            <a:off x="225850" y="3297410"/>
-            <a:ext cx="2616760" cy="437192"/>
+            <a:off x="225850" y="3361173"/>
+            <a:ext cx="2203180" cy="373429"/>
           </a:xfrm>
           <a:prstGeom prst="line">
             <a:avLst/>
@@ -10787,8 +11085,8 @@
         </p:nvCxnSpPr>
         <p:spPr>
           <a:xfrm>
-            <a:off x="4342715" y="3277678"/>
-            <a:ext cx="2364984" cy="512437"/>
+            <a:off x="3921672" y="3336815"/>
+            <a:ext cx="2786027" cy="453300"/>
           </a:xfrm>
           <a:prstGeom prst="line">
             <a:avLst/>
@@ -10829,7 +11127,7 @@
         </p:nvSpPr>
         <p:spPr>
           <a:xfrm>
-            <a:off x="2927545" y="2984685"/>
+            <a:off x="2514040" y="3031029"/>
             <a:ext cx="1358064" cy="338554"/>
           </a:xfrm>
           <a:prstGeom prst="rect">
@@ -10955,7 +11253,7 @@
         </p:nvSpPr>
         <p:spPr>
           <a:xfrm>
-            <a:off x="3811959" y="4446764"/>
+            <a:off x="3942403" y="4455390"/>
             <a:ext cx="643125" cy="369332"/>
           </a:xfrm>
           <a:prstGeom prst="rect">
@@ -12017,7 +12315,7 @@
         </p:nvSpPr>
         <p:spPr>
           <a:xfrm>
-            <a:off x="9057108" y="6338304"/>
+            <a:off x="8980689" y="6346930"/>
             <a:ext cx="1066318" cy="369332"/>
           </a:xfrm>
           <a:prstGeom prst="rect">
@@ -12133,8 +12431,8 @@
         </p:nvCxnSpPr>
         <p:spPr>
           <a:xfrm flipV="1">
-            <a:off x="5512026" y="3376474"/>
-            <a:ext cx="2735013" cy="2281002"/>
+            <a:off x="5512026" y="3385674"/>
+            <a:ext cx="2659822" cy="2271802"/>
           </a:xfrm>
           <a:prstGeom prst="line">
             <a:avLst/>
@@ -12219,7 +12517,7 @@
         </p:nvSpPr>
         <p:spPr>
           <a:xfrm>
-            <a:off x="6535687" y="1489283"/>
+            <a:off x="8065873" y="551484"/>
             <a:ext cx="2589170" cy="646331"/>
           </a:xfrm>
           <a:prstGeom prst="rect">
@@ -12249,6 +12547,832 @@
               </a:rPr>
               <a:t>MAC: 0000.0002.0001</a:t>
             </a:r>
+          </a:p>
+        </p:txBody>
+      </p:sp>
+      <p:sp>
+        <p:nvSpPr>
+          <p:cNvPr id="60" name="TextBox 59">
+            <a:extLst>
+              <a:ext uri="{FF2B5EF4-FFF2-40B4-BE49-F238E27FC236}">
+                <a16:creationId xmlns:a16="http://schemas.microsoft.com/office/drawing/2014/main" id="{DF3FCF97-58F9-DF45-A92C-A62EEF47444F}"/>
+              </a:ext>
+            </a:extLst>
+          </p:cNvPr>
+          <p:cNvSpPr txBox="1"/>
+          <p:nvPr/>
+        </p:nvSpPr>
+        <p:spPr>
+          <a:xfrm>
+            <a:off x="4946357" y="2085101"/>
+            <a:ext cx="700833" cy="369332"/>
+          </a:xfrm>
+          <a:prstGeom prst="rect">
+            <a:avLst/>
+          </a:prstGeom>
+          <a:noFill/>
+        </p:spPr>
+        <p:txBody>
+          <a:bodyPr wrap="none" rtlCol="0">
+            <a:spAutoFit/>
+          </a:bodyPr>
+          <a:lstStyle/>
+          <a:p>
+            <a:r>
+              <a:rPr lang="en-US" b="1" dirty="0">
+                <a:latin typeface="Yu Gothic" panose="020B0400000000000000" pitchFamily="34" charset="-128"/>
+                <a:ea typeface="Yu Gothic" panose="020B0400000000000000" pitchFamily="34" charset="-128"/>
+              </a:rPr>
+              <a:t>g0/1</a:t>
+            </a:r>
+          </a:p>
+        </p:txBody>
+      </p:sp>
+      <p:sp>
+        <p:nvSpPr>
+          <p:cNvPr id="61" name="TextBox 60">
+            <a:extLst>
+              <a:ext uri="{FF2B5EF4-FFF2-40B4-BE49-F238E27FC236}">
+                <a16:creationId xmlns:a16="http://schemas.microsoft.com/office/drawing/2014/main" id="{F1B545CC-E6BD-F746-9053-C4E166CA043C}"/>
+              </a:ext>
+            </a:extLst>
+          </p:cNvPr>
+          <p:cNvSpPr txBox="1"/>
+          <p:nvPr/>
+        </p:nvSpPr>
+        <p:spPr>
+          <a:xfrm>
+            <a:off x="6564211" y="2090168"/>
+            <a:ext cx="700833" cy="369332"/>
+          </a:xfrm>
+          <a:prstGeom prst="rect">
+            <a:avLst/>
+          </a:prstGeom>
+          <a:noFill/>
+        </p:spPr>
+        <p:txBody>
+          <a:bodyPr wrap="none" rtlCol="0">
+            <a:spAutoFit/>
+          </a:bodyPr>
+          <a:lstStyle/>
+          <a:p>
+            <a:r>
+              <a:rPr lang="en-US" b="1" dirty="0">
+                <a:latin typeface="Yu Gothic" panose="020B0400000000000000" pitchFamily="34" charset="-128"/>
+                <a:ea typeface="Yu Gothic" panose="020B0400000000000000" pitchFamily="34" charset="-128"/>
+              </a:rPr>
+              <a:t>g0/2</a:t>
+            </a:r>
+          </a:p>
+        </p:txBody>
+      </p:sp>
+      <p:sp>
+        <p:nvSpPr>
+          <p:cNvPr id="62" name="TextBox 61">
+            <a:extLst>
+              <a:ext uri="{FF2B5EF4-FFF2-40B4-BE49-F238E27FC236}">
+                <a16:creationId xmlns:a16="http://schemas.microsoft.com/office/drawing/2014/main" id="{2628E5FC-F8E9-DF4F-94D0-4ABD4EB1F8F7}"/>
+              </a:ext>
+            </a:extLst>
+          </p:cNvPr>
+          <p:cNvSpPr txBox="1"/>
+          <p:nvPr/>
+        </p:nvSpPr>
+        <p:spPr>
+          <a:xfrm>
+            <a:off x="10707501" y="2296776"/>
+            <a:ext cx="643125" cy="369332"/>
+          </a:xfrm>
+          <a:prstGeom prst="rect">
+            <a:avLst/>
+          </a:prstGeom>
+          <a:noFill/>
+        </p:spPr>
+        <p:txBody>
+          <a:bodyPr wrap="none" rtlCol="0">
+            <a:spAutoFit/>
+          </a:bodyPr>
+          <a:lstStyle/>
+          <a:p>
+            <a:r>
+              <a:rPr lang="en-US" b="1" dirty="0">
+                <a:latin typeface="Yu Gothic" panose="020B0400000000000000" pitchFamily="34" charset="-128"/>
+                <a:ea typeface="Yu Gothic" panose="020B0400000000000000" pitchFamily="34" charset="-128"/>
+              </a:rPr>
+              <a:t>PC2</a:t>
+            </a:r>
+          </a:p>
+        </p:txBody>
+      </p:sp>
+      <p:sp>
+        <p:nvSpPr>
+          <p:cNvPr id="63" name="TextBox 62">
+            <a:extLst>
+              <a:ext uri="{FF2B5EF4-FFF2-40B4-BE49-F238E27FC236}">
+                <a16:creationId xmlns:a16="http://schemas.microsoft.com/office/drawing/2014/main" id="{9CE5A17F-FC6F-8340-B71D-F5427BFC5A60}"/>
+              </a:ext>
+            </a:extLst>
+          </p:cNvPr>
+          <p:cNvSpPr txBox="1"/>
+          <p:nvPr/>
+        </p:nvSpPr>
+        <p:spPr>
+          <a:xfrm>
+            <a:off x="1325029" y="2306401"/>
+            <a:ext cx="643125" cy="369332"/>
+          </a:xfrm>
+          <a:prstGeom prst="rect">
+            <a:avLst/>
+          </a:prstGeom>
+          <a:noFill/>
+        </p:spPr>
+        <p:txBody>
+          <a:bodyPr wrap="none" rtlCol="0">
+            <a:spAutoFit/>
+          </a:bodyPr>
+          <a:lstStyle/>
+          <a:p>
+            <a:r>
+              <a:rPr lang="en-US" b="1" dirty="0">
+                <a:latin typeface="Yu Gothic" panose="020B0400000000000000" pitchFamily="34" charset="-128"/>
+                <a:ea typeface="Yu Gothic" panose="020B0400000000000000" pitchFamily="34" charset="-128"/>
+              </a:rPr>
+              <a:t>PC1</a:t>
+            </a:r>
+          </a:p>
+        </p:txBody>
+      </p:sp>
+      <p:cxnSp>
+        <p:nvCxnSpPr>
+          <p:cNvPr id="64" name="Straight Arrow Connector 63">
+            <a:extLst>
+              <a:ext uri="{FF2B5EF4-FFF2-40B4-BE49-F238E27FC236}">
+                <a16:creationId xmlns:a16="http://schemas.microsoft.com/office/drawing/2014/main" id="{8116256F-0CEB-474C-B4F6-1690BB551D22}"/>
+              </a:ext>
+            </a:extLst>
+          </p:cNvPr>
+          <p:cNvCxnSpPr>
+            <a:cxnSpLocks/>
+          </p:cNvCxnSpPr>
+          <p:nvPr/>
+        </p:nvCxnSpPr>
+        <p:spPr>
+          <a:xfrm>
+            <a:off x="3263430" y="1310069"/>
+            <a:ext cx="1678794" cy="905105"/>
+          </a:xfrm>
+          <a:prstGeom prst="straightConnector1">
+            <a:avLst/>
+          </a:prstGeom>
+          <a:ln w="38100">
+            <a:solidFill>
+              <a:schemeClr val="tx1"/>
+            </a:solidFill>
+            <a:tailEnd type="triangle"/>
+          </a:ln>
+        </p:spPr>
+        <p:style>
+          <a:lnRef idx="1">
+            <a:schemeClr val="accent1"/>
+          </a:lnRef>
+          <a:fillRef idx="0">
+            <a:schemeClr val="accent1"/>
+          </a:fillRef>
+          <a:effectRef idx="0">
+            <a:schemeClr val="accent1"/>
+          </a:effectRef>
+          <a:fontRef idx="minor">
+            <a:schemeClr val="tx1"/>
+          </a:fontRef>
+        </p:style>
+      </p:cxnSp>
+      <p:cxnSp>
+        <p:nvCxnSpPr>
+          <p:cNvPr id="65" name="Straight Arrow Connector 64">
+            <a:extLst>
+              <a:ext uri="{FF2B5EF4-FFF2-40B4-BE49-F238E27FC236}">
+                <a16:creationId xmlns:a16="http://schemas.microsoft.com/office/drawing/2014/main" id="{18F2B6DC-30DB-BA44-8681-615A1111B261}"/>
+              </a:ext>
+            </a:extLst>
+          </p:cNvPr>
+          <p:cNvCxnSpPr>
+            <a:cxnSpLocks/>
+          </p:cNvCxnSpPr>
+          <p:nvPr/>
+        </p:nvCxnSpPr>
+        <p:spPr>
+          <a:xfrm flipH="1">
+            <a:off x="7267493" y="1244317"/>
+            <a:ext cx="1846851" cy="983194"/>
+          </a:xfrm>
+          <a:prstGeom prst="straightConnector1">
+            <a:avLst/>
+          </a:prstGeom>
+          <a:ln w="38100">
+            <a:solidFill>
+              <a:schemeClr val="tx1"/>
+            </a:solidFill>
+            <a:tailEnd type="triangle"/>
+          </a:ln>
+        </p:spPr>
+        <p:style>
+          <a:lnRef idx="1">
+            <a:schemeClr val="accent1"/>
+          </a:lnRef>
+          <a:fillRef idx="0">
+            <a:schemeClr val="accent1"/>
+          </a:fillRef>
+          <a:effectRef idx="0">
+            <a:schemeClr val="accent1"/>
+          </a:effectRef>
+          <a:fontRef idx="minor">
+            <a:schemeClr val="tx1"/>
+          </a:fontRef>
+        </p:style>
+      </p:cxnSp>
+      <p:graphicFrame>
+        <p:nvGraphicFramePr>
+          <p:cNvPr id="9" name="Table 8">
+            <a:extLst>
+              <a:ext uri="{FF2B5EF4-FFF2-40B4-BE49-F238E27FC236}">
+                <a16:creationId xmlns:a16="http://schemas.microsoft.com/office/drawing/2014/main" id="{9DEE6750-D32F-DA44-AA26-A455564173B4}"/>
+              </a:ext>
+            </a:extLst>
+          </p:cNvPr>
+          <p:cNvGraphicFramePr>
+            <a:graphicFrameLocks noGrp="1"/>
+          </p:cNvGraphicFramePr>
+          <p:nvPr>
+            <p:extLst>
+              <p:ext uri="{D42A27DB-BD31-4B8C-83A1-F6EECF244321}">
+                <p14:modId xmlns:p14="http://schemas.microsoft.com/office/powerpoint/2010/main" val="3023188627"/>
+              </p:ext>
+            </p:extLst>
+          </p:nvPr>
+        </p:nvGraphicFramePr>
+        <p:xfrm>
+          <a:off x="4801858" y="558598"/>
+          <a:ext cx="2454230" cy="1112520"/>
+        </p:xfrm>
+        <a:graphic>
+          <a:graphicData uri="http://schemas.openxmlformats.org/drawingml/2006/table">
+            <a:tbl>
+              <a:tblPr firstRow="1" bandRow="1"/>
+              <a:tblGrid>
+                <a:gridCol w="1609455">
+                  <a:extLst>
+                    <a:ext uri="{9D8B030D-6E8A-4147-A177-3AD203B41FA5}">
+                      <a16:colId xmlns:a16="http://schemas.microsoft.com/office/drawing/2014/main" val="3165905422"/>
+                    </a:ext>
+                  </a:extLst>
+                </a:gridCol>
+                <a:gridCol w="844775">
+                  <a:extLst>
+                    <a:ext uri="{9D8B030D-6E8A-4147-A177-3AD203B41FA5}">
+                      <a16:colId xmlns:a16="http://schemas.microsoft.com/office/drawing/2014/main" val="2467080021"/>
+                    </a:ext>
+                  </a:extLst>
+                </a:gridCol>
+              </a:tblGrid>
+              <a:tr h="370840">
+                <a:tc>
+                  <a:txBody>
+                    <a:bodyPr/>
+                    <a:lstStyle/>
+                    <a:p>
+                      <a:pPr algn="ctr"/>
+                      <a:r>
+                        <a:rPr lang="ja-JP" altLang="en-US" b="1">
+                          <a:solidFill>
+                            <a:schemeClr val="bg1"/>
+                          </a:solidFill>
+                          <a:latin typeface="+mn-ea"/>
+                          <a:ea typeface="+mn-ea"/>
+                        </a:rPr>
+                        <a:t>ネットワーク</a:t>
+                      </a:r>
+                      <a:endParaRPr lang="en-US" b="1" dirty="0">
+                        <a:solidFill>
+                          <a:schemeClr val="bg1"/>
+                        </a:solidFill>
+                        <a:latin typeface="+mn-ea"/>
+                        <a:ea typeface="+mn-ea"/>
+                      </a:endParaRPr>
+                    </a:p>
+                  </a:txBody>
+                  <a:tcPr>
+                    <a:lnL w="28575" cap="flat" cmpd="sng" algn="ctr">
+                      <a:solidFill>
+                        <a:schemeClr val="bg1"/>
+                      </a:solidFill>
+                      <a:prstDash val="solid"/>
+                      <a:round/>
+                      <a:headEnd type="none" w="med" len="med"/>
+                      <a:tailEnd type="none" w="med" len="med"/>
+                    </a:lnL>
+                    <a:lnR w="28575" cap="flat" cmpd="sng" algn="ctr">
+                      <a:solidFill>
+                        <a:schemeClr val="bg1"/>
+                      </a:solidFill>
+                      <a:prstDash val="solid"/>
+                      <a:round/>
+                      <a:headEnd type="none" w="med" len="med"/>
+                      <a:tailEnd type="none" w="med" len="med"/>
+                    </a:lnR>
+                    <a:lnT w="28575" cap="flat" cmpd="sng" algn="ctr">
+                      <a:solidFill>
+                        <a:schemeClr val="bg1"/>
+                      </a:solidFill>
+                      <a:prstDash val="solid"/>
+                      <a:round/>
+                      <a:headEnd type="none" w="med" len="med"/>
+                      <a:tailEnd type="none" w="med" len="med"/>
+                    </a:lnT>
+                    <a:lnB w="28575" cap="flat" cmpd="sng" algn="ctr">
+                      <a:solidFill>
+                        <a:schemeClr val="bg1"/>
+                      </a:solidFill>
+                      <a:prstDash val="solid"/>
+                      <a:round/>
+                      <a:headEnd type="none" w="med" len="med"/>
+                      <a:tailEnd type="none" w="med" len="med"/>
+                    </a:lnB>
+                    <a:noFill/>
+                  </a:tcPr>
+                </a:tc>
+                <a:tc>
+                  <a:txBody>
+                    <a:bodyPr/>
+                    <a:lstStyle/>
+                    <a:p>
+                      <a:pPr algn="ctr"/>
+                      <a:r>
+                        <a:rPr lang="en-US" b="1" dirty="0">
+                          <a:solidFill>
+                            <a:schemeClr val="bg1"/>
+                          </a:solidFill>
+                          <a:latin typeface="+mn-ea"/>
+                          <a:ea typeface="+mn-ea"/>
+                        </a:rPr>
+                        <a:t>via</a:t>
+                      </a:r>
+                    </a:p>
+                  </a:txBody>
+                  <a:tcPr>
+                    <a:lnL w="28575" cap="flat" cmpd="sng" algn="ctr">
+                      <a:solidFill>
+                        <a:schemeClr val="bg1"/>
+                      </a:solidFill>
+                      <a:prstDash val="solid"/>
+                      <a:round/>
+                      <a:headEnd type="none" w="med" len="med"/>
+                      <a:tailEnd type="none" w="med" len="med"/>
+                    </a:lnL>
+                    <a:lnR w="28575" cap="flat" cmpd="sng" algn="ctr">
+                      <a:solidFill>
+                        <a:schemeClr val="bg1"/>
+                      </a:solidFill>
+                      <a:prstDash val="solid"/>
+                      <a:round/>
+                      <a:headEnd type="none" w="med" len="med"/>
+                      <a:tailEnd type="none" w="med" len="med"/>
+                    </a:lnR>
+                    <a:lnT w="28575" cap="flat" cmpd="sng" algn="ctr">
+                      <a:solidFill>
+                        <a:schemeClr val="bg1"/>
+                      </a:solidFill>
+                      <a:prstDash val="solid"/>
+                      <a:round/>
+                      <a:headEnd type="none" w="med" len="med"/>
+                      <a:tailEnd type="none" w="med" len="med"/>
+                    </a:lnT>
+                    <a:lnB w="28575" cap="flat" cmpd="sng" algn="ctr">
+                      <a:solidFill>
+                        <a:schemeClr val="bg1"/>
+                      </a:solidFill>
+                      <a:prstDash val="solid"/>
+                      <a:round/>
+                      <a:headEnd type="none" w="med" len="med"/>
+                      <a:tailEnd type="none" w="med" len="med"/>
+                    </a:lnB>
+                    <a:noFill/>
+                  </a:tcPr>
+                </a:tc>
+                <a:extLst>
+                  <a:ext uri="{0D108BD9-81ED-4DB2-BD59-A6C34878D82A}">
+                    <a16:rowId xmlns:a16="http://schemas.microsoft.com/office/drawing/2014/main" val="1356393982"/>
+                  </a:ext>
+                </a:extLst>
+              </a:tr>
+              <a:tr h="370840">
+                <a:tc>
+                  <a:txBody>
+                    <a:bodyPr/>
+                    <a:lstStyle/>
+                    <a:p>
+                      <a:pPr algn="ctr"/>
+                      <a:r>
+                        <a:rPr lang="en-US" b="1" dirty="0">
+                          <a:solidFill>
+                            <a:schemeClr val="bg1"/>
+                          </a:solidFill>
+                          <a:latin typeface="+mn-ea"/>
+                          <a:ea typeface="+mn-ea"/>
+                        </a:rPr>
+                        <a:t>10.0.1.0/24</a:t>
+                      </a:r>
+                    </a:p>
+                  </a:txBody>
+                  <a:tcPr>
+                    <a:lnL w="28575" cap="flat" cmpd="sng" algn="ctr">
+                      <a:solidFill>
+                        <a:schemeClr val="bg1"/>
+                      </a:solidFill>
+                      <a:prstDash val="solid"/>
+                      <a:round/>
+                      <a:headEnd type="none" w="med" len="med"/>
+                      <a:tailEnd type="none" w="med" len="med"/>
+                    </a:lnL>
+                    <a:lnR w="28575" cap="flat" cmpd="sng" algn="ctr">
+                      <a:solidFill>
+                        <a:schemeClr val="bg1"/>
+                      </a:solidFill>
+                      <a:prstDash val="solid"/>
+                      <a:round/>
+                      <a:headEnd type="none" w="med" len="med"/>
+                      <a:tailEnd type="none" w="med" len="med"/>
+                    </a:lnR>
+                    <a:lnT w="28575" cap="flat" cmpd="sng" algn="ctr">
+                      <a:solidFill>
+                        <a:schemeClr val="bg1"/>
+                      </a:solidFill>
+                      <a:prstDash val="solid"/>
+                      <a:round/>
+                      <a:headEnd type="none" w="med" len="med"/>
+                      <a:tailEnd type="none" w="med" len="med"/>
+                    </a:lnT>
+                    <a:lnB w="28575" cap="flat" cmpd="sng" algn="ctr">
+                      <a:solidFill>
+                        <a:schemeClr val="bg1"/>
+                      </a:solidFill>
+                      <a:prstDash val="solid"/>
+                      <a:round/>
+                      <a:headEnd type="none" w="med" len="med"/>
+                      <a:tailEnd type="none" w="med" len="med"/>
+                    </a:lnB>
+                    <a:noFill/>
+                  </a:tcPr>
+                </a:tc>
+                <a:tc>
+                  <a:txBody>
+                    <a:bodyPr/>
+                    <a:lstStyle/>
+                    <a:p>
+                      <a:pPr algn="ctr"/>
+                      <a:r>
+                        <a:rPr lang="en-US" b="1" dirty="0">
+                          <a:solidFill>
+                            <a:schemeClr val="bg1"/>
+                          </a:solidFill>
+                          <a:latin typeface="+mn-ea"/>
+                          <a:ea typeface="+mn-ea"/>
+                        </a:rPr>
+                        <a:t>g0/1</a:t>
+                      </a:r>
+                    </a:p>
+                  </a:txBody>
+                  <a:tcPr>
+                    <a:lnL w="28575" cap="flat" cmpd="sng" algn="ctr">
+                      <a:solidFill>
+                        <a:schemeClr val="bg1"/>
+                      </a:solidFill>
+                      <a:prstDash val="solid"/>
+                      <a:round/>
+                      <a:headEnd type="none" w="med" len="med"/>
+                      <a:tailEnd type="none" w="med" len="med"/>
+                    </a:lnL>
+                    <a:lnR w="28575" cap="flat" cmpd="sng" algn="ctr">
+                      <a:solidFill>
+                        <a:schemeClr val="bg1"/>
+                      </a:solidFill>
+                      <a:prstDash val="solid"/>
+                      <a:round/>
+                      <a:headEnd type="none" w="med" len="med"/>
+                      <a:tailEnd type="none" w="med" len="med"/>
+                    </a:lnR>
+                    <a:lnT w="28575" cap="flat" cmpd="sng" algn="ctr">
+                      <a:solidFill>
+                        <a:schemeClr val="bg1"/>
+                      </a:solidFill>
+                      <a:prstDash val="solid"/>
+                      <a:round/>
+                      <a:headEnd type="none" w="med" len="med"/>
+                      <a:tailEnd type="none" w="med" len="med"/>
+                    </a:lnT>
+                    <a:lnB w="28575" cap="flat" cmpd="sng" algn="ctr">
+                      <a:solidFill>
+                        <a:schemeClr val="bg1"/>
+                      </a:solidFill>
+                      <a:prstDash val="solid"/>
+                      <a:round/>
+                      <a:headEnd type="none" w="med" len="med"/>
+                      <a:tailEnd type="none" w="med" len="med"/>
+                    </a:lnB>
+                    <a:noFill/>
+                  </a:tcPr>
+                </a:tc>
+                <a:extLst>
+                  <a:ext uri="{0D108BD9-81ED-4DB2-BD59-A6C34878D82A}">
+                    <a16:rowId xmlns:a16="http://schemas.microsoft.com/office/drawing/2014/main" val="3819732004"/>
+                  </a:ext>
+                </a:extLst>
+              </a:tr>
+              <a:tr h="370840">
+                <a:tc>
+                  <a:txBody>
+                    <a:bodyPr/>
+                    <a:lstStyle/>
+                    <a:p>
+                      <a:pPr algn="ctr"/>
+                      <a:r>
+                        <a:rPr lang="en-US" b="1" dirty="0">
+                          <a:solidFill>
+                            <a:schemeClr val="bg1"/>
+                          </a:solidFill>
+                          <a:latin typeface="+mn-ea"/>
+                          <a:ea typeface="+mn-ea"/>
+                        </a:rPr>
+                        <a:t>10.0.2.0/24</a:t>
+                      </a:r>
+                    </a:p>
+                  </a:txBody>
+                  <a:tcPr>
+                    <a:lnL w="28575" cap="flat" cmpd="sng" algn="ctr">
+                      <a:solidFill>
+                        <a:schemeClr val="bg1"/>
+                      </a:solidFill>
+                      <a:prstDash val="solid"/>
+                      <a:round/>
+                      <a:headEnd type="none" w="med" len="med"/>
+                      <a:tailEnd type="none" w="med" len="med"/>
+                    </a:lnL>
+                    <a:lnR w="28575" cap="flat" cmpd="sng" algn="ctr">
+                      <a:solidFill>
+                        <a:schemeClr val="bg1"/>
+                      </a:solidFill>
+                      <a:prstDash val="solid"/>
+                      <a:round/>
+                      <a:headEnd type="none" w="med" len="med"/>
+                      <a:tailEnd type="none" w="med" len="med"/>
+                    </a:lnR>
+                    <a:lnT w="28575" cap="flat" cmpd="sng" algn="ctr">
+                      <a:solidFill>
+                        <a:schemeClr val="bg1"/>
+                      </a:solidFill>
+                      <a:prstDash val="solid"/>
+                      <a:round/>
+                      <a:headEnd type="none" w="med" len="med"/>
+                      <a:tailEnd type="none" w="med" len="med"/>
+                    </a:lnT>
+                    <a:lnB w="28575" cap="flat" cmpd="sng" algn="ctr">
+                      <a:solidFill>
+                        <a:schemeClr val="bg1"/>
+                      </a:solidFill>
+                      <a:prstDash val="solid"/>
+                      <a:round/>
+                      <a:headEnd type="none" w="med" len="med"/>
+                      <a:tailEnd type="none" w="med" len="med"/>
+                    </a:lnB>
+                    <a:noFill/>
+                  </a:tcPr>
+                </a:tc>
+                <a:tc>
+                  <a:txBody>
+                    <a:bodyPr/>
+                    <a:lstStyle/>
+                    <a:p>
+                      <a:pPr algn="ctr"/>
+                      <a:r>
+                        <a:rPr lang="en-US" b="1" dirty="0">
+                          <a:solidFill>
+                            <a:schemeClr val="bg1"/>
+                          </a:solidFill>
+                          <a:latin typeface="+mn-ea"/>
+                          <a:ea typeface="+mn-ea"/>
+                        </a:rPr>
+                        <a:t>g0/2</a:t>
+                      </a:r>
+                    </a:p>
+                  </a:txBody>
+                  <a:tcPr>
+                    <a:lnL w="28575" cap="flat" cmpd="sng" algn="ctr">
+                      <a:solidFill>
+                        <a:schemeClr val="bg1"/>
+                      </a:solidFill>
+                      <a:prstDash val="solid"/>
+                      <a:round/>
+                      <a:headEnd type="none" w="med" len="med"/>
+                      <a:tailEnd type="none" w="med" len="med"/>
+                    </a:lnL>
+                    <a:lnR w="28575" cap="flat" cmpd="sng" algn="ctr">
+                      <a:solidFill>
+                        <a:schemeClr val="bg1"/>
+                      </a:solidFill>
+                      <a:prstDash val="solid"/>
+                      <a:round/>
+                      <a:headEnd type="none" w="med" len="med"/>
+                      <a:tailEnd type="none" w="med" len="med"/>
+                    </a:lnR>
+                    <a:lnT w="28575" cap="flat" cmpd="sng" algn="ctr">
+                      <a:solidFill>
+                        <a:schemeClr val="bg1"/>
+                      </a:solidFill>
+                      <a:prstDash val="solid"/>
+                      <a:round/>
+                      <a:headEnd type="none" w="med" len="med"/>
+                      <a:tailEnd type="none" w="med" len="med"/>
+                    </a:lnT>
+                    <a:lnB w="28575" cap="flat" cmpd="sng" algn="ctr">
+                      <a:solidFill>
+                        <a:schemeClr val="bg1"/>
+                      </a:solidFill>
+                      <a:prstDash val="solid"/>
+                      <a:round/>
+                      <a:headEnd type="none" w="med" len="med"/>
+                      <a:tailEnd type="none" w="med" len="med"/>
+                    </a:lnB>
+                    <a:noFill/>
+                  </a:tcPr>
+                </a:tc>
+                <a:extLst>
+                  <a:ext uri="{0D108BD9-81ED-4DB2-BD59-A6C34878D82A}">
+                    <a16:rowId xmlns:a16="http://schemas.microsoft.com/office/drawing/2014/main" val="3517983726"/>
+                  </a:ext>
+                </a:extLst>
+              </a:tr>
+            </a:tbl>
+          </a:graphicData>
+        </a:graphic>
+      </p:graphicFrame>
+      <p:sp>
+        <p:nvSpPr>
+          <p:cNvPr id="4" name="TextBox 3">
+            <a:extLst>
+              <a:ext uri="{FF2B5EF4-FFF2-40B4-BE49-F238E27FC236}">
+                <a16:creationId xmlns:a16="http://schemas.microsoft.com/office/drawing/2014/main" id="{45D32509-6AB0-F945-8F64-B7E9C753B0DD}"/>
+              </a:ext>
+            </a:extLst>
+          </p:cNvPr>
+          <p:cNvSpPr txBox="1"/>
+          <p:nvPr/>
+        </p:nvSpPr>
+        <p:spPr>
+          <a:xfrm>
+            <a:off x="4803996" y="163629"/>
+            <a:ext cx="2492990" cy="369332"/>
+          </a:xfrm>
+          <a:prstGeom prst="rect">
+            <a:avLst/>
+          </a:prstGeom>
+          <a:noFill/>
+        </p:spPr>
+        <p:txBody>
+          <a:bodyPr wrap="none" rtlCol="0">
+            <a:spAutoFit/>
+          </a:bodyPr>
+          <a:lstStyle/>
+          <a:p>
+            <a:r>
+              <a:rPr lang="ja-JP" altLang="en-US" b="1">
+                <a:solidFill>
+                  <a:schemeClr val="bg1"/>
+                </a:solidFill>
+              </a:rPr>
+              <a:t>ルーティングテーブル</a:t>
+            </a:r>
+            <a:endParaRPr lang="en-US" b="1" dirty="0">
+              <a:solidFill>
+                <a:schemeClr val="bg1"/>
+              </a:solidFill>
+            </a:endParaRPr>
+          </a:p>
+        </p:txBody>
+      </p:sp>
+      <p:sp>
+        <p:nvSpPr>
+          <p:cNvPr id="5" name="TextBox 4">
+            <a:extLst>
+              <a:ext uri="{FF2B5EF4-FFF2-40B4-BE49-F238E27FC236}">
+                <a16:creationId xmlns:a16="http://schemas.microsoft.com/office/drawing/2014/main" id="{095E7C33-883B-D049-A9A9-83633189A11D}"/>
+              </a:ext>
+            </a:extLst>
+          </p:cNvPr>
+          <p:cNvSpPr txBox="1"/>
+          <p:nvPr/>
+        </p:nvSpPr>
+        <p:spPr>
+          <a:xfrm>
+            <a:off x="4611015" y="2842063"/>
+            <a:ext cx="3004349" cy="646331"/>
+          </a:xfrm>
+          <a:prstGeom prst="rect">
+            <a:avLst/>
+          </a:prstGeom>
+          <a:noFill/>
+        </p:spPr>
+        <p:txBody>
+          <a:bodyPr wrap="none" rtlCol="0">
+            <a:spAutoFit/>
+          </a:bodyPr>
+          <a:lstStyle/>
+          <a:p>
+            <a:pPr algn="ctr"/>
+            <a:r>
+              <a:rPr lang="ja-JP" altLang="en-US" b="1">
+                <a:solidFill>
+                  <a:schemeClr val="accent3"/>
+                </a:solidFill>
+                <a:latin typeface="Yu Gothic" panose="020B0400000000000000" pitchFamily="34" charset="-128"/>
+                <a:ea typeface="Yu Gothic" panose="020B0400000000000000" pitchFamily="34" charset="-128"/>
+              </a:rPr>
+              <a:t>宛先</a:t>
+            </a:r>
+            <a:r>
+              <a:rPr lang="en-US" altLang="ja-JP" b="1" dirty="0">
+                <a:solidFill>
+                  <a:schemeClr val="accent3"/>
+                </a:solidFill>
+                <a:latin typeface="Yu Gothic" panose="020B0400000000000000" pitchFamily="34" charset="-128"/>
+                <a:ea typeface="Yu Gothic" panose="020B0400000000000000" pitchFamily="34" charset="-128"/>
+              </a:rPr>
+              <a:t>IP</a:t>
+            </a:r>
+            <a:r>
+              <a:rPr lang="ja-JP" altLang="en-US" b="1">
+                <a:solidFill>
+                  <a:schemeClr val="accent3"/>
+                </a:solidFill>
+                <a:latin typeface="Yu Gothic" panose="020B0400000000000000" pitchFamily="34" charset="-128"/>
+                <a:ea typeface="Yu Gothic" panose="020B0400000000000000" pitchFamily="34" charset="-128"/>
+              </a:rPr>
+              <a:t>をチェックし</a:t>
+            </a:r>
+            <a:r>
+              <a:rPr lang="en-US" altLang="ja-JP" b="1" dirty="0">
+                <a:solidFill>
+                  <a:schemeClr val="accent3"/>
+                </a:solidFill>
+                <a:latin typeface="Yu Gothic" panose="020B0400000000000000" pitchFamily="34" charset="-128"/>
+                <a:ea typeface="Yu Gothic" panose="020B0400000000000000" pitchFamily="34" charset="-128"/>
+              </a:rPr>
+              <a:t>L3</a:t>
+            </a:r>
+            <a:r>
+              <a:rPr lang="ja-JP" altLang="en-US" b="1">
+                <a:solidFill>
+                  <a:schemeClr val="accent3"/>
+                </a:solidFill>
+                <a:latin typeface="Yu Gothic" panose="020B0400000000000000" pitchFamily="34" charset="-128"/>
+                <a:ea typeface="Yu Gothic" panose="020B0400000000000000" pitchFamily="34" charset="-128"/>
+              </a:rPr>
+              <a:t>転送</a:t>
+            </a:r>
+            <a:br>
+              <a:rPr lang="en-US" altLang="ja-JP" b="1" dirty="0">
+                <a:solidFill>
+                  <a:schemeClr val="accent3"/>
+                </a:solidFill>
+                <a:latin typeface="Yu Gothic" panose="020B0400000000000000" pitchFamily="34" charset="-128"/>
+                <a:ea typeface="Yu Gothic" panose="020B0400000000000000" pitchFamily="34" charset="-128"/>
+              </a:rPr>
+            </a:br>
+            <a:r>
+              <a:rPr lang="en-US" altLang="ja-JP" b="1" dirty="0">
+                <a:solidFill>
+                  <a:schemeClr val="accent3"/>
+                </a:solidFill>
+                <a:latin typeface="Yu Gothic" panose="020B0400000000000000" pitchFamily="34" charset="-128"/>
+                <a:ea typeface="Yu Gothic" panose="020B0400000000000000" pitchFamily="34" charset="-128"/>
+              </a:rPr>
+              <a:t>L2</a:t>
+            </a:r>
+            <a:r>
+              <a:rPr lang="ja-JP" altLang="en-US" b="1">
+                <a:solidFill>
+                  <a:schemeClr val="accent3"/>
+                </a:solidFill>
+                <a:latin typeface="Yu Gothic" panose="020B0400000000000000" pitchFamily="34" charset="-128"/>
+                <a:ea typeface="Yu Gothic" panose="020B0400000000000000" pitchFamily="34" charset="-128"/>
+              </a:rPr>
+              <a:t>ヘッダを変更</a:t>
+            </a:r>
+            <a:endParaRPr lang="en-US" b="1" dirty="0">
+              <a:solidFill>
+                <a:schemeClr val="accent3"/>
+              </a:solidFill>
+              <a:latin typeface="Yu Gothic" panose="020B0400000000000000" pitchFamily="34" charset="-128"/>
+              <a:ea typeface="Yu Gothic" panose="020B0400000000000000" pitchFamily="34" charset="-128"/>
+            </a:endParaRPr>
           </a:p>
         </p:txBody>
       </p:sp>
@@ -12256,6 +13380,7552 @@
     <p:extLst>
       <p:ext uri="{BB962C8B-B14F-4D97-AF65-F5344CB8AC3E}">
         <p14:creationId xmlns:p14="http://schemas.microsoft.com/office/powerpoint/2010/main" val="727143774"/>
+      </p:ext>
+    </p:extLst>
+  </p:cSld>
+  <p:clrMapOvr>
+    <a:masterClrMapping/>
+  </p:clrMapOvr>
+</p:sld>
+</file>
+
+<file path=ppt/slides/slide5.xml><?xml version="1.0" encoding="utf-8"?>
+<p:sld xmlns:a="http://schemas.openxmlformats.org/drawingml/2006/main" xmlns:r="http://schemas.openxmlformats.org/officeDocument/2006/relationships" xmlns:p="http://schemas.openxmlformats.org/presentationml/2006/main">
+  <p:cSld>
+    <p:spTree>
+      <p:nvGrpSpPr>
+        <p:cNvPr id="1" name=""/>
+        <p:cNvGrpSpPr/>
+        <p:nvPr/>
+      </p:nvGrpSpPr>
+      <p:grpSpPr>
+        <a:xfrm>
+          <a:off x="0" y="0"/>
+          <a:ext cx="0" cy="0"/>
+          <a:chOff x="0" y="0"/>
+          <a:chExt cx="0" cy="0"/>
+        </a:xfrm>
+      </p:grpSpPr>
+      <p:sp>
+        <p:nvSpPr>
+          <p:cNvPr id="47" name="Rounded Rectangle 46">
+            <a:extLst>
+              <a:ext uri="{FF2B5EF4-FFF2-40B4-BE49-F238E27FC236}">
+                <a16:creationId xmlns:a16="http://schemas.microsoft.com/office/drawing/2014/main" id="{4E7A2ECF-8B18-EC48-B461-1E4D54B10789}"/>
+              </a:ext>
+            </a:extLst>
+          </p:cNvPr>
+          <p:cNvSpPr/>
+          <p:nvPr/>
+        </p:nvSpPr>
+        <p:spPr>
+          <a:xfrm>
+            <a:off x="769646" y="3693176"/>
+            <a:ext cx="3171118" cy="2457367"/>
+          </a:xfrm>
+          <a:prstGeom prst="roundRect">
+            <a:avLst/>
+          </a:prstGeom>
+          <a:noFill/>
+          <a:ln w="57150">
+            <a:solidFill>
+              <a:schemeClr val="accent5"/>
+            </a:solidFill>
+            <a:prstDash val="dash"/>
+          </a:ln>
+        </p:spPr>
+        <p:style>
+          <a:lnRef idx="2">
+            <a:schemeClr val="accent1">
+              <a:shade val="50000"/>
+            </a:schemeClr>
+          </a:lnRef>
+          <a:fillRef idx="1">
+            <a:schemeClr val="accent1"/>
+          </a:fillRef>
+          <a:effectRef idx="0">
+            <a:schemeClr val="accent1"/>
+          </a:effectRef>
+          <a:fontRef idx="minor">
+            <a:schemeClr val="lt1"/>
+          </a:fontRef>
+        </p:style>
+        <p:txBody>
+          <a:bodyPr rtlCol="0" anchor="ctr"/>
+          <a:lstStyle/>
+          <a:p>
+            <a:pPr algn="ctr"/>
+            <a:endParaRPr lang="en-US"/>
+          </a:p>
+        </p:txBody>
+      </p:sp>
+      <p:sp>
+        <p:nvSpPr>
+          <p:cNvPr id="59" name="Rounded Rectangle 58">
+            <a:extLst>
+              <a:ext uri="{FF2B5EF4-FFF2-40B4-BE49-F238E27FC236}">
+                <a16:creationId xmlns:a16="http://schemas.microsoft.com/office/drawing/2014/main" id="{D329F745-C76C-4348-89A7-95DE294125D9}"/>
+              </a:ext>
+            </a:extLst>
+          </p:cNvPr>
+          <p:cNvSpPr/>
+          <p:nvPr/>
+        </p:nvSpPr>
+        <p:spPr>
+          <a:xfrm>
+            <a:off x="4232419" y="3658510"/>
+            <a:ext cx="3877774" cy="2492033"/>
+          </a:xfrm>
+          <a:prstGeom prst="roundRect">
+            <a:avLst/>
+          </a:prstGeom>
+          <a:noFill/>
+          <a:ln w="57150">
+            <a:solidFill>
+              <a:schemeClr val="accent5"/>
+            </a:solidFill>
+            <a:prstDash val="dash"/>
+          </a:ln>
+        </p:spPr>
+        <p:style>
+          <a:lnRef idx="2">
+            <a:schemeClr val="accent1">
+              <a:shade val="50000"/>
+            </a:schemeClr>
+          </a:lnRef>
+          <a:fillRef idx="1">
+            <a:schemeClr val="accent1"/>
+          </a:fillRef>
+          <a:effectRef idx="0">
+            <a:schemeClr val="accent1"/>
+          </a:effectRef>
+          <a:fontRef idx="minor">
+            <a:schemeClr val="lt1"/>
+          </a:fontRef>
+        </p:style>
+        <p:txBody>
+          <a:bodyPr rtlCol="0" anchor="ctr"/>
+          <a:lstStyle/>
+          <a:p>
+            <a:pPr algn="ctr"/>
+            <a:endParaRPr lang="en-US"/>
+          </a:p>
+        </p:txBody>
+      </p:sp>
+      <p:sp>
+        <p:nvSpPr>
+          <p:cNvPr id="63" name="Rounded Rectangle 62">
+            <a:extLst>
+              <a:ext uri="{FF2B5EF4-FFF2-40B4-BE49-F238E27FC236}">
+                <a16:creationId xmlns:a16="http://schemas.microsoft.com/office/drawing/2014/main" id="{611F8484-6E22-FF48-BFDC-263581AEC620}"/>
+              </a:ext>
+            </a:extLst>
+          </p:cNvPr>
+          <p:cNvSpPr/>
+          <p:nvPr/>
+        </p:nvSpPr>
+        <p:spPr>
+          <a:xfrm>
+            <a:off x="8397516" y="3636368"/>
+            <a:ext cx="3071672" cy="2514175"/>
+          </a:xfrm>
+          <a:prstGeom prst="roundRect">
+            <a:avLst/>
+          </a:prstGeom>
+          <a:noFill/>
+          <a:ln w="57150">
+            <a:solidFill>
+              <a:schemeClr val="accent5"/>
+            </a:solidFill>
+            <a:prstDash val="dash"/>
+          </a:ln>
+        </p:spPr>
+        <p:style>
+          <a:lnRef idx="2">
+            <a:schemeClr val="accent1">
+              <a:shade val="50000"/>
+            </a:schemeClr>
+          </a:lnRef>
+          <a:fillRef idx="1">
+            <a:schemeClr val="accent1"/>
+          </a:fillRef>
+          <a:effectRef idx="0">
+            <a:schemeClr val="accent1"/>
+          </a:effectRef>
+          <a:fontRef idx="minor">
+            <a:schemeClr val="lt1"/>
+          </a:fontRef>
+        </p:style>
+        <p:txBody>
+          <a:bodyPr rtlCol="0" anchor="ctr"/>
+          <a:lstStyle/>
+          <a:p>
+            <a:pPr algn="ctr"/>
+            <a:endParaRPr lang="en-US"/>
+          </a:p>
+        </p:txBody>
+      </p:sp>
+      <p:cxnSp>
+        <p:nvCxnSpPr>
+          <p:cNvPr id="32" name="Straight Connector 31">
+            <a:extLst>
+              <a:ext uri="{FF2B5EF4-FFF2-40B4-BE49-F238E27FC236}">
+                <a16:creationId xmlns:a16="http://schemas.microsoft.com/office/drawing/2014/main" id="{8FCE3C15-A2CC-EA4D-8AC3-8816408BFAAF}"/>
+              </a:ext>
+            </a:extLst>
+          </p:cNvPr>
+          <p:cNvCxnSpPr>
+            <a:cxnSpLocks/>
+          </p:cNvCxnSpPr>
+          <p:nvPr/>
+        </p:nvCxnSpPr>
+        <p:spPr>
+          <a:xfrm flipH="1" flipV="1">
+            <a:off x="2107095" y="4127926"/>
+            <a:ext cx="8036997" cy="40970"/>
+          </a:xfrm>
+          <a:prstGeom prst="line">
+            <a:avLst/>
+          </a:prstGeom>
+          <a:ln w="38100">
+            <a:solidFill>
+              <a:schemeClr val="tx1"/>
+            </a:solidFill>
+          </a:ln>
+        </p:spPr>
+        <p:style>
+          <a:lnRef idx="1">
+            <a:schemeClr val="accent1"/>
+          </a:lnRef>
+          <a:fillRef idx="0">
+            <a:schemeClr val="accent1"/>
+          </a:fillRef>
+          <a:effectRef idx="0">
+            <a:schemeClr val="accent1"/>
+          </a:effectRef>
+          <a:fontRef idx="minor">
+            <a:schemeClr val="tx1"/>
+          </a:fontRef>
+        </p:style>
+      </p:cxnSp>
+      <p:sp>
+        <p:nvSpPr>
+          <p:cNvPr id="2" name="Rectangle 1">
+            <a:extLst>
+              <a:ext uri="{FF2B5EF4-FFF2-40B4-BE49-F238E27FC236}">
+                <a16:creationId xmlns:a16="http://schemas.microsoft.com/office/drawing/2014/main" id="{CFC7132C-9E8F-2C4A-9E3A-74A8F38B477F}"/>
+              </a:ext>
+            </a:extLst>
+          </p:cNvPr>
+          <p:cNvSpPr/>
+          <p:nvPr/>
+        </p:nvSpPr>
+        <p:spPr>
+          <a:xfrm>
+            <a:off x="3652617" y="3686485"/>
+            <a:ext cx="794122" cy="931743"/>
+          </a:xfrm>
+          <a:prstGeom prst="rect">
+            <a:avLst/>
+          </a:prstGeom>
+          <a:solidFill>
+            <a:schemeClr val="bg1"/>
+          </a:solidFill>
+          <a:ln>
+            <a:noFill/>
+          </a:ln>
+        </p:spPr>
+        <p:style>
+          <a:lnRef idx="2">
+            <a:schemeClr val="accent1">
+              <a:shade val="50000"/>
+            </a:schemeClr>
+          </a:lnRef>
+          <a:fillRef idx="1">
+            <a:schemeClr val="accent1"/>
+          </a:fillRef>
+          <a:effectRef idx="0">
+            <a:schemeClr val="accent1"/>
+          </a:effectRef>
+          <a:fontRef idx="minor">
+            <a:schemeClr val="lt1"/>
+          </a:fontRef>
+        </p:style>
+        <p:txBody>
+          <a:bodyPr rtlCol="0" anchor="ctr"/>
+          <a:lstStyle/>
+          <a:p>
+            <a:pPr algn="ctr"/>
+            <a:endParaRPr lang="en-US"/>
+          </a:p>
+        </p:txBody>
+      </p:sp>
+      <p:sp>
+        <p:nvSpPr>
+          <p:cNvPr id="40" name="Rectangle 39">
+            <a:extLst>
+              <a:ext uri="{FF2B5EF4-FFF2-40B4-BE49-F238E27FC236}">
+                <a16:creationId xmlns:a16="http://schemas.microsoft.com/office/drawing/2014/main" id="{CA9B4246-BA05-A54E-8806-D3422FCA359D}"/>
+              </a:ext>
+            </a:extLst>
+          </p:cNvPr>
+          <p:cNvSpPr/>
+          <p:nvPr/>
+        </p:nvSpPr>
+        <p:spPr>
+          <a:xfrm>
+            <a:off x="7874690" y="3658691"/>
+            <a:ext cx="680157" cy="1036971"/>
+          </a:xfrm>
+          <a:prstGeom prst="rect">
+            <a:avLst/>
+          </a:prstGeom>
+          <a:solidFill>
+            <a:schemeClr val="bg1"/>
+          </a:solidFill>
+          <a:ln>
+            <a:noFill/>
+          </a:ln>
+        </p:spPr>
+        <p:style>
+          <a:lnRef idx="2">
+            <a:schemeClr val="accent1">
+              <a:shade val="50000"/>
+            </a:schemeClr>
+          </a:lnRef>
+          <a:fillRef idx="1">
+            <a:schemeClr val="accent1"/>
+          </a:fillRef>
+          <a:effectRef idx="0">
+            <a:schemeClr val="accent1"/>
+          </a:effectRef>
+          <a:fontRef idx="minor">
+            <a:schemeClr val="lt1"/>
+          </a:fontRef>
+        </p:style>
+        <p:txBody>
+          <a:bodyPr rtlCol="0" anchor="ctr"/>
+          <a:lstStyle/>
+          <a:p>
+            <a:pPr algn="ctr"/>
+            <a:endParaRPr lang="en-US"/>
+          </a:p>
+        </p:txBody>
+      </p:sp>
+      <p:cxnSp>
+        <p:nvCxnSpPr>
+          <p:cNvPr id="25" name="Straight Connector 24">
+            <a:extLst>
+              <a:ext uri="{FF2B5EF4-FFF2-40B4-BE49-F238E27FC236}">
+                <a16:creationId xmlns:a16="http://schemas.microsoft.com/office/drawing/2014/main" id="{82F68239-DFD2-6E4A-9A31-A58481674091}"/>
+              </a:ext>
+            </a:extLst>
+          </p:cNvPr>
+          <p:cNvCxnSpPr>
+            <a:cxnSpLocks/>
+          </p:cNvCxnSpPr>
+          <p:nvPr/>
+        </p:nvCxnSpPr>
+        <p:spPr>
+          <a:xfrm flipV="1">
+            <a:off x="1863465" y="4377150"/>
+            <a:ext cx="0" cy="1108359"/>
+          </a:xfrm>
+          <a:prstGeom prst="line">
+            <a:avLst/>
+          </a:prstGeom>
+          <a:ln w="38100">
+            <a:solidFill>
+              <a:schemeClr val="tx1"/>
+            </a:solidFill>
+          </a:ln>
+        </p:spPr>
+        <p:style>
+          <a:lnRef idx="1">
+            <a:schemeClr val="accent1"/>
+          </a:lnRef>
+          <a:fillRef idx="0">
+            <a:schemeClr val="accent1"/>
+          </a:fillRef>
+          <a:effectRef idx="0">
+            <a:schemeClr val="accent1"/>
+          </a:effectRef>
+          <a:fontRef idx="minor">
+            <a:schemeClr val="tx1"/>
+          </a:fontRef>
+        </p:style>
+      </p:cxnSp>
+      <p:pic>
+        <p:nvPicPr>
+          <p:cNvPr id="41" name="Picture 40">
+            <a:extLst>
+              <a:ext uri="{FF2B5EF4-FFF2-40B4-BE49-F238E27FC236}">
+                <a16:creationId xmlns:a16="http://schemas.microsoft.com/office/drawing/2014/main" id="{85B21018-043A-3E4C-8F1D-2F1F0A22B8BF}"/>
+              </a:ext>
+            </a:extLst>
+          </p:cNvPr>
+          <p:cNvPicPr>
+            <a:picLocks noChangeAspect="1"/>
+          </p:cNvPicPr>
+          <p:nvPr/>
+        </p:nvPicPr>
+        <p:blipFill>
+          <a:blip r:embed="rId2">
+            <a:extLst>
+              <a:ext uri="{28A0092B-C50C-407E-A947-70E740481C1C}">
+                <a14:useLocalDpi xmlns:a14="http://schemas.microsoft.com/office/drawing/2010/main" val="0"/>
+              </a:ext>
+            </a:extLst>
+          </a:blip>
+          <a:stretch>
+            <a:fillRect/>
+          </a:stretch>
+        </p:blipFill>
+        <p:spPr>
+          <a:xfrm>
+            <a:off x="1204450" y="4586310"/>
+            <a:ext cx="1318030" cy="1318030"/>
+          </a:xfrm>
+          <a:prstGeom prst="rect">
+            <a:avLst/>
+          </a:prstGeom>
+        </p:spPr>
+      </p:pic>
+      <p:pic>
+        <p:nvPicPr>
+          <p:cNvPr id="45" name="Picture 44">
+            <a:extLst>
+              <a:ext uri="{FF2B5EF4-FFF2-40B4-BE49-F238E27FC236}">
+                <a16:creationId xmlns:a16="http://schemas.microsoft.com/office/drawing/2014/main" id="{364C8925-A456-0C42-B9FA-47DC20C56CC7}"/>
+              </a:ext>
+            </a:extLst>
+          </p:cNvPr>
+          <p:cNvPicPr>
+            <a:picLocks noChangeAspect="1"/>
+          </p:cNvPicPr>
+          <p:nvPr/>
+        </p:nvPicPr>
+        <p:blipFill>
+          <a:blip r:embed="rId3">
+            <a:extLst>
+              <a:ext uri="{28A0092B-C50C-407E-A947-70E740481C1C}">
+                <a14:useLocalDpi xmlns:a14="http://schemas.microsoft.com/office/drawing/2010/main" val="0"/>
+              </a:ext>
+            </a:extLst>
+          </a:blip>
+          <a:stretch>
+            <a:fillRect/>
+          </a:stretch>
+        </p:blipFill>
+        <p:spPr>
+          <a:xfrm>
+            <a:off x="1258014" y="3560457"/>
+            <a:ext cx="1210903" cy="1210903"/>
+          </a:xfrm>
+          <a:prstGeom prst="rect">
+            <a:avLst/>
+          </a:prstGeom>
+        </p:spPr>
+      </p:pic>
+      <p:pic>
+        <p:nvPicPr>
+          <p:cNvPr id="27" name="Picture 26">
+            <a:extLst>
+              <a:ext uri="{FF2B5EF4-FFF2-40B4-BE49-F238E27FC236}">
+                <a16:creationId xmlns:a16="http://schemas.microsoft.com/office/drawing/2014/main" id="{89EAA704-1504-714A-8190-C3D29E293CCF}"/>
+              </a:ext>
+            </a:extLst>
+          </p:cNvPr>
+          <p:cNvPicPr>
+            <a:picLocks noChangeAspect="1"/>
+          </p:cNvPicPr>
+          <p:nvPr/>
+        </p:nvPicPr>
+        <p:blipFill>
+          <a:blip r:embed="rId3">
+            <a:extLst>
+              <a:ext uri="{28A0092B-C50C-407E-A947-70E740481C1C}">
+                <a14:useLocalDpi xmlns:a14="http://schemas.microsoft.com/office/drawing/2010/main" val="0"/>
+              </a:ext>
+            </a:extLst>
+          </a:blip>
+          <a:stretch>
+            <a:fillRect/>
+          </a:stretch>
+        </p:blipFill>
+        <p:spPr>
+          <a:xfrm>
+            <a:off x="5430530" y="3541465"/>
+            <a:ext cx="1210903" cy="1210903"/>
+          </a:xfrm>
+          <a:prstGeom prst="rect">
+            <a:avLst/>
+          </a:prstGeom>
+        </p:spPr>
+      </p:pic>
+      <p:pic>
+        <p:nvPicPr>
+          <p:cNvPr id="30" name="Picture 29">
+            <a:extLst>
+              <a:ext uri="{FF2B5EF4-FFF2-40B4-BE49-F238E27FC236}">
+                <a16:creationId xmlns:a16="http://schemas.microsoft.com/office/drawing/2014/main" id="{00CF83AD-2436-8A48-A77C-3C6E8885B7C6}"/>
+              </a:ext>
+            </a:extLst>
+          </p:cNvPr>
+          <p:cNvPicPr>
+            <a:picLocks noChangeAspect="1"/>
+          </p:cNvPicPr>
+          <p:nvPr/>
+        </p:nvPicPr>
+        <p:blipFill>
+          <a:blip r:embed="rId4">
+            <a:extLst>
+              <a:ext uri="{28A0092B-C50C-407E-A947-70E740481C1C}">
+                <a14:useLocalDpi xmlns:a14="http://schemas.microsoft.com/office/drawing/2010/main" val="0"/>
+              </a:ext>
+            </a:extLst>
+          </a:blip>
+          <a:stretch>
+            <a:fillRect/>
+          </a:stretch>
+        </p:blipFill>
+        <p:spPr>
+          <a:xfrm>
+            <a:off x="3510088" y="3636369"/>
+            <a:ext cx="1059293" cy="1059293"/>
+          </a:xfrm>
+          <a:prstGeom prst="rect">
+            <a:avLst/>
+          </a:prstGeom>
+          <a:noFill/>
+        </p:spPr>
+      </p:pic>
+      <p:pic>
+        <p:nvPicPr>
+          <p:cNvPr id="31" name="Picture 30">
+            <a:extLst>
+              <a:ext uri="{FF2B5EF4-FFF2-40B4-BE49-F238E27FC236}">
+                <a16:creationId xmlns:a16="http://schemas.microsoft.com/office/drawing/2014/main" id="{0CE74D86-4047-9345-9F3A-55A54DF9F4BA}"/>
+              </a:ext>
+            </a:extLst>
+          </p:cNvPr>
+          <p:cNvPicPr>
+            <a:picLocks noChangeAspect="1"/>
+          </p:cNvPicPr>
+          <p:nvPr/>
+        </p:nvPicPr>
+        <p:blipFill>
+          <a:blip r:embed="rId4">
+            <a:extLst>
+              <a:ext uri="{28A0092B-C50C-407E-A947-70E740481C1C}">
+                <a14:useLocalDpi xmlns:a14="http://schemas.microsoft.com/office/drawing/2010/main" val="0"/>
+              </a:ext>
+            </a:extLst>
+          </a:blip>
+          <a:stretch>
+            <a:fillRect/>
+          </a:stretch>
+        </p:blipFill>
+        <p:spPr>
+          <a:xfrm>
+            <a:off x="7661926" y="3636549"/>
+            <a:ext cx="1059293" cy="1059293"/>
+          </a:xfrm>
+          <a:prstGeom prst="rect">
+            <a:avLst/>
+          </a:prstGeom>
+          <a:noFill/>
+        </p:spPr>
+      </p:pic>
+      <p:sp>
+        <p:nvSpPr>
+          <p:cNvPr id="34" name="TextBox 33">
+            <a:extLst>
+              <a:ext uri="{FF2B5EF4-FFF2-40B4-BE49-F238E27FC236}">
+                <a16:creationId xmlns:a16="http://schemas.microsoft.com/office/drawing/2014/main" id="{19AF4C3E-05A8-1D4C-987B-83000CA19583}"/>
+              </a:ext>
+            </a:extLst>
+          </p:cNvPr>
+          <p:cNvSpPr txBox="1"/>
+          <p:nvPr/>
+        </p:nvSpPr>
+        <p:spPr>
+          <a:xfrm>
+            <a:off x="2981099" y="4190777"/>
+            <a:ext cx="639919" cy="338554"/>
+          </a:xfrm>
+          <a:prstGeom prst="rect">
+            <a:avLst/>
+          </a:prstGeom>
+          <a:noFill/>
+        </p:spPr>
+        <p:txBody>
+          <a:bodyPr wrap="none" rtlCol="0">
+            <a:spAutoFit/>
+          </a:bodyPr>
+          <a:lstStyle/>
+          <a:p>
+            <a:r>
+              <a:rPr lang="en-US" sz="1600" b="1" dirty="0">
+                <a:latin typeface="Yu Gothic" panose="020B0400000000000000" pitchFamily="34" charset="-128"/>
+                <a:ea typeface="Yu Gothic" panose="020B0400000000000000" pitchFamily="34" charset="-128"/>
+              </a:rPr>
+              <a:t>g0/1</a:t>
+            </a:r>
+          </a:p>
+        </p:txBody>
+      </p:sp>
+      <p:sp>
+        <p:nvSpPr>
+          <p:cNvPr id="36" name="TextBox 35">
+            <a:extLst>
+              <a:ext uri="{FF2B5EF4-FFF2-40B4-BE49-F238E27FC236}">
+                <a16:creationId xmlns:a16="http://schemas.microsoft.com/office/drawing/2014/main" id="{FC5C75A0-3469-094F-9D68-233EDDEC43AE}"/>
+              </a:ext>
+            </a:extLst>
+          </p:cNvPr>
+          <p:cNvSpPr txBox="1"/>
+          <p:nvPr/>
+        </p:nvSpPr>
+        <p:spPr>
+          <a:xfrm>
+            <a:off x="4448846" y="4203017"/>
+            <a:ext cx="639919" cy="338554"/>
+          </a:xfrm>
+          <a:prstGeom prst="rect">
+            <a:avLst/>
+          </a:prstGeom>
+          <a:noFill/>
+        </p:spPr>
+        <p:txBody>
+          <a:bodyPr wrap="none" rtlCol="0">
+            <a:spAutoFit/>
+          </a:bodyPr>
+          <a:lstStyle/>
+          <a:p>
+            <a:r>
+              <a:rPr lang="en-US" sz="1600" b="1" dirty="0">
+                <a:latin typeface="Yu Gothic" panose="020B0400000000000000" pitchFamily="34" charset="-128"/>
+                <a:ea typeface="Yu Gothic" panose="020B0400000000000000" pitchFamily="34" charset="-128"/>
+              </a:rPr>
+              <a:t>g0/2</a:t>
+            </a:r>
+          </a:p>
+        </p:txBody>
+      </p:sp>
+      <p:sp>
+        <p:nvSpPr>
+          <p:cNvPr id="44" name="TextBox 43">
+            <a:extLst>
+              <a:ext uri="{FF2B5EF4-FFF2-40B4-BE49-F238E27FC236}">
+                <a16:creationId xmlns:a16="http://schemas.microsoft.com/office/drawing/2014/main" id="{D6418F9D-F9D8-B148-A43D-88FFFD2001EE}"/>
+              </a:ext>
+            </a:extLst>
+          </p:cNvPr>
+          <p:cNvSpPr txBox="1"/>
+          <p:nvPr/>
+        </p:nvSpPr>
+        <p:spPr>
+          <a:xfrm>
+            <a:off x="7102234" y="4203017"/>
+            <a:ext cx="639919" cy="338554"/>
+          </a:xfrm>
+          <a:prstGeom prst="rect">
+            <a:avLst/>
+          </a:prstGeom>
+          <a:noFill/>
+        </p:spPr>
+        <p:txBody>
+          <a:bodyPr wrap="none" rtlCol="0">
+            <a:spAutoFit/>
+          </a:bodyPr>
+          <a:lstStyle/>
+          <a:p>
+            <a:r>
+              <a:rPr lang="en-US" sz="1600" b="1" dirty="0">
+                <a:latin typeface="Yu Gothic" panose="020B0400000000000000" pitchFamily="34" charset="-128"/>
+                <a:ea typeface="Yu Gothic" panose="020B0400000000000000" pitchFamily="34" charset="-128"/>
+              </a:rPr>
+              <a:t>g0/1</a:t>
+            </a:r>
+          </a:p>
+        </p:txBody>
+      </p:sp>
+      <p:pic>
+        <p:nvPicPr>
+          <p:cNvPr id="49" name="Picture 48">
+            <a:extLst>
+              <a:ext uri="{FF2B5EF4-FFF2-40B4-BE49-F238E27FC236}">
+                <a16:creationId xmlns:a16="http://schemas.microsoft.com/office/drawing/2014/main" id="{D50CA61B-FFE6-5141-8043-0F9E1266FDAD}"/>
+              </a:ext>
+            </a:extLst>
+          </p:cNvPr>
+          <p:cNvPicPr>
+            <a:picLocks noChangeAspect="1"/>
+          </p:cNvPicPr>
+          <p:nvPr/>
+        </p:nvPicPr>
+        <p:blipFill>
+          <a:blip r:embed="rId3">
+            <a:extLst>
+              <a:ext uri="{28A0092B-C50C-407E-A947-70E740481C1C}">
+                <a14:useLocalDpi xmlns:a14="http://schemas.microsoft.com/office/drawing/2010/main" val="0"/>
+              </a:ext>
+            </a:extLst>
+          </a:blip>
+          <a:stretch>
+            <a:fillRect/>
+          </a:stretch>
+        </p:blipFill>
+        <p:spPr>
+          <a:xfrm>
+            <a:off x="9719898" y="3560457"/>
+            <a:ext cx="1210903" cy="1210903"/>
+          </a:xfrm>
+          <a:prstGeom prst="rect">
+            <a:avLst/>
+          </a:prstGeom>
+        </p:spPr>
+      </p:pic>
+      <p:cxnSp>
+        <p:nvCxnSpPr>
+          <p:cNvPr id="50" name="Straight Connector 49">
+            <a:extLst>
+              <a:ext uri="{FF2B5EF4-FFF2-40B4-BE49-F238E27FC236}">
+                <a16:creationId xmlns:a16="http://schemas.microsoft.com/office/drawing/2014/main" id="{DA2A942D-932E-5240-AC8C-470FDAA78E6D}"/>
+              </a:ext>
+            </a:extLst>
+          </p:cNvPr>
+          <p:cNvCxnSpPr>
+            <a:cxnSpLocks/>
+          </p:cNvCxnSpPr>
+          <p:nvPr/>
+        </p:nvCxnSpPr>
+        <p:spPr>
+          <a:xfrm flipV="1">
+            <a:off x="6026703" y="4376029"/>
+            <a:ext cx="0" cy="1108359"/>
+          </a:xfrm>
+          <a:prstGeom prst="line">
+            <a:avLst/>
+          </a:prstGeom>
+          <a:ln w="38100">
+            <a:solidFill>
+              <a:schemeClr val="tx1"/>
+            </a:solidFill>
+          </a:ln>
+        </p:spPr>
+        <p:style>
+          <a:lnRef idx="1">
+            <a:schemeClr val="accent1"/>
+          </a:lnRef>
+          <a:fillRef idx="0">
+            <a:schemeClr val="accent1"/>
+          </a:fillRef>
+          <a:effectRef idx="0">
+            <a:schemeClr val="accent1"/>
+          </a:effectRef>
+          <a:fontRef idx="minor">
+            <a:schemeClr val="tx1"/>
+          </a:fontRef>
+        </p:style>
+      </p:cxnSp>
+      <p:pic>
+        <p:nvPicPr>
+          <p:cNvPr id="53" name="Picture 52">
+            <a:extLst>
+              <a:ext uri="{FF2B5EF4-FFF2-40B4-BE49-F238E27FC236}">
+                <a16:creationId xmlns:a16="http://schemas.microsoft.com/office/drawing/2014/main" id="{5E00E826-5B40-1D49-8F72-99262A834995}"/>
+              </a:ext>
+            </a:extLst>
+          </p:cNvPr>
+          <p:cNvPicPr>
+            <a:picLocks noChangeAspect="1"/>
+          </p:cNvPicPr>
+          <p:nvPr/>
+        </p:nvPicPr>
+        <p:blipFill>
+          <a:blip r:embed="rId2">
+            <a:extLst>
+              <a:ext uri="{28A0092B-C50C-407E-A947-70E740481C1C}">
+                <a14:useLocalDpi xmlns:a14="http://schemas.microsoft.com/office/drawing/2010/main" val="0"/>
+              </a:ext>
+            </a:extLst>
+          </a:blip>
+          <a:stretch>
+            <a:fillRect/>
+          </a:stretch>
+        </p:blipFill>
+        <p:spPr>
+          <a:xfrm>
+            <a:off x="5367688" y="4585189"/>
+            <a:ext cx="1318030" cy="1318030"/>
+          </a:xfrm>
+          <a:prstGeom prst="rect">
+            <a:avLst/>
+          </a:prstGeom>
+        </p:spPr>
+      </p:pic>
+      <p:cxnSp>
+        <p:nvCxnSpPr>
+          <p:cNvPr id="55" name="Straight Connector 54">
+            <a:extLst>
+              <a:ext uri="{FF2B5EF4-FFF2-40B4-BE49-F238E27FC236}">
+                <a16:creationId xmlns:a16="http://schemas.microsoft.com/office/drawing/2014/main" id="{36AF6C8D-2364-D546-87D5-97D19EB5CA86}"/>
+              </a:ext>
+            </a:extLst>
+          </p:cNvPr>
+          <p:cNvCxnSpPr>
+            <a:cxnSpLocks/>
+          </p:cNvCxnSpPr>
+          <p:nvPr/>
+        </p:nvCxnSpPr>
+        <p:spPr>
+          <a:xfrm flipV="1">
+            <a:off x="10310963" y="4370746"/>
+            <a:ext cx="0" cy="1108359"/>
+          </a:xfrm>
+          <a:prstGeom prst="line">
+            <a:avLst/>
+          </a:prstGeom>
+          <a:ln w="38100">
+            <a:solidFill>
+              <a:schemeClr val="tx1"/>
+            </a:solidFill>
+          </a:ln>
+        </p:spPr>
+        <p:style>
+          <a:lnRef idx="1">
+            <a:schemeClr val="accent1"/>
+          </a:lnRef>
+          <a:fillRef idx="0">
+            <a:schemeClr val="accent1"/>
+          </a:fillRef>
+          <a:effectRef idx="0">
+            <a:schemeClr val="accent1"/>
+          </a:effectRef>
+          <a:fontRef idx="minor">
+            <a:schemeClr val="tx1"/>
+          </a:fontRef>
+        </p:style>
+      </p:cxnSp>
+      <p:pic>
+        <p:nvPicPr>
+          <p:cNvPr id="56" name="Picture 55">
+            <a:extLst>
+              <a:ext uri="{FF2B5EF4-FFF2-40B4-BE49-F238E27FC236}">
+                <a16:creationId xmlns:a16="http://schemas.microsoft.com/office/drawing/2014/main" id="{0EBD63F2-6923-7249-81DA-2C2D4080E4C0}"/>
+              </a:ext>
+            </a:extLst>
+          </p:cNvPr>
+          <p:cNvPicPr>
+            <a:picLocks noChangeAspect="1"/>
+          </p:cNvPicPr>
+          <p:nvPr/>
+        </p:nvPicPr>
+        <p:blipFill>
+          <a:blip r:embed="rId2">
+            <a:extLst>
+              <a:ext uri="{28A0092B-C50C-407E-A947-70E740481C1C}">
+                <a14:useLocalDpi xmlns:a14="http://schemas.microsoft.com/office/drawing/2010/main" val="0"/>
+              </a:ext>
+            </a:extLst>
+          </a:blip>
+          <a:stretch>
+            <a:fillRect/>
+          </a:stretch>
+        </p:blipFill>
+        <p:spPr>
+          <a:xfrm>
+            <a:off x="9651948" y="4579906"/>
+            <a:ext cx="1318030" cy="1318030"/>
+          </a:xfrm>
+          <a:prstGeom prst="rect">
+            <a:avLst/>
+          </a:prstGeom>
+        </p:spPr>
+      </p:pic>
+      <p:sp>
+        <p:nvSpPr>
+          <p:cNvPr id="67" name="TextBox 66">
+            <a:extLst>
+              <a:ext uri="{FF2B5EF4-FFF2-40B4-BE49-F238E27FC236}">
+                <a16:creationId xmlns:a16="http://schemas.microsoft.com/office/drawing/2014/main" id="{D5364408-F56C-CE40-A3F5-D51EC07F2FBF}"/>
+              </a:ext>
+            </a:extLst>
+          </p:cNvPr>
+          <p:cNvSpPr txBox="1"/>
+          <p:nvPr/>
+        </p:nvSpPr>
+        <p:spPr>
+          <a:xfrm>
+            <a:off x="8604890" y="4267196"/>
+            <a:ext cx="639919" cy="338554"/>
+          </a:xfrm>
+          <a:prstGeom prst="rect">
+            <a:avLst/>
+          </a:prstGeom>
+          <a:noFill/>
+        </p:spPr>
+        <p:txBody>
+          <a:bodyPr wrap="none" rtlCol="0">
+            <a:spAutoFit/>
+          </a:bodyPr>
+          <a:lstStyle/>
+          <a:p>
+            <a:r>
+              <a:rPr lang="en-US" sz="1600" b="1" dirty="0">
+                <a:latin typeface="Yu Gothic" panose="020B0400000000000000" pitchFamily="34" charset="-128"/>
+                <a:ea typeface="Yu Gothic" panose="020B0400000000000000" pitchFamily="34" charset="-128"/>
+              </a:rPr>
+              <a:t>g0/2</a:t>
+            </a:r>
+          </a:p>
+        </p:txBody>
+      </p:sp>
+      <p:sp>
+        <p:nvSpPr>
+          <p:cNvPr id="72" name="TextBox 71">
+            <a:extLst>
+              <a:ext uri="{FF2B5EF4-FFF2-40B4-BE49-F238E27FC236}">
+                <a16:creationId xmlns:a16="http://schemas.microsoft.com/office/drawing/2014/main" id="{426F0AC4-A5A0-DD49-9266-DAA474D20084}"/>
+              </a:ext>
+            </a:extLst>
+          </p:cNvPr>
+          <p:cNvSpPr txBox="1"/>
+          <p:nvPr/>
+        </p:nvSpPr>
+        <p:spPr>
+          <a:xfrm>
+            <a:off x="1172515" y="5623445"/>
+            <a:ext cx="1308371" cy="369332"/>
+          </a:xfrm>
+          <a:prstGeom prst="rect">
+            <a:avLst/>
+          </a:prstGeom>
+          <a:noFill/>
+        </p:spPr>
+        <p:txBody>
+          <a:bodyPr wrap="none" rtlCol="0">
+            <a:spAutoFit/>
+          </a:bodyPr>
+          <a:lstStyle/>
+          <a:p>
+            <a:r>
+              <a:rPr lang="en-US" b="1" dirty="0">
+                <a:latin typeface="Yu Gothic" panose="020B0400000000000000" pitchFamily="34" charset="-128"/>
+                <a:ea typeface="Yu Gothic" panose="020B0400000000000000" pitchFamily="34" charset="-128"/>
+              </a:rPr>
+              <a:t>10.0.1.101</a:t>
+            </a:r>
+          </a:p>
+        </p:txBody>
+      </p:sp>
+      <p:sp>
+        <p:nvSpPr>
+          <p:cNvPr id="73" name="TextBox 72">
+            <a:extLst>
+              <a:ext uri="{FF2B5EF4-FFF2-40B4-BE49-F238E27FC236}">
+                <a16:creationId xmlns:a16="http://schemas.microsoft.com/office/drawing/2014/main" id="{640118AE-AE03-9546-8779-8291822D9C64}"/>
+              </a:ext>
+            </a:extLst>
+          </p:cNvPr>
+          <p:cNvSpPr txBox="1"/>
+          <p:nvPr/>
+        </p:nvSpPr>
+        <p:spPr>
+          <a:xfrm>
+            <a:off x="2724457" y="4483678"/>
+            <a:ext cx="1042273" cy="369332"/>
+          </a:xfrm>
+          <a:prstGeom prst="rect">
+            <a:avLst/>
+          </a:prstGeom>
+          <a:noFill/>
+        </p:spPr>
+        <p:txBody>
+          <a:bodyPr wrap="none" rtlCol="0">
+            <a:spAutoFit/>
+          </a:bodyPr>
+          <a:lstStyle/>
+          <a:p>
+            <a:r>
+              <a:rPr lang="en-US" b="1" dirty="0">
+                <a:latin typeface="Yu Gothic" panose="020B0400000000000000" pitchFamily="34" charset="-128"/>
+                <a:ea typeface="Yu Gothic" panose="020B0400000000000000" pitchFamily="34" charset="-128"/>
+              </a:rPr>
+              <a:t>10.0.1.1</a:t>
+            </a:r>
+          </a:p>
+        </p:txBody>
+      </p:sp>
+      <p:sp>
+        <p:nvSpPr>
+          <p:cNvPr id="74" name="TextBox 73">
+            <a:extLst>
+              <a:ext uri="{FF2B5EF4-FFF2-40B4-BE49-F238E27FC236}">
+                <a16:creationId xmlns:a16="http://schemas.microsoft.com/office/drawing/2014/main" id="{2CA16ED1-4B0B-6843-8404-64B3576F9A4F}"/>
+              </a:ext>
+            </a:extLst>
+          </p:cNvPr>
+          <p:cNvSpPr txBox="1"/>
+          <p:nvPr/>
+        </p:nvSpPr>
+        <p:spPr>
+          <a:xfrm>
+            <a:off x="4294881" y="4494683"/>
+            <a:ext cx="1042273" cy="369332"/>
+          </a:xfrm>
+          <a:prstGeom prst="rect">
+            <a:avLst/>
+          </a:prstGeom>
+          <a:noFill/>
+        </p:spPr>
+        <p:txBody>
+          <a:bodyPr wrap="none" rtlCol="0">
+            <a:spAutoFit/>
+          </a:bodyPr>
+          <a:lstStyle/>
+          <a:p>
+            <a:r>
+              <a:rPr lang="en-US" b="1" dirty="0">
+                <a:latin typeface="Yu Gothic" panose="020B0400000000000000" pitchFamily="34" charset="-128"/>
+                <a:ea typeface="Yu Gothic" panose="020B0400000000000000" pitchFamily="34" charset="-128"/>
+              </a:rPr>
+              <a:t>10.0.2.1</a:t>
+            </a:r>
+          </a:p>
+        </p:txBody>
+      </p:sp>
+      <p:sp>
+        <p:nvSpPr>
+          <p:cNvPr id="75" name="TextBox 74">
+            <a:extLst>
+              <a:ext uri="{FF2B5EF4-FFF2-40B4-BE49-F238E27FC236}">
+                <a16:creationId xmlns:a16="http://schemas.microsoft.com/office/drawing/2014/main" id="{F8676D79-6E3C-5E4E-AA6F-F7D03834FEA8}"/>
+              </a:ext>
+            </a:extLst>
+          </p:cNvPr>
+          <p:cNvSpPr txBox="1"/>
+          <p:nvPr/>
+        </p:nvSpPr>
+        <p:spPr>
+          <a:xfrm>
+            <a:off x="6837682" y="4494683"/>
+            <a:ext cx="1042273" cy="369332"/>
+          </a:xfrm>
+          <a:prstGeom prst="rect">
+            <a:avLst/>
+          </a:prstGeom>
+          <a:noFill/>
+        </p:spPr>
+        <p:txBody>
+          <a:bodyPr wrap="none" rtlCol="0">
+            <a:spAutoFit/>
+          </a:bodyPr>
+          <a:lstStyle/>
+          <a:p>
+            <a:r>
+              <a:rPr lang="en-US" b="1" dirty="0">
+                <a:latin typeface="Yu Gothic" panose="020B0400000000000000" pitchFamily="34" charset="-128"/>
+                <a:ea typeface="Yu Gothic" panose="020B0400000000000000" pitchFamily="34" charset="-128"/>
+              </a:rPr>
+              <a:t>10.0.2.2</a:t>
+            </a:r>
+          </a:p>
+        </p:txBody>
+      </p:sp>
+      <p:sp>
+        <p:nvSpPr>
+          <p:cNvPr id="76" name="TextBox 75">
+            <a:extLst>
+              <a:ext uri="{FF2B5EF4-FFF2-40B4-BE49-F238E27FC236}">
+                <a16:creationId xmlns:a16="http://schemas.microsoft.com/office/drawing/2014/main" id="{F43E0B7B-062A-7F4F-855F-1EF9D7982618}"/>
+              </a:ext>
+            </a:extLst>
+          </p:cNvPr>
+          <p:cNvSpPr txBox="1"/>
+          <p:nvPr/>
+        </p:nvSpPr>
+        <p:spPr>
+          <a:xfrm>
+            <a:off x="5377347" y="5618269"/>
+            <a:ext cx="1308371" cy="369332"/>
+          </a:xfrm>
+          <a:prstGeom prst="rect">
+            <a:avLst/>
+          </a:prstGeom>
+          <a:noFill/>
+        </p:spPr>
+        <p:txBody>
+          <a:bodyPr wrap="none" rtlCol="0">
+            <a:spAutoFit/>
+          </a:bodyPr>
+          <a:lstStyle/>
+          <a:p>
+            <a:r>
+              <a:rPr lang="en-US" b="1" dirty="0">
+                <a:latin typeface="Yu Gothic" panose="020B0400000000000000" pitchFamily="34" charset="-128"/>
+                <a:ea typeface="Yu Gothic" panose="020B0400000000000000" pitchFamily="34" charset="-128"/>
+              </a:rPr>
+              <a:t>10.0.2.102</a:t>
+            </a:r>
+          </a:p>
+        </p:txBody>
+      </p:sp>
+      <p:sp>
+        <p:nvSpPr>
+          <p:cNvPr id="77" name="TextBox 76">
+            <a:extLst>
+              <a:ext uri="{FF2B5EF4-FFF2-40B4-BE49-F238E27FC236}">
+                <a16:creationId xmlns:a16="http://schemas.microsoft.com/office/drawing/2014/main" id="{E4FF5267-313B-0648-80C6-652A4ACF7B2F}"/>
+              </a:ext>
+            </a:extLst>
+          </p:cNvPr>
+          <p:cNvSpPr txBox="1"/>
+          <p:nvPr/>
+        </p:nvSpPr>
+        <p:spPr>
+          <a:xfrm>
+            <a:off x="9651948" y="5618269"/>
+            <a:ext cx="1308371" cy="369332"/>
+          </a:xfrm>
+          <a:prstGeom prst="rect">
+            <a:avLst/>
+          </a:prstGeom>
+          <a:noFill/>
+        </p:spPr>
+        <p:txBody>
+          <a:bodyPr wrap="none" rtlCol="0">
+            <a:spAutoFit/>
+          </a:bodyPr>
+          <a:lstStyle/>
+          <a:p>
+            <a:r>
+              <a:rPr lang="en-US" b="1" dirty="0">
+                <a:latin typeface="Yu Gothic" panose="020B0400000000000000" pitchFamily="34" charset="-128"/>
+                <a:ea typeface="Yu Gothic" panose="020B0400000000000000" pitchFamily="34" charset="-128"/>
+              </a:rPr>
+              <a:t>10.0.3.103</a:t>
+            </a:r>
+          </a:p>
+        </p:txBody>
+      </p:sp>
+      <p:sp>
+        <p:nvSpPr>
+          <p:cNvPr id="80" name="TextBox 79">
+            <a:extLst>
+              <a:ext uri="{FF2B5EF4-FFF2-40B4-BE49-F238E27FC236}">
+                <a16:creationId xmlns:a16="http://schemas.microsoft.com/office/drawing/2014/main" id="{C6C4A6DB-49F3-A346-BCD7-409CCFD5CBA0}"/>
+              </a:ext>
+            </a:extLst>
+          </p:cNvPr>
+          <p:cNvSpPr txBox="1"/>
+          <p:nvPr/>
+        </p:nvSpPr>
+        <p:spPr>
+          <a:xfrm>
+            <a:off x="8493011" y="4521861"/>
+            <a:ext cx="1042273" cy="369332"/>
+          </a:xfrm>
+          <a:prstGeom prst="rect">
+            <a:avLst/>
+          </a:prstGeom>
+          <a:noFill/>
+        </p:spPr>
+        <p:txBody>
+          <a:bodyPr wrap="none" rtlCol="0">
+            <a:spAutoFit/>
+          </a:bodyPr>
+          <a:lstStyle/>
+          <a:p>
+            <a:r>
+              <a:rPr lang="en-US" b="1" dirty="0">
+                <a:latin typeface="Yu Gothic" panose="020B0400000000000000" pitchFamily="34" charset="-128"/>
+                <a:ea typeface="Yu Gothic" panose="020B0400000000000000" pitchFamily="34" charset="-128"/>
+              </a:rPr>
+              <a:t>10.0.3.1</a:t>
+            </a:r>
+          </a:p>
+        </p:txBody>
+      </p:sp>
+      <p:sp>
+        <p:nvSpPr>
+          <p:cNvPr id="42" name="TextBox 41">
+            <a:extLst>
+              <a:ext uri="{FF2B5EF4-FFF2-40B4-BE49-F238E27FC236}">
+                <a16:creationId xmlns:a16="http://schemas.microsoft.com/office/drawing/2014/main" id="{A8E1446C-776B-B845-B6D0-F43FE33C031D}"/>
+              </a:ext>
+            </a:extLst>
+          </p:cNvPr>
+          <p:cNvSpPr txBox="1"/>
+          <p:nvPr/>
+        </p:nvSpPr>
+        <p:spPr>
+          <a:xfrm>
+            <a:off x="1869966" y="4621481"/>
+            <a:ext cx="639919" cy="338554"/>
+          </a:xfrm>
+          <a:prstGeom prst="rect">
+            <a:avLst/>
+          </a:prstGeom>
+          <a:noFill/>
+        </p:spPr>
+        <p:txBody>
+          <a:bodyPr wrap="none" rtlCol="0">
+            <a:spAutoFit/>
+          </a:bodyPr>
+          <a:lstStyle/>
+          <a:p>
+            <a:r>
+              <a:rPr lang="en-US" sz="1600" b="1" dirty="0">
+                <a:latin typeface="Yu Gothic" panose="020B0400000000000000" pitchFamily="34" charset="-128"/>
+                <a:ea typeface="Yu Gothic" panose="020B0400000000000000" pitchFamily="34" charset="-128"/>
+              </a:rPr>
+              <a:t>g0/1</a:t>
+            </a:r>
+          </a:p>
+        </p:txBody>
+      </p:sp>
+      <p:sp>
+        <p:nvSpPr>
+          <p:cNvPr id="43" name="TextBox 42">
+            <a:extLst>
+              <a:ext uri="{FF2B5EF4-FFF2-40B4-BE49-F238E27FC236}">
+                <a16:creationId xmlns:a16="http://schemas.microsoft.com/office/drawing/2014/main" id="{952EC7D7-8589-6240-B41C-108E48A73ABB}"/>
+              </a:ext>
+            </a:extLst>
+          </p:cNvPr>
+          <p:cNvSpPr txBox="1"/>
+          <p:nvPr/>
+        </p:nvSpPr>
+        <p:spPr>
+          <a:xfrm>
+            <a:off x="6013881" y="4596727"/>
+            <a:ext cx="639919" cy="338554"/>
+          </a:xfrm>
+          <a:prstGeom prst="rect">
+            <a:avLst/>
+          </a:prstGeom>
+          <a:noFill/>
+        </p:spPr>
+        <p:txBody>
+          <a:bodyPr wrap="none" rtlCol="0">
+            <a:spAutoFit/>
+          </a:bodyPr>
+          <a:lstStyle/>
+          <a:p>
+            <a:r>
+              <a:rPr lang="en-US" sz="1600" b="1" dirty="0">
+                <a:latin typeface="Yu Gothic" panose="020B0400000000000000" pitchFamily="34" charset="-128"/>
+                <a:ea typeface="Yu Gothic" panose="020B0400000000000000" pitchFamily="34" charset="-128"/>
+              </a:rPr>
+              <a:t>g0/1</a:t>
+            </a:r>
+          </a:p>
+        </p:txBody>
+      </p:sp>
+      <p:sp>
+        <p:nvSpPr>
+          <p:cNvPr id="46" name="TextBox 45">
+            <a:extLst>
+              <a:ext uri="{FF2B5EF4-FFF2-40B4-BE49-F238E27FC236}">
+                <a16:creationId xmlns:a16="http://schemas.microsoft.com/office/drawing/2014/main" id="{FC52123C-0378-904D-95C3-82C0BD28F813}"/>
+              </a:ext>
+            </a:extLst>
+          </p:cNvPr>
+          <p:cNvSpPr txBox="1"/>
+          <p:nvPr/>
+        </p:nvSpPr>
+        <p:spPr>
+          <a:xfrm>
+            <a:off x="10325349" y="4579906"/>
+            <a:ext cx="639919" cy="338554"/>
+          </a:xfrm>
+          <a:prstGeom prst="rect">
+            <a:avLst/>
+          </a:prstGeom>
+          <a:noFill/>
+        </p:spPr>
+        <p:txBody>
+          <a:bodyPr wrap="none" rtlCol="0">
+            <a:spAutoFit/>
+          </a:bodyPr>
+          <a:lstStyle/>
+          <a:p>
+            <a:r>
+              <a:rPr lang="en-US" sz="1600" b="1" dirty="0">
+                <a:latin typeface="Yu Gothic" panose="020B0400000000000000" pitchFamily="34" charset="-128"/>
+                <a:ea typeface="Yu Gothic" panose="020B0400000000000000" pitchFamily="34" charset="-128"/>
+              </a:rPr>
+              <a:t>g0/1</a:t>
+            </a:r>
+          </a:p>
+        </p:txBody>
+      </p:sp>
+      <p:sp>
+        <p:nvSpPr>
+          <p:cNvPr id="3" name="TextBox 2">
+            <a:extLst>
+              <a:ext uri="{FF2B5EF4-FFF2-40B4-BE49-F238E27FC236}">
+                <a16:creationId xmlns:a16="http://schemas.microsoft.com/office/drawing/2014/main" id="{AE3809F3-B751-594C-9FF6-986751F560F7}"/>
+              </a:ext>
+            </a:extLst>
+          </p:cNvPr>
+          <p:cNvSpPr txBox="1"/>
+          <p:nvPr/>
+        </p:nvSpPr>
+        <p:spPr>
+          <a:xfrm>
+            <a:off x="1582623" y="5048472"/>
+            <a:ext cx="643125" cy="369332"/>
+          </a:xfrm>
+          <a:prstGeom prst="rect">
+            <a:avLst/>
+          </a:prstGeom>
+          <a:noFill/>
+        </p:spPr>
+        <p:txBody>
+          <a:bodyPr wrap="none" rtlCol="0">
+            <a:spAutoFit/>
+          </a:bodyPr>
+          <a:lstStyle/>
+          <a:p>
+            <a:r>
+              <a:rPr lang="en-US" b="1" dirty="0">
+                <a:latin typeface="Yu Gothic" panose="020B0400000000000000" pitchFamily="34" charset="-128"/>
+                <a:ea typeface="Yu Gothic" panose="020B0400000000000000" pitchFamily="34" charset="-128"/>
+              </a:rPr>
+              <a:t>PC1</a:t>
+            </a:r>
+          </a:p>
+        </p:txBody>
+      </p:sp>
+      <p:sp>
+        <p:nvSpPr>
+          <p:cNvPr id="52" name="TextBox 51">
+            <a:extLst>
+              <a:ext uri="{FF2B5EF4-FFF2-40B4-BE49-F238E27FC236}">
+                <a16:creationId xmlns:a16="http://schemas.microsoft.com/office/drawing/2014/main" id="{34204F8E-53F3-1C4F-85A9-2F846FDA39F3}"/>
+              </a:ext>
+            </a:extLst>
+          </p:cNvPr>
+          <p:cNvSpPr txBox="1"/>
+          <p:nvPr/>
+        </p:nvSpPr>
+        <p:spPr>
+          <a:xfrm>
+            <a:off x="5752260" y="5048472"/>
+            <a:ext cx="643125" cy="369332"/>
+          </a:xfrm>
+          <a:prstGeom prst="rect">
+            <a:avLst/>
+          </a:prstGeom>
+          <a:noFill/>
+        </p:spPr>
+        <p:txBody>
+          <a:bodyPr wrap="none" rtlCol="0">
+            <a:spAutoFit/>
+          </a:bodyPr>
+          <a:lstStyle/>
+          <a:p>
+            <a:r>
+              <a:rPr lang="en-US" b="1" dirty="0">
+                <a:latin typeface="Yu Gothic" panose="020B0400000000000000" pitchFamily="34" charset="-128"/>
+                <a:ea typeface="Yu Gothic" panose="020B0400000000000000" pitchFamily="34" charset="-128"/>
+              </a:rPr>
+              <a:t>PC2</a:t>
+            </a:r>
+          </a:p>
+        </p:txBody>
+      </p:sp>
+      <p:sp>
+        <p:nvSpPr>
+          <p:cNvPr id="58" name="TextBox 57">
+            <a:extLst>
+              <a:ext uri="{FF2B5EF4-FFF2-40B4-BE49-F238E27FC236}">
+                <a16:creationId xmlns:a16="http://schemas.microsoft.com/office/drawing/2014/main" id="{4359CA2B-0540-EC41-AA0C-14162822111E}"/>
+              </a:ext>
+            </a:extLst>
+          </p:cNvPr>
+          <p:cNvSpPr txBox="1"/>
+          <p:nvPr/>
+        </p:nvSpPr>
+        <p:spPr>
+          <a:xfrm>
+            <a:off x="10003834" y="5040262"/>
+            <a:ext cx="643125" cy="369332"/>
+          </a:xfrm>
+          <a:prstGeom prst="rect">
+            <a:avLst/>
+          </a:prstGeom>
+          <a:noFill/>
+        </p:spPr>
+        <p:txBody>
+          <a:bodyPr wrap="none" rtlCol="0">
+            <a:spAutoFit/>
+          </a:bodyPr>
+          <a:lstStyle/>
+          <a:p>
+            <a:r>
+              <a:rPr lang="en-US" b="1" dirty="0">
+                <a:latin typeface="Yu Gothic" panose="020B0400000000000000" pitchFamily="34" charset="-128"/>
+                <a:ea typeface="Yu Gothic" panose="020B0400000000000000" pitchFamily="34" charset="-128"/>
+              </a:rPr>
+              <a:t>PC3</a:t>
+            </a:r>
+          </a:p>
+        </p:txBody>
+      </p:sp>
+      <p:sp>
+        <p:nvSpPr>
+          <p:cNvPr id="60" name="TextBox 59">
+            <a:extLst>
+              <a:ext uri="{FF2B5EF4-FFF2-40B4-BE49-F238E27FC236}">
+                <a16:creationId xmlns:a16="http://schemas.microsoft.com/office/drawing/2014/main" id="{14F5B31D-4A56-E149-BF96-6233030792C5}"/>
+              </a:ext>
+            </a:extLst>
+          </p:cNvPr>
+          <p:cNvSpPr txBox="1"/>
+          <p:nvPr/>
+        </p:nvSpPr>
+        <p:spPr>
+          <a:xfrm>
+            <a:off x="3803389" y="4171518"/>
+            <a:ext cx="479618" cy="369332"/>
+          </a:xfrm>
+          <a:prstGeom prst="rect">
+            <a:avLst/>
+          </a:prstGeom>
+          <a:noFill/>
+        </p:spPr>
+        <p:txBody>
+          <a:bodyPr wrap="none" rtlCol="0">
+            <a:spAutoFit/>
+          </a:bodyPr>
+          <a:lstStyle/>
+          <a:p>
+            <a:r>
+              <a:rPr lang="en-US" b="1" dirty="0">
+                <a:solidFill>
+                  <a:schemeClr val="bg1"/>
+                </a:solidFill>
+                <a:latin typeface="Yu Gothic" panose="020B0400000000000000" pitchFamily="34" charset="-128"/>
+                <a:ea typeface="Yu Gothic" panose="020B0400000000000000" pitchFamily="34" charset="-128"/>
+              </a:rPr>
+              <a:t>R1</a:t>
+            </a:r>
+          </a:p>
+        </p:txBody>
+      </p:sp>
+      <p:sp>
+        <p:nvSpPr>
+          <p:cNvPr id="61" name="TextBox 60">
+            <a:extLst>
+              <a:ext uri="{FF2B5EF4-FFF2-40B4-BE49-F238E27FC236}">
+                <a16:creationId xmlns:a16="http://schemas.microsoft.com/office/drawing/2014/main" id="{DF47E842-E93A-164A-B931-AAC0BD6D4C5C}"/>
+              </a:ext>
+            </a:extLst>
+          </p:cNvPr>
+          <p:cNvSpPr txBox="1"/>
+          <p:nvPr/>
+        </p:nvSpPr>
+        <p:spPr>
+          <a:xfrm>
+            <a:off x="7961382" y="4178194"/>
+            <a:ext cx="479618" cy="369332"/>
+          </a:xfrm>
+          <a:prstGeom prst="rect">
+            <a:avLst/>
+          </a:prstGeom>
+          <a:noFill/>
+        </p:spPr>
+        <p:txBody>
+          <a:bodyPr wrap="none" rtlCol="0">
+            <a:spAutoFit/>
+          </a:bodyPr>
+          <a:lstStyle/>
+          <a:p>
+            <a:r>
+              <a:rPr lang="en-US" b="1" dirty="0">
+                <a:solidFill>
+                  <a:schemeClr val="bg1"/>
+                </a:solidFill>
+                <a:latin typeface="Yu Gothic" panose="020B0400000000000000" pitchFamily="34" charset="-128"/>
+                <a:ea typeface="Yu Gothic" panose="020B0400000000000000" pitchFamily="34" charset="-128"/>
+              </a:rPr>
+              <a:t>R2</a:t>
+            </a:r>
+          </a:p>
+        </p:txBody>
+      </p:sp>
+      <p:sp>
+        <p:nvSpPr>
+          <p:cNvPr id="64" name="TextBox 63">
+            <a:extLst>
+              <a:ext uri="{FF2B5EF4-FFF2-40B4-BE49-F238E27FC236}">
+                <a16:creationId xmlns:a16="http://schemas.microsoft.com/office/drawing/2014/main" id="{5B0E459A-E698-B04F-8B64-FEBA1FB2D68F}"/>
+              </a:ext>
+            </a:extLst>
+          </p:cNvPr>
+          <p:cNvSpPr txBox="1"/>
+          <p:nvPr/>
+        </p:nvSpPr>
+        <p:spPr>
+          <a:xfrm>
+            <a:off x="1473159" y="6234492"/>
+            <a:ext cx="1832553" cy="461665"/>
+          </a:xfrm>
+          <a:prstGeom prst="rect">
+            <a:avLst/>
+          </a:prstGeom>
+          <a:noFill/>
+        </p:spPr>
+        <p:txBody>
+          <a:bodyPr wrap="none" rtlCol="0">
+            <a:spAutoFit/>
+          </a:bodyPr>
+          <a:lstStyle/>
+          <a:p>
+            <a:r>
+              <a:rPr lang="en-US" sz="2400" b="1" dirty="0">
+                <a:solidFill>
+                  <a:schemeClr val="accent5"/>
+                </a:solidFill>
+                <a:latin typeface="Yu Gothic" panose="020B0400000000000000" pitchFamily="34" charset="-128"/>
+                <a:ea typeface="Yu Gothic" panose="020B0400000000000000" pitchFamily="34" charset="-128"/>
+              </a:rPr>
+              <a:t>10.0.1.0/24</a:t>
+            </a:r>
+          </a:p>
+        </p:txBody>
+      </p:sp>
+      <p:sp>
+        <p:nvSpPr>
+          <p:cNvPr id="65" name="TextBox 64">
+            <a:extLst>
+              <a:ext uri="{FF2B5EF4-FFF2-40B4-BE49-F238E27FC236}">
+                <a16:creationId xmlns:a16="http://schemas.microsoft.com/office/drawing/2014/main" id="{7CE0CBAE-36F9-534A-BBD1-4B21908909EB}"/>
+              </a:ext>
+            </a:extLst>
+          </p:cNvPr>
+          <p:cNvSpPr txBox="1"/>
+          <p:nvPr/>
+        </p:nvSpPr>
+        <p:spPr>
+          <a:xfrm>
+            <a:off x="5279306" y="6239058"/>
+            <a:ext cx="1832553" cy="461665"/>
+          </a:xfrm>
+          <a:prstGeom prst="rect">
+            <a:avLst/>
+          </a:prstGeom>
+          <a:noFill/>
+        </p:spPr>
+        <p:txBody>
+          <a:bodyPr wrap="none" rtlCol="0">
+            <a:spAutoFit/>
+          </a:bodyPr>
+          <a:lstStyle/>
+          <a:p>
+            <a:r>
+              <a:rPr lang="en-US" sz="2400" b="1" dirty="0">
+                <a:solidFill>
+                  <a:schemeClr val="accent5"/>
+                </a:solidFill>
+                <a:latin typeface="Yu Gothic" panose="020B0400000000000000" pitchFamily="34" charset="-128"/>
+                <a:ea typeface="Yu Gothic" panose="020B0400000000000000" pitchFamily="34" charset="-128"/>
+              </a:rPr>
+              <a:t>10.0.2.0/24</a:t>
+            </a:r>
+          </a:p>
+        </p:txBody>
+      </p:sp>
+      <p:sp>
+        <p:nvSpPr>
+          <p:cNvPr id="66" name="TextBox 65">
+            <a:extLst>
+              <a:ext uri="{FF2B5EF4-FFF2-40B4-BE49-F238E27FC236}">
+                <a16:creationId xmlns:a16="http://schemas.microsoft.com/office/drawing/2014/main" id="{4FFA7C9F-CE31-5042-863E-43C8B9AD8DCB}"/>
+              </a:ext>
+            </a:extLst>
+          </p:cNvPr>
+          <p:cNvSpPr txBox="1"/>
+          <p:nvPr/>
+        </p:nvSpPr>
+        <p:spPr>
+          <a:xfrm>
+            <a:off x="9018351" y="6234492"/>
+            <a:ext cx="1832553" cy="461665"/>
+          </a:xfrm>
+          <a:prstGeom prst="rect">
+            <a:avLst/>
+          </a:prstGeom>
+          <a:noFill/>
+        </p:spPr>
+        <p:txBody>
+          <a:bodyPr wrap="none" rtlCol="0">
+            <a:spAutoFit/>
+          </a:bodyPr>
+          <a:lstStyle/>
+          <a:p>
+            <a:r>
+              <a:rPr lang="en-US" sz="2400" b="1" dirty="0">
+                <a:solidFill>
+                  <a:schemeClr val="accent5"/>
+                </a:solidFill>
+                <a:latin typeface="Yu Gothic" panose="020B0400000000000000" pitchFamily="34" charset="-128"/>
+                <a:ea typeface="Yu Gothic" panose="020B0400000000000000" pitchFamily="34" charset="-128"/>
+              </a:rPr>
+              <a:t>10.0.3.0/24</a:t>
+            </a:r>
+          </a:p>
+        </p:txBody>
+      </p:sp>
+      <p:sp>
+        <p:nvSpPr>
+          <p:cNvPr id="69" name="Rounded Rectangular Callout 68">
+            <a:extLst>
+              <a:ext uri="{FF2B5EF4-FFF2-40B4-BE49-F238E27FC236}">
+                <a16:creationId xmlns:a16="http://schemas.microsoft.com/office/drawing/2014/main" id="{DB6748B0-EC90-674E-A5F6-A79E981D7EB2}"/>
+              </a:ext>
+            </a:extLst>
+          </p:cNvPr>
+          <p:cNvSpPr/>
+          <p:nvPr/>
+        </p:nvSpPr>
+        <p:spPr>
+          <a:xfrm>
+            <a:off x="2248067" y="436761"/>
+            <a:ext cx="3627389" cy="2189313"/>
+          </a:xfrm>
+          <a:prstGeom prst="wedgeRoundRectCallout">
+            <a:avLst>
+              <a:gd name="adj1" fmla="val 3881"/>
+              <a:gd name="adj2" fmla="val 94833"/>
+              <a:gd name="adj3" fmla="val 16667"/>
+            </a:avLst>
+          </a:prstGeom>
+          <a:ln>
+            <a:noFill/>
+          </a:ln>
+        </p:spPr>
+        <p:style>
+          <a:lnRef idx="2">
+            <a:schemeClr val="accent1">
+              <a:shade val="50000"/>
+            </a:schemeClr>
+          </a:lnRef>
+          <a:fillRef idx="1">
+            <a:schemeClr val="accent1"/>
+          </a:fillRef>
+          <a:effectRef idx="0">
+            <a:schemeClr val="accent1"/>
+          </a:effectRef>
+          <a:fontRef idx="minor">
+            <a:schemeClr val="lt1"/>
+          </a:fontRef>
+        </p:style>
+        <p:txBody>
+          <a:bodyPr rtlCol="0" anchor="ctr"/>
+          <a:lstStyle/>
+          <a:p>
+            <a:pPr algn="ctr"/>
+            <a:endParaRPr lang="en-US"/>
+          </a:p>
+        </p:txBody>
+      </p:sp>
+      <p:graphicFrame>
+        <p:nvGraphicFramePr>
+          <p:cNvPr id="71" name="Table 70">
+            <a:extLst>
+              <a:ext uri="{FF2B5EF4-FFF2-40B4-BE49-F238E27FC236}">
+                <a16:creationId xmlns:a16="http://schemas.microsoft.com/office/drawing/2014/main" id="{B6D4D950-8C2F-0B44-8088-14237C45EB44}"/>
+              </a:ext>
+            </a:extLst>
+          </p:cNvPr>
+          <p:cNvGraphicFramePr>
+            <a:graphicFrameLocks noGrp="1"/>
+          </p:cNvGraphicFramePr>
+          <p:nvPr>
+            <p:extLst>
+              <p:ext uri="{D42A27DB-BD31-4B8C-83A1-F6EECF244321}">
+                <p14:modId xmlns:p14="http://schemas.microsoft.com/office/powerpoint/2010/main" val="1497601568"/>
+              </p:ext>
+            </p:extLst>
+          </p:nvPr>
+        </p:nvGraphicFramePr>
+        <p:xfrm>
+          <a:off x="2827218" y="892952"/>
+          <a:ext cx="2897879" cy="1483360"/>
+        </p:xfrm>
+        <a:graphic>
+          <a:graphicData uri="http://schemas.openxmlformats.org/drawingml/2006/table">
+            <a:tbl>
+              <a:tblPr firstRow="1" bandRow="1"/>
+              <a:tblGrid>
+                <a:gridCol w="1675472">
+                  <a:extLst>
+                    <a:ext uri="{9D8B030D-6E8A-4147-A177-3AD203B41FA5}">
+                      <a16:colId xmlns:a16="http://schemas.microsoft.com/office/drawing/2014/main" val="3165905422"/>
+                    </a:ext>
+                  </a:extLst>
+                </a:gridCol>
+                <a:gridCol w="1222407">
+                  <a:extLst>
+                    <a:ext uri="{9D8B030D-6E8A-4147-A177-3AD203B41FA5}">
+                      <a16:colId xmlns:a16="http://schemas.microsoft.com/office/drawing/2014/main" val="2467080021"/>
+                    </a:ext>
+                  </a:extLst>
+                </a:gridCol>
+              </a:tblGrid>
+              <a:tr h="370840">
+                <a:tc>
+                  <a:txBody>
+                    <a:bodyPr/>
+                    <a:lstStyle/>
+                    <a:p>
+                      <a:pPr algn="ctr"/>
+                      <a:r>
+                        <a:rPr lang="ja-JP" altLang="en-US" b="1">
+                          <a:solidFill>
+                            <a:schemeClr val="bg1"/>
+                          </a:solidFill>
+                          <a:latin typeface="+mn-ea"/>
+                          <a:ea typeface="+mn-ea"/>
+                        </a:rPr>
+                        <a:t>ネットワーク</a:t>
+                      </a:r>
+                      <a:endParaRPr lang="en-US" b="1" dirty="0">
+                        <a:solidFill>
+                          <a:schemeClr val="bg1"/>
+                        </a:solidFill>
+                        <a:latin typeface="+mn-ea"/>
+                        <a:ea typeface="+mn-ea"/>
+                      </a:endParaRPr>
+                    </a:p>
+                  </a:txBody>
+                  <a:tcPr>
+                    <a:lnL w="28575" cap="flat" cmpd="sng" algn="ctr">
+                      <a:solidFill>
+                        <a:schemeClr val="bg1"/>
+                      </a:solidFill>
+                      <a:prstDash val="solid"/>
+                      <a:round/>
+                      <a:headEnd type="none" w="med" len="med"/>
+                      <a:tailEnd type="none" w="med" len="med"/>
+                    </a:lnL>
+                    <a:lnR w="28575" cap="flat" cmpd="sng" algn="ctr">
+                      <a:solidFill>
+                        <a:schemeClr val="bg1"/>
+                      </a:solidFill>
+                      <a:prstDash val="solid"/>
+                      <a:round/>
+                      <a:headEnd type="none" w="med" len="med"/>
+                      <a:tailEnd type="none" w="med" len="med"/>
+                    </a:lnR>
+                    <a:lnT w="28575" cap="flat" cmpd="sng" algn="ctr">
+                      <a:solidFill>
+                        <a:schemeClr val="bg1"/>
+                      </a:solidFill>
+                      <a:prstDash val="solid"/>
+                      <a:round/>
+                      <a:headEnd type="none" w="med" len="med"/>
+                      <a:tailEnd type="none" w="med" len="med"/>
+                    </a:lnT>
+                    <a:lnB w="28575" cap="flat" cmpd="sng" algn="ctr">
+                      <a:solidFill>
+                        <a:schemeClr val="bg1"/>
+                      </a:solidFill>
+                      <a:prstDash val="solid"/>
+                      <a:round/>
+                      <a:headEnd type="none" w="med" len="med"/>
+                      <a:tailEnd type="none" w="med" len="med"/>
+                    </a:lnB>
+                    <a:noFill/>
+                  </a:tcPr>
+                </a:tc>
+                <a:tc>
+                  <a:txBody>
+                    <a:bodyPr/>
+                    <a:lstStyle/>
+                    <a:p>
+                      <a:pPr algn="ctr"/>
+                      <a:r>
+                        <a:rPr lang="en-US" b="1" dirty="0">
+                          <a:solidFill>
+                            <a:schemeClr val="bg1"/>
+                          </a:solidFill>
+                          <a:latin typeface="+mn-ea"/>
+                          <a:ea typeface="+mn-ea"/>
+                        </a:rPr>
+                        <a:t>via</a:t>
+                      </a:r>
+                    </a:p>
+                  </a:txBody>
+                  <a:tcPr>
+                    <a:lnL w="28575" cap="flat" cmpd="sng" algn="ctr">
+                      <a:solidFill>
+                        <a:schemeClr val="bg1"/>
+                      </a:solidFill>
+                      <a:prstDash val="solid"/>
+                      <a:round/>
+                      <a:headEnd type="none" w="med" len="med"/>
+                      <a:tailEnd type="none" w="med" len="med"/>
+                    </a:lnL>
+                    <a:lnR w="28575" cap="flat" cmpd="sng" algn="ctr">
+                      <a:solidFill>
+                        <a:schemeClr val="bg1"/>
+                      </a:solidFill>
+                      <a:prstDash val="solid"/>
+                      <a:round/>
+                      <a:headEnd type="none" w="med" len="med"/>
+                      <a:tailEnd type="none" w="med" len="med"/>
+                    </a:lnR>
+                    <a:lnT w="28575" cap="flat" cmpd="sng" algn="ctr">
+                      <a:solidFill>
+                        <a:schemeClr val="bg1"/>
+                      </a:solidFill>
+                      <a:prstDash val="solid"/>
+                      <a:round/>
+                      <a:headEnd type="none" w="med" len="med"/>
+                      <a:tailEnd type="none" w="med" len="med"/>
+                    </a:lnT>
+                    <a:lnB w="28575" cap="flat" cmpd="sng" algn="ctr">
+                      <a:solidFill>
+                        <a:schemeClr val="bg1"/>
+                      </a:solidFill>
+                      <a:prstDash val="solid"/>
+                      <a:round/>
+                      <a:headEnd type="none" w="med" len="med"/>
+                      <a:tailEnd type="none" w="med" len="med"/>
+                    </a:lnB>
+                    <a:noFill/>
+                  </a:tcPr>
+                </a:tc>
+                <a:extLst>
+                  <a:ext uri="{0D108BD9-81ED-4DB2-BD59-A6C34878D82A}">
+                    <a16:rowId xmlns:a16="http://schemas.microsoft.com/office/drawing/2014/main" val="1356393982"/>
+                  </a:ext>
+                </a:extLst>
+              </a:tr>
+              <a:tr h="370840">
+                <a:tc>
+                  <a:txBody>
+                    <a:bodyPr/>
+                    <a:lstStyle/>
+                    <a:p>
+                      <a:pPr algn="ctr"/>
+                      <a:r>
+                        <a:rPr lang="en-US" b="1" dirty="0">
+                          <a:solidFill>
+                            <a:schemeClr val="bg1"/>
+                          </a:solidFill>
+                          <a:latin typeface="+mn-ea"/>
+                          <a:ea typeface="+mn-ea"/>
+                        </a:rPr>
+                        <a:t>10.0.1.0/24</a:t>
+                      </a:r>
+                    </a:p>
+                  </a:txBody>
+                  <a:tcPr>
+                    <a:lnL w="28575" cap="flat" cmpd="sng" algn="ctr">
+                      <a:solidFill>
+                        <a:schemeClr val="bg1"/>
+                      </a:solidFill>
+                      <a:prstDash val="solid"/>
+                      <a:round/>
+                      <a:headEnd type="none" w="med" len="med"/>
+                      <a:tailEnd type="none" w="med" len="med"/>
+                    </a:lnL>
+                    <a:lnR w="28575" cap="flat" cmpd="sng" algn="ctr">
+                      <a:solidFill>
+                        <a:schemeClr val="bg1"/>
+                      </a:solidFill>
+                      <a:prstDash val="solid"/>
+                      <a:round/>
+                      <a:headEnd type="none" w="med" len="med"/>
+                      <a:tailEnd type="none" w="med" len="med"/>
+                    </a:lnR>
+                    <a:lnT w="28575" cap="flat" cmpd="sng" algn="ctr">
+                      <a:solidFill>
+                        <a:schemeClr val="bg1"/>
+                      </a:solidFill>
+                      <a:prstDash val="solid"/>
+                      <a:round/>
+                      <a:headEnd type="none" w="med" len="med"/>
+                      <a:tailEnd type="none" w="med" len="med"/>
+                    </a:lnT>
+                    <a:lnB w="28575" cap="flat" cmpd="sng" algn="ctr">
+                      <a:solidFill>
+                        <a:schemeClr val="bg1"/>
+                      </a:solidFill>
+                      <a:prstDash val="solid"/>
+                      <a:round/>
+                      <a:headEnd type="none" w="med" len="med"/>
+                      <a:tailEnd type="none" w="med" len="med"/>
+                    </a:lnB>
+                    <a:noFill/>
+                  </a:tcPr>
+                </a:tc>
+                <a:tc>
+                  <a:txBody>
+                    <a:bodyPr/>
+                    <a:lstStyle/>
+                    <a:p>
+                      <a:pPr algn="ctr"/>
+                      <a:r>
+                        <a:rPr lang="en-US" b="1" dirty="0">
+                          <a:solidFill>
+                            <a:schemeClr val="bg1"/>
+                          </a:solidFill>
+                          <a:latin typeface="+mn-ea"/>
+                          <a:ea typeface="+mn-ea"/>
+                        </a:rPr>
+                        <a:t>g0/1</a:t>
+                      </a:r>
+                    </a:p>
+                  </a:txBody>
+                  <a:tcPr>
+                    <a:lnL w="28575" cap="flat" cmpd="sng" algn="ctr">
+                      <a:solidFill>
+                        <a:schemeClr val="bg1"/>
+                      </a:solidFill>
+                      <a:prstDash val="solid"/>
+                      <a:round/>
+                      <a:headEnd type="none" w="med" len="med"/>
+                      <a:tailEnd type="none" w="med" len="med"/>
+                    </a:lnL>
+                    <a:lnR w="28575" cap="flat" cmpd="sng" algn="ctr">
+                      <a:solidFill>
+                        <a:schemeClr val="bg1"/>
+                      </a:solidFill>
+                      <a:prstDash val="solid"/>
+                      <a:round/>
+                      <a:headEnd type="none" w="med" len="med"/>
+                      <a:tailEnd type="none" w="med" len="med"/>
+                    </a:lnR>
+                    <a:lnT w="28575" cap="flat" cmpd="sng" algn="ctr">
+                      <a:solidFill>
+                        <a:schemeClr val="bg1"/>
+                      </a:solidFill>
+                      <a:prstDash val="solid"/>
+                      <a:round/>
+                      <a:headEnd type="none" w="med" len="med"/>
+                      <a:tailEnd type="none" w="med" len="med"/>
+                    </a:lnT>
+                    <a:lnB w="28575" cap="flat" cmpd="sng" algn="ctr">
+                      <a:solidFill>
+                        <a:schemeClr val="bg1"/>
+                      </a:solidFill>
+                      <a:prstDash val="solid"/>
+                      <a:round/>
+                      <a:headEnd type="none" w="med" len="med"/>
+                      <a:tailEnd type="none" w="med" len="med"/>
+                    </a:lnB>
+                    <a:noFill/>
+                  </a:tcPr>
+                </a:tc>
+                <a:extLst>
+                  <a:ext uri="{0D108BD9-81ED-4DB2-BD59-A6C34878D82A}">
+                    <a16:rowId xmlns:a16="http://schemas.microsoft.com/office/drawing/2014/main" val="3819732004"/>
+                  </a:ext>
+                </a:extLst>
+              </a:tr>
+              <a:tr h="370840">
+                <a:tc>
+                  <a:txBody>
+                    <a:bodyPr/>
+                    <a:lstStyle/>
+                    <a:p>
+                      <a:pPr algn="ctr"/>
+                      <a:r>
+                        <a:rPr lang="en-US" b="1" dirty="0">
+                          <a:solidFill>
+                            <a:schemeClr val="bg1"/>
+                          </a:solidFill>
+                          <a:latin typeface="+mn-ea"/>
+                          <a:ea typeface="+mn-ea"/>
+                        </a:rPr>
+                        <a:t>10.0.2.0/24</a:t>
+                      </a:r>
+                    </a:p>
+                  </a:txBody>
+                  <a:tcPr>
+                    <a:lnL w="28575" cap="flat" cmpd="sng" algn="ctr">
+                      <a:solidFill>
+                        <a:schemeClr val="bg1"/>
+                      </a:solidFill>
+                      <a:prstDash val="solid"/>
+                      <a:round/>
+                      <a:headEnd type="none" w="med" len="med"/>
+                      <a:tailEnd type="none" w="med" len="med"/>
+                    </a:lnL>
+                    <a:lnR w="28575" cap="flat" cmpd="sng" algn="ctr">
+                      <a:solidFill>
+                        <a:schemeClr val="bg1"/>
+                      </a:solidFill>
+                      <a:prstDash val="solid"/>
+                      <a:round/>
+                      <a:headEnd type="none" w="med" len="med"/>
+                      <a:tailEnd type="none" w="med" len="med"/>
+                    </a:lnR>
+                    <a:lnT w="28575" cap="flat" cmpd="sng" algn="ctr">
+                      <a:solidFill>
+                        <a:schemeClr val="bg1"/>
+                      </a:solidFill>
+                      <a:prstDash val="solid"/>
+                      <a:round/>
+                      <a:headEnd type="none" w="med" len="med"/>
+                      <a:tailEnd type="none" w="med" len="med"/>
+                    </a:lnT>
+                    <a:lnB w="28575" cap="flat" cmpd="sng" algn="ctr">
+                      <a:solidFill>
+                        <a:schemeClr val="bg1"/>
+                      </a:solidFill>
+                      <a:prstDash val="solid"/>
+                      <a:round/>
+                      <a:headEnd type="none" w="med" len="med"/>
+                      <a:tailEnd type="none" w="med" len="med"/>
+                    </a:lnB>
+                    <a:noFill/>
+                  </a:tcPr>
+                </a:tc>
+                <a:tc>
+                  <a:txBody>
+                    <a:bodyPr/>
+                    <a:lstStyle/>
+                    <a:p>
+                      <a:pPr algn="ctr"/>
+                      <a:r>
+                        <a:rPr lang="en-US" b="1" dirty="0">
+                          <a:solidFill>
+                            <a:schemeClr val="bg1"/>
+                          </a:solidFill>
+                          <a:latin typeface="+mn-ea"/>
+                          <a:ea typeface="+mn-ea"/>
+                        </a:rPr>
+                        <a:t>g0/2</a:t>
+                      </a:r>
+                    </a:p>
+                  </a:txBody>
+                  <a:tcPr>
+                    <a:lnL w="28575" cap="flat" cmpd="sng" algn="ctr">
+                      <a:solidFill>
+                        <a:schemeClr val="bg1"/>
+                      </a:solidFill>
+                      <a:prstDash val="solid"/>
+                      <a:round/>
+                      <a:headEnd type="none" w="med" len="med"/>
+                      <a:tailEnd type="none" w="med" len="med"/>
+                    </a:lnL>
+                    <a:lnR w="28575" cap="flat" cmpd="sng" algn="ctr">
+                      <a:solidFill>
+                        <a:schemeClr val="bg1"/>
+                      </a:solidFill>
+                      <a:prstDash val="solid"/>
+                      <a:round/>
+                      <a:headEnd type="none" w="med" len="med"/>
+                      <a:tailEnd type="none" w="med" len="med"/>
+                    </a:lnR>
+                    <a:lnT w="28575" cap="flat" cmpd="sng" algn="ctr">
+                      <a:solidFill>
+                        <a:schemeClr val="bg1"/>
+                      </a:solidFill>
+                      <a:prstDash val="solid"/>
+                      <a:round/>
+                      <a:headEnd type="none" w="med" len="med"/>
+                      <a:tailEnd type="none" w="med" len="med"/>
+                    </a:lnT>
+                    <a:lnB w="28575" cap="flat" cmpd="sng" algn="ctr">
+                      <a:solidFill>
+                        <a:schemeClr val="bg1"/>
+                      </a:solidFill>
+                      <a:prstDash val="solid"/>
+                      <a:round/>
+                      <a:headEnd type="none" w="med" len="med"/>
+                      <a:tailEnd type="none" w="med" len="med"/>
+                    </a:lnB>
+                    <a:noFill/>
+                  </a:tcPr>
+                </a:tc>
+                <a:extLst>
+                  <a:ext uri="{0D108BD9-81ED-4DB2-BD59-A6C34878D82A}">
+                    <a16:rowId xmlns:a16="http://schemas.microsoft.com/office/drawing/2014/main" val="3517983726"/>
+                  </a:ext>
+                </a:extLst>
+              </a:tr>
+              <a:tr h="370840">
+                <a:tc>
+                  <a:txBody>
+                    <a:bodyPr/>
+                    <a:lstStyle/>
+                    <a:p>
+                      <a:pPr algn="ctr"/>
+                      <a:r>
+                        <a:rPr lang="en-US" b="1" dirty="0">
+                          <a:solidFill>
+                            <a:schemeClr val="bg1"/>
+                          </a:solidFill>
+                          <a:latin typeface="+mn-ea"/>
+                          <a:ea typeface="+mn-ea"/>
+                        </a:rPr>
+                        <a:t>10.0.3.0/24</a:t>
+                      </a:r>
+                    </a:p>
+                  </a:txBody>
+                  <a:tcPr>
+                    <a:lnL w="28575" cap="flat" cmpd="sng" algn="ctr">
+                      <a:solidFill>
+                        <a:schemeClr val="bg1"/>
+                      </a:solidFill>
+                      <a:prstDash val="solid"/>
+                      <a:round/>
+                      <a:headEnd type="none" w="med" len="med"/>
+                      <a:tailEnd type="none" w="med" len="med"/>
+                    </a:lnL>
+                    <a:lnR w="28575" cap="flat" cmpd="sng" algn="ctr">
+                      <a:solidFill>
+                        <a:schemeClr val="bg1"/>
+                      </a:solidFill>
+                      <a:prstDash val="solid"/>
+                      <a:round/>
+                      <a:headEnd type="none" w="med" len="med"/>
+                      <a:tailEnd type="none" w="med" len="med"/>
+                    </a:lnR>
+                    <a:lnT w="28575" cap="flat" cmpd="sng" algn="ctr">
+                      <a:solidFill>
+                        <a:schemeClr val="bg1"/>
+                      </a:solidFill>
+                      <a:prstDash val="solid"/>
+                      <a:round/>
+                      <a:headEnd type="none" w="med" len="med"/>
+                      <a:tailEnd type="none" w="med" len="med"/>
+                    </a:lnT>
+                    <a:lnB w="28575" cap="flat" cmpd="sng" algn="ctr">
+                      <a:solidFill>
+                        <a:schemeClr val="bg1"/>
+                      </a:solidFill>
+                      <a:prstDash val="solid"/>
+                      <a:round/>
+                      <a:headEnd type="none" w="med" len="med"/>
+                      <a:tailEnd type="none" w="med" len="med"/>
+                    </a:lnB>
+                    <a:noFill/>
+                  </a:tcPr>
+                </a:tc>
+                <a:tc>
+                  <a:txBody>
+                    <a:bodyPr/>
+                    <a:lstStyle/>
+                    <a:p>
+                      <a:pPr algn="ctr"/>
+                      <a:r>
+                        <a:rPr lang="en-US" b="1" dirty="0">
+                          <a:solidFill>
+                            <a:schemeClr val="bg1"/>
+                          </a:solidFill>
+                          <a:latin typeface="+mn-ea"/>
+                          <a:ea typeface="+mn-ea"/>
+                        </a:rPr>
+                        <a:t>10.0.2.2</a:t>
+                      </a:r>
+                    </a:p>
+                  </a:txBody>
+                  <a:tcPr>
+                    <a:lnL w="28575" cap="flat" cmpd="sng" algn="ctr">
+                      <a:solidFill>
+                        <a:schemeClr val="bg1"/>
+                      </a:solidFill>
+                      <a:prstDash val="solid"/>
+                      <a:round/>
+                      <a:headEnd type="none" w="med" len="med"/>
+                      <a:tailEnd type="none" w="med" len="med"/>
+                    </a:lnL>
+                    <a:lnR w="28575" cap="flat" cmpd="sng" algn="ctr">
+                      <a:solidFill>
+                        <a:schemeClr val="bg1"/>
+                      </a:solidFill>
+                      <a:prstDash val="solid"/>
+                      <a:round/>
+                      <a:headEnd type="none" w="med" len="med"/>
+                      <a:tailEnd type="none" w="med" len="med"/>
+                    </a:lnR>
+                    <a:lnT w="28575" cap="flat" cmpd="sng" algn="ctr">
+                      <a:solidFill>
+                        <a:schemeClr val="bg1"/>
+                      </a:solidFill>
+                      <a:prstDash val="solid"/>
+                      <a:round/>
+                      <a:headEnd type="none" w="med" len="med"/>
+                      <a:tailEnd type="none" w="med" len="med"/>
+                    </a:lnT>
+                    <a:lnB w="28575" cap="flat" cmpd="sng" algn="ctr">
+                      <a:solidFill>
+                        <a:schemeClr val="bg1"/>
+                      </a:solidFill>
+                      <a:prstDash val="solid"/>
+                      <a:round/>
+                      <a:headEnd type="none" w="med" len="med"/>
+                      <a:tailEnd type="none" w="med" len="med"/>
+                    </a:lnB>
+                    <a:noFill/>
+                  </a:tcPr>
+                </a:tc>
+                <a:extLst>
+                  <a:ext uri="{0D108BD9-81ED-4DB2-BD59-A6C34878D82A}">
+                    <a16:rowId xmlns:a16="http://schemas.microsoft.com/office/drawing/2014/main" val="2295973759"/>
+                  </a:ext>
+                </a:extLst>
+              </a:tr>
+            </a:tbl>
+          </a:graphicData>
+        </a:graphic>
+      </p:graphicFrame>
+      <p:sp>
+        <p:nvSpPr>
+          <p:cNvPr id="81" name="TextBox 80">
+            <a:extLst>
+              <a:ext uri="{FF2B5EF4-FFF2-40B4-BE49-F238E27FC236}">
+                <a16:creationId xmlns:a16="http://schemas.microsoft.com/office/drawing/2014/main" id="{FAB556C5-E83D-E947-BCEC-6F69CAD08410}"/>
+              </a:ext>
+            </a:extLst>
+          </p:cNvPr>
+          <p:cNvSpPr txBox="1"/>
+          <p:nvPr/>
+        </p:nvSpPr>
+        <p:spPr>
+          <a:xfrm>
+            <a:off x="2899887" y="475262"/>
+            <a:ext cx="2492990" cy="369332"/>
+          </a:xfrm>
+          <a:prstGeom prst="rect">
+            <a:avLst/>
+          </a:prstGeom>
+          <a:noFill/>
+        </p:spPr>
+        <p:txBody>
+          <a:bodyPr wrap="none" rtlCol="0">
+            <a:spAutoFit/>
+          </a:bodyPr>
+          <a:lstStyle/>
+          <a:p>
+            <a:r>
+              <a:rPr lang="ja-JP" altLang="en-US" b="1">
+                <a:solidFill>
+                  <a:schemeClr val="bg1"/>
+                </a:solidFill>
+              </a:rPr>
+              <a:t>ルーティングテーブル</a:t>
+            </a:r>
+            <a:endParaRPr lang="en-US" b="1" dirty="0">
+              <a:solidFill>
+                <a:schemeClr val="bg1"/>
+              </a:solidFill>
+            </a:endParaRPr>
+          </a:p>
+        </p:txBody>
+      </p:sp>
+      <p:sp>
+        <p:nvSpPr>
+          <p:cNvPr id="82" name="Rounded Rectangular Callout 81">
+            <a:extLst>
+              <a:ext uri="{FF2B5EF4-FFF2-40B4-BE49-F238E27FC236}">
+                <a16:creationId xmlns:a16="http://schemas.microsoft.com/office/drawing/2014/main" id="{AF518E95-B7DC-4F4F-A7E5-2EB09817A9C0}"/>
+              </a:ext>
+            </a:extLst>
+          </p:cNvPr>
+          <p:cNvSpPr/>
+          <p:nvPr/>
+        </p:nvSpPr>
+        <p:spPr>
+          <a:xfrm>
+            <a:off x="6187854" y="434460"/>
+            <a:ext cx="3547056" cy="2189313"/>
+          </a:xfrm>
+          <a:prstGeom prst="wedgeRoundRectCallout">
+            <a:avLst>
+              <a:gd name="adj1" fmla="val 7566"/>
+              <a:gd name="adj2" fmla="val 96591"/>
+              <a:gd name="adj3" fmla="val 16667"/>
+            </a:avLst>
+          </a:prstGeom>
+          <a:ln>
+            <a:noFill/>
+          </a:ln>
+        </p:spPr>
+        <p:style>
+          <a:lnRef idx="2">
+            <a:schemeClr val="accent1">
+              <a:shade val="50000"/>
+            </a:schemeClr>
+          </a:lnRef>
+          <a:fillRef idx="1">
+            <a:schemeClr val="accent1"/>
+          </a:fillRef>
+          <a:effectRef idx="0">
+            <a:schemeClr val="accent1"/>
+          </a:effectRef>
+          <a:fontRef idx="minor">
+            <a:schemeClr val="lt1"/>
+          </a:fontRef>
+        </p:style>
+        <p:txBody>
+          <a:bodyPr rtlCol="0" anchor="ctr"/>
+          <a:lstStyle/>
+          <a:p>
+            <a:pPr algn="ctr"/>
+            <a:endParaRPr lang="en-US"/>
+          </a:p>
+        </p:txBody>
+      </p:sp>
+      <p:graphicFrame>
+        <p:nvGraphicFramePr>
+          <p:cNvPr id="83" name="Table 82">
+            <a:extLst>
+              <a:ext uri="{FF2B5EF4-FFF2-40B4-BE49-F238E27FC236}">
+                <a16:creationId xmlns:a16="http://schemas.microsoft.com/office/drawing/2014/main" id="{232C543A-D2EF-954B-99A9-AEA29BD37DB0}"/>
+              </a:ext>
+            </a:extLst>
+          </p:cNvPr>
+          <p:cNvGraphicFramePr>
+            <a:graphicFrameLocks noGrp="1"/>
+          </p:cNvGraphicFramePr>
+          <p:nvPr>
+            <p:extLst>
+              <p:ext uri="{D42A27DB-BD31-4B8C-83A1-F6EECF244321}">
+                <p14:modId xmlns:p14="http://schemas.microsoft.com/office/powerpoint/2010/main" val="90685160"/>
+              </p:ext>
+            </p:extLst>
+          </p:nvPr>
+        </p:nvGraphicFramePr>
+        <p:xfrm>
+          <a:off x="6350805" y="890651"/>
+          <a:ext cx="2897879" cy="1483360"/>
+        </p:xfrm>
+        <a:graphic>
+          <a:graphicData uri="http://schemas.openxmlformats.org/drawingml/2006/table">
+            <a:tbl>
+              <a:tblPr firstRow="1" bandRow="1"/>
+              <a:tblGrid>
+                <a:gridCol w="1675472">
+                  <a:extLst>
+                    <a:ext uri="{9D8B030D-6E8A-4147-A177-3AD203B41FA5}">
+                      <a16:colId xmlns:a16="http://schemas.microsoft.com/office/drawing/2014/main" val="3165905422"/>
+                    </a:ext>
+                  </a:extLst>
+                </a:gridCol>
+                <a:gridCol w="1222407">
+                  <a:extLst>
+                    <a:ext uri="{9D8B030D-6E8A-4147-A177-3AD203B41FA5}">
+                      <a16:colId xmlns:a16="http://schemas.microsoft.com/office/drawing/2014/main" val="2467080021"/>
+                    </a:ext>
+                  </a:extLst>
+                </a:gridCol>
+              </a:tblGrid>
+              <a:tr h="370840">
+                <a:tc>
+                  <a:txBody>
+                    <a:bodyPr/>
+                    <a:lstStyle/>
+                    <a:p>
+                      <a:pPr algn="ctr"/>
+                      <a:r>
+                        <a:rPr lang="ja-JP" altLang="en-US" b="1">
+                          <a:solidFill>
+                            <a:schemeClr val="bg1"/>
+                          </a:solidFill>
+                          <a:latin typeface="+mn-ea"/>
+                          <a:ea typeface="+mn-ea"/>
+                        </a:rPr>
+                        <a:t>ネットワーク</a:t>
+                      </a:r>
+                      <a:endParaRPr lang="en-US" b="1" dirty="0">
+                        <a:solidFill>
+                          <a:schemeClr val="bg1"/>
+                        </a:solidFill>
+                        <a:latin typeface="+mn-ea"/>
+                        <a:ea typeface="+mn-ea"/>
+                      </a:endParaRPr>
+                    </a:p>
+                  </a:txBody>
+                  <a:tcPr>
+                    <a:lnL w="28575" cap="flat" cmpd="sng" algn="ctr">
+                      <a:solidFill>
+                        <a:schemeClr val="bg1"/>
+                      </a:solidFill>
+                      <a:prstDash val="solid"/>
+                      <a:round/>
+                      <a:headEnd type="none" w="med" len="med"/>
+                      <a:tailEnd type="none" w="med" len="med"/>
+                    </a:lnL>
+                    <a:lnR w="28575" cap="flat" cmpd="sng" algn="ctr">
+                      <a:solidFill>
+                        <a:schemeClr val="bg1"/>
+                      </a:solidFill>
+                      <a:prstDash val="solid"/>
+                      <a:round/>
+                      <a:headEnd type="none" w="med" len="med"/>
+                      <a:tailEnd type="none" w="med" len="med"/>
+                    </a:lnR>
+                    <a:lnT w="28575" cap="flat" cmpd="sng" algn="ctr">
+                      <a:solidFill>
+                        <a:schemeClr val="bg1"/>
+                      </a:solidFill>
+                      <a:prstDash val="solid"/>
+                      <a:round/>
+                      <a:headEnd type="none" w="med" len="med"/>
+                      <a:tailEnd type="none" w="med" len="med"/>
+                    </a:lnT>
+                    <a:lnB w="28575" cap="flat" cmpd="sng" algn="ctr">
+                      <a:solidFill>
+                        <a:schemeClr val="bg1"/>
+                      </a:solidFill>
+                      <a:prstDash val="solid"/>
+                      <a:round/>
+                      <a:headEnd type="none" w="med" len="med"/>
+                      <a:tailEnd type="none" w="med" len="med"/>
+                    </a:lnB>
+                    <a:noFill/>
+                  </a:tcPr>
+                </a:tc>
+                <a:tc>
+                  <a:txBody>
+                    <a:bodyPr/>
+                    <a:lstStyle/>
+                    <a:p>
+                      <a:pPr algn="ctr"/>
+                      <a:r>
+                        <a:rPr lang="en-US" b="1" dirty="0">
+                          <a:solidFill>
+                            <a:schemeClr val="bg1"/>
+                          </a:solidFill>
+                          <a:latin typeface="+mn-ea"/>
+                          <a:ea typeface="+mn-ea"/>
+                        </a:rPr>
+                        <a:t>via</a:t>
+                      </a:r>
+                    </a:p>
+                  </a:txBody>
+                  <a:tcPr>
+                    <a:lnL w="28575" cap="flat" cmpd="sng" algn="ctr">
+                      <a:solidFill>
+                        <a:schemeClr val="bg1"/>
+                      </a:solidFill>
+                      <a:prstDash val="solid"/>
+                      <a:round/>
+                      <a:headEnd type="none" w="med" len="med"/>
+                      <a:tailEnd type="none" w="med" len="med"/>
+                    </a:lnL>
+                    <a:lnR w="28575" cap="flat" cmpd="sng" algn="ctr">
+                      <a:solidFill>
+                        <a:schemeClr val="bg1"/>
+                      </a:solidFill>
+                      <a:prstDash val="solid"/>
+                      <a:round/>
+                      <a:headEnd type="none" w="med" len="med"/>
+                      <a:tailEnd type="none" w="med" len="med"/>
+                    </a:lnR>
+                    <a:lnT w="28575" cap="flat" cmpd="sng" algn="ctr">
+                      <a:solidFill>
+                        <a:schemeClr val="bg1"/>
+                      </a:solidFill>
+                      <a:prstDash val="solid"/>
+                      <a:round/>
+                      <a:headEnd type="none" w="med" len="med"/>
+                      <a:tailEnd type="none" w="med" len="med"/>
+                    </a:lnT>
+                    <a:lnB w="28575" cap="flat" cmpd="sng" algn="ctr">
+                      <a:solidFill>
+                        <a:schemeClr val="bg1"/>
+                      </a:solidFill>
+                      <a:prstDash val="solid"/>
+                      <a:round/>
+                      <a:headEnd type="none" w="med" len="med"/>
+                      <a:tailEnd type="none" w="med" len="med"/>
+                    </a:lnB>
+                    <a:noFill/>
+                  </a:tcPr>
+                </a:tc>
+                <a:extLst>
+                  <a:ext uri="{0D108BD9-81ED-4DB2-BD59-A6C34878D82A}">
+                    <a16:rowId xmlns:a16="http://schemas.microsoft.com/office/drawing/2014/main" val="1356393982"/>
+                  </a:ext>
+                </a:extLst>
+              </a:tr>
+              <a:tr h="370840">
+                <a:tc>
+                  <a:txBody>
+                    <a:bodyPr/>
+                    <a:lstStyle/>
+                    <a:p>
+                      <a:pPr algn="ctr"/>
+                      <a:r>
+                        <a:rPr lang="en-US" b="1" dirty="0">
+                          <a:solidFill>
+                            <a:schemeClr val="bg1"/>
+                          </a:solidFill>
+                          <a:latin typeface="+mn-ea"/>
+                          <a:ea typeface="+mn-ea"/>
+                        </a:rPr>
+                        <a:t>10.0.1.0/24</a:t>
+                      </a:r>
+                    </a:p>
+                  </a:txBody>
+                  <a:tcPr>
+                    <a:lnL w="28575" cap="flat" cmpd="sng" algn="ctr">
+                      <a:solidFill>
+                        <a:schemeClr val="bg1"/>
+                      </a:solidFill>
+                      <a:prstDash val="solid"/>
+                      <a:round/>
+                      <a:headEnd type="none" w="med" len="med"/>
+                      <a:tailEnd type="none" w="med" len="med"/>
+                    </a:lnL>
+                    <a:lnR w="28575" cap="flat" cmpd="sng" algn="ctr">
+                      <a:solidFill>
+                        <a:schemeClr val="bg1"/>
+                      </a:solidFill>
+                      <a:prstDash val="solid"/>
+                      <a:round/>
+                      <a:headEnd type="none" w="med" len="med"/>
+                      <a:tailEnd type="none" w="med" len="med"/>
+                    </a:lnR>
+                    <a:lnT w="28575" cap="flat" cmpd="sng" algn="ctr">
+                      <a:solidFill>
+                        <a:schemeClr val="bg1"/>
+                      </a:solidFill>
+                      <a:prstDash val="solid"/>
+                      <a:round/>
+                      <a:headEnd type="none" w="med" len="med"/>
+                      <a:tailEnd type="none" w="med" len="med"/>
+                    </a:lnT>
+                    <a:lnB w="28575" cap="flat" cmpd="sng" algn="ctr">
+                      <a:solidFill>
+                        <a:schemeClr val="bg1"/>
+                      </a:solidFill>
+                      <a:prstDash val="solid"/>
+                      <a:round/>
+                      <a:headEnd type="none" w="med" len="med"/>
+                      <a:tailEnd type="none" w="med" len="med"/>
+                    </a:lnB>
+                    <a:noFill/>
+                  </a:tcPr>
+                </a:tc>
+                <a:tc>
+                  <a:txBody>
+                    <a:bodyPr/>
+                    <a:lstStyle/>
+                    <a:p>
+                      <a:pPr algn="ctr"/>
+                      <a:r>
+                        <a:rPr lang="en-US" b="1" dirty="0">
+                          <a:solidFill>
+                            <a:schemeClr val="bg1"/>
+                          </a:solidFill>
+                          <a:latin typeface="+mn-ea"/>
+                          <a:ea typeface="+mn-ea"/>
+                        </a:rPr>
+                        <a:t>10.0.2.1</a:t>
+                      </a:r>
+                    </a:p>
+                  </a:txBody>
+                  <a:tcPr>
+                    <a:lnL w="28575" cap="flat" cmpd="sng" algn="ctr">
+                      <a:solidFill>
+                        <a:schemeClr val="bg1"/>
+                      </a:solidFill>
+                      <a:prstDash val="solid"/>
+                      <a:round/>
+                      <a:headEnd type="none" w="med" len="med"/>
+                      <a:tailEnd type="none" w="med" len="med"/>
+                    </a:lnL>
+                    <a:lnR w="28575" cap="flat" cmpd="sng" algn="ctr">
+                      <a:solidFill>
+                        <a:schemeClr val="bg1"/>
+                      </a:solidFill>
+                      <a:prstDash val="solid"/>
+                      <a:round/>
+                      <a:headEnd type="none" w="med" len="med"/>
+                      <a:tailEnd type="none" w="med" len="med"/>
+                    </a:lnR>
+                    <a:lnT w="28575" cap="flat" cmpd="sng" algn="ctr">
+                      <a:solidFill>
+                        <a:schemeClr val="bg1"/>
+                      </a:solidFill>
+                      <a:prstDash val="solid"/>
+                      <a:round/>
+                      <a:headEnd type="none" w="med" len="med"/>
+                      <a:tailEnd type="none" w="med" len="med"/>
+                    </a:lnT>
+                    <a:lnB w="28575" cap="flat" cmpd="sng" algn="ctr">
+                      <a:solidFill>
+                        <a:schemeClr val="bg1"/>
+                      </a:solidFill>
+                      <a:prstDash val="solid"/>
+                      <a:round/>
+                      <a:headEnd type="none" w="med" len="med"/>
+                      <a:tailEnd type="none" w="med" len="med"/>
+                    </a:lnB>
+                    <a:noFill/>
+                  </a:tcPr>
+                </a:tc>
+                <a:extLst>
+                  <a:ext uri="{0D108BD9-81ED-4DB2-BD59-A6C34878D82A}">
+                    <a16:rowId xmlns:a16="http://schemas.microsoft.com/office/drawing/2014/main" val="3819732004"/>
+                  </a:ext>
+                </a:extLst>
+              </a:tr>
+              <a:tr h="370840">
+                <a:tc>
+                  <a:txBody>
+                    <a:bodyPr/>
+                    <a:lstStyle/>
+                    <a:p>
+                      <a:pPr algn="ctr"/>
+                      <a:r>
+                        <a:rPr lang="en-US" b="1" dirty="0">
+                          <a:solidFill>
+                            <a:schemeClr val="bg1"/>
+                          </a:solidFill>
+                          <a:latin typeface="+mn-ea"/>
+                          <a:ea typeface="+mn-ea"/>
+                        </a:rPr>
+                        <a:t>10.0.2.0/24</a:t>
+                      </a:r>
+                    </a:p>
+                  </a:txBody>
+                  <a:tcPr>
+                    <a:lnL w="28575" cap="flat" cmpd="sng" algn="ctr">
+                      <a:solidFill>
+                        <a:schemeClr val="bg1"/>
+                      </a:solidFill>
+                      <a:prstDash val="solid"/>
+                      <a:round/>
+                      <a:headEnd type="none" w="med" len="med"/>
+                      <a:tailEnd type="none" w="med" len="med"/>
+                    </a:lnL>
+                    <a:lnR w="28575" cap="flat" cmpd="sng" algn="ctr">
+                      <a:solidFill>
+                        <a:schemeClr val="bg1"/>
+                      </a:solidFill>
+                      <a:prstDash val="solid"/>
+                      <a:round/>
+                      <a:headEnd type="none" w="med" len="med"/>
+                      <a:tailEnd type="none" w="med" len="med"/>
+                    </a:lnR>
+                    <a:lnT w="28575" cap="flat" cmpd="sng" algn="ctr">
+                      <a:solidFill>
+                        <a:schemeClr val="bg1"/>
+                      </a:solidFill>
+                      <a:prstDash val="solid"/>
+                      <a:round/>
+                      <a:headEnd type="none" w="med" len="med"/>
+                      <a:tailEnd type="none" w="med" len="med"/>
+                    </a:lnT>
+                    <a:lnB w="28575" cap="flat" cmpd="sng" algn="ctr">
+                      <a:solidFill>
+                        <a:schemeClr val="bg1"/>
+                      </a:solidFill>
+                      <a:prstDash val="solid"/>
+                      <a:round/>
+                      <a:headEnd type="none" w="med" len="med"/>
+                      <a:tailEnd type="none" w="med" len="med"/>
+                    </a:lnB>
+                    <a:noFill/>
+                  </a:tcPr>
+                </a:tc>
+                <a:tc>
+                  <a:txBody>
+                    <a:bodyPr/>
+                    <a:lstStyle/>
+                    <a:p>
+                      <a:pPr algn="ctr"/>
+                      <a:r>
+                        <a:rPr lang="en-US" b="1" dirty="0">
+                          <a:solidFill>
+                            <a:schemeClr val="bg1"/>
+                          </a:solidFill>
+                          <a:latin typeface="+mn-ea"/>
+                          <a:ea typeface="+mn-ea"/>
+                        </a:rPr>
+                        <a:t>g0/1</a:t>
+                      </a:r>
+                    </a:p>
+                  </a:txBody>
+                  <a:tcPr>
+                    <a:lnL w="28575" cap="flat" cmpd="sng" algn="ctr">
+                      <a:solidFill>
+                        <a:schemeClr val="bg1"/>
+                      </a:solidFill>
+                      <a:prstDash val="solid"/>
+                      <a:round/>
+                      <a:headEnd type="none" w="med" len="med"/>
+                      <a:tailEnd type="none" w="med" len="med"/>
+                    </a:lnL>
+                    <a:lnR w="28575" cap="flat" cmpd="sng" algn="ctr">
+                      <a:solidFill>
+                        <a:schemeClr val="bg1"/>
+                      </a:solidFill>
+                      <a:prstDash val="solid"/>
+                      <a:round/>
+                      <a:headEnd type="none" w="med" len="med"/>
+                      <a:tailEnd type="none" w="med" len="med"/>
+                    </a:lnR>
+                    <a:lnT w="28575" cap="flat" cmpd="sng" algn="ctr">
+                      <a:solidFill>
+                        <a:schemeClr val="bg1"/>
+                      </a:solidFill>
+                      <a:prstDash val="solid"/>
+                      <a:round/>
+                      <a:headEnd type="none" w="med" len="med"/>
+                      <a:tailEnd type="none" w="med" len="med"/>
+                    </a:lnT>
+                    <a:lnB w="28575" cap="flat" cmpd="sng" algn="ctr">
+                      <a:solidFill>
+                        <a:schemeClr val="bg1"/>
+                      </a:solidFill>
+                      <a:prstDash val="solid"/>
+                      <a:round/>
+                      <a:headEnd type="none" w="med" len="med"/>
+                      <a:tailEnd type="none" w="med" len="med"/>
+                    </a:lnB>
+                    <a:noFill/>
+                  </a:tcPr>
+                </a:tc>
+                <a:extLst>
+                  <a:ext uri="{0D108BD9-81ED-4DB2-BD59-A6C34878D82A}">
+                    <a16:rowId xmlns:a16="http://schemas.microsoft.com/office/drawing/2014/main" val="3517983726"/>
+                  </a:ext>
+                </a:extLst>
+              </a:tr>
+              <a:tr h="370840">
+                <a:tc>
+                  <a:txBody>
+                    <a:bodyPr/>
+                    <a:lstStyle/>
+                    <a:p>
+                      <a:pPr algn="ctr"/>
+                      <a:r>
+                        <a:rPr lang="en-US" b="1" dirty="0">
+                          <a:solidFill>
+                            <a:schemeClr val="bg1"/>
+                          </a:solidFill>
+                          <a:latin typeface="+mn-ea"/>
+                          <a:ea typeface="+mn-ea"/>
+                        </a:rPr>
+                        <a:t>10.0.3.0/24</a:t>
+                      </a:r>
+                    </a:p>
+                  </a:txBody>
+                  <a:tcPr>
+                    <a:lnL w="28575" cap="flat" cmpd="sng" algn="ctr">
+                      <a:solidFill>
+                        <a:schemeClr val="bg1"/>
+                      </a:solidFill>
+                      <a:prstDash val="solid"/>
+                      <a:round/>
+                      <a:headEnd type="none" w="med" len="med"/>
+                      <a:tailEnd type="none" w="med" len="med"/>
+                    </a:lnL>
+                    <a:lnR w="28575" cap="flat" cmpd="sng" algn="ctr">
+                      <a:solidFill>
+                        <a:schemeClr val="bg1"/>
+                      </a:solidFill>
+                      <a:prstDash val="solid"/>
+                      <a:round/>
+                      <a:headEnd type="none" w="med" len="med"/>
+                      <a:tailEnd type="none" w="med" len="med"/>
+                    </a:lnR>
+                    <a:lnT w="28575" cap="flat" cmpd="sng" algn="ctr">
+                      <a:solidFill>
+                        <a:schemeClr val="bg1"/>
+                      </a:solidFill>
+                      <a:prstDash val="solid"/>
+                      <a:round/>
+                      <a:headEnd type="none" w="med" len="med"/>
+                      <a:tailEnd type="none" w="med" len="med"/>
+                    </a:lnT>
+                    <a:lnB w="28575" cap="flat" cmpd="sng" algn="ctr">
+                      <a:solidFill>
+                        <a:schemeClr val="bg1"/>
+                      </a:solidFill>
+                      <a:prstDash val="solid"/>
+                      <a:round/>
+                      <a:headEnd type="none" w="med" len="med"/>
+                      <a:tailEnd type="none" w="med" len="med"/>
+                    </a:lnB>
+                    <a:noFill/>
+                  </a:tcPr>
+                </a:tc>
+                <a:tc>
+                  <a:txBody>
+                    <a:bodyPr/>
+                    <a:lstStyle/>
+                    <a:p>
+                      <a:pPr algn="ctr"/>
+                      <a:r>
+                        <a:rPr lang="en-US" b="1" dirty="0">
+                          <a:solidFill>
+                            <a:schemeClr val="bg1"/>
+                          </a:solidFill>
+                          <a:latin typeface="+mn-ea"/>
+                          <a:ea typeface="+mn-ea"/>
+                        </a:rPr>
+                        <a:t>g0/2</a:t>
+                      </a:r>
+                    </a:p>
+                  </a:txBody>
+                  <a:tcPr>
+                    <a:lnL w="28575" cap="flat" cmpd="sng" algn="ctr">
+                      <a:solidFill>
+                        <a:schemeClr val="bg1"/>
+                      </a:solidFill>
+                      <a:prstDash val="solid"/>
+                      <a:round/>
+                      <a:headEnd type="none" w="med" len="med"/>
+                      <a:tailEnd type="none" w="med" len="med"/>
+                    </a:lnL>
+                    <a:lnR w="28575" cap="flat" cmpd="sng" algn="ctr">
+                      <a:solidFill>
+                        <a:schemeClr val="bg1"/>
+                      </a:solidFill>
+                      <a:prstDash val="solid"/>
+                      <a:round/>
+                      <a:headEnd type="none" w="med" len="med"/>
+                      <a:tailEnd type="none" w="med" len="med"/>
+                    </a:lnR>
+                    <a:lnT w="28575" cap="flat" cmpd="sng" algn="ctr">
+                      <a:solidFill>
+                        <a:schemeClr val="bg1"/>
+                      </a:solidFill>
+                      <a:prstDash val="solid"/>
+                      <a:round/>
+                      <a:headEnd type="none" w="med" len="med"/>
+                      <a:tailEnd type="none" w="med" len="med"/>
+                    </a:lnT>
+                    <a:lnB w="28575" cap="flat" cmpd="sng" algn="ctr">
+                      <a:solidFill>
+                        <a:schemeClr val="bg1"/>
+                      </a:solidFill>
+                      <a:prstDash val="solid"/>
+                      <a:round/>
+                      <a:headEnd type="none" w="med" len="med"/>
+                      <a:tailEnd type="none" w="med" len="med"/>
+                    </a:lnB>
+                    <a:noFill/>
+                  </a:tcPr>
+                </a:tc>
+                <a:extLst>
+                  <a:ext uri="{0D108BD9-81ED-4DB2-BD59-A6C34878D82A}">
+                    <a16:rowId xmlns:a16="http://schemas.microsoft.com/office/drawing/2014/main" val="2295973759"/>
+                  </a:ext>
+                </a:extLst>
+              </a:tr>
+            </a:tbl>
+          </a:graphicData>
+        </a:graphic>
+      </p:graphicFrame>
+      <p:sp>
+        <p:nvSpPr>
+          <p:cNvPr id="84" name="TextBox 83">
+            <a:extLst>
+              <a:ext uri="{FF2B5EF4-FFF2-40B4-BE49-F238E27FC236}">
+                <a16:creationId xmlns:a16="http://schemas.microsoft.com/office/drawing/2014/main" id="{03D56B8A-C208-2A46-BE63-F28E1192A0C9}"/>
+              </a:ext>
+            </a:extLst>
+          </p:cNvPr>
+          <p:cNvSpPr txBox="1"/>
+          <p:nvPr/>
+        </p:nvSpPr>
+        <p:spPr>
+          <a:xfrm>
+            <a:off x="6615981" y="472961"/>
+            <a:ext cx="2492990" cy="369332"/>
+          </a:xfrm>
+          <a:prstGeom prst="rect">
+            <a:avLst/>
+          </a:prstGeom>
+          <a:noFill/>
+        </p:spPr>
+        <p:txBody>
+          <a:bodyPr wrap="none" rtlCol="0">
+            <a:spAutoFit/>
+          </a:bodyPr>
+          <a:lstStyle/>
+          <a:p>
+            <a:r>
+              <a:rPr lang="ja-JP" altLang="en-US" b="1">
+                <a:solidFill>
+                  <a:schemeClr val="bg1"/>
+                </a:solidFill>
+              </a:rPr>
+              <a:t>ルーティングテーブル</a:t>
+            </a:r>
+            <a:endParaRPr lang="en-US" b="1" dirty="0">
+              <a:solidFill>
+                <a:schemeClr val="bg1"/>
+              </a:solidFill>
+            </a:endParaRPr>
+          </a:p>
+        </p:txBody>
+      </p:sp>
+      <p:cxnSp>
+        <p:nvCxnSpPr>
+          <p:cNvPr id="85" name="Straight Arrow Connector 84">
+            <a:extLst>
+              <a:ext uri="{FF2B5EF4-FFF2-40B4-BE49-F238E27FC236}">
+                <a16:creationId xmlns:a16="http://schemas.microsoft.com/office/drawing/2014/main" id="{1DDB1C25-44FC-5A44-A9BC-BE946E54072B}"/>
+              </a:ext>
+            </a:extLst>
+          </p:cNvPr>
+          <p:cNvCxnSpPr>
+            <a:cxnSpLocks/>
+          </p:cNvCxnSpPr>
+          <p:nvPr/>
+        </p:nvCxnSpPr>
+        <p:spPr>
+          <a:xfrm flipH="1">
+            <a:off x="9373116" y="1459836"/>
+            <a:ext cx="854300" cy="0"/>
+          </a:xfrm>
+          <a:prstGeom prst="straightConnector1">
+            <a:avLst/>
+          </a:prstGeom>
+          <a:ln w="76200">
+            <a:solidFill>
+              <a:schemeClr val="tx1"/>
+            </a:solidFill>
+            <a:tailEnd type="triangle"/>
+          </a:ln>
+        </p:spPr>
+        <p:style>
+          <a:lnRef idx="1">
+            <a:schemeClr val="accent1"/>
+          </a:lnRef>
+          <a:fillRef idx="0">
+            <a:schemeClr val="accent1"/>
+          </a:fillRef>
+          <a:effectRef idx="0">
+            <a:schemeClr val="accent1"/>
+          </a:effectRef>
+          <a:fontRef idx="minor">
+            <a:schemeClr val="tx1"/>
+          </a:fontRef>
+        </p:style>
+      </p:cxnSp>
+      <p:cxnSp>
+        <p:nvCxnSpPr>
+          <p:cNvPr id="86" name="Straight Arrow Connector 85">
+            <a:extLst>
+              <a:ext uri="{FF2B5EF4-FFF2-40B4-BE49-F238E27FC236}">
+                <a16:creationId xmlns:a16="http://schemas.microsoft.com/office/drawing/2014/main" id="{0035DF5E-A412-3741-AA1F-96E49A27F94D}"/>
+              </a:ext>
+            </a:extLst>
+          </p:cNvPr>
+          <p:cNvCxnSpPr>
+            <a:cxnSpLocks/>
+          </p:cNvCxnSpPr>
+          <p:nvPr/>
+        </p:nvCxnSpPr>
+        <p:spPr>
+          <a:xfrm>
+            <a:off x="1728303" y="2199377"/>
+            <a:ext cx="911269" cy="0"/>
+          </a:xfrm>
+          <a:prstGeom prst="straightConnector1">
+            <a:avLst/>
+          </a:prstGeom>
+          <a:ln w="76200">
+            <a:solidFill>
+              <a:schemeClr val="tx1"/>
+            </a:solidFill>
+            <a:tailEnd type="triangle"/>
+          </a:ln>
+        </p:spPr>
+        <p:style>
+          <a:lnRef idx="1">
+            <a:schemeClr val="accent1"/>
+          </a:lnRef>
+          <a:fillRef idx="0">
+            <a:schemeClr val="accent1"/>
+          </a:fillRef>
+          <a:effectRef idx="0">
+            <a:schemeClr val="accent1"/>
+          </a:effectRef>
+          <a:fontRef idx="minor">
+            <a:schemeClr val="tx1"/>
+          </a:fontRef>
+        </p:style>
+      </p:cxnSp>
+      <p:sp>
+        <p:nvSpPr>
+          <p:cNvPr id="8" name="TextBox 7">
+            <a:extLst>
+              <a:ext uri="{FF2B5EF4-FFF2-40B4-BE49-F238E27FC236}">
+                <a16:creationId xmlns:a16="http://schemas.microsoft.com/office/drawing/2014/main" id="{6C82FC43-09A8-C542-816B-4C873010DB58}"/>
+              </a:ext>
+            </a:extLst>
+          </p:cNvPr>
+          <p:cNvSpPr txBox="1"/>
+          <p:nvPr/>
+        </p:nvSpPr>
+        <p:spPr>
+          <a:xfrm>
+            <a:off x="10265220" y="1265544"/>
+            <a:ext cx="1467068" cy="400110"/>
+          </a:xfrm>
+          <a:prstGeom prst="rect">
+            <a:avLst/>
+          </a:prstGeom>
+          <a:noFill/>
+        </p:spPr>
+        <p:txBody>
+          <a:bodyPr wrap="none" rtlCol="0">
+            <a:spAutoFit/>
+          </a:bodyPr>
+          <a:lstStyle/>
+          <a:p>
+            <a:r>
+              <a:rPr lang="ja-JP" altLang="en-US" sz="2000" b="1"/>
+              <a:t>手動で追加</a:t>
+            </a:r>
+            <a:endParaRPr lang="en-US" sz="2000" b="1" dirty="0"/>
+          </a:p>
+        </p:txBody>
+      </p:sp>
+      <p:sp>
+        <p:nvSpPr>
+          <p:cNvPr id="87" name="TextBox 86">
+            <a:extLst>
+              <a:ext uri="{FF2B5EF4-FFF2-40B4-BE49-F238E27FC236}">
+                <a16:creationId xmlns:a16="http://schemas.microsoft.com/office/drawing/2014/main" id="{36976B4B-6494-8E41-9E55-7BF8238C6D35}"/>
+              </a:ext>
+            </a:extLst>
+          </p:cNvPr>
+          <p:cNvSpPr txBox="1"/>
+          <p:nvPr/>
+        </p:nvSpPr>
+        <p:spPr>
+          <a:xfrm>
+            <a:off x="288493" y="1995723"/>
+            <a:ext cx="1467068" cy="400110"/>
+          </a:xfrm>
+          <a:prstGeom prst="rect">
+            <a:avLst/>
+          </a:prstGeom>
+          <a:noFill/>
+        </p:spPr>
+        <p:txBody>
+          <a:bodyPr wrap="none" rtlCol="0">
+            <a:spAutoFit/>
+          </a:bodyPr>
+          <a:lstStyle/>
+          <a:p>
+            <a:r>
+              <a:rPr lang="ja-JP" altLang="en-US" sz="2000" b="1"/>
+              <a:t>手動で追加</a:t>
+            </a:r>
+            <a:endParaRPr lang="en-US" sz="2000" b="1" dirty="0"/>
+          </a:p>
+        </p:txBody>
+      </p:sp>
+    </p:spTree>
+    <p:extLst>
+      <p:ext uri="{BB962C8B-B14F-4D97-AF65-F5344CB8AC3E}">
+        <p14:creationId xmlns:p14="http://schemas.microsoft.com/office/powerpoint/2010/main" val="470435573"/>
+      </p:ext>
+    </p:extLst>
+  </p:cSld>
+  <p:clrMapOvr>
+    <a:masterClrMapping/>
+  </p:clrMapOvr>
+</p:sld>
+</file>
+
+<file path=ppt/slides/slide6.xml><?xml version="1.0" encoding="utf-8"?>
+<p:sld xmlns:a="http://schemas.openxmlformats.org/drawingml/2006/main" xmlns:r="http://schemas.openxmlformats.org/officeDocument/2006/relationships" xmlns:p="http://schemas.openxmlformats.org/presentationml/2006/main">
+  <p:cSld>
+    <p:spTree>
+      <p:nvGrpSpPr>
+        <p:cNvPr id="1" name=""/>
+        <p:cNvGrpSpPr/>
+        <p:nvPr/>
+      </p:nvGrpSpPr>
+      <p:grpSpPr>
+        <a:xfrm>
+          <a:off x="0" y="0"/>
+          <a:ext cx="0" cy="0"/>
+          <a:chOff x="0" y="0"/>
+          <a:chExt cx="0" cy="0"/>
+        </a:xfrm>
+      </p:grpSpPr>
+      <p:sp>
+        <p:nvSpPr>
+          <p:cNvPr id="115" name="Down Arrow 114">
+            <a:extLst>
+              <a:ext uri="{FF2B5EF4-FFF2-40B4-BE49-F238E27FC236}">
+                <a16:creationId xmlns:a16="http://schemas.microsoft.com/office/drawing/2014/main" id="{F9D1D872-7864-A54F-914E-584212419655}"/>
+              </a:ext>
+            </a:extLst>
+          </p:cNvPr>
+          <p:cNvSpPr/>
+          <p:nvPr/>
+        </p:nvSpPr>
+        <p:spPr>
+          <a:xfrm rot="16200000">
+            <a:off x="2726986" y="2136037"/>
+            <a:ext cx="382741" cy="879817"/>
+          </a:xfrm>
+          <a:prstGeom prst="downArrow">
+            <a:avLst/>
+          </a:prstGeom>
+          <a:solidFill>
+            <a:schemeClr val="tx1"/>
+          </a:solidFill>
+          <a:ln>
+            <a:noFill/>
+          </a:ln>
+        </p:spPr>
+        <p:style>
+          <a:lnRef idx="2">
+            <a:schemeClr val="accent1">
+              <a:shade val="50000"/>
+            </a:schemeClr>
+          </a:lnRef>
+          <a:fillRef idx="1">
+            <a:schemeClr val="accent1"/>
+          </a:fillRef>
+          <a:effectRef idx="0">
+            <a:schemeClr val="accent1"/>
+          </a:effectRef>
+          <a:fontRef idx="minor">
+            <a:schemeClr val="lt1"/>
+          </a:fontRef>
+        </p:style>
+        <p:txBody>
+          <a:bodyPr rtlCol="0" anchor="ctr"/>
+          <a:lstStyle/>
+          <a:p>
+            <a:pPr algn="ctr"/>
+            <a:endParaRPr lang="en-US"/>
+          </a:p>
+        </p:txBody>
+      </p:sp>
+      <p:sp>
+        <p:nvSpPr>
+          <p:cNvPr id="47" name="Rounded Rectangle 46">
+            <a:extLst>
+              <a:ext uri="{FF2B5EF4-FFF2-40B4-BE49-F238E27FC236}">
+                <a16:creationId xmlns:a16="http://schemas.microsoft.com/office/drawing/2014/main" id="{4E7A2ECF-8B18-EC48-B461-1E4D54B10789}"/>
+              </a:ext>
+            </a:extLst>
+          </p:cNvPr>
+          <p:cNvSpPr/>
+          <p:nvPr/>
+        </p:nvSpPr>
+        <p:spPr>
+          <a:xfrm>
+            <a:off x="769646" y="3287989"/>
+            <a:ext cx="3171118" cy="2448680"/>
+          </a:xfrm>
+          <a:prstGeom prst="roundRect">
+            <a:avLst/>
+          </a:prstGeom>
+          <a:noFill/>
+          <a:ln w="57150">
+            <a:solidFill>
+              <a:schemeClr val="accent5"/>
+            </a:solidFill>
+            <a:prstDash val="dash"/>
+          </a:ln>
+        </p:spPr>
+        <p:style>
+          <a:lnRef idx="2">
+            <a:schemeClr val="accent1">
+              <a:shade val="50000"/>
+            </a:schemeClr>
+          </a:lnRef>
+          <a:fillRef idx="1">
+            <a:schemeClr val="accent1"/>
+          </a:fillRef>
+          <a:effectRef idx="0">
+            <a:schemeClr val="accent1"/>
+          </a:effectRef>
+          <a:fontRef idx="minor">
+            <a:schemeClr val="lt1"/>
+          </a:fontRef>
+        </p:style>
+        <p:txBody>
+          <a:bodyPr rtlCol="0" anchor="ctr"/>
+          <a:lstStyle/>
+          <a:p>
+            <a:pPr algn="ctr"/>
+            <a:endParaRPr lang="en-US"/>
+          </a:p>
+        </p:txBody>
+      </p:sp>
+      <p:sp>
+        <p:nvSpPr>
+          <p:cNvPr id="59" name="Rounded Rectangle 58">
+            <a:extLst>
+              <a:ext uri="{FF2B5EF4-FFF2-40B4-BE49-F238E27FC236}">
+                <a16:creationId xmlns:a16="http://schemas.microsoft.com/office/drawing/2014/main" id="{D329F745-C76C-4348-89A7-95DE294125D9}"/>
+              </a:ext>
+            </a:extLst>
+          </p:cNvPr>
+          <p:cNvSpPr/>
+          <p:nvPr/>
+        </p:nvSpPr>
+        <p:spPr>
+          <a:xfrm>
+            <a:off x="4232419" y="3272610"/>
+            <a:ext cx="3877774" cy="2464058"/>
+          </a:xfrm>
+          <a:prstGeom prst="roundRect">
+            <a:avLst/>
+          </a:prstGeom>
+          <a:noFill/>
+          <a:ln w="57150">
+            <a:solidFill>
+              <a:schemeClr val="accent5"/>
+            </a:solidFill>
+            <a:prstDash val="dash"/>
+          </a:ln>
+        </p:spPr>
+        <p:style>
+          <a:lnRef idx="2">
+            <a:schemeClr val="accent1">
+              <a:shade val="50000"/>
+            </a:schemeClr>
+          </a:lnRef>
+          <a:fillRef idx="1">
+            <a:schemeClr val="accent1"/>
+          </a:fillRef>
+          <a:effectRef idx="0">
+            <a:schemeClr val="accent1"/>
+          </a:effectRef>
+          <a:fontRef idx="minor">
+            <a:schemeClr val="lt1"/>
+          </a:fontRef>
+        </p:style>
+        <p:txBody>
+          <a:bodyPr rtlCol="0" anchor="ctr"/>
+          <a:lstStyle/>
+          <a:p>
+            <a:pPr algn="ctr"/>
+            <a:endParaRPr lang="en-US"/>
+          </a:p>
+        </p:txBody>
+      </p:sp>
+      <p:sp>
+        <p:nvSpPr>
+          <p:cNvPr id="63" name="Rounded Rectangle 62">
+            <a:extLst>
+              <a:ext uri="{FF2B5EF4-FFF2-40B4-BE49-F238E27FC236}">
+                <a16:creationId xmlns:a16="http://schemas.microsoft.com/office/drawing/2014/main" id="{611F8484-6E22-FF48-BFDC-263581AEC620}"/>
+              </a:ext>
+            </a:extLst>
+          </p:cNvPr>
+          <p:cNvSpPr/>
+          <p:nvPr/>
+        </p:nvSpPr>
+        <p:spPr>
+          <a:xfrm>
+            <a:off x="8397516" y="3229075"/>
+            <a:ext cx="3071672" cy="2507593"/>
+          </a:xfrm>
+          <a:prstGeom prst="roundRect">
+            <a:avLst/>
+          </a:prstGeom>
+          <a:noFill/>
+          <a:ln w="57150">
+            <a:solidFill>
+              <a:schemeClr val="accent5"/>
+            </a:solidFill>
+            <a:prstDash val="dash"/>
+          </a:ln>
+        </p:spPr>
+        <p:style>
+          <a:lnRef idx="2">
+            <a:schemeClr val="accent1">
+              <a:shade val="50000"/>
+            </a:schemeClr>
+          </a:lnRef>
+          <a:fillRef idx="1">
+            <a:schemeClr val="accent1"/>
+          </a:fillRef>
+          <a:effectRef idx="0">
+            <a:schemeClr val="accent1"/>
+          </a:effectRef>
+          <a:fontRef idx="minor">
+            <a:schemeClr val="lt1"/>
+          </a:fontRef>
+        </p:style>
+        <p:txBody>
+          <a:bodyPr rtlCol="0" anchor="ctr"/>
+          <a:lstStyle/>
+          <a:p>
+            <a:pPr algn="ctr"/>
+            <a:endParaRPr lang="en-US"/>
+          </a:p>
+        </p:txBody>
+      </p:sp>
+      <p:cxnSp>
+        <p:nvCxnSpPr>
+          <p:cNvPr id="32" name="Straight Connector 31">
+            <a:extLst>
+              <a:ext uri="{FF2B5EF4-FFF2-40B4-BE49-F238E27FC236}">
+                <a16:creationId xmlns:a16="http://schemas.microsoft.com/office/drawing/2014/main" id="{8FCE3C15-A2CC-EA4D-8AC3-8816408BFAAF}"/>
+              </a:ext>
+            </a:extLst>
+          </p:cNvPr>
+          <p:cNvCxnSpPr>
+            <a:cxnSpLocks/>
+          </p:cNvCxnSpPr>
+          <p:nvPr/>
+        </p:nvCxnSpPr>
+        <p:spPr>
+          <a:xfrm flipH="1" flipV="1">
+            <a:off x="2107095" y="3714051"/>
+            <a:ext cx="8036997" cy="40970"/>
+          </a:xfrm>
+          <a:prstGeom prst="line">
+            <a:avLst/>
+          </a:prstGeom>
+          <a:ln w="38100">
+            <a:solidFill>
+              <a:schemeClr val="tx1"/>
+            </a:solidFill>
+          </a:ln>
+        </p:spPr>
+        <p:style>
+          <a:lnRef idx="1">
+            <a:schemeClr val="accent1"/>
+          </a:lnRef>
+          <a:fillRef idx="0">
+            <a:schemeClr val="accent1"/>
+          </a:fillRef>
+          <a:effectRef idx="0">
+            <a:schemeClr val="accent1"/>
+          </a:effectRef>
+          <a:fontRef idx="minor">
+            <a:schemeClr val="tx1"/>
+          </a:fontRef>
+        </p:style>
+      </p:cxnSp>
+      <p:sp>
+        <p:nvSpPr>
+          <p:cNvPr id="2" name="Rectangle 1">
+            <a:extLst>
+              <a:ext uri="{FF2B5EF4-FFF2-40B4-BE49-F238E27FC236}">
+                <a16:creationId xmlns:a16="http://schemas.microsoft.com/office/drawing/2014/main" id="{CFC7132C-9E8F-2C4A-9E3A-74A8F38B477F}"/>
+              </a:ext>
+            </a:extLst>
+          </p:cNvPr>
+          <p:cNvSpPr/>
+          <p:nvPr/>
+        </p:nvSpPr>
+        <p:spPr>
+          <a:xfrm>
+            <a:off x="3652617" y="3272610"/>
+            <a:ext cx="794122" cy="931743"/>
+          </a:xfrm>
+          <a:prstGeom prst="rect">
+            <a:avLst/>
+          </a:prstGeom>
+          <a:solidFill>
+            <a:schemeClr val="bg1"/>
+          </a:solidFill>
+          <a:ln>
+            <a:noFill/>
+          </a:ln>
+        </p:spPr>
+        <p:style>
+          <a:lnRef idx="2">
+            <a:schemeClr val="accent1">
+              <a:shade val="50000"/>
+            </a:schemeClr>
+          </a:lnRef>
+          <a:fillRef idx="1">
+            <a:schemeClr val="accent1"/>
+          </a:fillRef>
+          <a:effectRef idx="0">
+            <a:schemeClr val="accent1"/>
+          </a:effectRef>
+          <a:fontRef idx="minor">
+            <a:schemeClr val="lt1"/>
+          </a:fontRef>
+        </p:style>
+        <p:txBody>
+          <a:bodyPr rtlCol="0" anchor="ctr"/>
+          <a:lstStyle/>
+          <a:p>
+            <a:pPr algn="ctr"/>
+            <a:endParaRPr lang="en-US"/>
+          </a:p>
+        </p:txBody>
+      </p:sp>
+      <p:sp>
+        <p:nvSpPr>
+          <p:cNvPr id="40" name="Rectangle 39">
+            <a:extLst>
+              <a:ext uri="{FF2B5EF4-FFF2-40B4-BE49-F238E27FC236}">
+                <a16:creationId xmlns:a16="http://schemas.microsoft.com/office/drawing/2014/main" id="{CA9B4246-BA05-A54E-8806-D3422FCA359D}"/>
+              </a:ext>
+            </a:extLst>
+          </p:cNvPr>
+          <p:cNvSpPr/>
+          <p:nvPr/>
+        </p:nvSpPr>
+        <p:spPr>
+          <a:xfrm>
+            <a:off x="7874690" y="3244816"/>
+            <a:ext cx="680157" cy="1036971"/>
+          </a:xfrm>
+          <a:prstGeom prst="rect">
+            <a:avLst/>
+          </a:prstGeom>
+          <a:solidFill>
+            <a:schemeClr val="bg1"/>
+          </a:solidFill>
+          <a:ln>
+            <a:noFill/>
+          </a:ln>
+        </p:spPr>
+        <p:style>
+          <a:lnRef idx="2">
+            <a:schemeClr val="accent1">
+              <a:shade val="50000"/>
+            </a:schemeClr>
+          </a:lnRef>
+          <a:fillRef idx="1">
+            <a:schemeClr val="accent1"/>
+          </a:fillRef>
+          <a:effectRef idx="0">
+            <a:schemeClr val="accent1"/>
+          </a:effectRef>
+          <a:fontRef idx="minor">
+            <a:schemeClr val="lt1"/>
+          </a:fontRef>
+        </p:style>
+        <p:txBody>
+          <a:bodyPr rtlCol="0" anchor="ctr"/>
+          <a:lstStyle/>
+          <a:p>
+            <a:pPr algn="ctr"/>
+            <a:endParaRPr lang="en-US"/>
+          </a:p>
+        </p:txBody>
+      </p:sp>
+      <p:cxnSp>
+        <p:nvCxnSpPr>
+          <p:cNvPr id="25" name="Straight Connector 24">
+            <a:extLst>
+              <a:ext uri="{FF2B5EF4-FFF2-40B4-BE49-F238E27FC236}">
+                <a16:creationId xmlns:a16="http://schemas.microsoft.com/office/drawing/2014/main" id="{82F68239-DFD2-6E4A-9A31-A58481674091}"/>
+              </a:ext>
+            </a:extLst>
+          </p:cNvPr>
+          <p:cNvCxnSpPr>
+            <a:cxnSpLocks/>
+          </p:cNvCxnSpPr>
+          <p:nvPr/>
+        </p:nvCxnSpPr>
+        <p:spPr>
+          <a:xfrm flipH="1" flipV="1">
+            <a:off x="1863465" y="3963276"/>
+            <a:ext cx="3836" cy="926358"/>
+          </a:xfrm>
+          <a:prstGeom prst="line">
+            <a:avLst/>
+          </a:prstGeom>
+          <a:ln w="38100">
+            <a:solidFill>
+              <a:schemeClr val="tx1"/>
+            </a:solidFill>
+          </a:ln>
+        </p:spPr>
+        <p:style>
+          <a:lnRef idx="1">
+            <a:schemeClr val="accent1"/>
+          </a:lnRef>
+          <a:fillRef idx="0">
+            <a:schemeClr val="accent1"/>
+          </a:fillRef>
+          <a:effectRef idx="0">
+            <a:schemeClr val="accent1"/>
+          </a:effectRef>
+          <a:fontRef idx="minor">
+            <a:schemeClr val="tx1"/>
+          </a:fontRef>
+        </p:style>
+      </p:cxnSp>
+      <p:pic>
+        <p:nvPicPr>
+          <p:cNvPr id="41" name="Picture 40">
+            <a:extLst>
+              <a:ext uri="{FF2B5EF4-FFF2-40B4-BE49-F238E27FC236}">
+                <a16:creationId xmlns:a16="http://schemas.microsoft.com/office/drawing/2014/main" id="{85B21018-043A-3E4C-8F1D-2F1F0A22B8BF}"/>
+              </a:ext>
+            </a:extLst>
+          </p:cNvPr>
+          <p:cNvPicPr>
+            <a:picLocks noChangeAspect="1"/>
+          </p:cNvPicPr>
+          <p:nvPr/>
+        </p:nvPicPr>
+        <p:blipFill>
+          <a:blip r:embed="rId2">
+            <a:extLst>
+              <a:ext uri="{28A0092B-C50C-407E-A947-70E740481C1C}">
+                <a14:useLocalDpi xmlns:a14="http://schemas.microsoft.com/office/drawing/2010/main" val="0"/>
+              </a:ext>
+            </a:extLst>
+          </a:blip>
+          <a:stretch>
+            <a:fillRect/>
+          </a:stretch>
+        </p:blipFill>
+        <p:spPr>
+          <a:xfrm>
+            <a:off x="1204450" y="4172435"/>
+            <a:ext cx="1318030" cy="1318030"/>
+          </a:xfrm>
+          <a:prstGeom prst="rect">
+            <a:avLst/>
+          </a:prstGeom>
+        </p:spPr>
+      </p:pic>
+      <p:pic>
+        <p:nvPicPr>
+          <p:cNvPr id="45" name="Picture 44">
+            <a:extLst>
+              <a:ext uri="{FF2B5EF4-FFF2-40B4-BE49-F238E27FC236}">
+                <a16:creationId xmlns:a16="http://schemas.microsoft.com/office/drawing/2014/main" id="{364C8925-A456-0C42-B9FA-47DC20C56CC7}"/>
+              </a:ext>
+            </a:extLst>
+          </p:cNvPr>
+          <p:cNvPicPr>
+            <a:picLocks noChangeAspect="1"/>
+          </p:cNvPicPr>
+          <p:nvPr/>
+        </p:nvPicPr>
+        <p:blipFill>
+          <a:blip r:embed="rId3">
+            <a:extLst>
+              <a:ext uri="{28A0092B-C50C-407E-A947-70E740481C1C}">
+                <a14:useLocalDpi xmlns:a14="http://schemas.microsoft.com/office/drawing/2010/main" val="0"/>
+              </a:ext>
+            </a:extLst>
+          </a:blip>
+          <a:stretch>
+            <a:fillRect/>
+          </a:stretch>
+        </p:blipFill>
+        <p:spPr>
+          <a:xfrm>
+            <a:off x="1258014" y="3146582"/>
+            <a:ext cx="1210903" cy="1210903"/>
+          </a:xfrm>
+          <a:prstGeom prst="rect">
+            <a:avLst/>
+          </a:prstGeom>
+        </p:spPr>
+      </p:pic>
+      <p:pic>
+        <p:nvPicPr>
+          <p:cNvPr id="27" name="Picture 26">
+            <a:extLst>
+              <a:ext uri="{FF2B5EF4-FFF2-40B4-BE49-F238E27FC236}">
+                <a16:creationId xmlns:a16="http://schemas.microsoft.com/office/drawing/2014/main" id="{89EAA704-1504-714A-8190-C3D29E293CCF}"/>
+              </a:ext>
+            </a:extLst>
+          </p:cNvPr>
+          <p:cNvPicPr>
+            <a:picLocks noChangeAspect="1"/>
+          </p:cNvPicPr>
+          <p:nvPr/>
+        </p:nvPicPr>
+        <p:blipFill>
+          <a:blip r:embed="rId3">
+            <a:extLst>
+              <a:ext uri="{28A0092B-C50C-407E-A947-70E740481C1C}">
+                <a14:useLocalDpi xmlns:a14="http://schemas.microsoft.com/office/drawing/2010/main" val="0"/>
+              </a:ext>
+            </a:extLst>
+          </a:blip>
+          <a:stretch>
+            <a:fillRect/>
+          </a:stretch>
+        </p:blipFill>
+        <p:spPr>
+          <a:xfrm>
+            <a:off x="5430530" y="3127590"/>
+            <a:ext cx="1210903" cy="1210903"/>
+          </a:xfrm>
+          <a:prstGeom prst="rect">
+            <a:avLst/>
+          </a:prstGeom>
+        </p:spPr>
+      </p:pic>
+      <p:pic>
+        <p:nvPicPr>
+          <p:cNvPr id="30" name="Picture 29">
+            <a:extLst>
+              <a:ext uri="{FF2B5EF4-FFF2-40B4-BE49-F238E27FC236}">
+                <a16:creationId xmlns:a16="http://schemas.microsoft.com/office/drawing/2014/main" id="{00CF83AD-2436-8A48-A77C-3C6E8885B7C6}"/>
+              </a:ext>
+            </a:extLst>
+          </p:cNvPr>
+          <p:cNvPicPr>
+            <a:picLocks noChangeAspect="1"/>
+          </p:cNvPicPr>
+          <p:nvPr/>
+        </p:nvPicPr>
+        <p:blipFill>
+          <a:blip r:embed="rId4">
+            <a:extLst>
+              <a:ext uri="{28A0092B-C50C-407E-A947-70E740481C1C}">
+                <a14:useLocalDpi xmlns:a14="http://schemas.microsoft.com/office/drawing/2010/main" val="0"/>
+              </a:ext>
+            </a:extLst>
+          </a:blip>
+          <a:stretch>
+            <a:fillRect/>
+          </a:stretch>
+        </p:blipFill>
+        <p:spPr>
+          <a:xfrm>
+            <a:off x="3510088" y="3222494"/>
+            <a:ext cx="1059293" cy="1059293"/>
+          </a:xfrm>
+          <a:prstGeom prst="rect">
+            <a:avLst/>
+          </a:prstGeom>
+          <a:noFill/>
+        </p:spPr>
+      </p:pic>
+      <p:pic>
+        <p:nvPicPr>
+          <p:cNvPr id="31" name="Picture 30">
+            <a:extLst>
+              <a:ext uri="{FF2B5EF4-FFF2-40B4-BE49-F238E27FC236}">
+                <a16:creationId xmlns:a16="http://schemas.microsoft.com/office/drawing/2014/main" id="{0CE74D86-4047-9345-9F3A-55A54DF9F4BA}"/>
+              </a:ext>
+            </a:extLst>
+          </p:cNvPr>
+          <p:cNvPicPr>
+            <a:picLocks noChangeAspect="1"/>
+          </p:cNvPicPr>
+          <p:nvPr/>
+        </p:nvPicPr>
+        <p:blipFill>
+          <a:blip r:embed="rId4">
+            <a:extLst>
+              <a:ext uri="{28A0092B-C50C-407E-A947-70E740481C1C}">
+                <a14:useLocalDpi xmlns:a14="http://schemas.microsoft.com/office/drawing/2010/main" val="0"/>
+              </a:ext>
+            </a:extLst>
+          </a:blip>
+          <a:stretch>
+            <a:fillRect/>
+          </a:stretch>
+        </p:blipFill>
+        <p:spPr>
+          <a:xfrm>
+            <a:off x="7661926" y="3222674"/>
+            <a:ext cx="1059293" cy="1059293"/>
+          </a:xfrm>
+          <a:prstGeom prst="rect">
+            <a:avLst/>
+          </a:prstGeom>
+          <a:noFill/>
+        </p:spPr>
+      </p:pic>
+      <p:sp>
+        <p:nvSpPr>
+          <p:cNvPr id="34" name="TextBox 33">
+            <a:extLst>
+              <a:ext uri="{FF2B5EF4-FFF2-40B4-BE49-F238E27FC236}">
+                <a16:creationId xmlns:a16="http://schemas.microsoft.com/office/drawing/2014/main" id="{19AF4C3E-05A8-1D4C-987B-83000CA19583}"/>
+              </a:ext>
+            </a:extLst>
+          </p:cNvPr>
+          <p:cNvSpPr txBox="1"/>
+          <p:nvPr/>
+        </p:nvSpPr>
+        <p:spPr>
+          <a:xfrm>
+            <a:off x="2981099" y="3776902"/>
+            <a:ext cx="639919" cy="338554"/>
+          </a:xfrm>
+          <a:prstGeom prst="rect">
+            <a:avLst/>
+          </a:prstGeom>
+          <a:noFill/>
+        </p:spPr>
+        <p:txBody>
+          <a:bodyPr wrap="none" rtlCol="0">
+            <a:spAutoFit/>
+          </a:bodyPr>
+          <a:lstStyle/>
+          <a:p>
+            <a:r>
+              <a:rPr lang="en-US" sz="1600" b="1" dirty="0">
+                <a:latin typeface="Yu Gothic" panose="020B0400000000000000" pitchFamily="34" charset="-128"/>
+                <a:ea typeface="Yu Gothic" panose="020B0400000000000000" pitchFamily="34" charset="-128"/>
+              </a:rPr>
+              <a:t>g0/1</a:t>
+            </a:r>
+          </a:p>
+        </p:txBody>
+      </p:sp>
+      <p:sp>
+        <p:nvSpPr>
+          <p:cNvPr id="36" name="TextBox 35">
+            <a:extLst>
+              <a:ext uri="{FF2B5EF4-FFF2-40B4-BE49-F238E27FC236}">
+                <a16:creationId xmlns:a16="http://schemas.microsoft.com/office/drawing/2014/main" id="{FC5C75A0-3469-094F-9D68-233EDDEC43AE}"/>
+              </a:ext>
+            </a:extLst>
+          </p:cNvPr>
+          <p:cNvSpPr txBox="1"/>
+          <p:nvPr/>
+        </p:nvSpPr>
+        <p:spPr>
+          <a:xfrm>
+            <a:off x="4448846" y="3789142"/>
+            <a:ext cx="639919" cy="338554"/>
+          </a:xfrm>
+          <a:prstGeom prst="rect">
+            <a:avLst/>
+          </a:prstGeom>
+          <a:noFill/>
+        </p:spPr>
+        <p:txBody>
+          <a:bodyPr wrap="none" rtlCol="0">
+            <a:spAutoFit/>
+          </a:bodyPr>
+          <a:lstStyle/>
+          <a:p>
+            <a:r>
+              <a:rPr lang="en-US" sz="1600" b="1" dirty="0">
+                <a:latin typeface="Yu Gothic" panose="020B0400000000000000" pitchFamily="34" charset="-128"/>
+                <a:ea typeface="Yu Gothic" panose="020B0400000000000000" pitchFamily="34" charset="-128"/>
+              </a:rPr>
+              <a:t>g0/2</a:t>
+            </a:r>
+          </a:p>
+        </p:txBody>
+      </p:sp>
+      <p:sp>
+        <p:nvSpPr>
+          <p:cNvPr id="44" name="TextBox 43">
+            <a:extLst>
+              <a:ext uri="{FF2B5EF4-FFF2-40B4-BE49-F238E27FC236}">
+                <a16:creationId xmlns:a16="http://schemas.microsoft.com/office/drawing/2014/main" id="{D6418F9D-F9D8-B148-A43D-88FFFD2001EE}"/>
+              </a:ext>
+            </a:extLst>
+          </p:cNvPr>
+          <p:cNvSpPr txBox="1"/>
+          <p:nvPr/>
+        </p:nvSpPr>
+        <p:spPr>
+          <a:xfrm>
+            <a:off x="7102234" y="3789142"/>
+            <a:ext cx="639919" cy="338554"/>
+          </a:xfrm>
+          <a:prstGeom prst="rect">
+            <a:avLst/>
+          </a:prstGeom>
+          <a:noFill/>
+        </p:spPr>
+        <p:txBody>
+          <a:bodyPr wrap="none" rtlCol="0">
+            <a:spAutoFit/>
+          </a:bodyPr>
+          <a:lstStyle/>
+          <a:p>
+            <a:r>
+              <a:rPr lang="en-US" sz="1600" b="1" dirty="0">
+                <a:latin typeface="Yu Gothic" panose="020B0400000000000000" pitchFamily="34" charset="-128"/>
+                <a:ea typeface="Yu Gothic" panose="020B0400000000000000" pitchFamily="34" charset="-128"/>
+              </a:rPr>
+              <a:t>g0/1</a:t>
+            </a:r>
+          </a:p>
+        </p:txBody>
+      </p:sp>
+      <p:pic>
+        <p:nvPicPr>
+          <p:cNvPr id="49" name="Picture 48">
+            <a:extLst>
+              <a:ext uri="{FF2B5EF4-FFF2-40B4-BE49-F238E27FC236}">
+                <a16:creationId xmlns:a16="http://schemas.microsoft.com/office/drawing/2014/main" id="{D50CA61B-FFE6-5141-8043-0F9E1266FDAD}"/>
+              </a:ext>
+            </a:extLst>
+          </p:cNvPr>
+          <p:cNvPicPr>
+            <a:picLocks noChangeAspect="1"/>
+          </p:cNvPicPr>
+          <p:nvPr/>
+        </p:nvPicPr>
+        <p:blipFill>
+          <a:blip r:embed="rId3">
+            <a:extLst>
+              <a:ext uri="{28A0092B-C50C-407E-A947-70E740481C1C}">
+                <a14:useLocalDpi xmlns:a14="http://schemas.microsoft.com/office/drawing/2010/main" val="0"/>
+              </a:ext>
+            </a:extLst>
+          </a:blip>
+          <a:stretch>
+            <a:fillRect/>
+          </a:stretch>
+        </p:blipFill>
+        <p:spPr>
+          <a:xfrm>
+            <a:off x="9719898" y="3146582"/>
+            <a:ext cx="1210903" cy="1210903"/>
+          </a:xfrm>
+          <a:prstGeom prst="rect">
+            <a:avLst/>
+          </a:prstGeom>
+        </p:spPr>
+      </p:pic>
+      <p:cxnSp>
+        <p:nvCxnSpPr>
+          <p:cNvPr id="50" name="Straight Connector 49">
+            <a:extLst>
+              <a:ext uri="{FF2B5EF4-FFF2-40B4-BE49-F238E27FC236}">
+                <a16:creationId xmlns:a16="http://schemas.microsoft.com/office/drawing/2014/main" id="{DA2A942D-932E-5240-AC8C-470FDAA78E6D}"/>
+              </a:ext>
+            </a:extLst>
+          </p:cNvPr>
+          <p:cNvCxnSpPr>
+            <a:cxnSpLocks/>
+          </p:cNvCxnSpPr>
+          <p:nvPr/>
+        </p:nvCxnSpPr>
+        <p:spPr>
+          <a:xfrm flipV="1">
+            <a:off x="6025415" y="3962155"/>
+            <a:ext cx="1288" cy="860102"/>
+          </a:xfrm>
+          <a:prstGeom prst="line">
+            <a:avLst/>
+          </a:prstGeom>
+          <a:ln w="38100">
+            <a:solidFill>
+              <a:schemeClr val="tx1"/>
+            </a:solidFill>
+          </a:ln>
+        </p:spPr>
+        <p:style>
+          <a:lnRef idx="1">
+            <a:schemeClr val="accent1"/>
+          </a:lnRef>
+          <a:fillRef idx="0">
+            <a:schemeClr val="accent1"/>
+          </a:fillRef>
+          <a:effectRef idx="0">
+            <a:schemeClr val="accent1"/>
+          </a:effectRef>
+          <a:fontRef idx="minor">
+            <a:schemeClr val="tx1"/>
+          </a:fontRef>
+        </p:style>
+      </p:cxnSp>
+      <p:pic>
+        <p:nvPicPr>
+          <p:cNvPr id="53" name="Picture 52">
+            <a:extLst>
+              <a:ext uri="{FF2B5EF4-FFF2-40B4-BE49-F238E27FC236}">
+                <a16:creationId xmlns:a16="http://schemas.microsoft.com/office/drawing/2014/main" id="{5E00E826-5B40-1D49-8F72-99262A834995}"/>
+              </a:ext>
+            </a:extLst>
+          </p:cNvPr>
+          <p:cNvPicPr>
+            <a:picLocks noChangeAspect="1"/>
+          </p:cNvPicPr>
+          <p:nvPr/>
+        </p:nvPicPr>
+        <p:blipFill>
+          <a:blip r:embed="rId2">
+            <a:extLst>
+              <a:ext uri="{28A0092B-C50C-407E-A947-70E740481C1C}">
+                <a14:useLocalDpi xmlns:a14="http://schemas.microsoft.com/office/drawing/2010/main" val="0"/>
+              </a:ext>
+            </a:extLst>
+          </a:blip>
+          <a:stretch>
+            <a:fillRect/>
+          </a:stretch>
+        </p:blipFill>
+        <p:spPr>
+          <a:xfrm>
+            <a:off x="5367688" y="4171314"/>
+            <a:ext cx="1318030" cy="1318030"/>
+          </a:xfrm>
+          <a:prstGeom prst="rect">
+            <a:avLst/>
+          </a:prstGeom>
+        </p:spPr>
+      </p:pic>
+      <p:cxnSp>
+        <p:nvCxnSpPr>
+          <p:cNvPr id="55" name="Straight Connector 54">
+            <a:extLst>
+              <a:ext uri="{FF2B5EF4-FFF2-40B4-BE49-F238E27FC236}">
+                <a16:creationId xmlns:a16="http://schemas.microsoft.com/office/drawing/2014/main" id="{36AF6C8D-2364-D546-87D5-97D19EB5CA86}"/>
+              </a:ext>
+            </a:extLst>
+          </p:cNvPr>
+          <p:cNvCxnSpPr>
+            <a:cxnSpLocks/>
+          </p:cNvCxnSpPr>
+          <p:nvPr/>
+        </p:nvCxnSpPr>
+        <p:spPr>
+          <a:xfrm flipV="1">
+            <a:off x="10308657" y="3956872"/>
+            <a:ext cx="2306" cy="884635"/>
+          </a:xfrm>
+          <a:prstGeom prst="line">
+            <a:avLst/>
+          </a:prstGeom>
+          <a:ln w="38100">
+            <a:solidFill>
+              <a:schemeClr val="tx1"/>
+            </a:solidFill>
+          </a:ln>
+        </p:spPr>
+        <p:style>
+          <a:lnRef idx="1">
+            <a:schemeClr val="accent1"/>
+          </a:lnRef>
+          <a:fillRef idx="0">
+            <a:schemeClr val="accent1"/>
+          </a:fillRef>
+          <a:effectRef idx="0">
+            <a:schemeClr val="accent1"/>
+          </a:effectRef>
+          <a:fontRef idx="minor">
+            <a:schemeClr val="tx1"/>
+          </a:fontRef>
+        </p:style>
+      </p:cxnSp>
+      <p:pic>
+        <p:nvPicPr>
+          <p:cNvPr id="56" name="Picture 55">
+            <a:extLst>
+              <a:ext uri="{FF2B5EF4-FFF2-40B4-BE49-F238E27FC236}">
+                <a16:creationId xmlns:a16="http://schemas.microsoft.com/office/drawing/2014/main" id="{0EBD63F2-6923-7249-81DA-2C2D4080E4C0}"/>
+              </a:ext>
+            </a:extLst>
+          </p:cNvPr>
+          <p:cNvPicPr>
+            <a:picLocks noChangeAspect="1"/>
+          </p:cNvPicPr>
+          <p:nvPr/>
+        </p:nvPicPr>
+        <p:blipFill>
+          <a:blip r:embed="rId2">
+            <a:extLst>
+              <a:ext uri="{28A0092B-C50C-407E-A947-70E740481C1C}">
+                <a14:useLocalDpi xmlns:a14="http://schemas.microsoft.com/office/drawing/2010/main" val="0"/>
+              </a:ext>
+            </a:extLst>
+          </a:blip>
+          <a:stretch>
+            <a:fillRect/>
+          </a:stretch>
+        </p:blipFill>
+        <p:spPr>
+          <a:xfrm>
+            <a:off x="9651948" y="4166031"/>
+            <a:ext cx="1318030" cy="1318030"/>
+          </a:xfrm>
+          <a:prstGeom prst="rect">
+            <a:avLst/>
+          </a:prstGeom>
+        </p:spPr>
+      </p:pic>
+      <p:sp>
+        <p:nvSpPr>
+          <p:cNvPr id="67" name="TextBox 66">
+            <a:extLst>
+              <a:ext uri="{FF2B5EF4-FFF2-40B4-BE49-F238E27FC236}">
+                <a16:creationId xmlns:a16="http://schemas.microsoft.com/office/drawing/2014/main" id="{D5364408-F56C-CE40-A3F5-D51EC07F2FBF}"/>
+              </a:ext>
+            </a:extLst>
+          </p:cNvPr>
+          <p:cNvSpPr txBox="1"/>
+          <p:nvPr/>
+        </p:nvSpPr>
+        <p:spPr>
+          <a:xfrm>
+            <a:off x="8604890" y="3853321"/>
+            <a:ext cx="639919" cy="338554"/>
+          </a:xfrm>
+          <a:prstGeom prst="rect">
+            <a:avLst/>
+          </a:prstGeom>
+          <a:noFill/>
+        </p:spPr>
+        <p:txBody>
+          <a:bodyPr wrap="none" rtlCol="0">
+            <a:spAutoFit/>
+          </a:bodyPr>
+          <a:lstStyle/>
+          <a:p>
+            <a:r>
+              <a:rPr lang="en-US" sz="1600" b="1" dirty="0">
+                <a:latin typeface="Yu Gothic" panose="020B0400000000000000" pitchFamily="34" charset="-128"/>
+                <a:ea typeface="Yu Gothic" panose="020B0400000000000000" pitchFamily="34" charset="-128"/>
+              </a:rPr>
+              <a:t>g0/2</a:t>
+            </a:r>
+          </a:p>
+        </p:txBody>
+      </p:sp>
+      <p:sp>
+        <p:nvSpPr>
+          <p:cNvPr id="72" name="TextBox 71">
+            <a:extLst>
+              <a:ext uri="{FF2B5EF4-FFF2-40B4-BE49-F238E27FC236}">
+                <a16:creationId xmlns:a16="http://schemas.microsoft.com/office/drawing/2014/main" id="{426F0AC4-A5A0-DD49-9266-DAA474D20084}"/>
+              </a:ext>
+            </a:extLst>
+          </p:cNvPr>
+          <p:cNvSpPr txBox="1"/>
+          <p:nvPr/>
+        </p:nvSpPr>
+        <p:spPr>
+          <a:xfrm>
+            <a:off x="1172515" y="5209570"/>
+            <a:ext cx="1308371" cy="369332"/>
+          </a:xfrm>
+          <a:prstGeom prst="rect">
+            <a:avLst/>
+          </a:prstGeom>
+          <a:noFill/>
+        </p:spPr>
+        <p:txBody>
+          <a:bodyPr wrap="none" rtlCol="0">
+            <a:spAutoFit/>
+          </a:bodyPr>
+          <a:lstStyle/>
+          <a:p>
+            <a:r>
+              <a:rPr lang="en-US" b="1" dirty="0">
+                <a:latin typeface="Yu Gothic" panose="020B0400000000000000" pitchFamily="34" charset="-128"/>
+                <a:ea typeface="Yu Gothic" panose="020B0400000000000000" pitchFamily="34" charset="-128"/>
+              </a:rPr>
+              <a:t>10.0.1.101</a:t>
+            </a:r>
+          </a:p>
+        </p:txBody>
+      </p:sp>
+      <p:sp>
+        <p:nvSpPr>
+          <p:cNvPr id="73" name="TextBox 72">
+            <a:extLst>
+              <a:ext uri="{FF2B5EF4-FFF2-40B4-BE49-F238E27FC236}">
+                <a16:creationId xmlns:a16="http://schemas.microsoft.com/office/drawing/2014/main" id="{640118AE-AE03-9546-8779-8291822D9C64}"/>
+              </a:ext>
+            </a:extLst>
+          </p:cNvPr>
+          <p:cNvSpPr txBox="1"/>
+          <p:nvPr/>
+        </p:nvSpPr>
+        <p:spPr>
+          <a:xfrm>
+            <a:off x="2724457" y="4069803"/>
+            <a:ext cx="1042273" cy="369332"/>
+          </a:xfrm>
+          <a:prstGeom prst="rect">
+            <a:avLst/>
+          </a:prstGeom>
+          <a:noFill/>
+        </p:spPr>
+        <p:txBody>
+          <a:bodyPr wrap="none" rtlCol="0">
+            <a:spAutoFit/>
+          </a:bodyPr>
+          <a:lstStyle/>
+          <a:p>
+            <a:r>
+              <a:rPr lang="en-US" b="1" dirty="0">
+                <a:latin typeface="Yu Gothic" panose="020B0400000000000000" pitchFamily="34" charset="-128"/>
+                <a:ea typeface="Yu Gothic" panose="020B0400000000000000" pitchFamily="34" charset="-128"/>
+              </a:rPr>
+              <a:t>10.0.1.1</a:t>
+            </a:r>
+          </a:p>
+        </p:txBody>
+      </p:sp>
+      <p:sp>
+        <p:nvSpPr>
+          <p:cNvPr id="74" name="TextBox 73">
+            <a:extLst>
+              <a:ext uri="{FF2B5EF4-FFF2-40B4-BE49-F238E27FC236}">
+                <a16:creationId xmlns:a16="http://schemas.microsoft.com/office/drawing/2014/main" id="{2CA16ED1-4B0B-6843-8404-64B3576F9A4F}"/>
+              </a:ext>
+            </a:extLst>
+          </p:cNvPr>
+          <p:cNvSpPr txBox="1"/>
+          <p:nvPr/>
+        </p:nvSpPr>
+        <p:spPr>
+          <a:xfrm>
+            <a:off x="4294881" y="4080808"/>
+            <a:ext cx="1042273" cy="369332"/>
+          </a:xfrm>
+          <a:prstGeom prst="rect">
+            <a:avLst/>
+          </a:prstGeom>
+          <a:noFill/>
+        </p:spPr>
+        <p:txBody>
+          <a:bodyPr wrap="none" rtlCol="0">
+            <a:spAutoFit/>
+          </a:bodyPr>
+          <a:lstStyle/>
+          <a:p>
+            <a:r>
+              <a:rPr lang="en-US" b="1" dirty="0">
+                <a:latin typeface="Yu Gothic" panose="020B0400000000000000" pitchFamily="34" charset="-128"/>
+                <a:ea typeface="Yu Gothic" panose="020B0400000000000000" pitchFamily="34" charset="-128"/>
+              </a:rPr>
+              <a:t>10.0.2.1</a:t>
+            </a:r>
+          </a:p>
+        </p:txBody>
+      </p:sp>
+      <p:sp>
+        <p:nvSpPr>
+          <p:cNvPr id="75" name="TextBox 74">
+            <a:extLst>
+              <a:ext uri="{FF2B5EF4-FFF2-40B4-BE49-F238E27FC236}">
+                <a16:creationId xmlns:a16="http://schemas.microsoft.com/office/drawing/2014/main" id="{F8676D79-6E3C-5E4E-AA6F-F7D03834FEA8}"/>
+              </a:ext>
+            </a:extLst>
+          </p:cNvPr>
+          <p:cNvSpPr txBox="1"/>
+          <p:nvPr/>
+        </p:nvSpPr>
+        <p:spPr>
+          <a:xfrm>
+            <a:off x="6837682" y="4080808"/>
+            <a:ext cx="1042273" cy="369332"/>
+          </a:xfrm>
+          <a:prstGeom prst="rect">
+            <a:avLst/>
+          </a:prstGeom>
+          <a:noFill/>
+        </p:spPr>
+        <p:txBody>
+          <a:bodyPr wrap="none" rtlCol="0">
+            <a:spAutoFit/>
+          </a:bodyPr>
+          <a:lstStyle/>
+          <a:p>
+            <a:r>
+              <a:rPr lang="en-US" b="1" dirty="0">
+                <a:latin typeface="Yu Gothic" panose="020B0400000000000000" pitchFamily="34" charset="-128"/>
+                <a:ea typeface="Yu Gothic" panose="020B0400000000000000" pitchFamily="34" charset="-128"/>
+              </a:rPr>
+              <a:t>10.0.2.2</a:t>
+            </a:r>
+          </a:p>
+        </p:txBody>
+      </p:sp>
+      <p:sp>
+        <p:nvSpPr>
+          <p:cNvPr id="76" name="TextBox 75">
+            <a:extLst>
+              <a:ext uri="{FF2B5EF4-FFF2-40B4-BE49-F238E27FC236}">
+                <a16:creationId xmlns:a16="http://schemas.microsoft.com/office/drawing/2014/main" id="{F43E0B7B-062A-7F4F-855F-1EF9D7982618}"/>
+              </a:ext>
+            </a:extLst>
+          </p:cNvPr>
+          <p:cNvSpPr txBox="1"/>
+          <p:nvPr/>
+        </p:nvSpPr>
+        <p:spPr>
+          <a:xfrm>
+            <a:off x="5377347" y="5204394"/>
+            <a:ext cx="1308371" cy="369332"/>
+          </a:xfrm>
+          <a:prstGeom prst="rect">
+            <a:avLst/>
+          </a:prstGeom>
+          <a:noFill/>
+        </p:spPr>
+        <p:txBody>
+          <a:bodyPr wrap="none" rtlCol="0">
+            <a:spAutoFit/>
+          </a:bodyPr>
+          <a:lstStyle/>
+          <a:p>
+            <a:r>
+              <a:rPr lang="en-US" b="1" dirty="0">
+                <a:latin typeface="Yu Gothic" panose="020B0400000000000000" pitchFamily="34" charset="-128"/>
+                <a:ea typeface="Yu Gothic" panose="020B0400000000000000" pitchFamily="34" charset="-128"/>
+              </a:rPr>
+              <a:t>10.0.2.102</a:t>
+            </a:r>
+          </a:p>
+        </p:txBody>
+      </p:sp>
+      <p:sp>
+        <p:nvSpPr>
+          <p:cNvPr id="77" name="TextBox 76">
+            <a:extLst>
+              <a:ext uri="{FF2B5EF4-FFF2-40B4-BE49-F238E27FC236}">
+                <a16:creationId xmlns:a16="http://schemas.microsoft.com/office/drawing/2014/main" id="{E4FF5267-313B-0648-80C6-652A4ACF7B2F}"/>
+              </a:ext>
+            </a:extLst>
+          </p:cNvPr>
+          <p:cNvSpPr txBox="1"/>
+          <p:nvPr/>
+        </p:nvSpPr>
+        <p:spPr>
+          <a:xfrm>
+            <a:off x="9651948" y="5204394"/>
+            <a:ext cx="1308371" cy="369332"/>
+          </a:xfrm>
+          <a:prstGeom prst="rect">
+            <a:avLst/>
+          </a:prstGeom>
+          <a:noFill/>
+        </p:spPr>
+        <p:txBody>
+          <a:bodyPr wrap="none" rtlCol="0">
+            <a:spAutoFit/>
+          </a:bodyPr>
+          <a:lstStyle/>
+          <a:p>
+            <a:r>
+              <a:rPr lang="en-US" b="1" dirty="0">
+                <a:latin typeface="Yu Gothic" panose="020B0400000000000000" pitchFamily="34" charset="-128"/>
+                <a:ea typeface="Yu Gothic" panose="020B0400000000000000" pitchFamily="34" charset="-128"/>
+              </a:rPr>
+              <a:t>10.0.3.103</a:t>
+            </a:r>
+          </a:p>
+        </p:txBody>
+      </p:sp>
+      <p:sp>
+        <p:nvSpPr>
+          <p:cNvPr id="80" name="TextBox 79">
+            <a:extLst>
+              <a:ext uri="{FF2B5EF4-FFF2-40B4-BE49-F238E27FC236}">
+                <a16:creationId xmlns:a16="http://schemas.microsoft.com/office/drawing/2014/main" id="{C6C4A6DB-49F3-A346-BCD7-409CCFD5CBA0}"/>
+              </a:ext>
+            </a:extLst>
+          </p:cNvPr>
+          <p:cNvSpPr txBox="1"/>
+          <p:nvPr/>
+        </p:nvSpPr>
+        <p:spPr>
+          <a:xfrm>
+            <a:off x="8493011" y="4107986"/>
+            <a:ext cx="1042273" cy="369332"/>
+          </a:xfrm>
+          <a:prstGeom prst="rect">
+            <a:avLst/>
+          </a:prstGeom>
+          <a:noFill/>
+        </p:spPr>
+        <p:txBody>
+          <a:bodyPr wrap="none" rtlCol="0">
+            <a:spAutoFit/>
+          </a:bodyPr>
+          <a:lstStyle/>
+          <a:p>
+            <a:r>
+              <a:rPr lang="en-US" b="1" dirty="0">
+                <a:latin typeface="Yu Gothic" panose="020B0400000000000000" pitchFamily="34" charset="-128"/>
+                <a:ea typeface="Yu Gothic" panose="020B0400000000000000" pitchFamily="34" charset="-128"/>
+              </a:rPr>
+              <a:t>10.0.3.1</a:t>
+            </a:r>
+          </a:p>
+        </p:txBody>
+      </p:sp>
+      <p:sp>
+        <p:nvSpPr>
+          <p:cNvPr id="42" name="TextBox 41">
+            <a:extLst>
+              <a:ext uri="{FF2B5EF4-FFF2-40B4-BE49-F238E27FC236}">
+                <a16:creationId xmlns:a16="http://schemas.microsoft.com/office/drawing/2014/main" id="{A8E1446C-776B-B845-B6D0-F43FE33C031D}"/>
+              </a:ext>
+            </a:extLst>
+          </p:cNvPr>
+          <p:cNvSpPr txBox="1"/>
+          <p:nvPr/>
+        </p:nvSpPr>
+        <p:spPr>
+          <a:xfrm>
+            <a:off x="1869966" y="4207606"/>
+            <a:ext cx="639919" cy="338554"/>
+          </a:xfrm>
+          <a:prstGeom prst="rect">
+            <a:avLst/>
+          </a:prstGeom>
+          <a:noFill/>
+        </p:spPr>
+        <p:txBody>
+          <a:bodyPr wrap="none" rtlCol="0">
+            <a:spAutoFit/>
+          </a:bodyPr>
+          <a:lstStyle/>
+          <a:p>
+            <a:r>
+              <a:rPr lang="en-US" sz="1600" b="1" dirty="0">
+                <a:latin typeface="Yu Gothic" panose="020B0400000000000000" pitchFamily="34" charset="-128"/>
+                <a:ea typeface="Yu Gothic" panose="020B0400000000000000" pitchFamily="34" charset="-128"/>
+              </a:rPr>
+              <a:t>g0/1</a:t>
+            </a:r>
+          </a:p>
+        </p:txBody>
+      </p:sp>
+      <p:sp>
+        <p:nvSpPr>
+          <p:cNvPr id="43" name="TextBox 42">
+            <a:extLst>
+              <a:ext uri="{FF2B5EF4-FFF2-40B4-BE49-F238E27FC236}">
+                <a16:creationId xmlns:a16="http://schemas.microsoft.com/office/drawing/2014/main" id="{952EC7D7-8589-6240-B41C-108E48A73ABB}"/>
+              </a:ext>
+            </a:extLst>
+          </p:cNvPr>
+          <p:cNvSpPr txBox="1"/>
+          <p:nvPr/>
+        </p:nvSpPr>
+        <p:spPr>
+          <a:xfrm>
+            <a:off x="6013881" y="4182852"/>
+            <a:ext cx="639919" cy="338554"/>
+          </a:xfrm>
+          <a:prstGeom prst="rect">
+            <a:avLst/>
+          </a:prstGeom>
+          <a:noFill/>
+        </p:spPr>
+        <p:txBody>
+          <a:bodyPr wrap="none" rtlCol="0">
+            <a:spAutoFit/>
+          </a:bodyPr>
+          <a:lstStyle/>
+          <a:p>
+            <a:r>
+              <a:rPr lang="en-US" sz="1600" b="1" dirty="0">
+                <a:latin typeface="Yu Gothic" panose="020B0400000000000000" pitchFamily="34" charset="-128"/>
+                <a:ea typeface="Yu Gothic" panose="020B0400000000000000" pitchFamily="34" charset="-128"/>
+              </a:rPr>
+              <a:t>g0/1</a:t>
+            </a:r>
+          </a:p>
+        </p:txBody>
+      </p:sp>
+      <p:sp>
+        <p:nvSpPr>
+          <p:cNvPr id="46" name="TextBox 45">
+            <a:extLst>
+              <a:ext uri="{FF2B5EF4-FFF2-40B4-BE49-F238E27FC236}">
+                <a16:creationId xmlns:a16="http://schemas.microsoft.com/office/drawing/2014/main" id="{FC52123C-0378-904D-95C3-82C0BD28F813}"/>
+              </a:ext>
+            </a:extLst>
+          </p:cNvPr>
+          <p:cNvSpPr txBox="1"/>
+          <p:nvPr/>
+        </p:nvSpPr>
+        <p:spPr>
+          <a:xfrm>
+            <a:off x="10325349" y="4166031"/>
+            <a:ext cx="639919" cy="338554"/>
+          </a:xfrm>
+          <a:prstGeom prst="rect">
+            <a:avLst/>
+          </a:prstGeom>
+          <a:noFill/>
+        </p:spPr>
+        <p:txBody>
+          <a:bodyPr wrap="none" rtlCol="0">
+            <a:spAutoFit/>
+          </a:bodyPr>
+          <a:lstStyle/>
+          <a:p>
+            <a:r>
+              <a:rPr lang="en-US" sz="1600" b="1" dirty="0">
+                <a:latin typeface="Yu Gothic" panose="020B0400000000000000" pitchFamily="34" charset="-128"/>
+                <a:ea typeface="Yu Gothic" panose="020B0400000000000000" pitchFamily="34" charset="-128"/>
+              </a:rPr>
+              <a:t>g0/1</a:t>
+            </a:r>
+          </a:p>
+        </p:txBody>
+      </p:sp>
+      <p:sp>
+        <p:nvSpPr>
+          <p:cNvPr id="3" name="TextBox 2">
+            <a:extLst>
+              <a:ext uri="{FF2B5EF4-FFF2-40B4-BE49-F238E27FC236}">
+                <a16:creationId xmlns:a16="http://schemas.microsoft.com/office/drawing/2014/main" id="{AE3809F3-B751-594C-9FF6-986751F560F7}"/>
+              </a:ext>
+            </a:extLst>
+          </p:cNvPr>
+          <p:cNvSpPr txBox="1"/>
+          <p:nvPr/>
+        </p:nvSpPr>
+        <p:spPr>
+          <a:xfrm>
+            <a:off x="1582623" y="4634597"/>
+            <a:ext cx="643125" cy="369332"/>
+          </a:xfrm>
+          <a:prstGeom prst="rect">
+            <a:avLst/>
+          </a:prstGeom>
+          <a:noFill/>
+        </p:spPr>
+        <p:txBody>
+          <a:bodyPr wrap="none" rtlCol="0">
+            <a:spAutoFit/>
+          </a:bodyPr>
+          <a:lstStyle/>
+          <a:p>
+            <a:r>
+              <a:rPr lang="en-US" b="1" dirty="0">
+                <a:latin typeface="Yu Gothic" panose="020B0400000000000000" pitchFamily="34" charset="-128"/>
+                <a:ea typeface="Yu Gothic" panose="020B0400000000000000" pitchFamily="34" charset="-128"/>
+              </a:rPr>
+              <a:t>PC1</a:t>
+            </a:r>
+          </a:p>
+        </p:txBody>
+      </p:sp>
+      <p:sp>
+        <p:nvSpPr>
+          <p:cNvPr id="52" name="TextBox 51">
+            <a:extLst>
+              <a:ext uri="{FF2B5EF4-FFF2-40B4-BE49-F238E27FC236}">
+                <a16:creationId xmlns:a16="http://schemas.microsoft.com/office/drawing/2014/main" id="{34204F8E-53F3-1C4F-85A9-2F846FDA39F3}"/>
+              </a:ext>
+            </a:extLst>
+          </p:cNvPr>
+          <p:cNvSpPr txBox="1"/>
+          <p:nvPr/>
+        </p:nvSpPr>
+        <p:spPr>
+          <a:xfrm>
+            <a:off x="5752260" y="4634597"/>
+            <a:ext cx="643125" cy="369332"/>
+          </a:xfrm>
+          <a:prstGeom prst="rect">
+            <a:avLst/>
+          </a:prstGeom>
+          <a:noFill/>
+        </p:spPr>
+        <p:txBody>
+          <a:bodyPr wrap="none" rtlCol="0">
+            <a:spAutoFit/>
+          </a:bodyPr>
+          <a:lstStyle/>
+          <a:p>
+            <a:r>
+              <a:rPr lang="en-US" b="1" dirty="0">
+                <a:latin typeface="Yu Gothic" panose="020B0400000000000000" pitchFamily="34" charset="-128"/>
+                <a:ea typeface="Yu Gothic" panose="020B0400000000000000" pitchFamily="34" charset="-128"/>
+              </a:rPr>
+              <a:t>PC2</a:t>
+            </a:r>
+          </a:p>
+        </p:txBody>
+      </p:sp>
+      <p:sp>
+        <p:nvSpPr>
+          <p:cNvPr id="58" name="TextBox 57">
+            <a:extLst>
+              <a:ext uri="{FF2B5EF4-FFF2-40B4-BE49-F238E27FC236}">
+                <a16:creationId xmlns:a16="http://schemas.microsoft.com/office/drawing/2014/main" id="{4359CA2B-0540-EC41-AA0C-14162822111E}"/>
+              </a:ext>
+            </a:extLst>
+          </p:cNvPr>
+          <p:cNvSpPr txBox="1"/>
+          <p:nvPr/>
+        </p:nvSpPr>
+        <p:spPr>
+          <a:xfrm>
+            <a:off x="10003834" y="4626387"/>
+            <a:ext cx="643125" cy="369332"/>
+          </a:xfrm>
+          <a:prstGeom prst="rect">
+            <a:avLst/>
+          </a:prstGeom>
+          <a:noFill/>
+        </p:spPr>
+        <p:txBody>
+          <a:bodyPr wrap="none" rtlCol="0">
+            <a:spAutoFit/>
+          </a:bodyPr>
+          <a:lstStyle/>
+          <a:p>
+            <a:r>
+              <a:rPr lang="en-US" b="1" dirty="0">
+                <a:latin typeface="Yu Gothic" panose="020B0400000000000000" pitchFamily="34" charset="-128"/>
+                <a:ea typeface="Yu Gothic" panose="020B0400000000000000" pitchFamily="34" charset="-128"/>
+              </a:rPr>
+              <a:t>PC3</a:t>
+            </a:r>
+          </a:p>
+        </p:txBody>
+      </p:sp>
+      <p:sp>
+        <p:nvSpPr>
+          <p:cNvPr id="60" name="TextBox 59">
+            <a:extLst>
+              <a:ext uri="{FF2B5EF4-FFF2-40B4-BE49-F238E27FC236}">
+                <a16:creationId xmlns:a16="http://schemas.microsoft.com/office/drawing/2014/main" id="{14F5B31D-4A56-E149-BF96-6233030792C5}"/>
+              </a:ext>
+            </a:extLst>
+          </p:cNvPr>
+          <p:cNvSpPr txBox="1"/>
+          <p:nvPr/>
+        </p:nvSpPr>
+        <p:spPr>
+          <a:xfrm>
+            <a:off x="3803389" y="3757643"/>
+            <a:ext cx="479618" cy="369332"/>
+          </a:xfrm>
+          <a:prstGeom prst="rect">
+            <a:avLst/>
+          </a:prstGeom>
+          <a:noFill/>
+        </p:spPr>
+        <p:txBody>
+          <a:bodyPr wrap="none" rtlCol="0">
+            <a:spAutoFit/>
+          </a:bodyPr>
+          <a:lstStyle/>
+          <a:p>
+            <a:r>
+              <a:rPr lang="en-US" b="1" dirty="0">
+                <a:solidFill>
+                  <a:schemeClr val="bg1"/>
+                </a:solidFill>
+                <a:latin typeface="Yu Gothic" panose="020B0400000000000000" pitchFamily="34" charset="-128"/>
+                <a:ea typeface="Yu Gothic" panose="020B0400000000000000" pitchFamily="34" charset="-128"/>
+              </a:rPr>
+              <a:t>R1</a:t>
+            </a:r>
+          </a:p>
+        </p:txBody>
+      </p:sp>
+      <p:sp>
+        <p:nvSpPr>
+          <p:cNvPr id="61" name="TextBox 60">
+            <a:extLst>
+              <a:ext uri="{FF2B5EF4-FFF2-40B4-BE49-F238E27FC236}">
+                <a16:creationId xmlns:a16="http://schemas.microsoft.com/office/drawing/2014/main" id="{DF47E842-E93A-164A-B931-AAC0BD6D4C5C}"/>
+              </a:ext>
+            </a:extLst>
+          </p:cNvPr>
+          <p:cNvSpPr txBox="1"/>
+          <p:nvPr/>
+        </p:nvSpPr>
+        <p:spPr>
+          <a:xfrm>
+            <a:off x="7961382" y="3764319"/>
+            <a:ext cx="479618" cy="369332"/>
+          </a:xfrm>
+          <a:prstGeom prst="rect">
+            <a:avLst/>
+          </a:prstGeom>
+          <a:noFill/>
+        </p:spPr>
+        <p:txBody>
+          <a:bodyPr wrap="none" rtlCol="0">
+            <a:spAutoFit/>
+          </a:bodyPr>
+          <a:lstStyle/>
+          <a:p>
+            <a:r>
+              <a:rPr lang="en-US" b="1" dirty="0">
+                <a:solidFill>
+                  <a:schemeClr val="bg1"/>
+                </a:solidFill>
+                <a:latin typeface="Yu Gothic" panose="020B0400000000000000" pitchFamily="34" charset="-128"/>
+                <a:ea typeface="Yu Gothic" panose="020B0400000000000000" pitchFamily="34" charset="-128"/>
+              </a:rPr>
+              <a:t>R2</a:t>
+            </a:r>
+          </a:p>
+        </p:txBody>
+      </p:sp>
+      <p:sp>
+        <p:nvSpPr>
+          <p:cNvPr id="64" name="TextBox 63">
+            <a:extLst>
+              <a:ext uri="{FF2B5EF4-FFF2-40B4-BE49-F238E27FC236}">
+                <a16:creationId xmlns:a16="http://schemas.microsoft.com/office/drawing/2014/main" id="{5B0E459A-E698-B04F-8B64-FEBA1FB2D68F}"/>
+              </a:ext>
+            </a:extLst>
+          </p:cNvPr>
+          <p:cNvSpPr txBox="1"/>
+          <p:nvPr/>
+        </p:nvSpPr>
+        <p:spPr>
+          <a:xfrm>
+            <a:off x="1473159" y="5820617"/>
+            <a:ext cx="1832553" cy="461665"/>
+          </a:xfrm>
+          <a:prstGeom prst="rect">
+            <a:avLst/>
+          </a:prstGeom>
+          <a:noFill/>
+        </p:spPr>
+        <p:txBody>
+          <a:bodyPr wrap="none" rtlCol="0">
+            <a:spAutoFit/>
+          </a:bodyPr>
+          <a:lstStyle/>
+          <a:p>
+            <a:r>
+              <a:rPr lang="en-US" sz="2400" b="1" dirty="0">
+                <a:solidFill>
+                  <a:schemeClr val="accent5"/>
+                </a:solidFill>
+                <a:latin typeface="Yu Gothic" panose="020B0400000000000000" pitchFamily="34" charset="-128"/>
+                <a:ea typeface="Yu Gothic" panose="020B0400000000000000" pitchFamily="34" charset="-128"/>
+              </a:rPr>
+              <a:t>10.0.1.0/24</a:t>
+            </a:r>
+          </a:p>
+        </p:txBody>
+      </p:sp>
+      <p:sp>
+        <p:nvSpPr>
+          <p:cNvPr id="65" name="TextBox 64">
+            <a:extLst>
+              <a:ext uri="{FF2B5EF4-FFF2-40B4-BE49-F238E27FC236}">
+                <a16:creationId xmlns:a16="http://schemas.microsoft.com/office/drawing/2014/main" id="{7CE0CBAE-36F9-534A-BBD1-4B21908909EB}"/>
+              </a:ext>
+            </a:extLst>
+          </p:cNvPr>
+          <p:cNvSpPr txBox="1"/>
+          <p:nvPr/>
+        </p:nvSpPr>
+        <p:spPr>
+          <a:xfrm>
+            <a:off x="5279306" y="5825183"/>
+            <a:ext cx="1832553" cy="461665"/>
+          </a:xfrm>
+          <a:prstGeom prst="rect">
+            <a:avLst/>
+          </a:prstGeom>
+          <a:noFill/>
+        </p:spPr>
+        <p:txBody>
+          <a:bodyPr wrap="none" rtlCol="0">
+            <a:spAutoFit/>
+          </a:bodyPr>
+          <a:lstStyle/>
+          <a:p>
+            <a:r>
+              <a:rPr lang="en-US" sz="2400" b="1" dirty="0">
+                <a:solidFill>
+                  <a:schemeClr val="accent5"/>
+                </a:solidFill>
+                <a:latin typeface="Yu Gothic" panose="020B0400000000000000" pitchFamily="34" charset="-128"/>
+                <a:ea typeface="Yu Gothic" panose="020B0400000000000000" pitchFamily="34" charset="-128"/>
+              </a:rPr>
+              <a:t>10.0.2.0/24</a:t>
+            </a:r>
+          </a:p>
+        </p:txBody>
+      </p:sp>
+      <p:sp>
+        <p:nvSpPr>
+          <p:cNvPr id="66" name="TextBox 65">
+            <a:extLst>
+              <a:ext uri="{FF2B5EF4-FFF2-40B4-BE49-F238E27FC236}">
+                <a16:creationId xmlns:a16="http://schemas.microsoft.com/office/drawing/2014/main" id="{4FFA7C9F-CE31-5042-863E-43C8B9AD8DCB}"/>
+              </a:ext>
+            </a:extLst>
+          </p:cNvPr>
+          <p:cNvSpPr txBox="1"/>
+          <p:nvPr/>
+        </p:nvSpPr>
+        <p:spPr>
+          <a:xfrm>
+            <a:off x="9018351" y="5820617"/>
+            <a:ext cx="1832553" cy="461665"/>
+          </a:xfrm>
+          <a:prstGeom prst="rect">
+            <a:avLst/>
+          </a:prstGeom>
+          <a:noFill/>
+        </p:spPr>
+        <p:txBody>
+          <a:bodyPr wrap="none" rtlCol="0">
+            <a:spAutoFit/>
+          </a:bodyPr>
+          <a:lstStyle/>
+          <a:p>
+            <a:r>
+              <a:rPr lang="en-US" sz="2400" b="1" dirty="0">
+                <a:solidFill>
+                  <a:schemeClr val="accent5"/>
+                </a:solidFill>
+                <a:latin typeface="Yu Gothic" panose="020B0400000000000000" pitchFamily="34" charset="-128"/>
+                <a:ea typeface="Yu Gothic" panose="020B0400000000000000" pitchFamily="34" charset="-128"/>
+              </a:rPr>
+              <a:t>10.0.3.0/24</a:t>
+            </a:r>
+          </a:p>
+        </p:txBody>
+      </p:sp>
+      <p:sp>
+        <p:nvSpPr>
+          <p:cNvPr id="88" name="Rectangle 87">
+            <a:extLst>
+              <a:ext uri="{FF2B5EF4-FFF2-40B4-BE49-F238E27FC236}">
+                <a16:creationId xmlns:a16="http://schemas.microsoft.com/office/drawing/2014/main" id="{9B6DAF90-EFED-9748-9AAC-87759DCA81AC}"/>
+              </a:ext>
+            </a:extLst>
+          </p:cNvPr>
+          <p:cNvSpPr/>
+          <p:nvPr/>
+        </p:nvSpPr>
+        <p:spPr>
+          <a:xfrm>
+            <a:off x="3502963" y="383518"/>
+            <a:ext cx="921991" cy="617368"/>
+          </a:xfrm>
+          <a:prstGeom prst="rect">
+            <a:avLst/>
+          </a:prstGeom>
+          <a:solidFill>
+            <a:schemeClr val="accent2"/>
+          </a:solidFill>
+          <a:ln w="38100">
+            <a:solidFill>
+              <a:schemeClr val="bg1"/>
+            </a:solidFill>
+          </a:ln>
+        </p:spPr>
+        <p:style>
+          <a:lnRef idx="2">
+            <a:schemeClr val="accent1">
+              <a:shade val="50000"/>
+            </a:schemeClr>
+          </a:lnRef>
+          <a:fillRef idx="1">
+            <a:schemeClr val="accent1"/>
+          </a:fillRef>
+          <a:effectRef idx="0">
+            <a:schemeClr val="accent1"/>
+          </a:effectRef>
+          <a:fontRef idx="minor">
+            <a:schemeClr val="lt1"/>
+          </a:fontRef>
+        </p:style>
+        <p:txBody>
+          <a:bodyPr rtlCol="0" anchor="ctr"/>
+          <a:lstStyle/>
+          <a:p>
+            <a:pPr algn="ctr"/>
+            <a:endParaRPr lang="en-US"/>
+          </a:p>
+        </p:txBody>
+      </p:sp>
+      <p:sp>
+        <p:nvSpPr>
+          <p:cNvPr id="89" name="TextBox 88">
+            <a:extLst>
+              <a:ext uri="{FF2B5EF4-FFF2-40B4-BE49-F238E27FC236}">
+                <a16:creationId xmlns:a16="http://schemas.microsoft.com/office/drawing/2014/main" id="{44E10552-2927-EB4C-A14E-9E64FDB9C015}"/>
+              </a:ext>
+            </a:extLst>
+          </p:cNvPr>
+          <p:cNvSpPr txBox="1"/>
+          <p:nvPr/>
+        </p:nvSpPr>
+        <p:spPr>
+          <a:xfrm>
+            <a:off x="3535328" y="387229"/>
+            <a:ext cx="902298" cy="307777"/>
+          </a:xfrm>
+          <a:prstGeom prst="rect">
+            <a:avLst/>
+          </a:prstGeom>
+          <a:noFill/>
+        </p:spPr>
+        <p:txBody>
+          <a:bodyPr wrap="none" rtlCol="0">
+            <a:spAutoFit/>
+          </a:bodyPr>
+          <a:lstStyle/>
+          <a:p>
+            <a:r>
+              <a:rPr lang="ja-JP" altLang="en-US" sz="1400" b="1">
+                <a:solidFill>
+                  <a:schemeClr val="bg1"/>
+                </a:solidFill>
+              </a:rPr>
+              <a:t>宛先</a:t>
+            </a:r>
+            <a:r>
+              <a:rPr lang="en-US" altLang="ja-JP" sz="1400" b="1" dirty="0">
+                <a:solidFill>
+                  <a:schemeClr val="bg1"/>
+                </a:solidFill>
+              </a:rPr>
+              <a:t>MAC</a:t>
+            </a:r>
+            <a:endParaRPr lang="en-US" sz="1400" b="1" dirty="0">
+              <a:solidFill>
+                <a:schemeClr val="bg1"/>
+              </a:solidFill>
+            </a:endParaRPr>
+          </a:p>
+        </p:txBody>
+      </p:sp>
+      <p:sp>
+        <p:nvSpPr>
+          <p:cNvPr id="90" name="TextBox 89">
+            <a:extLst>
+              <a:ext uri="{FF2B5EF4-FFF2-40B4-BE49-F238E27FC236}">
+                <a16:creationId xmlns:a16="http://schemas.microsoft.com/office/drawing/2014/main" id="{956DF093-4C9E-6C44-8CC1-6A226A38FC16}"/>
+              </a:ext>
+            </a:extLst>
+          </p:cNvPr>
+          <p:cNvSpPr txBox="1"/>
+          <p:nvPr/>
+        </p:nvSpPr>
+        <p:spPr>
+          <a:xfrm>
+            <a:off x="3507682" y="633457"/>
+            <a:ext cx="963725" cy="338554"/>
+          </a:xfrm>
+          <a:prstGeom prst="rect">
+            <a:avLst/>
+          </a:prstGeom>
+          <a:noFill/>
+        </p:spPr>
+        <p:txBody>
+          <a:bodyPr wrap="none" rtlCol="0">
+            <a:spAutoFit/>
+          </a:bodyPr>
+          <a:lstStyle/>
+          <a:p>
+            <a:r>
+              <a:rPr lang="en-US" sz="1600" b="1" dirty="0">
+                <a:solidFill>
+                  <a:schemeClr val="bg1"/>
+                </a:solidFill>
+                <a:latin typeface="Yu Gothic" panose="020B0400000000000000" pitchFamily="34" charset="-128"/>
+                <a:ea typeface="Yu Gothic" panose="020B0400000000000000" pitchFamily="34" charset="-128"/>
+              </a:rPr>
+              <a:t>R1:g0/1</a:t>
+            </a:r>
+          </a:p>
+        </p:txBody>
+      </p:sp>
+      <p:sp>
+        <p:nvSpPr>
+          <p:cNvPr id="106" name="Rectangle 105">
+            <a:extLst>
+              <a:ext uri="{FF2B5EF4-FFF2-40B4-BE49-F238E27FC236}">
+                <a16:creationId xmlns:a16="http://schemas.microsoft.com/office/drawing/2014/main" id="{E9AA60B5-005C-7A46-B05E-ABF9C48AE50B}"/>
+              </a:ext>
+            </a:extLst>
+          </p:cNvPr>
+          <p:cNvSpPr/>
+          <p:nvPr/>
+        </p:nvSpPr>
+        <p:spPr>
+          <a:xfrm>
+            <a:off x="2539140" y="380896"/>
+            <a:ext cx="977726" cy="617368"/>
+          </a:xfrm>
+          <a:prstGeom prst="rect">
+            <a:avLst/>
+          </a:prstGeom>
+          <a:solidFill>
+            <a:schemeClr val="accent2"/>
+          </a:solidFill>
+          <a:ln w="38100">
+            <a:solidFill>
+              <a:schemeClr val="bg1"/>
+            </a:solidFill>
+          </a:ln>
+        </p:spPr>
+        <p:style>
+          <a:lnRef idx="2">
+            <a:schemeClr val="accent1">
+              <a:shade val="50000"/>
+            </a:schemeClr>
+          </a:lnRef>
+          <a:fillRef idx="1">
+            <a:schemeClr val="accent1"/>
+          </a:fillRef>
+          <a:effectRef idx="0">
+            <a:schemeClr val="accent1"/>
+          </a:effectRef>
+          <a:fontRef idx="minor">
+            <a:schemeClr val="lt1"/>
+          </a:fontRef>
+        </p:style>
+        <p:txBody>
+          <a:bodyPr rtlCol="0" anchor="ctr"/>
+          <a:lstStyle/>
+          <a:p>
+            <a:pPr algn="ctr"/>
+            <a:endParaRPr lang="en-US"/>
+          </a:p>
+        </p:txBody>
+      </p:sp>
+      <p:sp>
+        <p:nvSpPr>
+          <p:cNvPr id="107" name="TextBox 106">
+            <a:extLst>
+              <a:ext uri="{FF2B5EF4-FFF2-40B4-BE49-F238E27FC236}">
+                <a16:creationId xmlns:a16="http://schemas.microsoft.com/office/drawing/2014/main" id="{412143C9-1B60-A643-9249-589929D27C12}"/>
+              </a:ext>
+            </a:extLst>
+          </p:cNvPr>
+          <p:cNvSpPr txBox="1"/>
+          <p:nvPr/>
+        </p:nvSpPr>
+        <p:spPr>
+          <a:xfrm>
+            <a:off x="2492488" y="384607"/>
+            <a:ext cx="1081835" cy="307777"/>
+          </a:xfrm>
+          <a:prstGeom prst="rect">
+            <a:avLst/>
+          </a:prstGeom>
+          <a:noFill/>
+        </p:spPr>
+        <p:txBody>
+          <a:bodyPr wrap="none" rtlCol="0">
+            <a:spAutoFit/>
+          </a:bodyPr>
+          <a:lstStyle/>
+          <a:p>
+            <a:r>
+              <a:rPr lang="ja-JP" altLang="en-US" sz="1400" b="1">
+                <a:solidFill>
+                  <a:schemeClr val="bg1"/>
+                </a:solidFill>
+              </a:rPr>
+              <a:t>送信元</a:t>
+            </a:r>
+            <a:r>
+              <a:rPr lang="en-US" altLang="ja-JP" sz="1400" b="1" dirty="0">
+                <a:solidFill>
+                  <a:schemeClr val="bg1"/>
+                </a:solidFill>
+              </a:rPr>
+              <a:t>MAC</a:t>
+            </a:r>
+            <a:endParaRPr lang="en-US" sz="1400" b="1" dirty="0">
+              <a:solidFill>
+                <a:schemeClr val="bg1"/>
+              </a:solidFill>
+            </a:endParaRPr>
+          </a:p>
+        </p:txBody>
+      </p:sp>
+      <p:sp>
+        <p:nvSpPr>
+          <p:cNvPr id="108" name="TextBox 107">
+            <a:extLst>
+              <a:ext uri="{FF2B5EF4-FFF2-40B4-BE49-F238E27FC236}">
+                <a16:creationId xmlns:a16="http://schemas.microsoft.com/office/drawing/2014/main" id="{83B261B6-E081-7242-B9DA-0C5B4591FD20}"/>
+              </a:ext>
+            </a:extLst>
+          </p:cNvPr>
+          <p:cNvSpPr txBox="1"/>
+          <p:nvPr/>
+        </p:nvSpPr>
+        <p:spPr>
+          <a:xfrm>
+            <a:off x="2743972" y="630835"/>
+            <a:ext cx="591829" cy="338554"/>
+          </a:xfrm>
+          <a:prstGeom prst="rect">
+            <a:avLst/>
+          </a:prstGeom>
+          <a:noFill/>
+        </p:spPr>
+        <p:txBody>
+          <a:bodyPr wrap="none" rtlCol="0">
+            <a:spAutoFit/>
+          </a:bodyPr>
+          <a:lstStyle/>
+          <a:p>
+            <a:r>
+              <a:rPr lang="en-US" sz="1600" b="1" dirty="0">
+                <a:solidFill>
+                  <a:schemeClr val="bg1"/>
+                </a:solidFill>
+                <a:latin typeface="Yu Gothic" panose="020B0400000000000000" pitchFamily="34" charset="-128"/>
+                <a:ea typeface="Yu Gothic" panose="020B0400000000000000" pitchFamily="34" charset="-128"/>
+              </a:rPr>
+              <a:t>PC1</a:t>
+            </a:r>
+          </a:p>
+        </p:txBody>
+      </p:sp>
+      <p:sp>
+        <p:nvSpPr>
+          <p:cNvPr id="109" name="Rectangle 108">
+            <a:extLst>
+              <a:ext uri="{FF2B5EF4-FFF2-40B4-BE49-F238E27FC236}">
+                <a16:creationId xmlns:a16="http://schemas.microsoft.com/office/drawing/2014/main" id="{B261C032-26A7-F844-9F7B-CAFFAA99C741}"/>
+              </a:ext>
+            </a:extLst>
+          </p:cNvPr>
+          <p:cNvSpPr/>
+          <p:nvPr/>
+        </p:nvSpPr>
+        <p:spPr>
+          <a:xfrm>
+            <a:off x="1872315" y="371714"/>
+            <a:ext cx="684088" cy="617368"/>
+          </a:xfrm>
+          <a:prstGeom prst="rect">
+            <a:avLst/>
+          </a:prstGeom>
+          <a:solidFill>
+            <a:schemeClr val="accent1"/>
+          </a:solidFill>
+          <a:ln w="38100">
+            <a:solidFill>
+              <a:schemeClr val="bg1"/>
+            </a:solidFill>
+          </a:ln>
+        </p:spPr>
+        <p:style>
+          <a:lnRef idx="2">
+            <a:schemeClr val="accent1">
+              <a:shade val="50000"/>
+            </a:schemeClr>
+          </a:lnRef>
+          <a:fillRef idx="1">
+            <a:schemeClr val="accent1"/>
+          </a:fillRef>
+          <a:effectRef idx="0">
+            <a:schemeClr val="accent1"/>
+          </a:effectRef>
+          <a:fontRef idx="minor">
+            <a:schemeClr val="lt1"/>
+          </a:fontRef>
+        </p:style>
+        <p:txBody>
+          <a:bodyPr rtlCol="0" anchor="ctr"/>
+          <a:lstStyle/>
+          <a:p>
+            <a:pPr algn="ctr"/>
+            <a:endParaRPr lang="en-US"/>
+          </a:p>
+        </p:txBody>
+      </p:sp>
+      <p:sp>
+        <p:nvSpPr>
+          <p:cNvPr id="110" name="TextBox 109">
+            <a:extLst>
+              <a:ext uri="{FF2B5EF4-FFF2-40B4-BE49-F238E27FC236}">
+                <a16:creationId xmlns:a16="http://schemas.microsoft.com/office/drawing/2014/main" id="{41EBE385-C796-0B4D-90F6-89D5B58566B0}"/>
+              </a:ext>
+            </a:extLst>
+          </p:cNvPr>
+          <p:cNvSpPr txBox="1"/>
+          <p:nvPr/>
+        </p:nvSpPr>
+        <p:spPr>
+          <a:xfrm>
+            <a:off x="1897782" y="375425"/>
+            <a:ext cx="688009" cy="307777"/>
+          </a:xfrm>
+          <a:prstGeom prst="rect">
+            <a:avLst/>
+          </a:prstGeom>
+          <a:noFill/>
+        </p:spPr>
+        <p:txBody>
+          <a:bodyPr wrap="none" rtlCol="0">
+            <a:spAutoFit/>
+          </a:bodyPr>
+          <a:lstStyle/>
+          <a:p>
+            <a:r>
+              <a:rPr lang="ja-JP" altLang="en-US" sz="1400" b="1">
+                <a:solidFill>
+                  <a:schemeClr val="bg1"/>
+                </a:solidFill>
+              </a:rPr>
+              <a:t>宛先</a:t>
+            </a:r>
+            <a:r>
+              <a:rPr lang="en-US" altLang="ja-JP" sz="1400" b="1" dirty="0">
+                <a:solidFill>
+                  <a:schemeClr val="bg1"/>
+                </a:solidFill>
+              </a:rPr>
+              <a:t>IP</a:t>
+            </a:r>
+            <a:endParaRPr lang="en-US" sz="1400" b="1" dirty="0">
+              <a:solidFill>
+                <a:schemeClr val="bg1"/>
+              </a:solidFill>
+            </a:endParaRPr>
+          </a:p>
+        </p:txBody>
+      </p:sp>
+      <p:sp>
+        <p:nvSpPr>
+          <p:cNvPr id="111" name="TextBox 110">
+            <a:extLst>
+              <a:ext uri="{FF2B5EF4-FFF2-40B4-BE49-F238E27FC236}">
+                <a16:creationId xmlns:a16="http://schemas.microsoft.com/office/drawing/2014/main" id="{C07CF10F-273C-D647-B844-9F45A87BA846}"/>
+              </a:ext>
+            </a:extLst>
+          </p:cNvPr>
+          <p:cNvSpPr txBox="1"/>
+          <p:nvPr/>
+        </p:nvSpPr>
+        <p:spPr>
+          <a:xfrm>
+            <a:off x="1937778" y="630835"/>
+            <a:ext cx="591829" cy="338554"/>
+          </a:xfrm>
+          <a:prstGeom prst="rect">
+            <a:avLst/>
+          </a:prstGeom>
+          <a:noFill/>
+        </p:spPr>
+        <p:txBody>
+          <a:bodyPr wrap="none" rtlCol="0">
+            <a:spAutoFit/>
+          </a:bodyPr>
+          <a:lstStyle/>
+          <a:p>
+            <a:r>
+              <a:rPr lang="en-US" sz="1600" b="1" dirty="0">
+                <a:solidFill>
+                  <a:schemeClr val="bg1"/>
+                </a:solidFill>
+                <a:latin typeface="Yu Gothic" panose="020B0400000000000000" pitchFamily="34" charset="-128"/>
+                <a:ea typeface="Yu Gothic" panose="020B0400000000000000" pitchFamily="34" charset="-128"/>
+              </a:rPr>
+              <a:t>PC3</a:t>
+            </a:r>
+          </a:p>
+        </p:txBody>
+      </p:sp>
+      <p:sp>
+        <p:nvSpPr>
+          <p:cNvPr id="112" name="Rectangle 111">
+            <a:extLst>
+              <a:ext uri="{FF2B5EF4-FFF2-40B4-BE49-F238E27FC236}">
+                <a16:creationId xmlns:a16="http://schemas.microsoft.com/office/drawing/2014/main" id="{5B776CA5-C256-EC4B-B800-3E949A5CAF85}"/>
+              </a:ext>
+            </a:extLst>
+          </p:cNvPr>
+          <p:cNvSpPr/>
+          <p:nvPr/>
+        </p:nvSpPr>
+        <p:spPr>
+          <a:xfrm>
+            <a:off x="1070380" y="371714"/>
+            <a:ext cx="799856" cy="617368"/>
+          </a:xfrm>
+          <a:prstGeom prst="rect">
+            <a:avLst/>
+          </a:prstGeom>
+          <a:solidFill>
+            <a:schemeClr val="accent1"/>
+          </a:solidFill>
+          <a:ln w="38100">
+            <a:solidFill>
+              <a:schemeClr val="bg1"/>
+            </a:solidFill>
+          </a:ln>
+        </p:spPr>
+        <p:style>
+          <a:lnRef idx="2">
+            <a:schemeClr val="accent1">
+              <a:shade val="50000"/>
+            </a:schemeClr>
+          </a:lnRef>
+          <a:fillRef idx="1">
+            <a:schemeClr val="accent1"/>
+          </a:fillRef>
+          <a:effectRef idx="0">
+            <a:schemeClr val="accent1"/>
+          </a:effectRef>
+          <a:fontRef idx="minor">
+            <a:schemeClr val="lt1"/>
+          </a:fontRef>
+        </p:style>
+        <p:txBody>
+          <a:bodyPr rtlCol="0" anchor="ctr"/>
+          <a:lstStyle/>
+          <a:p>
+            <a:pPr algn="ctr"/>
+            <a:endParaRPr lang="en-US"/>
+          </a:p>
+        </p:txBody>
+      </p:sp>
+      <p:sp>
+        <p:nvSpPr>
+          <p:cNvPr id="113" name="TextBox 112">
+            <a:extLst>
+              <a:ext uri="{FF2B5EF4-FFF2-40B4-BE49-F238E27FC236}">
+                <a16:creationId xmlns:a16="http://schemas.microsoft.com/office/drawing/2014/main" id="{F8B721C5-6B5A-B449-967C-44FC3F5F4001}"/>
+              </a:ext>
+            </a:extLst>
+          </p:cNvPr>
+          <p:cNvSpPr txBox="1"/>
+          <p:nvPr/>
+        </p:nvSpPr>
+        <p:spPr>
+          <a:xfrm>
+            <a:off x="1037784" y="385620"/>
+            <a:ext cx="867545" cy="307777"/>
+          </a:xfrm>
+          <a:prstGeom prst="rect">
+            <a:avLst/>
+          </a:prstGeom>
+          <a:noFill/>
+        </p:spPr>
+        <p:txBody>
+          <a:bodyPr wrap="none" rtlCol="0">
+            <a:spAutoFit/>
+          </a:bodyPr>
+          <a:lstStyle/>
+          <a:p>
+            <a:r>
+              <a:rPr lang="ja-JP" altLang="en-US" sz="1400" b="1">
+                <a:solidFill>
+                  <a:schemeClr val="bg1"/>
+                </a:solidFill>
+              </a:rPr>
+              <a:t>送信元</a:t>
+            </a:r>
+            <a:r>
+              <a:rPr lang="en-US" altLang="ja-JP" sz="1400" b="1" dirty="0">
+                <a:solidFill>
+                  <a:schemeClr val="bg1"/>
+                </a:solidFill>
+              </a:rPr>
+              <a:t>IP</a:t>
+            </a:r>
+            <a:endParaRPr lang="en-US" sz="1400" b="1" dirty="0">
+              <a:solidFill>
+                <a:schemeClr val="bg1"/>
+              </a:solidFill>
+            </a:endParaRPr>
+          </a:p>
+        </p:txBody>
+      </p:sp>
+      <p:sp>
+        <p:nvSpPr>
+          <p:cNvPr id="114" name="TextBox 113">
+            <a:extLst>
+              <a:ext uri="{FF2B5EF4-FFF2-40B4-BE49-F238E27FC236}">
+                <a16:creationId xmlns:a16="http://schemas.microsoft.com/office/drawing/2014/main" id="{87F22BCD-C3F8-F649-9975-B2F206BBB0D6}"/>
+              </a:ext>
+            </a:extLst>
+          </p:cNvPr>
+          <p:cNvSpPr txBox="1"/>
+          <p:nvPr/>
+        </p:nvSpPr>
+        <p:spPr>
+          <a:xfrm>
+            <a:off x="1203485" y="630835"/>
+            <a:ext cx="591829" cy="338554"/>
+          </a:xfrm>
+          <a:prstGeom prst="rect">
+            <a:avLst/>
+          </a:prstGeom>
+          <a:noFill/>
+        </p:spPr>
+        <p:txBody>
+          <a:bodyPr wrap="none" rtlCol="0">
+            <a:spAutoFit/>
+          </a:bodyPr>
+          <a:lstStyle/>
+          <a:p>
+            <a:r>
+              <a:rPr lang="en-US" sz="1600" b="1" dirty="0">
+                <a:solidFill>
+                  <a:schemeClr val="bg1"/>
+                </a:solidFill>
+                <a:latin typeface="Yu Gothic" panose="020B0400000000000000" pitchFamily="34" charset="-128"/>
+                <a:ea typeface="Yu Gothic" panose="020B0400000000000000" pitchFamily="34" charset="-128"/>
+              </a:rPr>
+              <a:t>PC1</a:t>
+            </a:r>
+          </a:p>
+        </p:txBody>
+      </p:sp>
+      <p:sp>
+        <p:nvSpPr>
+          <p:cNvPr id="117" name="Rectangle 116">
+            <a:extLst>
+              <a:ext uri="{FF2B5EF4-FFF2-40B4-BE49-F238E27FC236}">
+                <a16:creationId xmlns:a16="http://schemas.microsoft.com/office/drawing/2014/main" id="{150350D1-0EC5-EF4E-A76B-6A8C4C8D03A2}"/>
+              </a:ext>
+            </a:extLst>
+          </p:cNvPr>
+          <p:cNvSpPr/>
+          <p:nvPr/>
+        </p:nvSpPr>
+        <p:spPr>
+          <a:xfrm>
+            <a:off x="7185539" y="1376125"/>
+            <a:ext cx="921991" cy="617368"/>
+          </a:xfrm>
+          <a:prstGeom prst="rect">
+            <a:avLst/>
+          </a:prstGeom>
+          <a:solidFill>
+            <a:schemeClr val="accent2"/>
+          </a:solidFill>
+          <a:ln w="38100">
+            <a:solidFill>
+              <a:schemeClr val="bg1"/>
+            </a:solidFill>
+          </a:ln>
+        </p:spPr>
+        <p:style>
+          <a:lnRef idx="2">
+            <a:schemeClr val="accent1">
+              <a:shade val="50000"/>
+            </a:schemeClr>
+          </a:lnRef>
+          <a:fillRef idx="1">
+            <a:schemeClr val="accent1"/>
+          </a:fillRef>
+          <a:effectRef idx="0">
+            <a:schemeClr val="accent1"/>
+          </a:effectRef>
+          <a:fontRef idx="minor">
+            <a:schemeClr val="lt1"/>
+          </a:fontRef>
+        </p:style>
+        <p:txBody>
+          <a:bodyPr rtlCol="0" anchor="ctr"/>
+          <a:lstStyle/>
+          <a:p>
+            <a:pPr algn="ctr"/>
+            <a:endParaRPr lang="en-US"/>
+          </a:p>
+        </p:txBody>
+      </p:sp>
+      <p:sp>
+        <p:nvSpPr>
+          <p:cNvPr id="118" name="TextBox 117">
+            <a:extLst>
+              <a:ext uri="{FF2B5EF4-FFF2-40B4-BE49-F238E27FC236}">
+                <a16:creationId xmlns:a16="http://schemas.microsoft.com/office/drawing/2014/main" id="{F6F8FD34-DA61-0C4F-97DA-2C88A5824DAD}"/>
+              </a:ext>
+            </a:extLst>
+          </p:cNvPr>
+          <p:cNvSpPr txBox="1"/>
+          <p:nvPr/>
+        </p:nvSpPr>
+        <p:spPr>
+          <a:xfrm>
+            <a:off x="7217904" y="1379836"/>
+            <a:ext cx="902298" cy="307777"/>
+          </a:xfrm>
+          <a:prstGeom prst="rect">
+            <a:avLst/>
+          </a:prstGeom>
+          <a:noFill/>
+        </p:spPr>
+        <p:txBody>
+          <a:bodyPr wrap="none" rtlCol="0">
+            <a:spAutoFit/>
+          </a:bodyPr>
+          <a:lstStyle/>
+          <a:p>
+            <a:r>
+              <a:rPr lang="ja-JP" altLang="en-US" sz="1400" b="1">
+                <a:solidFill>
+                  <a:schemeClr val="bg1"/>
+                </a:solidFill>
+              </a:rPr>
+              <a:t>宛先</a:t>
+            </a:r>
+            <a:r>
+              <a:rPr lang="en-US" altLang="ja-JP" sz="1400" b="1" dirty="0">
+                <a:solidFill>
+                  <a:schemeClr val="bg1"/>
+                </a:solidFill>
+              </a:rPr>
+              <a:t>MAC</a:t>
+            </a:r>
+            <a:endParaRPr lang="en-US" sz="1400" b="1" dirty="0">
+              <a:solidFill>
+                <a:schemeClr val="bg1"/>
+              </a:solidFill>
+            </a:endParaRPr>
+          </a:p>
+        </p:txBody>
+      </p:sp>
+      <p:sp>
+        <p:nvSpPr>
+          <p:cNvPr id="119" name="TextBox 118">
+            <a:extLst>
+              <a:ext uri="{FF2B5EF4-FFF2-40B4-BE49-F238E27FC236}">
+                <a16:creationId xmlns:a16="http://schemas.microsoft.com/office/drawing/2014/main" id="{AFADF266-7439-7945-B69F-77203E9B2EC1}"/>
+              </a:ext>
+            </a:extLst>
+          </p:cNvPr>
+          <p:cNvSpPr txBox="1"/>
+          <p:nvPr/>
+        </p:nvSpPr>
+        <p:spPr>
+          <a:xfrm>
+            <a:off x="7190258" y="1626064"/>
+            <a:ext cx="963725" cy="338554"/>
+          </a:xfrm>
+          <a:prstGeom prst="rect">
+            <a:avLst/>
+          </a:prstGeom>
+          <a:noFill/>
+        </p:spPr>
+        <p:txBody>
+          <a:bodyPr wrap="none" rtlCol="0">
+            <a:spAutoFit/>
+          </a:bodyPr>
+          <a:lstStyle/>
+          <a:p>
+            <a:r>
+              <a:rPr lang="en-US" sz="1600" b="1" dirty="0">
+                <a:solidFill>
+                  <a:schemeClr val="bg1"/>
+                </a:solidFill>
+                <a:latin typeface="Yu Gothic" panose="020B0400000000000000" pitchFamily="34" charset="-128"/>
+                <a:ea typeface="Yu Gothic" panose="020B0400000000000000" pitchFamily="34" charset="-128"/>
+              </a:rPr>
+              <a:t>R2:g0/1</a:t>
+            </a:r>
+          </a:p>
+        </p:txBody>
+      </p:sp>
+      <p:sp>
+        <p:nvSpPr>
+          <p:cNvPr id="120" name="Rectangle 119">
+            <a:extLst>
+              <a:ext uri="{FF2B5EF4-FFF2-40B4-BE49-F238E27FC236}">
+                <a16:creationId xmlns:a16="http://schemas.microsoft.com/office/drawing/2014/main" id="{8B071BB8-10EB-3249-9392-5E6CF724554E}"/>
+              </a:ext>
+            </a:extLst>
+          </p:cNvPr>
+          <p:cNvSpPr/>
+          <p:nvPr/>
+        </p:nvSpPr>
+        <p:spPr>
+          <a:xfrm>
+            <a:off x="6221716" y="1373503"/>
+            <a:ext cx="977726" cy="617368"/>
+          </a:xfrm>
+          <a:prstGeom prst="rect">
+            <a:avLst/>
+          </a:prstGeom>
+          <a:solidFill>
+            <a:schemeClr val="accent2"/>
+          </a:solidFill>
+          <a:ln w="38100">
+            <a:solidFill>
+              <a:schemeClr val="bg1"/>
+            </a:solidFill>
+          </a:ln>
+        </p:spPr>
+        <p:style>
+          <a:lnRef idx="2">
+            <a:schemeClr val="accent1">
+              <a:shade val="50000"/>
+            </a:schemeClr>
+          </a:lnRef>
+          <a:fillRef idx="1">
+            <a:schemeClr val="accent1"/>
+          </a:fillRef>
+          <a:effectRef idx="0">
+            <a:schemeClr val="accent1"/>
+          </a:effectRef>
+          <a:fontRef idx="minor">
+            <a:schemeClr val="lt1"/>
+          </a:fontRef>
+        </p:style>
+        <p:txBody>
+          <a:bodyPr rtlCol="0" anchor="ctr"/>
+          <a:lstStyle/>
+          <a:p>
+            <a:pPr algn="ctr"/>
+            <a:endParaRPr lang="en-US"/>
+          </a:p>
+        </p:txBody>
+      </p:sp>
+      <p:sp>
+        <p:nvSpPr>
+          <p:cNvPr id="121" name="TextBox 120">
+            <a:extLst>
+              <a:ext uri="{FF2B5EF4-FFF2-40B4-BE49-F238E27FC236}">
+                <a16:creationId xmlns:a16="http://schemas.microsoft.com/office/drawing/2014/main" id="{57E8042F-8661-E244-868D-9ED970B8CE6F}"/>
+              </a:ext>
+            </a:extLst>
+          </p:cNvPr>
+          <p:cNvSpPr txBox="1"/>
+          <p:nvPr/>
+        </p:nvSpPr>
+        <p:spPr>
+          <a:xfrm>
+            <a:off x="6175064" y="1377214"/>
+            <a:ext cx="1081835" cy="307777"/>
+          </a:xfrm>
+          <a:prstGeom prst="rect">
+            <a:avLst/>
+          </a:prstGeom>
+          <a:noFill/>
+        </p:spPr>
+        <p:txBody>
+          <a:bodyPr wrap="none" rtlCol="0">
+            <a:spAutoFit/>
+          </a:bodyPr>
+          <a:lstStyle/>
+          <a:p>
+            <a:r>
+              <a:rPr lang="ja-JP" altLang="en-US" sz="1400" b="1">
+                <a:solidFill>
+                  <a:schemeClr val="bg1"/>
+                </a:solidFill>
+              </a:rPr>
+              <a:t>送信元</a:t>
+            </a:r>
+            <a:r>
+              <a:rPr lang="en-US" altLang="ja-JP" sz="1400" b="1" dirty="0">
+                <a:solidFill>
+                  <a:schemeClr val="bg1"/>
+                </a:solidFill>
+              </a:rPr>
+              <a:t>MAC</a:t>
+            </a:r>
+            <a:endParaRPr lang="en-US" sz="1400" b="1" dirty="0">
+              <a:solidFill>
+                <a:schemeClr val="bg1"/>
+              </a:solidFill>
+            </a:endParaRPr>
+          </a:p>
+        </p:txBody>
+      </p:sp>
+      <p:sp>
+        <p:nvSpPr>
+          <p:cNvPr id="122" name="TextBox 121">
+            <a:extLst>
+              <a:ext uri="{FF2B5EF4-FFF2-40B4-BE49-F238E27FC236}">
+                <a16:creationId xmlns:a16="http://schemas.microsoft.com/office/drawing/2014/main" id="{12510F66-3F15-4D4E-BA88-D94DD78AA6E0}"/>
+              </a:ext>
+            </a:extLst>
+          </p:cNvPr>
+          <p:cNvSpPr txBox="1"/>
+          <p:nvPr/>
+        </p:nvSpPr>
+        <p:spPr>
+          <a:xfrm>
+            <a:off x="6223137" y="1632973"/>
+            <a:ext cx="963725" cy="338554"/>
+          </a:xfrm>
+          <a:prstGeom prst="rect">
+            <a:avLst/>
+          </a:prstGeom>
+          <a:noFill/>
+        </p:spPr>
+        <p:txBody>
+          <a:bodyPr wrap="none" rtlCol="0">
+            <a:spAutoFit/>
+          </a:bodyPr>
+          <a:lstStyle/>
+          <a:p>
+            <a:r>
+              <a:rPr lang="en-US" sz="1600" b="1" dirty="0">
+                <a:solidFill>
+                  <a:schemeClr val="bg1"/>
+                </a:solidFill>
+                <a:latin typeface="Yu Gothic" panose="020B0400000000000000" pitchFamily="34" charset="-128"/>
+                <a:ea typeface="Yu Gothic" panose="020B0400000000000000" pitchFamily="34" charset="-128"/>
+              </a:rPr>
+              <a:t>R1:g0/2</a:t>
+            </a:r>
+          </a:p>
+        </p:txBody>
+      </p:sp>
+      <p:sp>
+        <p:nvSpPr>
+          <p:cNvPr id="123" name="Rectangle 122">
+            <a:extLst>
+              <a:ext uri="{FF2B5EF4-FFF2-40B4-BE49-F238E27FC236}">
+                <a16:creationId xmlns:a16="http://schemas.microsoft.com/office/drawing/2014/main" id="{0E3CB182-D10A-C344-89E2-66F4A736A7CD}"/>
+              </a:ext>
+            </a:extLst>
+          </p:cNvPr>
+          <p:cNvSpPr/>
+          <p:nvPr/>
+        </p:nvSpPr>
+        <p:spPr>
+          <a:xfrm>
+            <a:off x="5554891" y="1364321"/>
+            <a:ext cx="684088" cy="617368"/>
+          </a:xfrm>
+          <a:prstGeom prst="rect">
+            <a:avLst/>
+          </a:prstGeom>
+          <a:solidFill>
+            <a:schemeClr val="accent1"/>
+          </a:solidFill>
+          <a:ln w="38100">
+            <a:solidFill>
+              <a:schemeClr val="bg1"/>
+            </a:solidFill>
+          </a:ln>
+        </p:spPr>
+        <p:style>
+          <a:lnRef idx="2">
+            <a:schemeClr val="accent1">
+              <a:shade val="50000"/>
+            </a:schemeClr>
+          </a:lnRef>
+          <a:fillRef idx="1">
+            <a:schemeClr val="accent1"/>
+          </a:fillRef>
+          <a:effectRef idx="0">
+            <a:schemeClr val="accent1"/>
+          </a:effectRef>
+          <a:fontRef idx="minor">
+            <a:schemeClr val="lt1"/>
+          </a:fontRef>
+        </p:style>
+        <p:txBody>
+          <a:bodyPr rtlCol="0" anchor="ctr"/>
+          <a:lstStyle/>
+          <a:p>
+            <a:pPr algn="ctr"/>
+            <a:endParaRPr lang="en-US"/>
+          </a:p>
+        </p:txBody>
+      </p:sp>
+      <p:sp>
+        <p:nvSpPr>
+          <p:cNvPr id="124" name="TextBox 123">
+            <a:extLst>
+              <a:ext uri="{FF2B5EF4-FFF2-40B4-BE49-F238E27FC236}">
+                <a16:creationId xmlns:a16="http://schemas.microsoft.com/office/drawing/2014/main" id="{B6BA562C-5298-6F44-BE8D-2BEE04192E09}"/>
+              </a:ext>
+            </a:extLst>
+          </p:cNvPr>
+          <p:cNvSpPr txBox="1"/>
+          <p:nvPr/>
+        </p:nvSpPr>
+        <p:spPr>
+          <a:xfrm>
+            <a:off x="5580358" y="1368032"/>
+            <a:ext cx="688009" cy="307777"/>
+          </a:xfrm>
+          <a:prstGeom prst="rect">
+            <a:avLst/>
+          </a:prstGeom>
+          <a:noFill/>
+        </p:spPr>
+        <p:txBody>
+          <a:bodyPr wrap="none" rtlCol="0">
+            <a:spAutoFit/>
+          </a:bodyPr>
+          <a:lstStyle/>
+          <a:p>
+            <a:r>
+              <a:rPr lang="ja-JP" altLang="en-US" sz="1400" b="1">
+                <a:solidFill>
+                  <a:schemeClr val="bg1"/>
+                </a:solidFill>
+              </a:rPr>
+              <a:t>宛先</a:t>
+            </a:r>
+            <a:r>
+              <a:rPr lang="en-US" altLang="ja-JP" sz="1400" b="1" dirty="0">
+                <a:solidFill>
+                  <a:schemeClr val="bg1"/>
+                </a:solidFill>
+              </a:rPr>
+              <a:t>IP</a:t>
+            </a:r>
+            <a:endParaRPr lang="en-US" sz="1400" b="1" dirty="0">
+              <a:solidFill>
+                <a:schemeClr val="bg1"/>
+              </a:solidFill>
+            </a:endParaRPr>
+          </a:p>
+        </p:txBody>
+      </p:sp>
+      <p:sp>
+        <p:nvSpPr>
+          <p:cNvPr id="125" name="TextBox 124">
+            <a:extLst>
+              <a:ext uri="{FF2B5EF4-FFF2-40B4-BE49-F238E27FC236}">
+                <a16:creationId xmlns:a16="http://schemas.microsoft.com/office/drawing/2014/main" id="{D899ED2E-FB7A-5444-AFAE-AF07680E4485}"/>
+              </a:ext>
+            </a:extLst>
+          </p:cNvPr>
+          <p:cNvSpPr txBox="1"/>
+          <p:nvPr/>
+        </p:nvSpPr>
+        <p:spPr>
+          <a:xfrm>
+            <a:off x="5620354" y="1623442"/>
+            <a:ext cx="591829" cy="338554"/>
+          </a:xfrm>
+          <a:prstGeom prst="rect">
+            <a:avLst/>
+          </a:prstGeom>
+          <a:noFill/>
+        </p:spPr>
+        <p:txBody>
+          <a:bodyPr wrap="none" rtlCol="0">
+            <a:spAutoFit/>
+          </a:bodyPr>
+          <a:lstStyle/>
+          <a:p>
+            <a:r>
+              <a:rPr lang="en-US" sz="1600" b="1" dirty="0">
+                <a:solidFill>
+                  <a:schemeClr val="bg1"/>
+                </a:solidFill>
+                <a:latin typeface="Yu Gothic" panose="020B0400000000000000" pitchFamily="34" charset="-128"/>
+                <a:ea typeface="Yu Gothic" panose="020B0400000000000000" pitchFamily="34" charset="-128"/>
+              </a:rPr>
+              <a:t>PC3</a:t>
+            </a:r>
+          </a:p>
+        </p:txBody>
+      </p:sp>
+      <p:sp>
+        <p:nvSpPr>
+          <p:cNvPr id="126" name="Rectangle 125">
+            <a:extLst>
+              <a:ext uri="{FF2B5EF4-FFF2-40B4-BE49-F238E27FC236}">
+                <a16:creationId xmlns:a16="http://schemas.microsoft.com/office/drawing/2014/main" id="{D8E11DA3-898C-0A4A-AA63-B08E5334FA4E}"/>
+              </a:ext>
+            </a:extLst>
+          </p:cNvPr>
+          <p:cNvSpPr/>
+          <p:nvPr/>
+        </p:nvSpPr>
+        <p:spPr>
+          <a:xfrm>
+            <a:off x="4752956" y="1364321"/>
+            <a:ext cx="799856" cy="617368"/>
+          </a:xfrm>
+          <a:prstGeom prst="rect">
+            <a:avLst/>
+          </a:prstGeom>
+          <a:solidFill>
+            <a:schemeClr val="accent1"/>
+          </a:solidFill>
+          <a:ln w="38100">
+            <a:solidFill>
+              <a:schemeClr val="bg1"/>
+            </a:solidFill>
+          </a:ln>
+        </p:spPr>
+        <p:style>
+          <a:lnRef idx="2">
+            <a:schemeClr val="accent1">
+              <a:shade val="50000"/>
+            </a:schemeClr>
+          </a:lnRef>
+          <a:fillRef idx="1">
+            <a:schemeClr val="accent1"/>
+          </a:fillRef>
+          <a:effectRef idx="0">
+            <a:schemeClr val="accent1"/>
+          </a:effectRef>
+          <a:fontRef idx="minor">
+            <a:schemeClr val="lt1"/>
+          </a:fontRef>
+        </p:style>
+        <p:txBody>
+          <a:bodyPr rtlCol="0" anchor="ctr"/>
+          <a:lstStyle/>
+          <a:p>
+            <a:pPr algn="ctr"/>
+            <a:endParaRPr lang="en-US"/>
+          </a:p>
+        </p:txBody>
+      </p:sp>
+      <p:sp>
+        <p:nvSpPr>
+          <p:cNvPr id="127" name="TextBox 126">
+            <a:extLst>
+              <a:ext uri="{FF2B5EF4-FFF2-40B4-BE49-F238E27FC236}">
+                <a16:creationId xmlns:a16="http://schemas.microsoft.com/office/drawing/2014/main" id="{869F3D6A-2095-CC48-B7C2-1DD5A2309127}"/>
+              </a:ext>
+            </a:extLst>
+          </p:cNvPr>
+          <p:cNvSpPr txBox="1"/>
+          <p:nvPr/>
+        </p:nvSpPr>
+        <p:spPr>
+          <a:xfrm>
+            <a:off x="4720360" y="1378227"/>
+            <a:ext cx="867545" cy="307777"/>
+          </a:xfrm>
+          <a:prstGeom prst="rect">
+            <a:avLst/>
+          </a:prstGeom>
+          <a:noFill/>
+        </p:spPr>
+        <p:txBody>
+          <a:bodyPr wrap="none" rtlCol="0">
+            <a:spAutoFit/>
+          </a:bodyPr>
+          <a:lstStyle/>
+          <a:p>
+            <a:r>
+              <a:rPr lang="ja-JP" altLang="en-US" sz="1400" b="1">
+                <a:solidFill>
+                  <a:schemeClr val="bg1"/>
+                </a:solidFill>
+              </a:rPr>
+              <a:t>送信元</a:t>
+            </a:r>
+            <a:r>
+              <a:rPr lang="en-US" altLang="ja-JP" sz="1400" b="1" dirty="0">
+                <a:solidFill>
+                  <a:schemeClr val="bg1"/>
+                </a:solidFill>
+              </a:rPr>
+              <a:t>IP</a:t>
+            </a:r>
+            <a:endParaRPr lang="en-US" sz="1400" b="1" dirty="0">
+              <a:solidFill>
+                <a:schemeClr val="bg1"/>
+              </a:solidFill>
+            </a:endParaRPr>
+          </a:p>
+        </p:txBody>
+      </p:sp>
+      <p:sp>
+        <p:nvSpPr>
+          <p:cNvPr id="128" name="TextBox 127">
+            <a:extLst>
+              <a:ext uri="{FF2B5EF4-FFF2-40B4-BE49-F238E27FC236}">
+                <a16:creationId xmlns:a16="http://schemas.microsoft.com/office/drawing/2014/main" id="{E932C5FF-1AB2-6249-A61A-C4D93C9C7230}"/>
+              </a:ext>
+            </a:extLst>
+          </p:cNvPr>
+          <p:cNvSpPr txBox="1"/>
+          <p:nvPr/>
+        </p:nvSpPr>
+        <p:spPr>
+          <a:xfrm>
+            <a:off x="4886061" y="1623442"/>
+            <a:ext cx="591829" cy="338554"/>
+          </a:xfrm>
+          <a:prstGeom prst="rect">
+            <a:avLst/>
+          </a:prstGeom>
+          <a:noFill/>
+        </p:spPr>
+        <p:txBody>
+          <a:bodyPr wrap="none" rtlCol="0">
+            <a:spAutoFit/>
+          </a:bodyPr>
+          <a:lstStyle/>
+          <a:p>
+            <a:r>
+              <a:rPr lang="en-US" sz="1600" b="1" dirty="0">
+                <a:solidFill>
+                  <a:schemeClr val="bg1"/>
+                </a:solidFill>
+                <a:latin typeface="Yu Gothic" panose="020B0400000000000000" pitchFamily="34" charset="-128"/>
+                <a:ea typeface="Yu Gothic" panose="020B0400000000000000" pitchFamily="34" charset="-128"/>
+              </a:rPr>
+              <a:t>PC1</a:t>
+            </a:r>
+          </a:p>
+        </p:txBody>
+      </p:sp>
+      <p:sp>
+        <p:nvSpPr>
+          <p:cNvPr id="130" name="Rectangle 129">
+            <a:extLst>
+              <a:ext uri="{FF2B5EF4-FFF2-40B4-BE49-F238E27FC236}">
+                <a16:creationId xmlns:a16="http://schemas.microsoft.com/office/drawing/2014/main" id="{4B1F2DDC-5DDE-8A44-985D-816CE054A28C}"/>
+              </a:ext>
+            </a:extLst>
+          </p:cNvPr>
+          <p:cNvSpPr/>
+          <p:nvPr/>
+        </p:nvSpPr>
+        <p:spPr>
+          <a:xfrm>
+            <a:off x="10988714" y="423239"/>
+            <a:ext cx="921991" cy="617368"/>
+          </a:xfrm>
+          <a:prstGeom prst="rect">
+            <a:avLst/>
+          </a:prstGeom>
+          <a:solidFill>
+            <a:schemeClr val="accent2"/>
+          </a:solidFill>
+          <a:ln w="38100">
+            <a:solidFill>
+              <a:schemeClr val="bg1"/>
+            </a:solidFill>
+          </a:ln>
+        </p:spPr>
+        <p:style>
+          <a:lnRef idx="2">
+            <a:schemeClr val="accent1">
+              <a:shade val="50000"/>
+            </a:schemeClr>
+          </a:lnRef>
+          <a:fillRef idx="1">
+            <a:schemeClr val="accent1"/>
+          </a:fillRef>
+          <a:effectRef idx="0">
+            <a:schemeClr val="accent1"/>
+          </a:effectRef>
+          <a:fontRef idx="minor">
+            <a:schemeClr val="lt1"/>
+          </a:fontRef>
+        </p:style>
+        <p:txBody>
+          <a:bodyPr rtlCol="0" anchor="ctr"/>
+          <a:lstStyle/>
+          <a:p>
+            <a:pPr algn="ctr"/>
+            <a:endParaRPr lang="en-US"/>
+          </a:p>
+        </p:txBody>
+      </p:sp>
+      <p:sp>
+        <p:nvSpPr>
+          <p:cNvPr id="131" name="TextBox 130">
+            <a:extLst>
+              <a:ext uri="{FF2B5EF4-FFF2-40B4-BE49-F238E27FC236}">
+                <a16:creationId xmlns:a16="http://schemas.microsoft.com/office/drawing/2014/main" id="{04217AA3-BED2-4D43-A7EC-9456535DF5A7}"/>
+              </a:ext>
+            </a:extLst>
+          </p:cNvPr>
+          <p:cNvSpPr txBox="1"/>
+          <p:nvPr/>
+        </p:nvSpPr>
+        <p:spPr>
+          <a:xfrm>
+            <a:off x="11021079" y="426950"/>
+            <a:ext cx="902298" cy="307777"/>
+          </a:xfrm>
+          <a:prstGeom prst="rect">
+            <a:avLst/>
+          </a:prstGeom>
+          <a:noFill/>
+        </p:spPr>
+        <p:txBody>
+          <a:bodyPr wrap="none" rtlCol="0">
+            <a:spAutoFit/>
+          </a:bodyPr>
+          <a:lstStyle/>
+          <a:p>
+            <a:r>
+              <a:rPr lang="ja-JP" altLang="en-US" sz="1400" b="1">
+                <a:solidFill>
+                  <a:schemeClr val="bg1"/>
+                </a:solidFill>
+              </a:rPr>
+              <a:t>宛先</a:t>
+            </a:r>
+            <a:r>
+              <a:rPr lang="en-US" altLang="ja-JP" sz="1400" b="1" dirty="0">
+                <a:solidFill>
+                  <a:schemeClr val="bg1"/>
+                </a:solidFill>
+              </a:rPr>
+              <a:t>MAC</a:t>
+            </a:r>
+            <a:endParaRPr lang="en-US" sz="1400" b="1" dirty="0">
+              <a:solidFill>
+                <a:schemeClr val="bg1"/>
+              </a:solidFill>
+            </a:endParaRPr>
+          </a:p>
+        </p:txBody>
+      </p:sp>
+      <p:sp>
+        <p:nvSpPr>
+          <p:cNvPr id="132" name="TextBox 131">
+            <a:extLst>
+              <a:ext uri="{FF2B5EF4-FFF2-40B4-BE49-F238E27FC236}">
+                <a16:creationId xmlns:a16="http://schemas.microsoft.com/office/drawing/2014/main" id="{5317DBBF-F5D2-DC4C-BEE5-FBEA51C187C7}"/>
+              </a:ext>
+            </a:extLst>
+          </p:cNvPr>
+          <p:cNvSpPr txBox="1"/>
+          <p:nvPr/>
+        </p:nvSpPr>
+        <p:spPr>
+          <a:xfrm>
+            <a:off x="11135070" y="673857"/>
+            <a:ext cx="591829" cy="338554"/>
+          </a:xfrm>
+          <a:prstGeom prst="rect">
+            <a:avLst/>
+          </a:prstGeom>
+          <a:noFill/>
+        </p:spPr>
+        <p:txBody>
+          <a:bodyPr wrap="none" rtlCol="0">
+            <a:spAutoFit/>
+          </a:bodyPr>
+          <a:lstStyle/>
+          <a:p>
+            <a:r>
+              <a:rPr lang="en-US" sz="1600" b="1" dirty="0">
+                <a:solidFill>
+                  <a:schemeClr val="bg1"/>
+                </a:solidFill>
+                <a:latin typeface="Yu Gothic" panose="020B0400000000000000" pitchFamily="34" charset="-128"/>
+                <a:ea typeface="Yu Gothic" panose="020B0400000000000000" pitchFamily="34" charset="-128"/>
+              </a:rPr>
+              <a:t>PC3</a:t>
+            </a:r>
+          </a:p>
+        </p:txBody>
+      </p:sp>
+      <p:sp>
+        <p:nvSpPr>
+          <p:cNvPr id="133" name="Rectangle 132">
+            <a:extLst>
+              <a:ext uri="{FF2B5EF4-FFF2-40B4-BE49-F238E27FC236}">
+                <a16:creationId xmlns:a16="http://schemas.microsoft.com/office/drawing/2014/main" id="{8D75B1A6-4A25-D54A-8A6C-5BF6202C63BE}"/>
+              </a:ext>
+            </a:extLst>
+          </p:cNvPr>
+          <p:cNvSpPr/>
+          <p:nvPr/>
+        </p:nvSpPr>
+        <p:spPr>
+          <a:xfrm>
+            <a:off x="10024891" y="420617"/>
+            <a:ext cx="977726" cy="617368"/>
+          </a:xfrm>
+          <a:prstGeom prst="rect">
+            <a:avLst/>
+          </a:prstGeom>
+          <a:solidFill>
+            <a:schemeClr val="accent2"/>
+          </a:solidFill>
+          <a:ln w="38100">
+            <a:solidFill>
+              <a:schemeClr val="bg1"/>
+            </a:solidFill>
+          </a:ln>
+        </p:spPr>
+        <p:style>
+          <a:lnRef idx="2">
+            <a:schemeClr val="accent1">
+              <a:shade val="50000"/>
+            </a:schemeClr>
+          </a:lnRef>
+          <a:fillRef idx="1">
+            <a:schemeClr val="accent1"/>
+          </a:fillRef>
+          <a:effectRef idx="0">
+            <a:schemeClr val="accent1"/>
+          </a:effectRef>
+          <a:fontRef idx="minor">
+            <a:schemeClr val="lt1"/>
+          </a:fontRef>
+        </p:style>
+        <p:txBody>
+          <a:bodyPr rtlCol="0" anchor="ctr"/>
+          <a:lstStyle/>
+          <a:p>
+            <a:pPr algn="ctr"/>
+            <a:endParaRPr lang="en-US"/>
+          </a:p>
+        </p:txBody>
+      </p:sp>
+      <p:sp>
+        <p:nvSpPr>
+          <p:cNvPr id="134" name="TextBox 133">
+            <a:extLst>
+              <a:ext uri="{FF2B5EF4-FFF2-40B4-BE49-F238E27FC236}">
+                <a16:creationId xmlns:a16="http://schemas.microsoft.com/office/drawing/2014/main" id="{FC1FA964-4C86-B649-9B5B-9EAD5A449EFF}"/>
+              </a:ext>
+            </a:extLst>
+          </p:cNvPr>
+          <p:cNvSpPr txBox="1"/>
+          <p:nvPr/>
+        </p:nvSpPr>
+        <p:spPr>
+          <a:xfrm>
+            <a:off x="9978239" y="424328"/>
+            <a:ext cx="1081835" cy="307777"/>
+          </a:xfrm>
+          <a:prstGeom prst="rect">
+            <a:avLst/>
+          </a:prstGeom>
+          <a:noFill/>
+        </p:spPr>
+        <p:txBody>
+          <a:bodyPr wrap="none" rtlCol="0">
+            <a:spAutoFit/>
+          </a:bodyPr>
+          <a:lstStyle/>
+          <a:p>
+            <a:r>
+              <a:rPr lang="ja-JP" altLang="en-US" sz="1400" b="1">
+                <a:solidFill>
+                  <a:schemeClr val="bg1"/>
+                </a:solidFill>
+              </a:rPr>
+              <a:t>送信元</a:t>
+            </a:r>
+            <a:r>
+              <a:rPr lang="en-US" altLang="ja-JP" sz="1400" b="1" dirty="0">
+                <a:solidFill>
+                  <a:schemeClr val="bg1"/>
+                </a:solidFill>
+              </a:rPr>
+              <a:t>MAC</a:t>
+            </a:r>
+            <a:endParaRPr lang="en-US" sz="1400" b="1" dirty="0">
+              <a:solidFill>
+                <a:schemeClr val="bg1"/>
+              </a:solidFill>
+            </a:endParaRPr>
+          </a:p>
+        </p:txBody>
+      </p:sp>
+      <p:sp>
+        <p:nvSpPr>
+          <p:cNvPr id="135" name="TextBox 134">
+            <a:extLst>
+              <a:ext uri="{FF2B5EF4-FFF2-40B4-BE49-F238E27FC236}">
+                <a16:creationId xmlns:a16="http://schemas.microsoft.com/office/drawing/2014/main" id="{BD5E9AA7-9AB9-9744-B210-5653DF00258B}"/>
+              </a:ext>
+            </a:extLst>
+          </p:cNvPr>
+          <p:cNvSpPr txBox="1"/>
+          <p:nvPr/>
+        </p:nvSpPr>
+        <p:spPr>
+          <a:xfrm>
+            <a:off x="10037216" y="670556"/>
+            <a:ext cx="963725" cy="338554"/>
+          </a:xfrm>
+          <a:prstGeom prst="rect">
+            <a:avLst/>
+          </a:prstGeom>
+          <a:noFill/>
+        </p:spPr>
+        <p:txBody>
+          <a:bodyPr wrap="none" rtlCol="0">
+            <a:spAutoFit/>
+          </a:bodyPr>
+          <a:lstStyle/>
+          <a:p>
+            <a:r>
+              <a:rPr lang="en-US" sz="1600" b="1" dirty="0">
+                <a:solidFill>
+                  <a:schemeClr val="bg1"/>
+                </a:solidFill>
+                <a:latin typeface="Yu Gothic" panose="020B0400000000000000" pitchFamily="34" charset="-128"/>
+                <a:ea typeface="Yu Gothic" panose="020B0400000000000000" pitchFamily="34" charset="-128"/>
+              </a:rPr>
+              <a:t>R2:g0/2</a:t>
+            </a:r>
+          </a:p>
+        </p:txBody>
+      </p:sp>
+      <p:sp>
+        <p:nvSpPr>
+          <p:cNvPr id="136" name="Rectangle 135">
+            <a:extLst>
+              <a:ext uri="{FF2B5EF4-FFF2-40B4-BE49-F238E27FC236}">
+                <a16:creationId xmlns:a16="http://schemas.microsoft.com/office/drawing/2014/main" id="{273CE4C9-02C7-DC47-8C99-C08B876EC51E}"/>
+              </a:ext>
+            </a:extLst>
+          </p:cNvPr>
+          <p:cNvSpPr/>
+          <p:nvPr/>
+        </p:nvSpPr>
+        <p:spPr>
+          <a:xfrm>
+            <a:off x="9358066" y="411435"/>
+            <a:ext cx="684088" cy="617368"/>
+          </a:xfrm>
+          <a:prstGeom prst="rect">
+            <a:avLst/>
+          </a:prstGeom>
+          <a:solidFill>
+            <a:schemeClr val="accent1"/>
+          </a:solidFill>
+          <a:ln w="38100">
+            <a:solidFill>
+              <a:schemeClr val="bg1"/>
+            </a:solidFill>
+          </a:ln>
+        </p:spPr>
+        <p:style>
+          <a:lnRef idx="2">
+            <a:schemeClr val="accent1">
+              <a:shade val="50000"/>
+            </a:schemeClr>
+          </a:lnRef>
+          <a:fillRef idx="1">
+            <a:schemeClr val="accent1"/>
+          </a:fillRef>
+          <a:effectRef idx="0">
+            <a:schemeClr val="accent1"/>
+          </a:effectRef>
+          <a:fontRef idx="minor">
+            <a:schemeClr val="lt1"/>
+          </a:fontRef>
+        </p:style>
+        <p:txBody>
+          <a:bodyPr rtlCol="0" anchor="ctr"/>
+          <a:lstStyle/>
+          <a:p>
+            <a:pPr algn="ctr"/>
+            <a:endParaRPr lang="en-US"/>
+          </a:p>
+        </p:txBody>
+      </p:sp>
+      <p:sp>
+        <p:nvSpPr>
+          <p:cNvPr id="137" name="TextBox 136">
+            <a:extLst>
+              <a:ext uri="{FF2B5EF4-FFF2-40B4-BE49-F238E27FC236}">
+                <a16:creationId xmlns:a16="http://schemas.microsoft.com/office/drawing/2014/main" id="{4BC0CB15-8786-1647-B8C5-BA45429F33B9}"/>
+              </a:ext>
+            </a:extLst>
+          </p:cNvPr>
+          <p:cNvSpPr txBox="1"/>
+          <p:nvPr/>
+        </p:nvSpPr>
+        <p:spPr>
+          <a:xfrm>
+            <a:off x="9383533" y="415146"/>
+            <a:ext cx="688009" cy="307777"/>
+          </a:xfrm>
+          <a:prstGeom prst="rect">
+            <a:avLst/>
+          </a:prstGeom>
+          <a:noFill/>
+        </p:spPr>
+        <p:txBody>
+          <a:bodyPr wrap="none" rtlCol="0">
+            <a:spAutoFit/>
+          </a:bodyPr>
+          <a:lstStyle/>
+          <a:p>
+            <a:r>
+              <a:rPr lang="ja-JP" altLang="en-US" sz="1400" b="1">
+                <a:solidFill>
+                  <a:schemeClr val="bg1"/>
+                </a:solidFill>
+              </a:rPr>
+              <a:t>宛先</a:t>
+            </a:r>
+            <a:r>
+              <a:rPr lang="en-US" altLang="ja-JP" sz="1400" b="1" dirty="0">
+                <a:solidFill>
+                  <a:schemeClr val="bg1"/>
+                </a:solidFill>
+              </a:rPr>
+              <a:t>IP</a:t>
+            </a:r>
+            <a:endParaRPr lang="en-US" sz="1400" b="1" dirty="0">
+              <a:solidFill>
+                <a:schemeClr val="bg1"/>
+              </a:solidFill>
+            </a:endParaRPr>
+          </a:p>
+        </p:txBody>
+      </p:sp>
+      <p:sp>
+        <p:nvSpPr>
+          <p:cNvPr id="138" name="TextBox 137">
+            <a:extLst>
+              <a:ext uri="{FF2B5EF4-FFF2-40B4-BE49-F238E27FC236}">
+                <a16:creationId xmlns:a16="http://schemas.microsoft.com/office/drawing/2014/main" id="{BF2C9CFB-9CE3-2E4A-954A-225B26B156A1}"/>
+              </a:ext>
+            </a:extLst>
+          </p:cNvPr>
+          <p:cNvSpPr txBox="1"/>
+          <p:nvPr/>
+        </p:nvSpPr>
+        <p:spPr>
+          <a:xfrm>
+            <a:off x="9423529" y="670556"/>
+            <a:ext cx="591829" cy="338554"/>
+          </a:xfrm>
+          <a:prstGeom prst="rect">
+            <a:avLst/>
+          </a:prstGeom>
+          <a:noFill/>
+        </p:spPr>
+        <p:txBody>
+          <a:bodyPr wrap="none" rtlCol="0">
+            <a:spAutoFit/>
+          </a:bodyPr>
+          <a:lstStyle/>
+          <a:p>
+            <a:r>
+              <a:rPr lang="en-US" sz="1600" b="1" dirty="0">
+                <a:solidFill>
+                  <a:schemeClr val="bg1"/>
+                </a:solidFill>
+                <a:latin typeface="Yu Gothic" panose="020B0400000000000000" pitchFamily="34" charset="-128"/>
+                <a:ea typeface="Yu Gothic" panose="020B0400000000000000" pitchFamily="34" charset="-128"/>
+              </a:rPr>
+              <a:t>PC3</a:t>
+            </a:r>
+          </a:p>
+        </p:txBody>
+      </p:sp>
+      <p:sp>
+        <p:nvSpPr>
+          <p:cNvPr id="139" name="Rectangle 138">
+            <a:extLst>
+              <a:ext uri="{FF2B5EF4-FFF2-40B4-BE49-F238E27FC236}">
+                <a16:creationId xmlns:a16="http://schemas.microsoft.com/office/drawing/2014/main" id="{1CDED61B-1DC0-A243-A351-BBF7BFC2556F}"/>
+              </a:ext>
+            </a:extLst>
+          </p:cNvPr>
+          <p:cNvSpPr/>
+          <p:nvPr/>
+        </p:nvSpPr>
+        <p:spPr>
+          <a:xfrm>
+            <a:off x="8556131" y="411435"/>
+            <a:ext cx="799856" cy="617368"/>
+          </a:xfrm>
+          <a:prstGeom prst="rect">
+            <a:avLst/>
+          </a:prstGeom>
+          <a:solidFill>
+            <a:schemeClr val="accent1"/>
+          </a:solidFill>
+          <a:ln w="38100">
+            <a:solidFill>
+              <a:schemeClr val="bg1"/>
+            </a:solidFill>
+          </a:ln>
+        </p:spPr>
+        <p:style>
+          <a:lnRef idx="2">
+            <a:schemeClr val="accent1">
+              <a:shade val="50000"/>
+            </a:schemeClr>
+          </a:lnRef>
+          <a:fillRef idx="1">
+            <a:schemeClr val="accent1"/>
+          </a:fillRef>
+          <a:effectRef idx="0">
+            <a:schemeClr val="accent1"/>
+          </a:effectRef>
+          <a:fontRef idx="minor">
+            <a:schemeClr val="lt1"/>
+          </a:fontRef>
+        </p:style>
+        <p:txBody>
+          <a:bodyPr rtlCol="0" anchor="ctr"/>
+          <a:lstStyle/>
+          <a:p>
+            <a:pPr algn="ctr"/>
+            <a:endParaRPr lang="en-US"/>
+          </a:p>
+        </p:txBody>
+      </p:sp>
+      <p:sp>
+        <p:nvSpPr>
+          <p:cNvPr id="140" name="TextBox 139">
+            <a:extLst>
+              <a:ext uri="{FF2B5EF4-FFF2-40B4-BE49-F238E27FC236}">
+                <a16:creationId xmlns:a16="http://schemas.microsoft.com/office/drawing/2014/main" id="{CA546084-6D5B-B248-A856-C1717AA25D27}"/>
+              </a:ext>
+            </a:extLst>
+          </p:cNvPr>
+          <p:cNvSpPr txBox="1"/>
+          <p:nvPr/>
+        </p:nvSpPr>
+        <p:spPr>
+          <a:xfrm>
+            <a:off x="8523535" y="425341"/>
+            <a:ext cx="867545" cy="307777"/>
+          </a:xfrm>
+          <a:prstGeom prst="rect">
+            <a:avLst/>
+          </a:prstGeom>
+          <a:noFill/>
+        </p:spPr>
+        <p:txBody>
+          <a:bodyPr wrap="none" rtlCol="0">
+            <a:spAutoFit/>
+          </a:bodyPr>
+          <a:lstStyle/>
+          <a:p>
+            <a:r>
+              <a:rPr lang="ja-JP" altLang="en-US" sz="1400" b="1">
+                <a:solidFill>
+                  <a:schemeClr val="bg1"/>
+                </a:solidFill>
+              </a:rPr>
+              <a:t>送信元</a:t>
+            </a:r>
+            <a:r>
+              <a:rPr lang="en-US" altLang="ja-JP" sz="1400" b="1" dirty="0">
+                <a:solidFill>
+                  <a:schemeClr val="bg1"/>
+                </a:solidFill>
+              </a:rPr>
+              <a:t>IP</a:t>
+            </a:r>
+            <a:endParaRPr lang="en-US" sz="1400" b="1" dirty="0">
+              <a:solidFill>
+                <a:schemeClr val="bg1"/>
+              </a:solidFill>
+            </a:endParaRPr>
+          </a:p>
+        </p:txBody>
+      </p:sp>
+      <p:sp>
+        <p:nvSpPr>
+          <p:cNvPr id="141" name="TextBox 140">
+            <a:extLst>
+              <a:ext uri="{FF2B5EF4-FFF2-40B4-BE49-F238E27FC236}">
+                <a16:creationId xmlns:a16="http://schemas.microsoft.com/office/drawing/2014/main" id="{3C6B5F45-0F74-834C-A539-BEDD184A6F43}"/>
+              </a:ext>
+            </a:extLst>
+          </p:cNvPr>
+          <p:cNvSpPr txBox="1"/>
+          <p:nvPr/>
+        </p:nvSpPr>
+        <p:spPr>
+          <a:xfrm>
+            <a:off x="8689236" y="670556"/>
+            <a:ext cx="591829" cy="338554"/>
+          </a:xfrm>
+          <a:prstGeom prst="rect">
+            <a:avLst/>
+          </a:prstGeom>
+          <a:noFill/>
+        </p:spPr>
+        <p:txBody>
+          <a:bodyPr wrap="none" rtlCol="0">
+            <a:spAutoFit/>
+          </a:bodyPr>
+          <a:lstStyle/>
+          <a:p>
+            <a:r>
+              <a:rPr lang="en-US" sz="1600" b="1" dirty="0">
+                <a:solidFill>
+                  <a:schemeClr val="bg1"/>
+                </a:solidFill>
+                <a:latin typeface="Yu Gothic" panose="020B0400000000000000" pitchFamily="34" charset="-128"/>
+                <a:ea typeface="Yu Gothic" panose="020B0400000000000000" pitchFamily="34" charset="-128"/>
+              </a:rPr>
+              <a:t>PC1</a:t>
+            </a:r>
+          </a:p>
+        </p:txBody>
+      </p:sp>
+      <p:sp>
+        <p:nvSpPr>
+          <p:cNvPr id="91" name="Rectangle 90">
+            <a:extLst>
+              <a:ext uri="{FF2B5EF4-FFF2-40B4-BE49-F238E27FC236}">
+                <a16:creationId xmlns:a16="http://schemas.microsoft.com/office/drawing/2014/main" id="{6E432396-39BB-7349-8840-4B18B737DEB3}"/>
+              </a:ext>
+            </a:extLst>
+          </p:cNvPr>
+          <p:cNvSpPr/>
+          <p:nvPr/>
+        </p:nvSpPr>
+        <p:spPr>
+          <a:xfrm>
+            <a:off x="1828756" y="2325927"/>
+            <a:ext cx="1181758" cy="546998"/>
+          </a:xfrm>
+          <a:prstGeom prst="rect">
+            <a:avLst/>
+          </a:prstGeom>
+          <a:solidFill>
+            <a:schemeClr val="tx1"/>
+          </a:solidFill>
+          <a:ln w="38100">
+            <a:solidFill>
+              <a:schemeClr val="bg1"/>
+            </a:solidFill>
+          </a:ln>
+        </p:spPr>
+        <p:style>
+          <a:lnRef idx="2">
+            <a:schemeClr val="accent1">
+              <a:shade val="50000"/>
+            </a:schemeClr>
+          </a:lnRef>
+          <a:fillRef idx="1">
+            <a:schemeClr val="accent1"/>
+          </a:fillRef>
+          <a:effectRef idx="0">
+            <a:schemeClr val="accent1"/>
+          </a:effectRef>
+          <a:fontRef idx="minor">
+            <a:schemeClr val="lt1"/>
+          </a:fontRef>
+        </p:style>
+        <p:txBody>
+          <a:bodyPr rtlCol="0" anchor="ctr"/>
+          <a:lstStyle/>
+          <a:p>
+            <a:pPr algn="ctr"/>
+            <a:endParaRPr lang="en-US"/>
+          </a:p>
+        </p:txBody>
+      </p:sp>
+      <p:sp>
+        <p:nvSpPr>
+          <p:cNvPr id="92" name="TextBox 91">
+            <a:extLst>
+              <a:ext uri="{FF2B5EF4-FFF2-40B4-BE49-F238E27FC236}">
+                <a16:creationId xmlns:a16="http://schemas.microsoft.com/office/drawing/2014/main" id="{7FB13042-F5F9-0947-BC93-8DBDF7EC9C7F}"/>
+              </a:ext>
+            </a:extLst>
+          </p:cNvPr>
+          <p:cNvSpPr txBox="1"/>
+          <p:nvPr/>
+        </p:nvSpPr>
+        <p:spPr>
+          <a:xfrm>
+            <a:off x="2041978" y="2358054"/>
+            <a:ext cx="790601" cy="307777"/>
+          </a:xfrm>
+          <a:prstGeom prst="rect">
+            <a:avLst/>
+          </a:prstGeom>
+          <a:noFill/>
+        </p:spPr>
+        <p:txBody>
+          <a:bodyPr wrap="none" rtlCol="0">
+            <a:spAutoFit/>
+          </a:bodyPr>
+          <a:lstStyle/>
+          <a:p>
+            <a:r>
+              <a:rPr lang="en-US" sz="1400" b="1" dirty="0">
+                <a:solidFill>
+                  <a:schemeClr val="bg1"/>
+                </a:solidFill>
+                <a:latin typeface="Yu Gothic" panose="020B0400000000000000" pitchFamily="34" charset="-128"/>
+                <a:ea typeface="Yu Gothic" panose="020B0400000000000000" pitchFamily="34" charset="-128"/>
+              </a:rPr>
+              <a:t>Packet</a:t>
+            </a:r>
+          </a:p>
+        </p:txBody>
+      </p:sp>
+      <p:sp>
+        <p:nvSpPr>
+          <p:cNvPr id="93" name="TextBox 92">
+            <a:extLst>
+              <a:ext uri="{FF2B5EF4-FFF2-40B4-BE49-F238E27FC236}">
+                <a16:creationId xmlns:a16="http://schemas.microsoft.com/office/drawing/2014/main" id="{0EEF105D-821D-1E4C-AD8B-CDA859735968}"/>
+              </a:ext>
+            </a:extLst>
+          </p:cNvPr>
+          <p:cNvSpPr txBox="1"/>
+          <p:nvPr/>
+        </p:nvSpPr>
+        <p:spPr>
+          <a:xfrm>
+            <a:off x="1801528" y="2560200"/>
+            <a:ext cx="1208985" cy="307777"/>
+          </a:xfrm>
+          <a:prstGeom prst="rect">
+            <a:avLst/>
+          </a:prstGeom>
+          <a:noFill/>
+        </p:spPr>
+        <p:txBody>
+          <a:bodyPr wrap="none" rtlCol="0">
+            <a:spAutoFit/>
+          </a:bodyPr>
+          <a:lstStyle/>
+          <a:p>
+            <a:r>
+              <a:rPr lang="en-US" sz="1400" b="1" dirty="0">
+                <a:solidFill>
+                  <a:schemeClr val="bg1"/>
+                </a:solidFill>
+                <a:latin typeface="Yu Gothic" panose="020B0400000000000000" pitchFamily="34" charset="-128"/>
+                <a:ea typeface="Yu Gothic" panose="020B0400000000000000" pitchFamily="34" charset="-128"/>
+              </a:rPr>
+              <a:t>PC1 -&gt; PC3</a:t>
+            </a:r>
+          </a:p>
+        </p:txBody>
+      </p:sp>
+      <p:sp>
+        <p:nvSpPr>
+          <p:cNvPr id="94" name="Down Arrow 93">
+            <a:extLst>
+              <a:ext uri="{FF2B5EF4-FFF2-40B4-BE49-F238E27FC236}">
+                <a16:creationId xmlns:a16="http://schemas.microsoft.com/office/drawing/2014/main" id="{803CF170-F037-534D-A680-FE2E0E0BF07C}"/>
+              </a:ext>
+            </a:extLst>
+          </p:cNvPr>
+          <p:cNvSpPr/>
+          <p:nvPr/>
+        </p:nvSpPr>
+        <p:spPr>
+          <a:xfrm rot="16200000">
+            <a:off x="6320185" y="2191780"/>
+            <a:ext cx="382741" cy="879817"/>
+          </a:xfrm>
+          <a:prstGeom prst="downArrow">
+            <a:avLst/>
+          </a:prstGeom>
+          <a:solidFill>
+            <a:schemeClr val="tx1"/>
+          </a:solidFill>
+          <a:ln>
+            <a:noFill/>
+          </a:ln>
+        </p:spPr>
+        <p:style>
+          <a:lnRef idx="2">
+            <a:schemeClr val="accent1">
+              <a:shade val="50000"/>
+            </a:schemeClr>
+          </a:lnRef>
+          <a:fillRef idx="1">
+            <a:schemeClr val="accent1"/>
+          </a:fillRef>
+          <a:effectRef idx="0">
+            <a:schemeClr val="accent1"/>
+          </a:effectRef>
+          <a:fontRef idx="minor">
+            <a:schemeClr val="lt1"/>
+          </a:fontRef>
+        </p:style>
+        <p:txBody>
+          <a:bodyPr rtlCol="0" anchor="ctr"/>
+          <a:lstStyle/>
+          <a:p>
+            <a:pPr algn="ctr"/>
+            <a:endParaRPr lang="en-US"/>
+          </a:p>
+        </p:txBody>
+      </p:sp>
+      <p:sp>
+        <p:nvSpPr>
+          <p:cNvPr id="95" name="Rectangle 94">
+            <a:extLst>
+              <a:ext uri="{FF2B5EF4-FFF2-40B4-BE49-F238E27FC236}">
+                <a16:creationId xmlns:a16="http://schemas.microsoft.com/office/drawing/2014/main" id="{C07266A6-889E-1C4F-BA5F-3F1D0BA41A2E}"/>
+              </a:ext>
+            </a:extLst>
+          </p:cNvPr>
+          <p:cNvSpPr/>
+          <p:nvPr/>
+        </p:nvSpPr>
+        <p:spPr>
+          <a:xfrm>
+            <a:off x="5421955" y="2381670"/>
+            <a:ext cx="1181758" cy="546998"/>
+          </a:xfrm>
+          <a:prstGeom prst="rect">
+            <a:avLst/>
+          </a:prstGeom>
+          <a:solidFill>
+            <a:schemeClr val="tx1"/>
+          </a:solidFill>
+          <a:ln w="38100">
+            <a:solidFill>
+              <a:schemeClr val="bg1"/>
+            </a:solidFill>
+          </a:ln>
+        </p:spPr>
+        <p:style>
+          <a:lnRef idx="2">
+            <a:schemeClr val="accent1">
+              <a:shade val="50000"/>
+            </a:schemeClr>
+          </a:lnRef>
+          <a:fillRef idx="1">
+            <a:schemeClr val="accent1"/>
+          </a:fillRef>
+          <a:effectRef idx="0">
+            <a:schemeClr val="accent1"/>
+          </a:effectRef>
+          <a:fontRef idx="minor">
+            <a:schemeClr val="lt1"/>
+          </a:fontRef>
+        </p:style>
+        <p:txBody>
+          <a:bodyPr rtlCol="0" anchor="ctr"/>
+          <a:lstStyle/>
+          <a:p>
+            <a:pPr algn="ctr"/>
+            <a:endParaRPr lang="en-US"/>
+          </a:p>
+        </p:txBody>
+      </p:sp>
+      <p:sp>
+        <p:nvSpPr>
+          <p:cNvPr id="96" name="TextBox 95">
+            <a:extLst>
+              <a:ext uri="{FF2B5EF4-FFF2-40B4-BE49-F238E27FC236}">
+                <a16:creationId xmlns:a16="http://schemas.microsoft.com/office/drawing/2014/main" id="{2702C1F2-CD39-514C-A996-2FA3E10EB82E}"/>
+              </a:ext>
+            </a:extLst>
+          </p:cNvPr>
+          <p:cNvSpPr txBox="1"/>
+          <p:nvPr/>
+        </p:nvSpPr>
+        <p:spPr>
+          <a:xfrm>
+            <a:off x="5635177" y="2413797"/>
+            <a:ext cx="790601" cy="307777"/>
+          </a:xfrm>
+          <a:prstGeom prst="rect">
+            <a:avLst/>
+          </a:prstGeom>
+          <a:noFill/>
+        </p:spPr>
+        <p:txBody>
+          <a:bodyPr wrap="none" rtlCol="0">
+            <a:spAutoFit/>
+          </a:bodyPr>
+          <a:lstStyle/>
+          <a:p>
+            <a:r>
+              <a:rPr lang="en-US" sz="1400" b="1" dirty="0">
+                <a:solidFill>
+                  <a:schemeClr val="bg1"/>
+                </a:solidFill>
+                <a:latin typeface="Yu Gothic" panose="020B0400000000000000" pitchFamily="34" charset="-128"/>
+                <a:ea typeface="Yu Gothic" panose="020B0400000000000000" pitchFamily="34" charset="-128"/>
+              </a:rPr>
+              <a:t>Packet</a:t>
+            </a:r>
+          </a:p>
+        </p:txBody>
+      </p:sp>
+      <p:sp>
+        <p:nvSpPr>
+          <p:cNvPr id="97" name="TextBox 96">
+            <a:extLst>
+              <a:ext uri="{FF2B5EF4-FFF2-40B4-BE49-F238E27FC236}">
+                <a16:creationId xmlns:a16="http://schemas.microsoft.com/office/drawing/2014/main" id="{2D58A071-B77A-7A42-AE31-216924308451}"/>
+              </a:ext>
+            </a:extLst>
+          </p:cNvPr>
+          <p:cNvSpPr txBox="1"/>
+          <p:nvPr/>
+        </p:nvSpPr>
+        <p:spPr>
+          <a:xfrm>
+            <a:off x="5394727" y="2615943"/>
+            <a:ext cx="1208985" cy="307777"/>
+          </a:xfrm>
+          <a:prstGeom prst="rect">
+            <a:avLst/>
+          </a:prstGeom>
+          <a:noFill/>
+        </p:spPr>
+        <p:txBody>
+          <a:bodyPr wrap="none" rtlCol="0">
+            <a:spAutoFit/>
+          </a:bodyPr>
+          <a:lstStyle/>
+          <a:p>
+            <a:r>
+              <a:rPr lang="en-US" sz="1400" b="1" dirty="0">
+                <a:solidFill>
+                  <a:schemeClr val="bg1"/>
+                </a:solidFill>
+                <a:latin typeface="Yu Gothic" panose="020B0400000000000000" pitchFamily="34" charset="-128"/>
+                <a:ea typeface="Yu Gothic" panose="020B0400000000000000" pitchFamily="34" charset="-128"/>
+              </a:rPr>
+              <a:t>PC1 -&gt; PC3</a:t>
+            </a:r>
+          </a:p>
+        </p:txBody>
+      </p:sp>
+      <p:sp>
+        <p:nvSpPr>
+          <p:cNvPr id="98" name="Down Arrow 97">
+            <a:extLst>
+              <a:ext uri="{FF2B5EF4-FFF2-40B4-BE49-F238E27FC236}">
+                <a16:creationId xmlns:a16="http://schemas.microsoft.com/office/drawing/2014/main" id="{60E797AA-5774-0F45-A0E5-50392F7EA59C}"/>
+              </a:ext>
+            </a:extLst>
+          </p:cNvPr>
+          <p:cNvSpPr/>
+          <p:nvPr/>
+        </p:nvSpPr>
+        <p:spPr>
+          <a:xfrm rot="16200000">
+            <a:off x="10093013" y="2172796"/>
+            <a:ext cx="382741" cy="879817"/>
+          </a:xfrm>
+          <a:prstGeom prst="downArrow">
+            <a:avLst/>
+          </a:prstGeom>
+          <a:solidFill>
+            <a:schemeClr val="tx1"/>
+          </a:solidFill>
+          <a:ln>
+            <a:noFill/>
+          </a:ln>
+        </p:spPr>
+        <p:style>
+          <a:lnRef idx="2">
+            <a:schemeClr val="accent1">
+              <a:shade val="50000"/>
+            </a:schemeClr>
+          </a:lnRef>
+          <a:fillRef idx="1">
+            <a:schemeClr val="accent1"/>
+          </a:fillRef>
+          <a:effectRef idx="0">
+            <a:schemeClr val="accent1"/>
+          </a:effectRef>
+          <a:fontRef idx="minor">
+            <a:schemeClr val="lt1"/>
+          </a:fontRef>
+        </p:style>
+        <p:txBody>
+          <a:bodyPr rtlCol="0" anchor="ctr"/>
+          <a:lstStyle/>
+          <a:p>
+            <a:pPr algn="ctr"/>
+            <a:endParaRPr lang="en-US"/>
+          </a:p>
+        </p:txBody>
+      </p:sp>
+      <p:sp>
+        <p:nvSpPr>
+          <p:cNvPr id="99" name="Rectangle 98">
+            <a:extLst>
+              <a:ext uri="{FF2B5EF4-FFF2-40B4-BE49-F238E27FC236}">
+                <a16:creationId xmlns:a16="http://schemas.microsoft.com/office/drawing/2014/main" id="{2FD136D6-BF58-6143-8CAB-990718256FCD}"/>
+              </a:ext>
+            </a:extLst>
+          </p:cNvPr>
+          <p:cNvSpPr/>
+          <p:nvPr/>
+        </p:nvSpPr>
+        <p:spPr>
+          <a:xfrm>
+            <a:off x="9194783" y="2362686"/>
+            <a:ext cx="1181758" cy="546998"/>
+          </a:xfrm>
+          <a:prstGeom prst="rect">
+            <a:avLst/>
+          </a:prstGeom>
+          <a:solidFill>
+            <a:schemeClr val="tx1"/>
+          </a:solidFill>
+          <a:ln w="38100">
+            <a:solidFill>
+              <a:schemeClr val="bg1"/>
+            </a:solidFill>
+          </a:ln>
+        </p:spPr>
+        <p:style>
+          <a:lnRef idx="2">
+            <a:schemeClr val="accent1">
+              <a:shade val="50000"/>
+            </a:schemeClr>
+          </a:lnRef>
+          <a:fillRef idx="1">
+            <a:schemeClr val="accent1"/>
+          </a:fillRef>
+          <a:effectRef idx="0">
+            <a:schemeClr val="accent1"/>
+          </a:effectRef>
+          <a:fontRef idx="minor">
+            <a:schemeClr val="lt1"/>
+          </a:fontRef>
+        </p:style>
+        <p:txBody>
+          <a:bodyPr rtlCol="0" anchor="ctr"/>
+          <a:lstStyle/>
+          <a:p>
+            <a:pPr algn="ctr"/>
+            <a:endParaRPr lang="en-US"/>
+          </a:p>
+        </p:txBody>
+      </p:sp>
+      <p:sp>
+        <p:nvSpPr>
+          <p:cNvPr id="100" name="TextBox 99">
+            <a:extLst>
+              <a:ext uri="{FF2B5EF4-FFF2-40B4-BE49-F238E27FC236}">
+                <a16:creationId xmlns:a16="http://schemas.microsoft.com/office/drawing/2014/main" id="{A6AFFA47-C31B-E441-81DF-E651B275E2F8}"/>
+              </a:ext>
+            </a:extLst>
+          </p:cNvPr>
+          <p:cNvSpPr txBox="1"/>
+          <p:nvPr/>
+        </p:nvSpPr>
+        <p:spPr>
+          <a:xfrm>
+            <a:off x="9408005" y="2394813"/>
+            <a:ext cx="790601" cy="307777"/>
+          </a:xfrm>
+          <a:prstGeom prst="rect">
+            <a:avLst/>
+          </a:prstGeom>
+          <a:noFill/>
+        </p:spPr>
+        <p:txBody>
+          <a:bodyPr wrap="none" rtlCol="0">
+            <a:spAutoFit/>
+          </a:bodyPr>
+          <a:lstStyle/>
+          <a:p>
+            <a:r>
+              <a:rPr lang="en-US" sz="1400" b="1" dirty="0">
+                <a:solidFill>
+                  <a:schemeClr val="bg1"/>
+                </a:solidFill>
+                <a:latin typeface="Yu Gothic" panose="020B0400000000000000" pitchFamily="34" charset="-128"/>
+                <a:ea typeface="Yu Gothic" panose="020B0400000000000000" pitchFamily="34" charset="-128"/>
+              </a:rPr>
+              <a:t>Packet</a:t>
+            </a:r>
+          </a:p>
+        </p:txBody>
+      </p:sp>
+      <p:sp>
+        <p:nvSpPr>
+          <p:cNvPr id="101" name="TextBox 100">
+            <a:extLst>
+              <a:ext uri="{FF2B5EF4-FFF2-40B4-BE49-F238E27FC236}">
+                <a16:creationId xmlns:a16="http://schemas.microsoft.com/office/drawing/2014/main" id="{AC4AFF83-E184-9847-91D6-B9978D226DEC}"/>
+              </a:ext>
+            </a:extLst>
+          </p:cNvPr>
+          <p:cNvSpPr txBox="1"/>
+          <p:nvPr/>
+        </p:nvSpPr>
+        <p:spPr>
+          <a:xfrm>
+            <a:off x="9167555" y="2596959"/>
+            <a:ext cx="1208985" cy="307777"/>
+          </a:xfrm>
+          <a:prstGeom prst="rect">
+            <a:avLst/>
+          </a:prstGeom>
+          <a:noFill/>
+        </p:spPr>
+        <p:txBody>
+          <a:bodyPr wrap="none" rtlCol="0">
+            <a:spAutoFit/>
+          </a:bodyPr>
+          <a:lstStyle/>
+          <a:p>
+            <a:r>
+              <a:rPr lang="en-US" sz="1400" b="1" dirty="0">
+                <a:solidFill>
+                  <a:schemeClr val="bg1"/>
+                </a:solidFill>
+                <a:latin typeface="Yu Gothic" panose="020B0400000000000000" pitchFamily="34" charset="-128"/>
+                <a:ea typeface="Yu Gothic" panose="020B0400000000000000" pitchFamily="34" charset="-128"/>
+              </a:rPr>
+              <a:t>PC1 -&gt; PC3</a:t>
+            </a:r>
+          </a:p>
+        </p:txBody>
+      </p:sp>
+      <p:cxnSp>
+        <p:nvCxnSpPr>
+          <p:cNvPr id="102" name="Straight Connector 101">
+            <a:extLst>
+              <a:ext uri="{FF2B5EF4-FFF2-40B4-BE49-F238E27FC236}">
+                <a16:creationId xmlns:a16="http://schemas.microsoft.com/office/drawing/2014/main" id="{47C30C47-949A-364F-B143-AB583E2DCA48}"/>
+              </a:ext>
+            </a:extLst>
+          </p:cNvPr>
+          <p:cNvCxnSpPr>
+            <a:cxnSpLocks/>
+          </p:cNvCxnSpPr>
+          <p:nvPr/>
+        </p:nvCxnSpPr>
+        <p:spPr>
+          <a:xfrm flipH="1" flipV="1">
+            <a:off x="494598" y="1056577"/>
+            <a:ext cx="1310948" cy="1269350"/>
+          </a:xfrm>
+          <a:prstGeom prst="line">
+            <a:avLst/>
+          </a:prstGeom>
+          <a:ln w="38100">
+            <a:solidFill>
+              <a:schemeClr val="tx1"/>
+            </a:solidFill>
+            <a:prstDash val="dash"/>
+          </a:ln>
+        </p:spPr>
+        <p:style>
+          <a:lnRef idx="1">
+            <a:schemeClr val="accent1"/>
+          </a:lnRef>
+          <a:fillRef idx="0">
+            <a:schemeClr val="accent1"/>
+          </a:fillRef>
+          <a:effectRef idx="0">
+            <a:schemeClr val="accent1"/>
+          </a:effectRef>
+          <a:fontRef idx="minor">
+            <a:schemeClr val="tx1"/>
+          </a:fontRef>
+        </p:style>
+      </p:cxnSp>
+      <p:cxnSp>
+        <p:nvCxnSpPr>
+          <p:cNvPr id="104" name="Straight Connector 103">
+            <a:extLst>
+              <a:ext uri="{FF2B5EF4-FFF2-40B4-BE49-F238E27FC236}">
+                <a16:creationId xmlns:a16="http://schemas.microsoft.com/office/drawing/2014/main" id="{3100AA89-8CE8-074B-A2C3-857D3F7645E1}"/>
+              </a:ext>
+            </a:extLst>
+          </p:cNvPr>
+          <p:cNvCxnSpPr>
+            <a:cxnSpLocks/>
+          </p:cNvCxnSpPr>
+          <p:nvPr/>
+        </p:nvCxnSpPr>
+        <p:spPr>
+          <a:xfrm flipV="1">
+            <a:off x="3001568" y="1063759"/>
+            <a:ext cx="1333436" cy="1220154"/>
+          </a:xfrm>
+          <a:prstGeom prst="line">
+            <a:avLst/>
+          </a:prstGeom>
+          <a:ln w="38100">
+            <a:solidFill>
+              <a:schemeClr val="tx1"/>
+            </a:solidFill>
+            <a:prstDash val="dash"/>
+          </a:ln>
+        </p:spPr>
+        <p:style>
+          <a:lnRef idx="1">
+            <a:schemeClr val="accent1"/>
+          </a:lnRef>
+          <a:fillRef idx="0">
+            <a:schemeClr val="accent1"/>
+          </a:fillRef>
+          <a:effectRef idx="0">
+            <a:schemeClr val="accent1"/>
+          </a:effectRef>
+          <a:fontRef idx="minor">
+            <a:schemeClr val="tx1"/>
+          </a:fontRef>
+        </p:style>
+      </p:cxnSp>
+      <p:cxnSp>
+        <p:nvCxnSpPr>
+          <p:cNvPr id="142" name="Straight Connector 141">
+            <a:extLst>
+              <a:ext uri="{FF2B5EF4-FFF2-40B4-BE49-F238E27FC236}">
+                <a16:creationId xmlns:a16="http://schemas.microsoft.com/office/drawing/2014/main" id="{43DAD727-6E35-2C48-827C-C355C81E0BEE}"/>
+              </a:ext>
+            </a:extLst>
+          </p:cNvPr>
+          <p:cNvCxnSpPr>
+            <a:cxnSpLocks/>
+          </p:cNvCxnSpPr>
+          <p:nvPr/>
+        </p:nvCxnSpPr>
+        <p:spPr>
+          <a:xfrm flipH="1" flipV="1">
+            <a:off x="4143464" y="2005091"/>
+            <a:ext cx="1287067" cy="339518"/>
+          </a:xfrm>
+          <a:prstGeom prst="line">
+            <a:avLst/>
+          </a:prstGeom>
+          <a:ln w="38100">
+            <a:solidFill>
+              <a:schemeClr val="tx1"/>
+            </a:solidFill>
+            <a:prstDash val="dash"/>
+          </a:ln>
+        </p:spPr>
+        <p:style>
+          <a:lnRef idx="1">
+            <a:schemeClr val="accent1"/>
+          </a:lnRef>
+          <a:fillRef idx="0">
+            <a:schemeClr val="accent1"/>
+          </a:fillRef>
+          <a:effectRef idx="0">
+            <a:schemeClr val="accent1"/>
+          </a:effectRef>
+          <a:fontRef idx="minor">
+            <a:schemeClr val="tx1"/>
+          </a:fontRef>
+        </p:style>
+      </p:cxnSp>
+      <p:cxnSp>
+        <p:nvCxnSpPr>
+          <p:cNvPr id="143" name="Straight Connector 142">
+            <a:extLst>
+              <a:ext uri="{FF2B5EF4-FFF2-40B4-BE49-F238E27FC236}">
+                <a16:creationId xmlns:a16="http://schemas.microsoft.com/office/drawing/2014/main" id="{065D9D73-1A98-504D-B254-010819F2E0BF}"/>
+              </a:ext>
+            </a:extLst>
+          </p:cNvPr>
+          <p:cNvCxnSpPr>
+            <a:cxnSpLocks/>
+          </p:cNvCxnSpPr>
+          <p:nvPr/>
+        </p:nvCxnSpPr>
+        <p:spPr>
+          <a:xfrm flipV="1">
+            <a:off x="6603712" y="2024024"/>
+            <a:ext cx="1465248" cy="362663"/>
+          </a:xfrm>
+          <a:prstGeom prst="line">
+            <a:avLst/>
+          </a:prstGeom>
+          <a:ln w="38100">
+            <a:solidFill>
+              <a:schemeClr val="tx1"/>
+            </a:solidFill>
+            <a:prstDash val="dash"/>
+          </a:ln>
+        </p:spPr>
+        <p:style>
+          <a:lnRef idx="1">
+            <a:schemeClr val="accent1"/>
+          </a:lnRef>
+          <a:fillRef idx="0">
+            <a:schemeClr val="accent1"/>
+          </a:fillRef>
+          <a:effectRef idx="0">
+            <a:schemeClr val="accent1"/>
+          </a:effectRef>
+          <a:fontRef idx="minor">
+            <a:schemeClr val="tx1"/>
+          </a:fontRef>
+        </p:style>
+      </p:cxnSp>
+      <p:cxnSp>
+        <p:nvCxnSpPr>
+          <p:cNvPr id="144" name="Straight Connector 143">
+            <a:extLst>
+              <a:ext uri="{FF2B5EF4-FFF2-40B4-BE49-F238E27FC236}">
+                <a16:creationId xmlns:a16="http://schemas.microsoft.com/office/drawing/2014/main" id="{EF49C513-73CA-834F-A05D-FA98D30FAE77}"/>
+              </a:ext>
+            </a:extLst>
+          </p:cNvPr>
+          <p:cNvCxnSpPr>
+            <a:cxnSpLocks/>
+          </p:cNvCxnSpPr>
+          <p:nvPr/>
+        </p:nvCxnSpPr>
+        <p:spPr>
+          <a:xfrm flipH="1" flipV="1">
+            <a:off x="7994926" y="1101467"/>
+            <a:ext cx="1199857" cy="1224460"/>
+          </a:xfrm>
+          <a:prstGeom prst="line">
+            <a:avLst/>
+          </a:prstGeom>
+          <a:ln w="38100">
+            <a:solidFill>
+              <a:schemeClr val="tx1"/>
+            </a:solidFill>
+            <a:prstDash val="dash"/>
+          </a:ln>
+        </p:spPr>
+        <p:style>
+          <a:lnRef idx="1">
+            <a:schemeClr val="accent1"/>
+          </a:lnRef>
+          <a:fillRef idx="0">
+            <a:schemeClr val="accent1"/>
+          </a:fillRef>
+          <a:effectRef idx="0">
+            <a:schemeClr val="accent1"/>
+          </a:effectRef>
+          <a:fontRef idx="minor">
+            <a:schemeClr val="tx1"/>
+          </a:fontRef>
+        </p:style>
+      </p:cxnSp>
+      <p:cxnSp>
+        <p:nvCxnSpPr>
+          <p:cNvPr id="145" name="Straight Connector 144">
+            <a:extLst>
+              <a:ext uri="{FF2B5EF4-FFF2-40B4-BE49-F238E27FC236}">
+                <a16:creationId xmlns:a16="http://schemas.microsoft.com/office/drawing/2014/main" id="{75D72665-5B86-7D48-AC4A-3892F382E025}"/>
+              </a:ext>
+            </a:extLst>
+          </p:cNvPr>
+          <p:cNvCxnSpPr>
+            <a:cxnSpLocks/>
+          </p:cNvCxnSpPr>
+          <p:nvPr/>
+        </p:nvCxnSpPr>
+        <p:spPr>
+          <a:xfrm flipV="1">
+            <a:off x="10376540" y="1142618"/>
+            <a:ext cx="1437365" cy="1231872"/>
+          </a:xfrm>
+          <a:prstGeom prst="line">
+            <a:avLst/>
+          </a:prstGeom>
+          <a:ln w="38100">
+            <a:solidFill>
+              <a:schemeClr val="tx1"/>
+            </a:solidFill>
+            <a:prstDash val="dash"/>
+          </a:ln>
+        </p:spPr>
+        <p:style>
+          <a:lnRef idx="1">
+            <a:schemeClr val="accent1"/>
+          </a:lnRef>
+          <a:fillRef idx="0">
+            <a:schemeClr val="accent1"/>
+          </a:fillRef>
+          <a:effectRef idx="0">
+            <a:schemeClr val="accent1"/>
+          </a:effectRef>
+          <a:fontRef idx="minor">
+            <a:schemeClr val="tx1"/>
+          </a:fontRef>
+        </p:style>
+      </p:cxnSp>
+      <p:sp>
+        <p:nvSpPr>
+          <p:cNvPr id="146" name="Rectangle 145">
+            <a:extLst>
+              <a:ext uri="{FF2B5EF4-FFF2-40B4-BE49-F238E27FC236}">
+                <a16:creationId xmlns:a16="http://schemas.microsoft.com/office/drawing/2014/main" id="{C3CE0540-8A2F-2A47-801E-4FE4245EDA24}"/>
+              </a:ext>
+            </a:extLst>
+          </p:cNvPr>
+          <p:cNvSpPr/>
+          <p:nvPr/>
+        </p:nvSpPr>
+        <p:spPr>
+          <a:xfrm>
+            <a:off x="423807" y="367643"/>
+            <a:ext cx="635952" cy="610744"/>
+          </a:xfrm>
+          <a:prstGeom prst="rect">
+            <a:avLst/>
+          </a:prstGeom>
+          <a:solidFill>
+            <a:schemeClr val="tx2">
+              <a:lumMod val="50000"/>
+              <a:lumOff val="50000"/>
+            </a:schemeClr>
+          </a:solidFill>
+          <a:ln w="38100">
+            <a:solidFill>
+              <a:schemeClr val="bg1"/>
+            </a:solidFill>
+          </a:ln>
+        </p:spPr>
+        <p:style>
+          <a:lnRef idx="2">
+            <a:schemeClr val="accent1">
+              <a:shade val="50000"/>
+            </a:schemeClr>
+          </a:lnRef>
+          <a:fillRef idx="1">
+            <a:schemeClr val="accent1"/>
+          </a:fillRef>
+          <a:effectRef idx="0">
+            <a:schemeClr val="accent1"/>
+          </a:effectRef>
+          <a:fontRef idx="minor">
+            <a:schemeClr val="lt1"/>
+          </a:fontRef>
+        </p:style>
+        <p:txBody>
+          <a:bodyPr rtlCol="0" anchor="ctr"/>
+          <a:lstStyle/>
+          <a:p>
+            <a:pPr algn="ctr"/>
+            <a:endParaRPr lang="en-US" sz="1600"/>
+          </a:p>
+        </p:txBody>
+      </p:sp>
+      <p:sp>
+        <p:nvSpPr>
+          <p:cNvPr id="147" name="TextBox 146">
+            <a:extLst>
+              <a:ext uri="{FF2B5EF4-FFF2-40B4-BE49-F238E27FC236}">
+                <a16:creationId xmlns:a16="http://schemas.microsoft.com/office/drawing/2014/main" id="{7E76262A-6383-F34C-BC04-698707154C15}"/>
+              </a:ext>
+            </a:extLst>
+          </p:cNvPr>
+          <p:cNvSpPr txBox="1"/>
+          <p:nvPr/>
+        </p:nvSpPr>
+        <p:spPr>
+          <a:xfrm>
+            <a:off x="395089" y="539641"/>
+            <a:ext cx="688009" cy="307777"/>
+          </a:xfrm>
+          <a:prstGeom prst="rect">
+            <a:avLst/>
+          </a:prstGeom>
+          <a:noFill/>
+        </p:spPr>
+        <p:txBody>
+          <a:bodyPr wrap="none" rtlCol="0">
+            <a:spAutoFit/>
+          </a:bodyPr>
+          <a:lstStyle/>
+          <a:p>
+            <a:r>
+              <a:rPr lang="en-US" sz="1400" b="1" dirty="0">
+                <a:solidFill>
+                  <a:schemeClr val="bg1"/>
+                </a:solidFill>
+                <a:latin typeface="Yu Gothic" panose="020B0400000000000000" pitchFamily="34" charset="-128"/>
+                <a:ea typeface="Yu Gothic" panose="020B0400000000000000" pitchFamily="34" charset="-128"/>
+              </a:rPr>
+              <a:t>DATA</a:t>
+            </a:r>
+          </a:p>
+        </p:txBody>
+      </p:sp>
+      <p:sp>
+        <p:nvSpPr>
+          <p:cNvPr id="148" name="Rectangle 147">
+            <a:extLst>
+              <a:ext uri="{FF2B5EF4-FFF2-40B4-BE49-F238E27FC236}">
+                <a16:creationId xmlns:a16="http://schemas.microsoft.com/office/drawing/2014/main" id="{5584BECB-D743-D749-92BD-28BE0707F152}"/>
+              </a:ext>
+            </a:extLst>
+          </p:cNvPr>
+          <p:cNvSpPr/>
+          <p:nvPr/>
+        </p:nvSpPr>
+        <p:spPr>
+          <a:xfrm>
+            <a:off x="7903408" y="413092"/>
+            <a:ext cx="635952" cy="610744"/>
+          </a:xfrm>
+          <a:prstGeom prst="rect">
+            <a:avLst/>
+          </a:prstGeom>
+          <a:solidFill>
+            <a:schemeClr val="tx2">
+              <a:lumMod val="50000"/>
+              <a:lumOff val="50000"/>
+            </a:schemeClr>
+          </a:solidFill>
+          <a:ln w="38100">
+            <a:solidFill>
+              <a:schemeClr val="bg1"/>
+            </a:solidFill>
+          </a:ln>
+        </p:spPr>
+        <p:style>
+          <a:lnRef idx="2">
+            <a:schemeClr val="accent1">
+              <a:shade val="50000"/>
+            </a:schemeClr>
+          </a:lnRef>
+          <a:fillRef idx="1">
+            <a:schemeClr val="accent1"/>
+          </a:fillRef>
+          <a:effectRef idx="0">
+            <a:schemeClr val="accent1"/>
+          </a:effectRef>
+          <a:fontRef idx="minor">
+            <a:schemeClr val="lt1"/>
+          </a:fontRef>
+        </p:style>
+        <p:txBody>
+          <a:bodyPr rtlCol="0" anchor="ctr"/>
+          <a:lstStyle/>
+          <a:p>
+            <a:pPr algn="ctr"/>
+            <a:endParaRPr lang="en-US" sz="1600"/>
+          </a:p>
+        </p:txBody>
+      </p:sp>
+      <p:sp>
+        <p:nvSpPr>
+          <p:cNvPr id="149" name="TextBox 148">
+            <a:extLst>
+              <a:ext uri="{FF2B5EF4-FFF2-40B4-BE49-F238E27FC236}">
+                <a16:creationId xmlns:a16="http://schemas.microsoft.com/office/drawing/2014/main" id="{7FFB5F54-2172-EF4C-9E29-4579B5E80CB9}"/>
+              </a:ext>
+            </a:extLst>
+          </p:cNvPr>
+          <p:cNvSpPr txBox="1"/>
+          <p:nvPr/>
+        </p:nvSpPr>
+        <p:spPr>
+          <a:xfrm>
+            <a:off x="7874690" y="585090"/>
+            <a:ext cx="688009" cy="307777"/>
+          </a:xfrm>
+          <a:prstGeom prst="rect">
+            <a:avLst/>
+          </a:prstGeom>
+          <a:noFill/>
+        </p:spPr>
+        <p:txBody>
+          <a:bodyPr wrap="none" rtlCol="0">
+            <a:spAutoFit/>
+          </a:bodyPr>
+          <a:lstStyle/>
+          <a:p>
+            <a:r>
+              <a:rPr lang="en-US" sz="1400" b="1" dirty="0">
+                <a:solidFill>
+                  <a:schemeClr val="bg1"/>
+                </a:solidFill>
+                <a:latin typeface="Yu Gothic" panose="020B0400000000000000" pitchFamily="34" charset="-128"/>
+                <a:ea typeface="Yu Gothic" panose="020B0400000000000000" pitchFamily="34" charset="-128"/>
+              </a:rPr>
+              <a:t>DATA</a:t>
+            </a:r>
+          </a:p>
+        </p:txBody>
+      </p:sp>
+      <p:sp>
+        <p:nvSpPr>
+          <p:cNvPr id="150" name="Rectangle 149">
+            <a:extLst>
+              <a:ext uri="{FF2B5EF4-FFF2-40B4-BE49-F238E27FC236}">
+                <a16:creationId xmlns:a16="http://schemas.microsoft.com/office/drawing/2014/main" id="{5C98C7BA-1453-074B-B591-EDA5FBA26DDE}"/>
+              </a:ext>
+            </a:extLst>
+          </p:cNvPr>
+          <p:cNvSpPr/>
+          <p:nvPr/>
+        </p:nvSpPr>
+        <p:spPr>
+          <a:xfrm>
+            <a:off x="4115578" y="1359979"/>
+            <a:ext cx="635952" cy="610744"/>
+          </a:xfrm>
+          <a:prstGeom prst="rect">
+            <a:avLst/>
+          </a:prstGeom>
+          <a:solidFill>
+            <a:schemeClr val="tx2">
+              <a:lumMod val="50000"/>
+              <a:lumOff val="50000"/>
+            </a:schemeClr>
+          </a:solidFill>
+          <a:ln w="38100">
+            <a:solidFill>
+              <a:schemeClr val="bg1"/>
+            </a:solidFill>
+          </a:ln>
+        </p:spPr>
+        <p:style>
+          <a:lnRef idx="2">
+            <a:schemeClr val="accent1">
+              <a:shade val="50000"/>
+            </a:schemeClr>
+          </a:lnRef>
+          <a:fillRef idx="1">
+            <a:schemeClr val="accent1"/>
+          </a:fillRef>
+          <a:effectRef idx="0">
+            <a:schemeClr val="accent1"/>
+          </a:effectRef>
+          <a:fontRef idx="minor">
+            <a:schemeClr val="lt1"/>
+          </a:fontRef>
+        </p:style>
+        <p:txBody>
+          <a:bodyPr rtlCol="0" anchor="ctr"/>
+          <a:lstStyle/>
+          <a:p>
+            <a:pPr algn="ctr"/>
+            <a:endParaRPr lang="en-US" sz="1600"/>
+          </a:p>
+        </p:txBody>
+      </p:sp>
+      <p:sp>
+        <p:nvSpPr>
+          <p:cNvPr id="151" name="TextBox 150">
+            <a:extLst>
+              <a:ext uri="{FF2B5EF4-FFF2-40B4-BE49-F238E27FC236}">
+                <a16:creationId xmlns:a16="http://schemas.microsoft.com/office/drawing/2014/main" id="{E8A52FCA-3D6C-9541-A085-5EFDBA195754}"/>
+              </a:ext>
+            </a:extLst>
+          </p:cNvPr>
+          <p:cNvSpPr txBox="1"/>
+          <p:nvPr/>
+        </p:nvSpPr>
+        <p:spPr>
+          <a:xfrm>
+            <a:off x="4086860" y="1531977"/>
+            <a:ext cx="688009" cy="307777"/>
+          </a:xfrm>
+          <a:prstGeom prst="rect">
+            <a:avLst/>
+          </a:prstGeom>
+          <a:noFill/>
+        </p:spPr>
+        <p:txBody>
+          <a:bodyPr wrap="none" rtlCol="0">
+            <a:spAutoFit/>
+          </a:bodyPr>
+          <a:lstStyle/>
+          <a:p>
+            <a:r>
+              <a:rPr lang="en-US" sz="1400" b="1" dirty="0">
+                <a:solidFill>
+                  <a:schemeClr val="bg1"/>
+                </a:solidFill>
+                <a:latin typeface="Yu Gothic" panose="020B0400000000000000" pitchFamily="34" charset="-128"/>
+                <a:ea typeface="Yu Gothic" panose="020B0400000000000000" pitchFamily="34" charset="-128"/>
+              </a:rPr>
+              <a:t>DATA</a:t>
+            </a:r>
+          </a:p>
+        </p:txBody>
+      </p:sp>
+    </p:spTree>
+    <p:extLst>
+      <p:ext uri="{BB962C8B-B14F-4D97-AF65-F5344CB8AC3E}">
+        <p14:creationId xmlns:p14="http://schemas.microsoft.com/office/powerpoint/2010/main" val="1485889145"/>
       </p:ext>
     </p:extLst>
   </p:cSld>

--- a/slides/0030.pptx
+++ b/slides/0030.pptx
@@ -264,7 +264,7 @@
           <a:p>
             <a:fld id="{5AEC58D5-D0FD-5D43-AC21-2C9A8E377766}" type="datetimeFigureOut">
               <a:rPr lang="en-US" smtClean="0"/>
-              <a:t>5/16/18</a:t>
+              <a:t>5/19/18</a:t>
             </a:fld>
             <a:endParaRPr lang="en-US"/>
           </a:p>
@@ -462,7 +462,7 @@
           <a:p>
             <a:fld id="{5AEC58D5-D0FD-5D43-AC21-2C9A8E377766}" type="datetimeFigureOut">
               <a:rPr lang="en-US" smtClean="0"/>
-              <a:t>5/16/18</a:t>
+              <a:t>5/19/18</a:t>
             </a:fld>
             <a:endParaRPr lang="en-US"/>
           </a:p>
@@ -670,7 +670,7 @@
           <a:p>
             <a:fld id="{5AEC58D5-D0FD-5D43-AC21-2C9A8E377766}" type="datetimeFigureOut">
               <a:rPr lang="en-US" smtClean="0"/>
-              <a:t>5/16/18</a:t>
+              <a:t>5/19/18</a:t>
             </a:fld>
             <a:endParaRPr lang="en-US"/>
           </a:p>
@@ -868,7 +868,7 @@
           <a:p>
             <a:fld id="{5AEC58D5-D0FD-5D43-AC21-2C9A8E377766}" type="datetimeFigureOut">
               <a:rPr lang="en-US" smtClean="0"/>
-              <a:t>5/16/18</a:t>
+              <a:t>5/19/18</a:t>
             </a:fld>
             <a:endParaRPr lang="en-US"/>
           </a:p>
@@ -1143,7 +1143,7 @@
           <a:p>
             <a:fld id="{5AEC58D5-D0FD-5D43-AC21-2C9A8E377766}" type="datetimeFigureOut">
               <a:rPr lang="en-US" smtClean="0"/>
-              <a:t>5/16/18</a:t>
+              <a:t>5/19/18</a:t>
             </a:fld>
             <a:endParaRPr lang="en-US"/>
           </a:p>
@@ -1408,7 +1408,7 @@
           <a:p>
             <a:fld id="{5AEC58D5-D0FD-5D43-AC21-2C9A8E377766}" type="datetimeFigureOut">
               <a:rPr lang="en-US" smtClean="0"/>
-              <a:t>5/16/18</a:t>
+              <a:t>5/19/18</a:t>
             </a:fld>
             <a:endParaRPr lang="en-US"/>
           </a:p>
@@ -1820,7 +1820,7 @@
           <a:p>
             <a:fld id="{5AEC58D5-D0FD-5D43-AC21-2C9A8E377766}" type="datetimeFigureOut">
               <a:rPr lang="en-US" smtClean="0"/>
-              <a:t>5/16/18</a:t>
+              <a:t>5/19/18</a:t>
             </a:fld>
             <a:endParaRPr lang="en-US"/>
           </a:p>
@@ -1961,7 +1961,7 @@
           <a:p>
             <a:fld id="{5AEC58D5-D0FD-5D43-AC21-2C9A8E377766}" type="datetimeFigureOut">
               <a:rPr lang="en-US" smtClean="0"/>
-              <a:t>5/16/18</a:t>
+              <a:t>5/19/18</a:t>
             </a:fld>
             <a:endParaRPr lang="en-US"/>
           </a:p>
@@ -2074,7 +2074,7 @@
           <a:p>
             <a:fld id="{5AEC58D5-D0FD-5D43-AC21-2C9A8E377766}" type="datetimeFigureOut">
               <a:rPr lang="en-US" smtClean="0"/>
-              <a:t>5/16/18</a:t>
+              <a:t>5/19/18</a:t>
             </a:fld>
             <a:endParaRPr lang="en-US"/>
           </a:p>
@@ -2385,7 +2385,7 @@
           <a:p>
             <a:fld id="{5AEC58D5-D0FD-5D43-AC21-2C9A8E377766}" type="datetimeFigureOut">
               <a:rPr lang="en-US" smtClean="0"/>
-              <a:t>5/16/18</a:t>
+              <a:t>5/19/18</a:t>
             </a:fld>
             <a:endParaRPr lang="en-US"/>
           </a:p>
@@ -2673,7 +2673,7 @@
           <a:p>
             <a:fld id="{5AEC58D5-D0FD-5D43-AC21-2C9A8E377766}" type="datetimeFigureOut">
               <a:rPr lang="en-US" smtClean="0"/>
-              <a:t>5/16/18</a:t>
+              <a:t>5/19/18</a:t>
             </a:fld>
             <a:endParaRPr lang="en-US"/>
           </a:p>
@@ -2914,7 +2914,7 @@
           <a:p>
             <a:fld id="{5AEC58D5-D0FD-5D43-AC21-2C9A8E377766}" type="datetimeFigureOut">
               <a:rPr lang="en-US" smtClean="0"/>
-              <a:t>5/16/18</a:t>
+              <a:t>5/19/18</a:t>
             </a:fld>
             <a:endParaRPr lang="en-US"/>
           </a:p>
@@ -6714,7 +6714,7 @@
         </p:nvSpPr>
         <p:spPr>
           <a:xfrm>
-            <a:off x="9582094" y="4746975"/>
+            <a:off x="9473234" y="4746975"/>
             <a:ext cx="2492990" cy="923330"/>
           </a:xfrm>
           <a:prstGeom prst="rect">

--- a/slides/0030.pptx
+++ b/slides/0030.pptx
@@ -264,7 +264,7 @@
           <a:p>
             <a:fld id="{5AEC58D5-D0FD-5D43-AC21-2C9A8E377766}" type="datetimeFigureOut">
               <a:rPr lang="en-US" smtClean="0"/>
-              <a:t>5/19/18</a:t>
+              <a:t>6/19/18</a:t>
             </a:fld>
             <a:endParaRPr lang="en-US"/>
           </a:p>
@@ -462,7 +462,7 @@
           <a:p>
             <a:fld id="{5AEC58D5-D0FD-5D43-AC21-2C9A8E377766}" type="datetimeFigureOut">
               <a:rPr lang="en-US" smtClean="0"/>
-              <a:t>5/19/18</a:t>
+              <a:t>6/19/18</a:t>
             </a:fld>
             <a:endParaRPr lang="en-US"/>
           </a:p>
@@ -670,7 +670,7 @@
           <a:p>
             <a:fld id="{5AEC58D5-D0FD-5D43-AC21-2C9A8E377766}" type="datetimeFigureOut">
               <a:rPr lang="en-US" smtClean="0"/>
-              <a:t>5/19/18</a:t>
+              <a:t>6/19/18</a:t>
             </a:fld>
             <a:endParaRPr lang="en-US"/>
           </a:p>
@@ -868,7 +868,7 @@
           <a:p>
             <a:fld id="{5AEC58D5-D0FD-5D43-AC21-2C9A8E377766}" type="datetimeFigureOut">
               <a:rPr lang="en-US" smtClean="0"/>
-              <a:t>5/19/18</a:t>
+              <a:t>6/19/18</a:t>
             </a:fld>
             <a:endParaRPr lang="en-US"/>
           </a:p>
@@ -1143,7 +1143,7 @@
           <a:p>
             <a:fld id="{5AEC58D5-D0FD-5D43-AC21-2C9A8E377766}" type="datetimeFigureOut">
               <a:rPr lang="en-US" smtClean="0"/>
-              <a:t>5/19/18</a:t>
+              <a:t>6/19/18</a:t>
             </a:fld>
             <a:endParaRPr lang="en-US"/>
           </a:p>
@@ -1408,7 +1408,7 @@
           <a:p>
             <a:fld id="{5AEC58D5-D0FD-5D43-AC21-2C9A8E377766}" type="datetimeFigureOut">
               <a:rPr lang="en-US" smtClean="0"/>
-              <a:t>5/19/18</a:t>
+              <a:t>6/19/18</a:t>
             </a:fld>
             <a:endParaRPr lang="en-US"/>
           </a:p>
@@ -1820,7 +1820,7 @@
           <a:p>
             <a:fld id="{5AEC58D5-D0FD-5D43-AC21-2C9A8E377766}" type="datetimeFigureOut">
               <a:rPr lang="en-US" smtClean="0"/>
-              <a:t>5/19/18</a:t>
+              <a:t>6/19/18</a:t>
             </a:fld>
             <a:endParaRPr lang="en-US"/>
           </a:p>
@@ -1961,7 +1961,7 @@
           <a:p>
             <a:fld id="{5AEC58D5-D0FD-5D43-AC21-2C9A8E377766}" type="datetimeFigureOut">
               <a:rPr lang="en-US" smtClean="0"/>
-              <a:t>5/19/18</a:t>
+              <a:t>6/19/18</a:t>
             </a:fld>
             <a:endParaRPr lang="en-US"/>
           </a:p>
@@ -2074,7 +2074,7 @@
           <a:p>
             <a:fld id="{5AEC58D5-D0FD-5D43-AC21-2C9A8E377766}" type="datetimeFigureOut">
               <a:rPr lang="en-US" smtClean="0"/>
-              <a:t>5/19/18</a:t>
+              <a:t>6/19/18</a:t>
             </a:fld>
             <a:endParaRPr lang="en-US"/>
           </a:p>
@@ -2385,7 +2385,7 @@
           <a:p>
             <a:fld id="{5AEC58D5-D0FD-5D43-AC21-2C9A8E377766}" type="datetimeFigureOut">
               <a:rPr lang="en-US" smtClean="0"/>
-              <a:t>5/19/18</a:t>
+              <a:t>6/19/18</a:t>
             </a:fld>
             <a:endParaRPr lang="en-US"/>
           </a:p>
@@ -2673,7 +2673,7 @@
           <a:p>
             <a:fld id="{5AEC58D5-D0FD-5D43-AC21-2C9A8E377766}" type="datetimeFigureOut">
               <a:rPr lang="en-US" smtClean="0"/>
-              <a:t>5/19/18</a:t>
+              <a:t>6/19/18</a:t>
             </a:fld>
             <a:endParaRPr lang="en-US"/>
           </a:p>
@@ -2914,7 +2914,7 @@
           <a:p>
             <a:fld id="{5AEC58D5-D0FD-5D43-AC21-2C9A8E377766}" type="datetimeFigureOut">
               <a:rPr lang="en-US" smtClean="0"/>
-              <a:t>5/19/18</a:t>
+              <a:t>6/19/18</a:t>
             </a:fld>
             <a:endParaRPr lang="en-US"/>
           </a:p>

--- a/slides/0030.pptx
+++ b/slides/0030.pptx
@@ -264,7 +264,7 @@
           <a:p>
             <a:fld id="{5AEC58D5-D0FD-5D43-AC21-2C9A8E377766}" type="datetimeFigureOut">
               <a:rPr lang="en-US" smtClean="0"/>
-              <a:t>6/19/18</a:t>
+              <a:t>6/25/18</a:t>
             </a:fld>
             <a:endParaRPr lang="en-US"/>
           </a:p>
@@ -462,7 +462,7 @@
           <a:p>
             <a:fld id="{5AEC58D5-D0FD-5D43-AC21-2C9A8E377766}" type="datetimeFigureOut">
               <a:rPr lang="en-US" smtClean="0"/>
-              <a:t>6/19/18</a:t>
+              <a:t>6/25/18</a:t>
             </a:fld>
             <a:endParaRPr lang="en-US"/>
           </a:p>
@@ -670,7 +670,7 @@
           <a:p>
             <a:fld id="{5AEC58D5-D0FD-5D43-AC21-2C9A8E377766}" type="datetimeFigureOut">
               <a:rPr lang="en-US" smtClean="0"/>
-              <a:t>6/19/18</a:t>
+              <a:t>6/25/18</a:t>
             </a:fld>
             <a:endParaRPr lang="en-US"/>
           </a:p>
@@ -868,7 +868,7 @@
           <a:p>
             <a:fld id="{5AEC58D5-D0FD-5D43-AC21-2C9A8E377766}" type="datetimeFigureOut">
               <a:rPr lang="en-US" smtClean="0"/>
-              <a:t>6/19/18</a:t>
+              <a:t>6/25/18</a:t>
             </a:fld>
             <a:endParaRPr lang="en-US"/>
           </a:p>
@@ -1143,7 +1143,7 @@
           <a:p>
             <a:fld id="{5AEC58D5-D0FD-5D43-AC21-2C9A8E377766}" type="datetimeFigureOut">
               <a:rPr lang="en-US" smtClean="0"/>
-              <a:t>6/19/18</a:t>
+              <a:t>6/25/18</a:t>
             </a:fld>
             <a:endParaRPr lang="en-US"/>
           </a:p>
@@ -1408,7 +1408,7 @@
           <a:p>
             <a:fld id="{5AEC58D5-D0FD-5D43-AC21-2C9A8E377766}" type="datetimeFigureOut">
               <a:rPr lang="en-US" smtClean="0"/>
-              <a:t>6/19/18</a:t>
+              <a:t>6/25/18</a:t>
             </a:fld>
             <a:endParaRPr lang="en-US"/>
           </a:p>
@@ -1820,7 +1820,7 @@
           <a:p>
             <a:fld id="{5AEC58D5-D0FD-5D43-AC21-2C9A8E377766}" type="datetimeFigureOut">
               <a:rPr lang="en-US" smtClean="0"/>
-              <a:t>6/19/18</a:t>
+              <a:t>6/25/18</a:t>
             </a:fld>
             <a:endParaRPr lang="en-US"/>
           </a:p>
@@ -1961,7 +1961,7 @@
           <a:p>
             <a:fld id="{5AEC58D5-D0FD-5D43-AC21-2C9A8E377766}" type="datetimeFigureOut">
               <a:rPr lang="en-US" smtClean="0"/>
-              <a:t>6/19/18</a:t>
+              <a:t>6/25/18</a:t>
             </a:fld>
             <a:endParaRPr lang="en-US"/>
           </a:p>
@@ -2074,7 +2074,7 @@
           <a:p>
             <a:fld id="{5AEC58D5-D0FD-5D43-AC21-2C9A8E377766}" type="datetimeFigureOut">
               <a:rPr lang="en-US" smtClean="0"/>
-              <a:t>6/19/18</a:t>
+              <a:t>6/25/18</a:t>
             </a:fld>
             <a:endParaRPr lang="en-US"/>
           </a:p>
@@ -2385,7 +2385,7 @@
           <a:p>
             <a:fld id="{5AEC58D5-D0FD-5D43-AC21-2C9A8E377766}" type="datetimeFigureOut">
               <a:rPr lang="en-US" smtClean="0"/>
-              <a:t>6/19/18</a:t>
+              <a:t>6/25/18</a:t>
             </a:fld>
             <a:endParaRPr lang="en-US"/>
           </a:p>
@@ -2673,7 +2673,7 @@
           <a:p>
             <a:fld id="{5AEC58D5-D0FD-5D43-AC21-2C9A8E377766}" type="datetimeFigureOut">
               <a:rPr lang="en-US" smtClean="0"/>
-              <a:t>6/19/18</a:t>
+              <a:t>6/25/18</a:t>
             </a:fld>
             <a:endParaRPr lang="en-US"/>
           </a:p>
@@ -2914,7 +2914,7 @@
           <a:p>
             <a:fld id="{5AEC58D5-D0FD-5D43-AC21-2C9A8E377766}" type="datetimeFigureOut">
               <a:rPr lang="en-US" smtClean="0"/>
-              <a:t>6/19/18</a:t>
+              <a:t>6/25/18</a:t>
             </a:fld>
             <a:endParaRPr lang="en-US"/>
           </a:p>

--- a/slides/0030.pptx
+++ b/slides/0030.pptx
@@ -264,7 +264,7 @@
           <a:p>
             <a:fld id="{5AEC58D5-D0FD-5D43-AC21-2C9A8E377766}" type="datetimeFigureOut">
               <a:rPr lang="en-US" smtClean="0"/>
-              <a:t>6/25/18</a:t>
+              <a:t>6/29/18</a:t>
             </a:fld>
             <a:endParaRPr lang="en-US"/>
           </a:p>
@@ -462,7 +462,7 @@
           <a:p>
             <a:fld id="{5AEC58D5-D0FD-5D43-AC21-2C9A8E377766}" type="datetimeFigureOut">
               <a:rPr lang="en-US" smtClean="0"/>
-              <a:t>6/25/18</a:t>
+              <a:t>6/29/18</a:t>
             </a:fld>
             <a:endParaRPr lang="en-US"/>
           </a:p>
@@ -670,7 +670,7 @@
           <a:p>
             <a:fld id="{5AEC58D5-D0FD-5D43-AC21-2C9A8E377766}" type="datetimeFigureOut">
               <a:rPr lang="en-US" smtClean="0"/>
-              <a:t>6/25/18</a:t>
+              <a:t>6/29/18</a:t>
             </a:fld>
             <a:endParaRPr lang="en-US"/>
           </a:p>
@@ -868,7 +868,7 @@
           <a:p>
             <a:fld id="{5AEC58D5-D0FD-5D43-AC21-2C9A8E377766}" type="datetimeFigureOut">
               <a:rPr lang="en-US" smtClean="0"/>
-              <a:t>6/25/18</a:t>
+              <a:t>6/29/18</a:t>
             </a:fld>
             <a:endParaRPr lang="en-US"/>
           </a:p>
@@ -1143,7 +1143,7 @@
           <a:p>
             <a:fld id="{5AEC58D5-D0FD-5D43-AC21-2C9A8E377766}" type="datetimeFigureOut">
               <a:rPr lang="en-US" smtClean="0"/>
-              <a:t>6/25/18</a:t>
+              <a:t>6/29/18</a:t>
             </a:fld>
             <a:endParaRPr lang="en-US"/>
           </a:p>
@@ -1408,7 +1408,7 @@
           <a:p>
             <a:fld id="{5AEC58D5-D0FD-5D43-AC21-2C9A8E377766}" type="datetimeFigureOut">
               <a:rPr lang="en-US" smtClean="0"/>
-              <a:t>6/25/18</a:t>
+              <a:t>6/29/18</a:t>
             </a:fld>
             <a:endParaRPr lang="en-US"/>
           </a:p>
@@ -1820,7 +1820,7 @@
           <a:p>
             <a:fld id="{5AEC58D5-D0FD-5D43-AC21-2C9A8E377766}" type="datetimeFigureOut">
               <a:rPr lang="en-US" smtClean="0"/>
-              <a:t>6/25/18</a:t>
+              <a:t>6/29/18</a:t>
             </a:fld>
             <a:endParaRPr lang="en-US"/>
           </a:p>
@@ -1961,7 +1961,7 @@
           <a:p>
             <a:fld id="{5AEC58D5-D0FD-5D43-AC21-2C9A8E377766}" type="datetimeFigureOut">
               <a:rPr lang="en-US" smtClean="0"/>
-              <a:t>6/25/18</a:t>
+              <a:t>6/29/18</a:t>
             </a:fld>
             <a:endParaRPr lang="en-US"/>
           </a:p>
@@ -2074,7 +2074,7 @@
           <a:p>
             <a:fld id="{5AEC58D5-D0FD-5D43-AC21-2C9A8E377766}" type="datetimeFigureOut">
               <a:rPr lang="en-US" smtClean="0"/>
-              <a:t>6/25/18</a:t>
+              <a:t>6/29/18</a:t>
             </a:fld>
             <a:endParaRPr lang="en-US"/>
           </a:p>
@@ -2385,7 +2385,7 @@
           <a:p>
             <a:fld id="{5AEC58D5-D0FD-5D43-AC21-2C9A8E377766}" type="datetimeFigureOut">
               <a:rPr lang="en-US" smtClean="0"/>
-              <a:t>6/25/18</a:t>
+              <a:t>6/29/18</a:t>
             </a:fld>
             <a:endParaRPr lang="en-US"/>
           </a:p>
@@ -2673,7 +2673,7 @@
           <a:p>
             <a:fld id="{5AEC58D5-D0FD-5D43-AC21-2C9A8E377766}" type="datetimeFigureOut">
               <a:rPr lang="en-US" smtClean="0"/>
-              <a:t>6/25/18</a:t>
+              <a:t>6/29/18</a:t>
             </a:fld>
             <a:endParaRPr lang="en-US"/>
           </a:p>
@@ -2914,7 +2914,7 @@
           <a:p>
             <a:fld id="{5AEC58D5-D0FD-5D43-AC21-2C9A8E377766}" type="datetimeFigureOut">
               <a:rPr lang="en-US" smtClean="0"/>
-              <a:t>6/25/18</a:t>
+              <a:t>6/29/18</a:t>
             </a:fld>
             <a:endParaRPr lang="en-US"/>
           </a:p>
